--- a/Midterm Presentation.pptx
+++ b/Midterm Presentation.pptx
@@ -6177,7 +6177,15 @@
               </a:pPr>
               <a:r>
                 <a:rPr lang="en-US" sz="900" kern="1200" dirty="0"/>
-                <a:t>Establish Engine Familiarity</a:t>
+                <a:t>Establish </a:t>
+              </a:r>
+              <a:r>
+                <a:rPr lang="en-US" sz="900" dirty="0"/>
+                <a:t>e</a:t>
+              </a:r>
+              <a:r>
+                <a:rPr lang="en-US" sz="900" kern="1200" dirty="0"/>
+                <a:t>ngine familiarity</a:t>
               </a:r>
             </a:p>
           </p:txBody>
@@ -7049,7 +7057,7 @@
               </a:pPr>
               <a:r>
                 <a:rPr lang="en-US" sz="900" b="0" i="0" u="none" kern="1200" dirty="0"/>
-                <a:t>Sketch out a low poly maps for testing</a:t>
+                <a:t>Sketch out low poly maps for testing</a:t>
               </a:r>
               <a:endParaRPr lang="en-US" sz="900" kern="1200" dirty="0"/>
             </a:p>

--- a/Midterm Presentation.pptx
+++ b/Midterm Presentation.pptx
@@ -4,10 +4,18 @@
   <p:sldMasterIdLst>
     <p:sldMasterId id="2147483678" r:id="rId1"/>
   </p:sldMasterIdLst>
+  <p:notesMasterIdLst>
+    <p:notesMasterId r:id="rId10"/>
+  </p:notesMasterIdLst>
   <p:sldIdLst>
     <p:sldId id="257" r:id="rId2"/>
-    <p:sldId id="258" r:id="rId3"/>
-    <p:sldId id="259" r:id="rId4"/>
+    <p:sldId id="261" r:id="rId3"/>
+    <p:sldId id="258" r:id="rId4"/>
+    <p:sldId id="262" r:id="rId5"/>
+    <p:sldId id="259" r:id="rId6"/>
+    <p:sldId id="263" r:id="rId7"/>
+    <p:sldId id="264" r:id="rId8"/>
+    <p:sldId id="260" r:id="rId9"/>
   </p:sldIdLst>
   <p:sldSz cx="12192000" cy="6858000"/>
   <p:notesSz cx="6858000" cy="9144000"/>
@@ -106,7 +114,983 @@
       </a:defRPr>
     </a:lvl9pPr>
   </p:defaultTextStyle>
+  <p:extLst>
+    <p:ext uri="{521415D9-36F7-43E2-AB2F-B90AF26B5E84}">
+      <p14:sectionLst xmlns:p14="http://schemas.microsoft.com/office/powerpoint/2010/main">
+        <p14:section name="Default Section" id="{9135E693-B7AF-4EB7-8D08-0A6D436E62CE}">
+          <p14:sldIdLst>
+            <p14:sldId id="257"/>
+            <p14:sldId id="261"/>
+            <p14:sldId id="258"/>
+            <p14:sldId id="262"/>
+            <p14:sldId id="259"/>
+            <p14:sldId id="263"/>
+            <p14:sldId id="264"/>
+            <p14:sldId id="260"/>
+          </p14:sldIdLst>
+        </p14:section>
+      </p14:sectionLst>
+    </p:ext>
+    <p:ext uri="{EFAFB233-063F-42B5-8137-9DF3F51BA10A}">
+      <p15:sldGuideLst xmlns:p15="http://schemas.microsoft.com/office/powerpoint/2012/main"/>
+    </p:ext>
+  </p:extLst>
 </p:presentation>
+</file>
+
+<file path=ppt/notesMasters/notesMaster1.xml><?xml version="1.0" encoding="utf-8"?>
+<p:notesMaster xmlns:a="http://schemas.openxmlformats.org/drawingml/2006/main" xmlns:r="http://schemas.openxmlformats.org/officeDocument/2006/relationships" xmlns:p="http://schemas.openxmlformats.org/presentationml/2006/main">
+  <p:cSld>
+    <p:bg>
+      <p:bgRef idx="1001">
+        <a:schemeClr val="bg1"/>
+      </p:bgRef>
+    </p:bg>
+    <p:spTree>
+      <p:nvGrpSpPr>
+        <p:cNvPr id="1" name=""/>
+        <p:cNvGrpSpPr/>
+        <p:nvPr/>
+      </p:nvGrpSpPr>
+      <p:grpSpPr>
+        <a:xfrm>
+          <a:off x="0" y="0"/>
+          <a:ext cx="0" cy="0"/>
+          <a:chOff x="0" y="0"/>
+          <a:chExt cx="0" cy="0"/>
+        </a:xfrm>
+      </p:grpSpPr>
+      <p:sp>
+        <p:nvSpPr>
+          <p:cNvPr id="2" name="Header Placeholder 1"/>
+          <p:cNvSpPr>
+            <a:spLocks noGrp="1"/>
+          </p:cNvSpPr>
+          <p:nvPr>
+            <p:ph type="hdr" sz="quarter"/>
+          </p:nvPr>
+        </p:nvSpPr>
+        <p:spPr>
+          <a:xfrm>
+            <a:off x="0" y="0"/>
+            <a:ext cx="2971800" cy="458788"/>
+          </a:xfrm>
+          <a:prstGeom prst="rect">
+            <a:avLst/>
+          </a:prstGeom>
+        </p:spPr>
+        <p:txBody>
+          <a:bodyPr vert="horz" lIns="91440" tIns="45720" rIns="91440" bIns="45720" rtlCol="0"/>
+          <a:lstStyle>
+            <a:lvl1pPr algn="l">
+              <a:defRPr sz="1200"/>
+            </a:lvl1pPr>
+          </a:lstStyle>
+          <a:p>
+            <a:endParaRPr lang="en-US"/>
+          </a:p>
+        </p:txBody>
+      </p:sp>
+      <p:sp>
+        <p:nvSpPr>
+          <p:cNvPr id="3" name="Date Placeholder 2"/>
+          <p:cNvSpPr>
+            <a:spLocks noGrp="1"/>
+          </p:cNvSpPr>
+          <p:nvPr>
+            <p:ph type="dt" idx="1"/>
+          </p:nvPr>
+        </p:nvSpPr>
+        <p:spPr>
+          <a:xfrm>
+            <a:off x="3884613" y="0"/>
+            <a:ext cx="2971800" cy="458788"/>
+          </a:xfrm>
+          <a:prstGeom prst="rect">
+            <a:avLst/>
+          </a:prstGeom>
+        </p:spPr>
+        <p:txBody>
+          <a:bodyPr vert="horz" lIns="91440" tIns="45720" rIns="91440" bIns="45720" rtlCol="0"/>
+          <a:lstStyle>
+            <a:lvl1pPr algn="r">
+              <a:defRPr sz="1200"/>
+            </a:lvl1pPr>
+          </a:lstStyle>
+          <a:p>
+            <a:fld id="{1D2D40E1-7C75-4435-8144-527545F291AA}" type="datetimeFigureOut">
+              <a:rPr lang="en-US" smtClean="0"/>
+              <a:t>11/5/2018</a:t>
+            </a:fld>
+            <a:endParaRPr lang="en-US"/>
+          </a:p>
+        </p:txBody>
+      </p:sp>
+      <p:sp>
+        <p:nvSpPr>
+          <p:cNvPr id="4" name="Slide Image Placeholder 3"/>
+          <p:cNvSpPr>
+            <a:spLocks noGrp="1" noRot="1" noChangeAspect="1"/>
+          </p:cNvSpPr>
+          <p:nvPr>
+            <p:ph type="sldImg" idx="2"/>
+          </p:nvPr>
+        </p:nvSpPr>
+        <p:spPr>
+          <a:xfrm>
+            <a:off x="685800" y="1143000"/>
+            <a:ext cx="5486400" cy="3086100"/>
+          </a:xfrm>
+          <a:prstGeom prst="rect">
+            <a:avLst/>
+          </a:prstGeom>
+          <a:noFill/>
+          <a:ln w="12700">
+            <a:solidFill>
+              <a:prstClr val="black"/>
+            </a:solidFill>
+          </a:ln>
+        </p:spPr>
+        <p:txBody>
+          <a:bodyPr vert="horz" lIns="91440" tIns="45720" rIns="91440" bIns="45720" rtlCol="0" anchor="ctr"/>
+          <a:lstStyle/>
+          <a:p>
+            <a:endParaRPr lang="en-US"/>
+          </a:p>
+        </p:txBody>
+      </p:sp>
+      <p:sp>
+        <p:nvSpPr>
+          <p:cNvPr id="5" name="Notes Placeholder 4"/>
+          <p:cNvSpPr>
+            <a:spLocks noGrp="1"/>
+          </p:cNvSpPr>
+          <p:nvPr>
+            <p:ph type="body" sz="quarter" idx="3"/>
+          </p:nvPr>
+        </p:nvSpPr>
+        <p:spPr>
+          <a:xfrm>
+            <a:off x="685800" y="4400550"/>
+            <a:ext cx="5486400" cy="3600450"/>
+          </a:xfrm>
+          <a:prstGeom prst="rect">
+            <a:avLst/>
+          </a:prstGeom>
+        </p:spPr>
+        <p:txBody>
+          <a:bodyPr vert="horz" lIns="91440" tIns="45720" rIns="91440" bIns="45720" rtlCol="0"/>
+          <a:lstStyle/>
+          <a:p>
+            <a:pPr lvl="0"/>
+            <a:r>
+              <a:rPr lang="en-US"/>
+              <a:t>Edit Master text styles</a:t>
+            </a:r>
+          </a:p>
+          <a:p>
+            <a:pPr lvl="1"/>
+            <a:r>
+              <a:rPr lang="en-US"/>
+              <a:t>Second level</a:t>
+            </a:r>
+          </a:p>
+          <a:p>
+            <a:pPr lvl="2"/>
+            <a:r>
+              <a:rPr lang="en-US"/>
+              <a:t>Third level</a:t>
+            </a:r>
+          </a:p>
+          <a:p>
+            <a:pPr lvl="3"/>
+            <a:r>
+              <a:rPr lang="en-US"/>
+              <a:t>Fourth level</a:t>
+            </a:r>
+          </a:p>
+          <a:p>
+            <a:pPr lvl="4"/>
+            <a:r>
+              <a:rPr lang="en-US"/>
+              <a:t>Fifth level</a:t>
+            </a:r>
+          </a:p>
+        </p:txBody>
+      </p:sp>
+      <p:sp>
+        <p:nvSpPr>
+          <p:cNvPr id="6" name="Footer Placeholder 5"/>
+          <p:cNvSpPr>
+            <a:spLocks noGrp="1"/>
+          </p:cNvSpPr>
+          <p:nvPr>
+            <p:ph type="ftr" sz="quarter" idx="4"/>
+          </p:nvPr>
+        </p:nvSpPr>
+        <p:spPr>
+          <a:xfrm>
+            <a:off x="0" y="8685213"/>
+            <a:ext cx="2971800" cy="458787"/>
+          </a:xfrm>
+          <a:prstGeom prst="rect">
+            <a:avLst/>
+          </a:prstGeom>
+        </p:spPr>
+        <p:txBody>
+          <a:bodyPr vert="horz" lIns="91440" tIns="45720" rIns="91440" bIns="45720" rtlCol="0" anchor="b"/>
+          <a:lstStyle>
+            <a:lvl1pPr algn="l">
+              <a:defRPr sz="1200"/>
+            </a:lvl1pPr>
+          </a:lstStyle>
+          <a:p>
+            <a:endParaRPr lang="en-US"/>
+          </a:p>
+        </p:txBody>
+      </p:sp>
+      <p:sp>
+        <p:nvSpPr>
+          <p:cNvPr id="7" name="Slide Number Placeholder 6"/>
+          <p:cNvSpPr>
+            <a:spLocks noGrp="1"/>
+          </p:cNvSpPr>
+          <p:nvPr>
+            <p:ph type="sldNum" sz="quarter" idx="5"/>
+          </p:nvPr>
+        </p:nvSpPr>
+        <p:spPr>
+          <a:xfrm>
+            <a:off x="3884613" y="8685213"/>
+            <a:ext cx="2971800" cy="458787"/>
+          </a:xfrm>
+          <a:prstGeom prst="rect">
+            <a:avLst/>
+          </a:prstGeom>
+        </p:spPr>
+        <p:txBody>
+          <a:bodyPr vert="horz" lIns="91440" tIns="45720" rIns="91440" bIns="45720" rtlCol="0" anchor="b"/>
+          <a:lstStyle>
+            <a:lvl1pPr algn="r">
+              <a:defRPr sz="1200"/>
+            </a:lvl1pPr>
+          </a:lstStyle>
+          <a:p>
+            <a:fld id="{21959F96-BA19-40BE-9147-67669C98F192}" type="slidenum">
+              <a:rPr lang="en-US" smtClean="0"/>
+              <a:t>‹#›</a:t>
+            </a:fld>
+            <a:endParaRPr lang="en-US"/>
+          </a:p>
+        </p:txBody>
+      </p:sp>
+    </p:spTree>
+    <p:extLst>
+      <p:ext uri="{BB962C8B-B14F-4D97-AF65-F5344CB8AC3E}">
+        <p14:creationId xmlns:p14="http://schemas.microsoft.com/office/powerpoint/2010/main" val="2708094842"/>
+      </p:ext>
+    </p:extLst>
+  </p:cSld>
+  <p:clrMap bg1="lt1" tx1="dk1" bg2="lt2" tx2="dk2" accent1="accent1" accent2="accent2" accent3="accent3" accent4="accent4" accent5="accent5" accent6="accent6" hlink="hlink" folHlink="folHlink"/>
+  <p:notesStyle>
+    <a:lvl1pPr marL="0" algn="l" defTabSz="914400" rtl="0" eaLnBrk="1" latinLnBrk="0" hangingPunct="1">
+      <a:defRPr sz="1200" kern="1200">
+        <a:solidFill>
+          <a:schemeClr val="tx1"/>
+        </a:solidFill>
+        <a:latin typeface="+mn-lt"/>
+        <a:ea typeface="+mn-ea"/>
+        <a:cs typeface="+mn-cs"/>
+      </a:defRPr>
+    </a:lvl1pPr>
+    <a:lvl2pPr marL="457200" algn="l" defTabSz="914400" rtl="0" eaLnBrk="1" latinLnBrk="0" hangingPunct="1">
+      <a:defRPr sz="1200" kern="1200">
+        <a:solidFill>
+          <a:schemeClr val="tx1"/>
+        </a:solidFill>
+        <a:latin typeface="+mn-lt"/>
+        <a:ea typeface="+mn-ea"/>
+        <a:cs typeface="+mn-cs"/>
+      </a:defRPr>
+    </a:lvl2pPr>
+    <a:lvl3pPr marL="914400" algn="l" defTabSz="914400" rtl="0" eaLnBrk="1" latinLnBrk="0" hangingPunct="1">
+      <a:defRPr sz="1200" kern="1200">
+        <a:solidFill>
+          <a:schemeClr val="tx1"/>
+        </a:solidFill>
+        <a:latin typeface="+mn-lt"/>
+        <a:ea typeface="+mn-ea"/>
+        <a:cs typeface="+mn-cs"/>
+      </a:defRPr>
+    </a:lvl3pPr>
+    <a:lvl4pPr marL="1371600" algn="l" defTabSz="914400" rtl="0" eaLnBrk="1" latinLnBrk="0" hangingPunct="1">
+      <a:defRPr sz="1200" kern="1200">
+        <a:solidFill>
+          <a:schemeClr val="tx1"/>
+        </a:solidFill>
+        <a:latin typeface="+mn-lt"/>
+        <a:ea typeface="+mn-ea"/>
+        <a:cs typeface="+mn-cs"/>
+      </a:defRPr>
+    </a:lvl4pPr>
+    <a:lvl5pPr marL="1828800" algn="l" defTabSz="914400" rtl="0" eaLnBrk="1" latinLnBrk="0" hangingPunct="1">
+      <a:defRPr sz="1200" kern="1200">
+        <a:solidFill>
+          <a:schemeClr val="tx1"/>
+        </a:solidFill>
+        <a:latin typeface="+mn-lt"/>
+        <a:ea typeface="+mn-ea"/>
+        <a:cs typeface="+mn-cs"/>
+      </a:defRPr>
+    </a:lvl5pPr>
+    <a:lvl6pPr marL="2286000" algn="l" defTabSz="914400" rtl="0" eaLnBrk="1" latinLnBrk="0" hangingPunct="1">
+      <a:defRPr sz="1200" kern="1200">
+        <a:solidFill>
+          <a:schemeClr val="tx1"/>
+        </a:solidFill>
+        <a:latin typeface="+mn-lt"/>
+        <a:ea typeface="+mn-ea"/>
+        <a:cs typeface="+mn-cs"/>
+      </a:defRPr>
+    </a:lvl6pPr>
+    <a:lvl7pPr marL="2743200" algn="l" defTabSz="914400" rtl="0" eaLnBrk="1" latinLnBrk="0" hangingPunct="1">
+      <a:defRPr sz="1200" kern="1200">
+        <a:solidFill>
+          <a:schemeClr val="tx1"/>
+        </a:solidFill>
+        <a:latin typeface="+mn-lt"/>
+        <a:ea typeface="+mn-ea"/>
+        <a:cs typeface="+mn-cs"/>
+      </a:defRPr>
+    </a:lvl7pPr>
+    <a:lvl8pPr marL="3200400" algn="l" defTabSz="914400" rtl="0" eaLnBrk="1" latinLnBrk="0" hangingPunct="1">
+      <a:defRPr sz="1200" kern="1200">
+        <a:solidFill>
+          <a:schemeClr val="tx1"/>
+        </a:solidFill>
+        <a:latin typeface="+mn-lt"/>
+        <a:ea typeface="+mn-ea"/>
+        <a:cs typeface="+mn-cs"/>
+      </a:defRPr>
+    </a:lvl8pPr>
+    <a:lvl9pPr marL="3657600" algn="l" defTabSz="914400" rtl="0" eaLnBrk="1" latinLnBrk="0" hangingPunct="1">
+      <a:defRPr sz="1200" kern="1200">
+        <a:solidFill>
+          <a:schemeClr val="tx1"/>
+        </a:solidFill>
+        <a:latin typeface="+mn-lt"/>
+        <a:ea typeface="+mn-ea"/>
+        <a:cs typeface="+mn-cs"/>
+      </a:defRPr>
+    </a:lvl9pPr>
+  </p:notesStyle>
+</p:notesMaster>
+</file>
+
+<file path=ppt/notesSlides/notesSlide1.xml><?xml version="1.0" encoding="utf-8"?>
+<p:notes xmlns:a="http://schemas.openxmlformats.org/drawingml/2006/main" xmlns:r="http://schemas.openxmlformats.org/officeDocument/2006/relationships" xmlns:p="http://schemas.openxmlformats.org/presentationml/2006/main">
+  <p:cSld>
+    <p:spTree>
+      <p:nvGrpSpPr>
+        <p:cNvPr id="1" name=""/>
+        <p:cNvGrpSpPr/>
+        <p:nvPr/>
+      </p:nvGrpSpPr>
+      <p:grpSpPr>
+        <a:xfrm>
+          <a:off x="0" y="0"/>
+          <a:ext cx="0" cy="0"/>
+          <a:chOff x="0" y="0"/>
+          <a:chExt cx="0" cy="0"/>
+        </a:xfrm>
+      </p:grpSpPr>
+      <p:sp>
+        <p:nvSpPr>
+          <p:cNvPr id="2" name="Slide Image Placeholder 1"/>
+          <p:cNvSpPr>
+            <a:spLocks noGrp="1" noRot="1" noChangeAspect="1"/>
+          </p:cNvSpPr>
+          <p:nvPr>
+            <p:ph type="sldImg"/>
+          </p:nvPr>
+        </p:nvSpPr>
+        <p:spPr/>
+      </p:sp>
+      <p:sp>
+        <p:nvSpPr>
+          <p:cNvPr id="3" name="Notes Placeholder 2"/>
+          <p:cNvSpPr>
+            <a:spLocks noGrp="1"/>
+          </p:cNvSpPr>
+          <p:nvPr>
+            <p:ph type="body" idx="1"/>
+          </p:nvPr>
+        </p:nvSpPr>
+        <p:spPr/>
+        <p:txBody>
+          <a:bodyPr/>
+          <a:lstStyle/>
+          <a:p>
+            <a:r>
+              <a:rPr lang="en-US" dirty="0"/>
+              <a:t>Tommy</a:t>
+            </a:r>
+          </a:p>
+        </p:txBody>
+      </p:sp>
+      <p:sp>
+        <p:nvSpPr>
+          <p:cNvPr id="4" name="Slide Number Placeholder 3"/>
+          <p:cNvSpPr>
+            <a:spLocks noGrp="1"/>
+          </p:cNvSpPr>
+          <p:nvPr>
+            <p:ph type="sldNum" sz="quarter" idx="5"/>
+          </p:nvPr>
+        </p:nvSpPr>
+        <p:spPr/>
+        <p:txBody>
+          <a:bodyPr/>
+          <a:lstStyle/>
+          <a:p>
+            <a:fld id="{21959F96-BA19-40BE-9147-67669C98F192}" type="slidenum">
+              <a:rPr lang="en-US" smtClean="0"/>
+              <a:t>1</a:t>
+            </a:fld>
+            <a:endParaRPr lang="en-US"/>
+          </a:p>
+        </p:txBody>
+      </p:sp>
+    </p:spTree>
+    <p:extLst>
+      <p:ext uri="{BB962C8B-B14F-4D97-AF65-F5344CB8AC3E}">
+        <p14:creationId xmlns:p14="http://schemas.microsoft.com/office/powerpoint/2010/main" val="2063881093"/>
+      </p:ext>
+    </p:extLst>
+  </p:cSld>
+  <p:clrMapOvr>
+    <a:masterClrMapping/>
+  </p:clrMapOvr>
+</p:notes>
+</file>
+
+<file path=ppt/notesSlides/notesSlide2.xml><?xml version="1.0" encoding="utf-8"?>
+<p:notes xmlns:a="http://schemas.openxmlformats.org/drawingml/2006/main" xmlns:r="http://schemas.openxmlformats.org/officeDocument/2006/relationships" xmlns:p="http://schemas.openxmlformats.org/presentationml/2006/main">
+  <p:cSld>
+    <p:spTree>
+      <p:nvGrpSpPr>
+        <p:cNvPr id="1" name=""/>
+        <p:cNvGrpSpPr/>
+        <p:nvPr/>
+      </p:nvGrpSpPr>
+      <p:grpSpPr>
+        <a:xfrm>
+          <a:off x="0" y="0"/>
+          <a:ext cx="0" cy="0"/>
+          <a:chOff x="0" y="0"/>
+          <a:chExt cx="0" cy="0"/>
+        </a:xfrm>
+      </p:grpSpPr>
+      <p:sp>
+        <p:nvSpPr>
+          <p:cNvPr id="2" name="Slide Image Placeholder 1"/>
+          <p:cNvSpPr>
+            <a:spLocks noGrp="1" noRot="1" noChangeAspect="1"/>
+          </p:cNvSpPr>
+          <p:nvPr>
+            <p:ph type="sldImg"/>
+          </p:nvPr>
+        </p:nvSpPr>
+        <p:spPr/>
+      </p:sp>
+      <p:sp>
+        <p:nvSpPr>
+          <p:cNvPr id="3" name="Notes Placeholder 2"/>
+          <p:cNvSpPr>
+            <a:spLocks noGrp="1"/>
+          </p:cNvSpPr>
+          <p:nvPr>
+            <p:ph type="body" idx="1"/>
+          </p:nvPr>
+        </p:nvSpPr>
+        <p:spPr/>
+        <p:txBody>
+          <a:bodyPr/>
+          <a:lstStyle/>
+          <a:p>
+            <a:r>
+              <a:rPr lang="en-US" dirty="0"/>
+              <a:t>Tim</a:t>
+            </a:r>
+          </a:p>
+        </p:txBody>
+      </p:sp>
+      <p:sp>
+        <p:nvSpPr>
+          <p:cNvPr id="4" name="Slide Number Placeholder 3"/>
+          <p:cNvSpPr>
+            <a:spLocks noGrp="1"/>
+          </p:cNvSpPr>
+          <p:nvPr>
+            <p:ph type="sldNum" sz="quarter" idx="5"/>
+          </p:nvPr>
+        </p:nvSpPr>
+        <p:spPr/>
+        <p:txBody>
+          <a:bodyPr/>
+          <a:lstStyle/>
+          <a:p>
+            <a:fld id="{21959F96-BA19-40BE-9147-67669C98F192}" type="slidenum">
+              <a:rPr lang="en-US" smtClean="0"/>
+              <a:t>2</a:t>
+            </a:fld>
+            <a:endParaRPr lang="en-US"/>
+          </a:p>
+        </p:txBody>
+      </p:sp>
+    </p:spTree>
+    <p:extLst>
+      <p:ext uri="{BB962C8B-B14F-4D97-AF65-F5344CB8AC3E}">
+        <p14:creationId xmlns:p14="http://schemas.microsoft.com/office/powerpoint/2010/main" val="1019770982"/>
+      </p:ext>
+    </p:extLst>
+  </p:cSld>
+  <p:clrMapOvr>
+    <a:masterClrMapping/>
+  </p:clrMapOvr>
+</p:notes>
+</file>
+
+<file path=ppt/notesSlides/notesSlide3.xml><?xml version="1.0" encoding="utf-8"?>
+<p:notes xmlns:a="http://schemas.openxmlformats.org/drawingml/2006/main" xmlns:r="http://schemas.openxmlformats.org/officeDocument/2006/relationships" xmlns:p="http://schemas.openxmlformats.org/presentationml/2006/main">
+  <p:cSld>
+    <p:spTree>
+      <p:nvGrpSpPr>
+        <p:cNvPr id="1" name=""/>
+        <p:cNvGrpSpPr/>
+        <p:nvPr/>
+      </p:nvGrpSpPr>
+      <p:grpSpPr>
+        <a:xfrm>
+          <a:off x="0" y="0"/>
+          <a:ext cx="0" cy="0"/>
+          <a:chOff x="0" y="0"/>
+          <a:chExt cx="0" cy="0"/>
+        </a:xfrm>
+      </p:grpSpPr>
+      <p:sp>
+        <p:nvSpPr>
+          <p:cNvPr id="2" name="Slide Image Placeholder 1"/>
+          <p:cNvSpPr>
+            <a:spLocks noGrp="1" noRot="1" noChangeAspect="1"/>
+          </p:cNvSpPr>
+          <p:nvPr>
+            <p:ph type="sldImg"/>
+          </p:nvPr>
+        </p:nvSpPr>
+        <p:spPr/>
+      </p:sp>
+      <p:sp>
+        <p:nvSpPr>
+          <p:cNvPr id="3" name="Notes Placeholder 2"/>
+          <p:cNvSpPr>
+            <a:spLocks noGrp="1"/>
+          </p:cNvSpPr>
+          <p:nvPr>
+            <p:ph type="body" idx="1"/>
+          </p:nvPr>
+        </p:nvSpPr>
+        <p:spPr/>
+        <p:txBody>
+          <a:bodyPr/>
+          <a:lstStyle/>
+          <a:p>
+            <a:r>
+              <a:rPr lang="en-US" dirty="0"/>
+              <a:t>Jordan</a:t>
+            </a:r>
+          </a:p>
+        </p:txBody>
+      </p:sp>
+      <p:sp>
+        <p:nvSpPr>
+          <p:cNvPr id="4" name="Slide Number Placeholder 3"/>
+          <p:cNvSpPr>
+            <a:spLocks noGrp="1"/>
+          </p:cNvSpPr>
+          <p:nvPr>
+            <p:ph type="sldNum" sz="quarter" idx="5"/>
+          </p:nvPr>
+        </p:nvSpPr>
+        <p:spPr/>
+        <p:txBody>
+          <a:bodyPr/>
+          <a:lstStyle/>
+          <a:p>
+            <a:fld id="{21959F96-BA19-40BE-9147-67669C98F192}" type="slidenum">
+              <a:rPr lang="en-US" smtClean="0"/>
+              <a:t>3</a:t>
+            </a:fld>
+            <a:endParaRPr lang="en-US"/>
+          </a:p>
+        </p:txBody>
+      </p:sp>
+    </p:spTree>
+    <p:extLst>
+      <p:ext uri="{BB962C8B-B14F-4D97-AF65-F5344CB8AC3E}">
+        <p14:creationId xmlns:p14="http://schemas.microsoft.com/office/powerpoint/2010/main" val="379381724"/>
+      </p:ext>
+    </p:extLst>
+  </p:cSld>
+  <p:clrMapOvr>
+    <a:masterClrMapping/>
+  </p:clrMapOvr>
+</p:notes>
+</file>
+
+<file path=ppt/notesSlides/notesSlide4.xml><?xml version="1.0" encoding="utf-8"?>
+<p:notes xmlns:a="http://schemas.openxmlformats.org/drawingml/2006/main" xmlns:r="http://schemas.openxmlformats.org/officeDocument/2006/relationships" xmlns:p="http://schemas.openxmlformats.org/presentationml/2006/main">
+  <p:cSld>
+    <p:spTree>
+      <p:nvGrpSpPr>
+        <p:cNvPr id="1" name=""/>
+        <p:cNvGrpSpPr/>
+        <p:nvPr/>
+      </p:nvGrpSpPr>
+      <p:grpSpPr>
+        <a:xfrm>
+          <a:off x="0" y="0"/>
+          <a:ext cx="0" cy="0"/>
+          <a:chOff x="0" y="0"/>
+          <a:chExt cx="0" cy="0"/>
+        </a:xfrm>
+      </p:grpSpPr>
+      <p:sp>
+        <p:nvSpPr>
+          <p:cNvPr id="2" name="Slide Image Placeholder 1"/>
+          <p:cNvSpPr>
+            <a:spLocks noGrp="1" noRot="1" noChangeAspect="1"/>
+          </p:cNvSpPr>
+          <p:nvPr>
+            <p:ph type="sldImg"/>
+          </p:nvPr>
+        </p:nvSpPr>
+        <p:spPr/>
+      </p:sp>
+      <p:sp>
+        <p:nvSpPr>
+          <p:cNvPr id="3" name="Notes Placeholder 2"/>
+          <p:cNvSpPr>
+            <a:spLocks noGrp="1"/>
+          </p:cNvSpPr>
+          <p:nvPr>
+            <p:ph type="body" idx="1"/>
+          </p:nvPr>
+        </p:nvSpPr>
+        <p:spPr/>
+        <p:txBody>
+          <a:bodyPr/>
+          <a:lstStyle/>
+          <a:p>
+            <a:r>
+              <a:rPr lang="en-US" dirty="0"/>
+              <a:t>Tyler</a:t>
+            </a:r>
+          </a:p>
+        </p:txBody>
+      </p:sp>
+      <p:sp>
+        <p:nvSpPr>
+          <p:cNvPr id="4" name="Slide Number Placeholder 3"/>
+          <p:cNvSpPr>
+            <a:spLocks noGrp="1"/>
+          </p:cNvSpPr>
+          <p:nvPr>
+            <p:ph type="sldNum" sz="quarter" idx="5"/>
+          </p:nvPr>
+        </p:nvSpPr>
+        <p:spPr/>
+        <p:txBody>
+          <a:bodyPr/>
+          <a:lstStyle/>
+          <a:p>
+            <a:fld id="{21959F96-BA19-40BE-9147-67669C98F192}" type="slidenum">
+              <a:rPr lang="en-US" smtClean="0"/>
+              <a:t>5</a:t>
+            </a:fld>
+            <a:endParaRPr lang="en-US"/>
+          </a:p>
+        </p:txBody>
+      </p:sp>
+    </p:spTree>
+    <p:extLst>
+      <p:ext uri="{BB962C8B-B14F-4D97-AF65-F5344CB8AC3E}">
+        <p14:creationId xmlns:p14="http://schemas.microsoft.com/office/powerpoint/2010/main" val="3149020926"/>
+      </p:ext>
+    </p:extLst>
+  </p:cSld>
+  <p:clrMapOvr>
+    <a:masterClrMapping/>
+  </p:clrMapOvr>
+</p:notes>
+</file>
+
+<file path=ppt/notesSlides/notesSlide5.xml><?xml version="1.0" encoding="utf-8"?>
+<p:notes xmlns:a="http://schemas.openxmlformats.org/drawingml/2006/main" xmlns:r="http://schemas.openxmlformats.org/officeDocument/2006/relationships" xmlns:p="http://schemas.openxmlformats.org/presentationml/2006/main">
+  <p:cSld>
+    <p:spTree>
+      <p:nvGrpSpPr>
+        <p:cNvPr id="1" name=""/>
+        <p:cNvGrpSpPr/>
+        <p:nvPr/>
+      </p:nvGrpSpPr>
+      <p:grpSpPr>
+        <a:xfrm>
+          <a:off x="0" y="0"/>
+          <a:ext cx="0" cy="0"/>
+          <a:chOff x="0" y="0"/>
+          <a:chExt cx="0" cy="0"/>
+        </a:xfrm>
+      </p:grpSpPr>
+      <p:sp>
+        <p:nvSpPr>
+          <p:cNvPr id="2" name="Slide Image Placeholder 1"/>
+          <p:cNvSpPr>
+            <a:spLocks noGrp="1" noRot="1" noChangeAspect="1"/>
+          </p:cNvSpPr>
+          <p:nvPr>
+            <p:ph type="sldImg"/>
+          </p:nvPr>
+        </p:nvSpPr>
+        <p:spPr/>
+      </p:sp>
+      <p:sp>
+        <p:nvSpPr>
+          <p:cNvPr id="3" name="Notes Placeholder 2"/>
+          <p:cNvSpPr>
+            <a:spLocks noGrp="1"/>
+          </p:cNvSpPr>
+          <p:nvPr>
+            <p:ph type="body" idx="1"/>
+          </p:nvPr>
+        </p:nvSpPr>
+        <p:spPr/>
+        <p:txBody>
+          <a:bodyPr/>
+          <a:lstStyle/>
+          <a:p>
+            <a:r>
+              <a:rPr lang="en-US" dirty="0"/>
+              <a:t>Tyler</a:t>
+            </a:r>
+          </a:p>
+        </p:txBody>
+      </p:sp>
+      <p:sp>
+        <p:nvSpPr>
+          <p:cNvPr id="4" name="Slide Number Placeholder 3"/>
+          <p:cNvSpPr>
+            <a:spLocks noGrp="1"/>
+          </p:cNvSpPr>
+          <p:nvPr>
+            <p:ph type="sldNum" sz="quarter" idx="5"/>
+          </p:nvPr>
+        </p:nvSpPr>
+        <p:spPr/>
+        <p:txBody>
+          <a:bodyPr/>
+          <a:lstStyle/>
+          <a:p>
+            <a:fld id="{21959F96-BA19-40BE-9147-67669C98F192}" type="slidenum">
+              <a:rPr lang="en-US" smtClean="0"/>
+              <a:t>6</a:t>
+            </a:fld>
+            <a:endParaRPr lang="en-US"/>
+          </a:p>
+        </p:txBody>
+      </p:sp>
+    </p:spTree>
+    <p:extLst>
+      <p:ext uri="{BB962C8B-B14F-4D97-AF65-F5344CB8AC3E}">
+        <p14:creationId xmlns:p14="http://schemas.microsoft.com/office/powerpoint/2010/main" val="1266124013"/>
+      </p:ext>
+    </p:extLst>
+  </p:cSld>
+  <p:clrMapOvr>
+    <a:masterClrMapping/>
+  </p:clrMapOvr>
+</p:notes>
+</file>
+
+<file path=ppt/notesSlides/notesSlide6.xml><?xml version="1.0" encoding="utf-8"?>
+<p:notes xmlns:a="http://schemas.openxmlformats.org/drawingml/2006/main" xmlns:r="http://schemas.openxmlformats.org/officeDocument/2006/relationships" xmlns:p="http://schemas.openxmlformats.org/presentationml/2006/main">
+  <p:cSld>
+    <p:spTree>
+      <p:nvGrpSpPr>
+        <p:cNvPr id="1" name=""/>
+        <p:cNvGrpSpPr/>
+        <p:nvPr/>
+      </p:nvGrpSpPr>
+      <p:grpSpPr>
+        <a:xfrm>
+          <a:off x="0" y="0"/>
+          <a:ext cx="0" cy="0"/>
+          <a:chOff x="0" y="0"/>
+          <a:chExt cx="0" cy="0"/>
+        </a:xfrm>
+      </p:grpSpPr>
+      <p:sp>
+        <p:nvSpPr>
+          <p:cNvPr id="2" name="Slide Image Placeholder 1"/>
+          <p:cNvSpPr>
+            <a:spLocks noGrp="1" noRot="1" noChangeAspect="1"/>
+          </p:cNvSpPr>
+          <p:nvPr>
+            <p:ph type="sldImg"/>
+          </p:nvPr>
+        </p:nvSpPr>
+        <p:spPr/>
+      </p:sp>
+      <p:sp>
+        <p:nvSpPr>
+          <p:cNvPr id="3" name="Notes Placeholder 2"/>
+          <p:cNvSpPr>
+            <a:spLocks noGrp="1"/>
+          </p:cNvSpPr>
+          <p:nvPr>
+            <p:ph type="body" idx="1"/>
+          </p:nvPr>
+        </p:nvSpPr>
+        <p:spPr/>
+        <p:txBody>
+          <a:bodyPr/>
+          <a:lstStyle/>
+          <a:p>
+            <a:r>
+              <a:rPr lang="en-US" dirty="0"/>
+              <a:t>Tyler</a:t>
+            </a:r>
+          </a:p>
+        </p:txBody>
+      </p:sp>
+      <p:sp>
+        <p:nvSpPr>
+          <p:cNvPr id="4" name="Slide Number Placeholder 3"/>
+          <p:cNvSpPr>
+            <a:spLocks noGrp="1"/>
+          </p:cNvSpPr>
+          <p:nvPr>
+            <p:ph type="sldNum" sz="quarter" idx="5"/>
+          </p:nvPr>
+        </p:nvSpPr>
+        <p:spPr/>
+        <p:txBody>
+          <a:bodyPr/>
+          <a:lstStyle/>
+          <a:p>
+            <a:fld id="{21959F96-BA19-40BE-9147-67669C98F192}" type="slidenum">
+              <a:rPr lang="en-US" smtClean="0"/>
+              <a:t>7</a:t>
+            </a:fld>
+            <a:endParaRPr lang="en-US"/>
+          </a:p>
+        </p:txBody>
+      </p:sp>
+    </p:spTree>
+    <p:extLst>
+      <p:ext uri="{BB962C8B-B14F-4D97-AF65-F5344CB8AC3E}">
+        <p14:creationId xmlns:p14="http://schemas.microsoft.com/office/powerpoint/2010/main" val="848050742"/>
+      </p:ext>
+    </p:extLst>
+  </p:cSld>
+  <p:clrMapOvr>
+    <a:masterClrMapping/>
+  </p:clrMapOvr>
+</p:notes>
+</file>
+
+<file path=ppt/notesSlides/notesSlide7.xml><?xml version="1.0" encoding="utf-8"?>
+<p:notes xmlns:a="http://schemas.openxmlformats.org/drawingml/2006/main" xmlns:r="http://schemas.openxmlformats.org/officeDocument/2006/relationships" xmlns:p="http://schemas.openxmlformats.org/presentationml/2006/main">
+  <p:cSld>
+    <p:spTree>
+      <p:nvGrpSpPr>
+        <p:cNvPr id="1" name=""/>
+        <p:cNvGrpSpPr/>
+        <p:nvPr/>
+      </p:nvGrpSpPr>
+      <p:grpSpPr>
+        <a:xfrm>
+          <a:off x="0" y="0"/>
+          <a:ext cx="0" cy="0"/>
+          <a:chOff x="0" y="0"/>
+          <a:chExt cx="0" cy="0"/>
+        </a:xfrm>
+      </p:grpSpPr>
+      <p:sp>
+        <p:nvSpPr>
+          <p:cNvPr id="2" name="Slide Image Placeholder 1"/>
+          <p:cNvSpPr>
+            <a:spLocks noGrp="1" noRot="1" noChangeAspect="1"/>
+          </p:cNvSpPr>
+          <p:nvPr>
+            <p:ph type="sldImg"/>
+          </p:nvPr>
+        </p:nvSpPr>
+        <p:spPr/>
+      </p:sp>
+      <p:sp>
+        <p:nvSpPr>
+          <p:cNvPr id="3" name="Notes Placeholder 2"/>
+          <p:cNvSpPr>
+            <a:spLocks noGrp="1"/>
+          </p:cNvSpPr>
+          <p:nvPr>
+            <p:ph type="body" idx="1"/>
+          </p:nvPr>
+        </p:nvSpPr>
+        <p:spPr/>
+        <p:txBody>
+          <a:bodyPr/>
+          <a:lstStyle/>
+          <a:p>
+            <a:endParaRPr lang="en-US" dirty="0"/>
+          </a:p>
+        </p:txBody>
+      </p:sp>
+      <p:sp>
+        <p:nvSpPr>
+          <p:cNvPr id="4" name="Slide Number Placeholder 3"/>
+          <p:cNvSpPr>
+            <a:spLocks noGrp="1"/>
+          </p:cNvSpPr>
+          <p:nvPr>
+            <p:ph type="sldNum" sz="quarter" idx="5"/>
+          </p:nvPr>
+        </p:nvSpPr>
+        <p:spPr/>
+        <p:txBody>
+          <a:bodyPr/>
+          <a:lstStyle/>
+          <a:p>
+            <a:fld id="{21959F96-BA19-40BE-9147-67669C98F192}" type="slidenum">
+              <a:rPr lang="en-US" smtClean="0"/>
+              <a:t>8</a:t>
+            </a:fld>
+            <a:endParaRPr lang="en-US"/>
+          </a:p>
+        </p:txBody>
+      </p:sp>
+    </p:spTree>
+    <p:extLst>
+      <p:ext uri="{BB962C8B-B14F-4D97-AF65-F5344CB8AC3E}">
+        <p14:creationId xmlns:p14="http://schemas.microsoft.com/office/powerpoint/2010/main" val="2980560214"/>
+      </p:ext>
+    </p:extLst>
+  </p:cSld>
+  <p:clrMapOvr>
+    <a:masterClrMapping/>
+  </p:clrMapOvr>
+</p:notes>
 </file>
 
 <file path=ppt/slideLayouts/slideLayout1.xml><?xml version="1.0" encoding="utf-8"?>
@@ -5654,6 +6638,133 @@
           <p:cNvPr id="2" name="Title 1">
             <a:extLst>
               <a:ext uri="{FF2B5EF4-FFF2-40B4-BE49-F238E27FC236}">
+                <a16:creationId xmlns:a16="http://schemas.microsoft.com/office/drawing/2014/main" id="{3DE0B584-EC5A-4B37-9082-E3900764815C}"/>
+              </a:ext>
+            </a:extLst>
+          </p:cNvPr>
+          <p:cNvSpPr>
+            <a:spLocks noGrp="1"/>
+          </p:cNvSpPr>
+          <p:nvPr>
+            <p:ph type="title"/>
+          </p:nvPr>
+        </p:nvSpPr>
+        <p:spPr/>
+        <p:txBody>
+          <a:bodyPr>
+            <a:normAutofit/>
+          </a:bodyPr>
+          <a:lstStyle/>
+          <a:p>
+            <a:r>
+              <a:rPr lang="en-US" sz="4400" dirty="0"/>
+              <a:t>Project Details</a:t>
+            </a:r>
+          </a:p>
+        </p:txBody>
+      </p:sp>
+      <p:sp>
+        <p:nvSpPr>
+          <p:cNvPr id="3" name="Content Placeholder 2">
+            <a:extLst>
+              <a:ext uri="{FF2B5EF4-FFF2-40B4-BE49-F238E27FC236}">
+                <a16:creationId xmlns:a16="http://schemas.microsoft.com/office/drawing/2014/main" id="{5BDE2B2A-C53F-45D7-B68E-3C466D791074}"/>
+              </a:ext>
+            </a:extLst>
+          </p:cNvPr>
+          <p:cNvSpPr>
+            <a:spLocks noGrp="1"/>
+          </p:cNvSpPr>
+          <p:nvPr>
+            <p:ph idx="1"/>
+          </p:nvPr>
+        </p:nvSpPr>
+        <p:spPr>
+          <a:xfrm>
+            <a:off x="684211" y="685800"/>
+            <a:ext cx="10222327" cy="3615267"/>
+          </a:xfrm>
+        </p:spPr>
+        <p:txBody>
+          <a:bodyPr>
+            <a:normAutofit/>
+          </a:bodyPr>
+          <a:lstStyle/>
+          <a:p>
+            <a:r>
+              <a:rPr lang="en-US" sz="2800" dirty="0"/>
+              <a:t>Made in Unity using C#</a:t>
+            </a:r>
+          </a:p>
+          <a:p>
+            <a:r>
+              <a:rPr lang="en-US" sz="2800" dirty="0"/>
+              <a:t>Custom maps stored in JSON</a:t>
+            </a:r>
+          </a:p>
+          <a:p>
+            <a:pPr lvl="1"/>
+            <a:r>
+              <a:rPr lang="en-US" sz="2400" dirty="0"/>
+              <a:t>Dynamically loaded from file</a:t>
+            </a:r>
+          </a:p>
+          <a:p>
+            <a:r>
+              <a:rPr lang="en-US" sz="2800" dirty="0"/>
+              <a:t>Repository URL </a:t>
+            </a:r>
+            <a:r>
+              <a:rPr lang="en-US" sz="2800" dirty="0">
+                <a:hlinkClick r:id="rId3"/>
+              </a:rPr>
+              <a:t>https://github.com/rystills/RPI-Kart</a:t>
+            </a:r>
+            <a:endParaRPr lang="en-US" sz="2800" dirty="0"/>
+          </a:p>
+          <a:p>
+            <a:r>
+              <a:rPr lang="en-US" sz="2800" dirty="0"/>
+              <a:t>MIT license</a:t>
+            </a:r>
+          </a:p>
+        </p:txBody>
+      </p:sp>
+    </p:spTree>
+    <p:extLst>
+      <p:ext uri="{BB962C8B-B14F-4D97-AF65-F5344CB8AC3E}">
+        <p14:creationId xmlns:p14="http://schemas.microsoft.com/office/powerpoint/2010/main" val="213469350"/>
+      </p:ext>
+    </p:extLst>
+  </p:cSld>
+  <p:clrMapOvr>
+    <a:masterClrMapping/>
+  </p:clrMapOvr>
+</p:sld>
+</file>
+
+<file path=ppt/slides/slide3.xml><?xml version="1.0" encoding="utf-8"?>
+<p:sld xmlns:a="http://schemas.openxmlformats.org/drawingml/2006/main" xmlns:r="http://schemas.openxmlformats.org/officeDocument/2006/relationships" xmlns:p="http://schemas.openxmlformats.org/presentationml/2006/main">
+  <p:cSld>
+    <p:spTree>
+      <p:nvGrpSpPr>
+        <p:cNvPr id="1" name=""/>
+        <p:cNvGrpSpPr/>
+        <p:nvPr/>
+      </p:nvGrpSpPr>
+      <p:grpSpPr>
+        <a:xfrm>
+          <a:off x="0" y="0"/>
+          <a:ext cx="0" cy="0"/>
+          <a:chOff x="0" y="0"/>
+          <a:chExt cx="0" cy="0"/>
+        </a:xfrm>
+      </p:grpSpPr>
+      <p:sp>
+        <p:nvSpPr>
+          <p:cNvPr id="2" name="Title 1">
+            <a:extLst>
+              <a:ext uri="{FF2B5EF4-FFF2-40B4-BE49-F238E27FC236}">
                 <a16:creationId xmlns:a16="http://schemas.microsoft.com/office/drawing/2014/main" id="{33DC9F01-32B9-40CB-8100-DC1ECDC2DA7C}"/>
               </a:ext>
             </a:extLst>
@@ -5667,12 +6778,14 @@
         </p:nvSpPr>
         <p:spPr/>
         <p:txBody>
-          <a:bodyPr/>
+          <a:bodyPr>
+            <a:normAutofit/>
+          </a:bodyPr>
           <a:lstStyle/>
           <a:p>
             <a:r>
-              <a:rPr lang="en-US" dirty="0"/>
-              <a:t>What is RPI-Kart?</a:t>
+              <a:rPr lang="en-US" sz="4400" dirty="0"/>
+              <a:t>Gameplay</a:t>
             </a:r>
           </a:p>
         </p:txBody>
@@ -5715,7 +6828,67 @@
 </p:sld>
 </file>
 
-<file path=ppt/slides/slide3.xml><?xml version="1.0" encoding="utf-8"?>
+<file path=ppt/slides/slide4.xml><?xml version="1.0" encoding="utf-8"?>
+<p:sld xmlns:a="http://schemas.openxmlformats.org/drawingml/2006/main" xmlns:r="http://schemas.openxmlformats.org/officeDocument/2006/relationships" xmlns:p="http://schemas.openxmlformats.org/presentationml/2006/main">
+  <p:cSld>
+    <p:spTree>
+      <p:nvGrpSpPr>
+        <p:cNvPr id="1" name=""/>
+        <p:cNvGrpSpPr/>
+        <p:nvPr/>
+      </p:nvGrpSpPr>
+      <p:grpSpPr>
+        <a:xfrm>
+          <a:off x="0" y="0"/>
+          <a:ext cx="0" cy="0"/>
+          <a:chOff x="0" y="0"/>
+          <a:chExt cx="0" cy="0"/>
+        </a:xfrm>
+      </p:grpSpPr>
+      <p:sp>
+        <p:nvSpPr>
+          <p:cNvPr id="4" name="Title 3">
+            <a:extLst>
+              <a:ext uri="{FF2B5EF4-FFF2-40B4-BE49-F238E27FC236}">
+                <a16:creationId xmlns:a16="http://schemas.microsoft.com/office/drawing/2014/main" id="{B1E335D2-9597-4FC0-8ACA-9F196F2B7CD0}"/>
+              </a:ext>
+            </a:extLst>
+          </p:cNvPr>
+          <p:cNvSpPr>
+            <a:spLocks noGrp="1"/>
+          </p:cNvSpPr>
+          <p:nvPr>
+            <p:ph type="title"/>
+          </p:nvPr>
+        </p:nvSpPr>
+        <p:spPr/>
+        <p:txBody>
+          <a:bodyPr>
+            <a:normAutofit/>
+          </a:bodyPr>
+          <a:lstStyle/>
+          <a:p>
+            <a:r>
+              <a:rPr lang="en-US" sz="4400" dirty="0"/>
+              <a:t>Demo</a:t>
+            </a:r>
+          </a:p>
+        </p:txBody>
+      </p:sp>
+    </p:spTree>
+    <p:extLst>
+      <p:ext uri="{BB962C8B-B14F-4D97-AF65-F5344CB8AC3E}">
+        <p14:creationId xmlns:p14="http://schemas.microsoft.com/office/powerpoint/2010/main" val="1331305148"/>
+      </p:ext>
+    </p:extLst>
+  </p:cSld>
+  <p:clrMapOvr>
+    <a:masterClrMapping/>
+  </p:clrMapOvr>
+</p:sld>
+</file>
+
+<file path=ppt/slides/slide5.xml><?xml version="1.0" encoding="utf-8"?>
 <p:sld xmlns:a="http://schemas.openxmlformats.org/drawingml/2006/main" xmlns:r="http://schemas.openxmlformats.org/officeDocument/2006/relationships" xmlns:p="http://schemas.openxmlformats.org/presentationml/2006/main">
   <p:cSld>
     <p:spTree>
@@ -5748,15 +6921,21 @@
             <p:ph type="title"/>
           </p:nvPr>
         </p:nvSpPr>
-        <p:spPr/>
+        <p:spPr>
+          <a:xfrm>
+            <a:off x="684212" y="4487332"/>
+            <a:ext cx="3201164" cy="1507067"/>
+          </a:xfrm>
+        </p:spPr>
         <p:txBody>
           <a:bodyPr/>
           <a:lstStyle/>
           <a:p>
             <a:r>
-              <a:rPr lang="en-US" dirty="0"/>
+              <a:rPr lang="en-US" sz="4400" dirty="0"/>
               <a:t>Timeline</a:t>
             </a:r>
+            <a:endParaRPr lang="en-US" dirty="0"/>
           </a:p>
         </p:txBody>
       </p:sp>
@@ -6176,15 +7355,15 @@
                 <a:buNone/>
               </a:pPr>
               <a:r>
-                <a:rPr lang="en-US" sz="900" kern="1200" dirty="0"/>
+                <a:rPr lang="en-US" sz="1200" kern="1200" dirty="0"/>
                 <a:t>Establish </a:t>
               </a:r>
               <a:r>
-                <a:rPr lang="en-US" sz="900" dirty="0"/>
+                <a:rPr lang="en-US" sz="1200" dirty="0"/>
                 <a:t>e</a:t>
               </a:r>
               <a:r>
-                <a:rPr lang="en-US" sz="900" kern="1200" dirty="0"/>
+                <a:rPr lang="en-US" sz="1200" kern="1200" dirty="0"/>
                 <a:t>ngine familiarity</a:t>
               </a:r>
             </a:p>
@@ -6418,10 +7597,10 @@
                 <a:buNone/>
               </a:pPr>
               <a:r>
-                <a:rPr lang="en-US" sz="900" b="0" i="0" u="none" kern="1200" dirty="0"/>
-                <a:t>Create basic tactical top down game template</a:t>
+                <a:rPr lang="en-US" sz="1200" b="0" i="0" u="none" kern="1200" dirty="0"/>
+                <a:t>Create basic game template</a:t>
               </a:r>
-              <a:endParaRPr lang="en-US" sz="900" kern="1200" dirty="0"/>
+              <a:endParaRPr lang="en-US" sz="1200" kern="1200" dirty="0"/>
             </a:p>
           </p:txBody>
         </p:sp>
@@ -6821,10 +8000,10 @@
                 <a:buNone/>
               </a:pPr>
               <a:r>
-                <a:rPr lang="en-US" sz="900" b="0" i="0" u="none" kern="1200" dirty="0"/>
+                <a:rPr lang="en-US" sz="1200" b="0" i="0" u="none" kern="1200" dirty="0"/>
                 <a:t>Nail down usable physics for testing</a:t>
               </a:r>
-              <a:endParaRPr lang="en-US" sz="900" kern="1200" dirty="0"/>
+              <a:endParaRPr lang="en-US" sz="1200" kern="1200" dirty="0"/>
             </a:p>
           </p:txBody>
         </p:sp>
@@ -7056,10 +8235,10 @@
                 <a:buNone/>
               </a:pPr>
               <a:r>
-                <a:rPr lang="en-US" sz="900" b="0" i="0" u="none" kern="1200" dirty="0"/>
+                <a:rPr lang="en-US" sz="1200" b="0" i="0" u="none" kern="1200" dirty="0"/>
                 <a:t>Sketch out low poly maps for testing</a:t>
               </a:r>
-              <a:endParaRPr lang="en-US" sz="900" kern="1200" dirty="0"/>
+              <a:endParaRPr lang="en-US" sz="1200" kern="1200" dirty="0"/>
             </a:p>
           </p:txBody>
         </p:sp>
@@ -7459,10 +8638,10 @@
                 <a:buNone/>
               </a:pPr>
               <a:r>
-                <a:rPr lang="en-US" sz="900" b="0" i="0" u="none" kern="1200" dirty="0"/>
+                <a:rPr lang="en-US" sz="1200" b="0" i="0" u="none" kern="1200" dirty="0"/>
                 <a:t>Search for open source assets</a:t>
               </a:r>
-              <a:endParaRPr lang="en-US" sz="900" kern="1200" dirty="0"/>
+              <a:endParaRPr lang="en-US" sz="1200" kern="1200" dirty="0"/>
             </a:p>
           </p:txBody>
         </p:sp>
@@ -7694,10 +8873,2050 @@
                 <a:buNone/>
               </a:pPr>
               <a:r>
-                <a:rPr lang="en-US" sz="900" b="0" i="0" u="none" kern="1200" dirty="0"/>
+                <a:rPr lang="en-US" sz="1200" b="0" i="0" u="none" kern="1200" dirty="0"/>
                 <a:t>Implement basic game mechanics</a:t>
               </a:r>
-              <a:endParaRPr lang="en-US" sz="900" kern="1200" dirty="0"/>
+              <a:endParaRPr lang="en-US" sz="1200" kern="1200" dirty="0"/>
+            </a:p>
+          </p:txBody>
+        </p:sp>
+      </p:grpSp>
+      <p:sp>
+        <p:nvSpPr>
+          <p:cNvPr id="4" name="Rectangle 3">
+            <a:extLst>
+              <a:ext uri="{FF2B5EF4-FFF2-40B4-BE49-F238E27FC236}">
+                <a16:creationId xmlns:a16="http://schemas.microsoft.com/office/drawing/2014/main" id="{34C2575F-205E-46C7-9C87-1A37855E192A}"/>
+              </a:ext>
+            </a:extLst>
+          </p:cNvPr>
+          <p:cNvSpPr/>
+          <p:nvPr/>
+        </p:nvSpPr>
+        <p:spPr>
+          <a:xfrm>
+            <a:off x="3885376" y="4856144"/>
+            <a:ext cx="5295039" cy="769441"/>
+          </a:xfrm>
+          <a:prstGeom prst="rect">
+            <a:avLst/>
+          </a:prstGeom>
+        </p:spPr>
+        <p:txBody>
+          <a:bodyPr wrap="none">
+            <a:spAutoFit/>
+          </a:bodyPr>
+          <a:lstStyle/>
+          <a:p>
+            <a:r>
+              <a:rPr lang="en-US" sz="4400" dirty="0"/>
+              <a:t>What we’ve done</a:t>
+            </a:r>
+          </a:p>
+        </p:txBody>
+      </p:sp>
+    </p:spTree>
+    <p:extLst>
+      <p:ext uri="{BB962C8B-B14F-4D97-AF65-F5344CB8AC3E}">
+        <p14:creationId xmlns:p14="http://schemas.microsoft.com/office/powerpoint/2010/main" val="250778435"/>
+      </p:ext>
+    </p:extLst>
+  </p:cSld>
+  <p:clrMapOvr>
+    <a:masterClrMapping/>
+  </p:clrMapOvr>
+</p:sld>
+</file>
+
+<file path=ppt/slides/slide6.xml><?xml version="1.0" encoding="utf-8"?>
+<p:sld xmlns:a="http://schemas.openxmlformats.org/drawingml/2006/main" xmlns:r="http://schemas.openxmlformats.org/officeDocument/2006/relationships" xmlns:p="http://schemas.openxmlformats.org/presentationml/2006/main">
+  <p:cSld>
+    <p:spTree>
+      <p:nvGrpSpPr>
+        <p:cNvPr id="1" name=""/>
+        <p:cNvGrpSpPr/>
+        <p:nvPr/>
+      </p:nvGrpSpPr>
+      <p:grpSpPr>
+        <a:xfrm>
+          <a:off x="0" y="0"/>
+          <a:ext cx="0" cy="0"/>
+          <a:chOff x="0" y="0"/>
+          <a:chExt cx="0" cy="0"/>
+        </a:xfrm>
+      </p:grpSpPr>
+      <p:sp>
+        <p:nvSpPr>
+          <p:cNvPr id="2" name="Title 1">
+            <a:extLst>
+              <a:ext uri="{FF2B5EF4-FFF2-40B4-BE49-F238E27FC236}">
+                <a16:creationId xmlns:a16="http://schemas.microsoft.com/office/drawing/2014/main" id="{15BAC696-E427-4944-B34F-4C100D7A6A88}"/>
+              </a:ext>
+            </a:extLst>
+          </p:cNvPr>
+          <p:cNvSpPr>
+            <a:spLocks noGrp="1"/>
+          </p:cNvSpPr>
+          <p:nvPr>
+            <p:ph type="title"/>
+          </p:nvPr>
+        </p:nvSpPr>
+        <p:spPr>
+          <a:xfrm>
+            <a:off x="684212" y="4487332"/>
+            <a:ext cx="3201164" cy="1507067"/>
+          </a:xfrm>
+        </p:spPr>
+        <p:txBody>
+          <a:bodyPr/>
+          <a:lstStyle/>
+          <a:p>
+            <a:r>
+              <a:rPr lang="en-US" sz="4400" dirty="0"/>
+              <a:t>Timeline</a:t>
+            </a:r>
+            <a:endParaRPr lang="en-US" dirty="0"/>
+          </a:p>
+        </p:txBody>
+      </p:sp>
+      <p:grpSp>
+        <p:nvGrpSpPr>
+          <p:cNvPr id="64" name="Group 63">
+            <a:extLst>
+              <a:ext uri="{FF2B5EF4-FFF2-40B4-BE49-F238E27FC236}">
+                <a16:creationId xmlns:a16="http://schemas.microsoft.com/office/drawing/2014/main" id="{4704C14E-21A1-418A-983E-18DAFF3D085A}"/>
+              </a:ext>
+            </a:extLst>
+          </p:cNvPr>
+          <p:cNvGrpSpPr/>
+          <p:nvPr/>
+        </p:nvGrpSpPr>
+        <p:grpSpPr>
+          <a:xfrm>
+            <a:off x="686157" y="1801748"/>
+            <a:ext cx="4903476" cy="1382840"/>
+            <a:chOff x="686157" y="1801748"/>
+            <a:chExt cx="4903476" cy="1382840"/>
+          </a:xfrm>
+        </p:grpSpPr>
+        <p:sp>
+          <p:nvSpPr>
+            <p:cNvPr id="34" name="Freeform: Shape 33">
+              <a:extLst>
+                <a:ext uri="{FF2B5EF4-FFF2-40B4-BE49-F238E27FC236}">
+                  <a16:creationId xmlns:a16="http://schemas.microsoft.com/office/drawing/2014/main" id="{44C53BD5-7E07-484D-AE85-C8C48B239F6E}"/>
+                </a:ext>
+              </a:extLst>
+            </p:cNvPr>
+            <p:cNvSpPr/>
+            <p:nvPr/>
+          </p:nvSpPr>
+          <p:spPr>
+            <a:xfrm>
+              <a:off x="686157" y="1801748"/>
+              <a:ext cx="1494962" cy="373740"/>
+            </a:xfrm>
+            <a:custGeom>
+              <a:avLst/>
+              <a:gdLst>
+                <a:gd name="connsiteX0" fmla="*/ 0 w 1494962"/>
+                <a:gd name="connsiteY0" fmla="*/ 37374 h 373740"/>
+                <a:gd name="connsiteX1" fmla="*/ 37374 w 1494962"/>
+                <a:gd name="connsiteY1" fmla="*/ 0 h 373740"/>
+                <a:gd name="connsiteX2" fmla="*/ 1457588 w 1494962"/>
+                <a:gd name="connsiteY2" fmla="*/ 0 h 373740"/>
+                <a:gd name="connsiteX3" fmla="*/ 1494962 w 1494962"/>
+                <a:gd name="connsiteY3" fmla="*/ 37374 h 373740"/>
+                <a:gd name="connsiteX4" fmla="*/ 1494962 w 1494962"/>
+                <a:gd name="connsiteY4" fmla="*/ 336366 h 373740"/>
+                <a:gd name="connsiteX5" fmla="*/ 1457588 w 1494962"/>
+                <a:gd name="connsiteY5" fmla="*/ 373740 h 373740"/>
+                <a:gd name="connsiteX6" fmla="*/ 37374 w 1494962"/>
+                <a:gd name="connsiteY6" fmla="*/ 373740 h 373740"/>
+                <a:gd name="connsiteX7" fmla="*/ 0 w 1494962"/>
+                <a:gd name="connsiteY7" fmla="*/ 336366 h 373740"/>
+                <a:gd name="connsiteX8" fmla="*/ 0 w 1494962"/>
+                <a:gd name="connsiteY8" fmla="*/ 37374 h 373740"/>
+              </a:gdLst>
+              <a:ahLst/>
+              <a:cxnLst>
+                <a:cxn ang="0">
+                  <a:pos x="connsiteX0" y="connsiteY0"/>
+                </a:cxn>
+                <a:cxn ang="0">
+                  <a:pos x="connsiteX1" y="connsiteY1"/>
+                </a:cxn>
+                <a:cxn ang="0">
+                  <a:pos x="connsiteX2" y="connsiteY2"/>
+                </a:cxn>
+                <a:cxn ang="0">
+                  <a:pos x="connsiteX3" y="connsiteY3"/>
+                </a:cxn>
+                <a:cxn ang="0">
+                  <a:pos x="connsiteX4" y="connsiteY4"/>
+                </a:cxn>
+                <a:cxn ang="0">
+                  <a:pos x="connsiteX5" y="connsiteY5"/>
+                </a:cxn>
+                <a:cxn ang="0">
+                  <a:pos x="connsiteX6" y="connsiteY6"/>
+                </a:cxn>
+                <a:cxn ang="0">
+                  <a:pos x="connsiteX7" y="connsiteY7"/>
+                </a:cxn>
+                <a:cxn ang="0">
+                  <a:pos x="connsiteX8" y="connsiteY8"/>
+                </a:cxn>
+              </a:cxnLst>
+              <a:rect l="l" t="t" r="r" b="b"/>
+              <a:pathLst>
+                <a:path w="1494962" h="373740">
+                  <a:moveTo>
+                    <a:pt x="0" y="37374"/>
+                  </a:moveTo>
+                  <a:cubicBezTo>
+                    <a:pt x="0" y="16733"/>
+                    <a:pt x="16733" y="0"/>
+                    <a:pt x="37374" y="0"/>
+                  </a:cubicBezTo>
+                  <a:lnTo>
+                    <a:pt x="1457588" y="0"/>
+                  </a:lnTo>
+                  <a:cubicBezTo>
+                    <a:pt x="1478229" y="0"/>
+                    <a:pt x="1494962" y="16733"/>
+                    <a:pt x="1494962" y="37374"/>
+                  </a:cubicBezTo>
+                  <a:lnTo>
+                    <a:pt x="1494962" y="336366"/>
+                  </a:lnTo>
+                  <a:cubicBezTo>
+                    <a:pt x="1494962" y="357007"/>
+                    <a:pt x="1478229" y="373740"/>
+                    <a:pt x="1457588" y="373740"/>
+                  </a:cubicBezTo>
+                  <a:lnTo>
+                    <a:pt x="37374" y="373740"/>
+                  </a:lnTo>
+                  <a:cubicBezTo>
+                    <a:pt x="16733" y="373740"/>
+                    <a:pt x="0" y="357007"/>
+                    <a:pt x="0" y="336366"/>
+                  </a:cubicBezTo>
+                  <a:lnTo>
+                    <a:pt x="0" y="37374"/>
+                  </a:lnTo>
+                  <a:close/>
+                </a:path>
+              </a:pathLst>
+            </a:custGeom>
+          </p:spPr>
+          <p:style>
+            <a:lnRef idx="2">
+              <a:schemeClr val="lt1">
+                <a:hueOff val="0"/>
+                <a:satOff val="0"/>
+                <a:lumOff val="0"/>
+                <a:alphaOff val="0"/>
+              </a:schemeClr>
+            </a:lnRef>
+            <a:fillRef idx="1">
+              <a:schemeClr val="accent1">
+                <a:alpha val="90000"/>
+                <a:hueOff val="0"/>
+                <a:satOff val="0"/>
+                <a:lumOff val="0"/>
+                <a:alphaOff val="0"/>
+              </a:schemeClr>
+            </a:fillRef>
+            <a:effectRef idx="0">
+              <a:schemeClr val="accent1">
+                <a:alpha val="90000"/>
+                <a:hueOff val="0"/>
+                <a:satOff val="0"/>
+                <a:lumOff val="0"/>
+                <a:alphaOff val="0"/>
+              </a:schemeClr>
+            </a:effectRef>
+            <a:fontRef idx="minor">
+              <a:schemeClr val="lt1"/>
+            </a:fontRef>
+          </p:style>
+          <p:txBody>
+            <a:bodyPr spcFirstLastPara="0" vert="horz" wrap="square" lIns="37616" tIns="37616" rIns="37616" bIns="37616" numCol="1" spcCol="1270" anchor="ctr" anchorCtr="0">
+              <a:noAutofit/>
+            </a:bodyPr>
+            <a:lstStyle/>
+            <a:p>
+              <a:pPr marL="0" lvl="0" indent="0" algn="ctr" defTabSz="933450">
+                <a:lnSpc>
+                  <a:spcPct val="90000"/>
+                </a:lnSpc>
+                <a:spcBef>
+                  <a:spcPct val="0"/>
+                </a:spcBef>
+                <a:spcAft>
+                  <a:spcPct val="35000"/>
+                </a:spcAft>
+                <a:buNone/>
+              </a:pPr>
+              <a:r>
+                <a:rPr lang="en-US" sz="2100" kern="1200" dirty="0"/>
+                <a:t>2 Sep</a:t>
+              </a:r>
+            </a:p>
+          </p:txBody>
+        </p:sp>
+        <p:sp>
+          <p:nvSpPr>
+            <p:cNvPr id="35" name="Arrow: Right 34">
+              <a:extLst>
+                <a:ext uri="{FF2B5EF4-FFF2-40B4-BE49-F238E27FC236}">
+                  <a16:creationId xmlns:a16="http://schemas.microsoft.com/office/drawing/2014/main" id="{FDA8B83F-7B6D-48E4-9C3F-E231FD985226}"/>
+                </a:ext>
+              </a:extLst>
+            </p:cNvPr>
+            <p:cNvSpPr/>
+            <p:nvPr/>
+          </p:nvSpPr>
+          <p:spPr>
+            <a:xfrm rot="5400000">
+              <a:off x="1400936" y="2208191"/>
+              <a:ext cx="65404" cy="65404"/>
+            </a:xfrm>
+            <a:prstGeom prst="rightArrow">
+              <a:avLst>
+                <a:gd name="adj1" fmla="val 66700"/>
+                <a:gd name="adj2" fmla="val 50000"/>
+              </a:avLst>
+            </a:prstGeom>
+          </p:spPr>
+          <p:style>
+            <a:lnRef idx="0">
+              <a:schemeClr val="accent1">
+                <a:shade val="90000"/>
+                <a:hueOff val="0"/>
+                <a:satOff val="0"/>
+                <a:lumOff val="0"/>
+                <a:alphaOff val="0"/>
+              </a:schemeClr>
+            </a:lnRef>
+            <a:fillRef idx="1">
+              <a:schemeClr val="accent1">
+                <a:shade val="90000"/>
+                <a:hueOff val="0"/>
+                <a:satOff val="0"/>
+                <a:lumOff val="0"/>
+                <a:alphaOff val="0"/>
+              </a:schemeClr>
+            </a:fillRef>
+            <a:effectRef idx="0">
+              <a:schemeClr val="accent1">
+                <a:shade val="90000"/>
+                <a:hueOff val="0"/>
+                <a:satOff val="0"/>
+                <a:lumOff val="0"/>
+                <a:alphaOff val="0"/>
+              </a:schemeClr>
+            </a:effectRef>
+            <a:fontRef idx="minor">
+              <a:schemeClr val="lt1"/>
+            </a:fontRef>
+          </p:style>
+        </p:sp>
+        <p:sp>
+          <p:nvSpPr>
+            <p:cNvPr id="36" name="Freeform: Shape 35">
+              <a:extLst>
+                <a:ext uri="{FF2B5EF4-FFF2-40B4-BE49-F238E27FC236}">
+                  <a16:creationId xmlns:a16="http://schemas.microsoft.com/office/drawing/2014/main" id="{BDFDBD81-FB40-464A-B88D-FC851D1199F5}"/>
+                </a:ext>
+              </a:extLst>
+            </p:cNvPr>
+            <p:cNvSpPr/>
+            <p:nvPr/>
+          </p:nvSpPr>
+          <p:spPr>
+            <a:xfrm>
+              <a:off x="686157" y="2306298"/>
+              <a:ext cx="1494962" cy="373740"/>
+            </a:xfrm>
+            <a:custGeom>
+              <a:avLst/>
+              <a:gdLst>
+                <a:gd name="connsiteX0" fmla="*/ 0 w 1494962"/>
+                <a:gd name="connsiteY0" fmla="*/ 37374 h 373740"/>
+                <a:gd name="connsiteX1" fmla="*/ 37374 w 1494962"/>
+                <a:gd name="connsiteY1" fmla="*/ 0 h 373740"/>
+                <a:gd name="connsiteX2" fmla="*/ 1457588 w 1494962"/>
+                <a:gd name="connsiteY2" fmla="*/ 0 h 373740"/>
+                <a:gd name="connsiteX3" fmla="*/ 1494962 w 1494962"/>
+                <a:gd name="connsiteY3" fmla="*/ 37374 h 373740"/>
+                <a:gd name="connsiteX4" fmla="*/ 1494962 w 1494962"/>
+                <a:gd name="connsiteY4" fmla="*/ 336366 h 373740"/>
+                <a:gd name="connsiteX5" fmla="*/ 1457588 w 1494962"/>
+                <a:gd name="connsiteY5" fmla="*/ 373740 h 373740"/>
+                <a:gd name="connsiteX6" fmla="*/ 37374 w 1494962"/>
+                <a:gd name="connsiteY6" fmla="*/ 373740 h 373740"/>
+                <a:gd name="connsiteX7" fmla="*/ 0 w 1494962"/>
+                <a:gd name="connsiteY7" fmla="*/ 336366 h 373740"/>
+                <a:gd name="connsiteX8" fmla="*/ 0 w 1494962"/>
+                <a:gd name="connsiteY8" fmla="*/ 37374 h 373740"/>
+              </a:gdLst>
+              <a:ahLst/>
+              <a:cxnLst>
+                <a:cxn ang="0">
+                  <a:pos x="connsiteX0" y="connsiteY0"/>
+                </a:cxn>
+                <a:cxn ang="0">
+                  <a:pos x="connsiteX1" y="connsiteY1"/>
+                </a:cxn>
+                <a:cxn ang="0">
+                  <a:pos x="connsiteX2" y="connsiteY2"/>
+                </a:cxn>
+                <a:cxn ang="0">
+                  <a:pos x="connsiteX3" y="connsiteY3"/>
+                </a:cxn>
+                <a:cxn ang="0">
+                  <a:pos x="connsiteX4" y="connsiteY4"/>
+                </a:cxn>
+                <a:cxn ang="0">
+                  <a:pos x="connsiteX5" y="connsiteY5"/>
+                </a:cxn>
+                <a:cxn ang="0">
+                  <a:pos x="connsiteX6" y="connsiteY6"/>
+                </a:cxn>
+                <a:cxn ang="0">
+                  <a:pos x="connsiteX7" y="connsiteY7"/>
+                </a:cxn>
+                <a:cxn ang="0">
+                  <a:pos x="connsiteX8" y="connsiteY8"/>
+                </a:cxn>
+              </a:cxnLst>
+              <a:rect l="l" t="t" r="r" b="b"/>
+              <a:pathLst>
+                <a:path w="1494962" h="373740">
+                  <a:moveTo>
+                    <a:pt x="0" y="37374"/>
+                  </a:moveTo>
+                  <a:cubicBezTo>
+                    <a:pt x="0" y="16733"/>
+                    <a:pt x="16733" y="0"/>
+                    <a:pt x="37374" y="0"/>
+                  </a:cubicBezTo>
+                  <a:lnTo>
+                    <a:pt x="1457588" y="0"/>
+                  </a:lnTo>
+                  <a:cubicBezTo>
+                    <a:pt x="1478229" y="0"/>
+                    <a:pt x="1494962" y="16733"/>
+                    <a:pt x="1494962" y="37374"/>
+                  </a:cubicBezTo>
+                  <a:lnTo>
+                    <a:pt x="1494962" y="336366"/>
+                  </a:lnTo>
+                  <a:cubicBezTo>
+                    <a:pt x="1494962" y="357007"/>
+                    <a:pt x="1478229" y="373740"/>
+                    <a:pt x="1457588" y="373740"/>
+                  </a:cubicBezTo>
+                  <a:lnTo>
+                    <a:pt x="37374" y="373740"/>
+                  </a:lnTo>
+                  <a:cubicBezTo>
+                    <a:pt x="16733" y="373740"/>
+                    <a:pt x="0" y="357007"/>
+                    <a:pt x="0" y="336366"/>
+                  </a:cubicBezTo>
+                  <a:lnTo>
+                    <a:pt x="0" y="37374"/>
+                  </a:lnTo>
+                  <a:close/>
+                </a:path>
+              </a:pathLst>
+            </a:custGeom>
+            <a:solidFill>
+              <a:schemeClr val="accent4">
+                <a:lumMod val="60000"/>
+                <a:lumOff val="40000"/>
+                <a:alpha val="90000"/>
+              </a:schemeClr>
+            </a:solidFill>
+          </p:spPr>
+          <p:style>
+            <a:lnRef idx="2">
+              <a:schemeClr val="accent1">
+                <a:alpha val="90000"/>
+                <a:tint val="40000"/>
+                <a:hueOff val="0"/>
+                <a:satOff val="0"/>
+                <a:lumOff val="0"/>
+                <a:alphaOff val="0"/>
+              </a:schemeClr>
+            </a:lnRef>
+            <a:fillRef idx="1">
+              <a:scrgbClr r="0" g="0" b="0"/>
+            </a:fillRef>
+            <a:effectRef idx="0">
+              <a:schemeClr val="accent1">
+                <a:alpha val="90000"/>
+                <a:tint val="40000"/>
+                <a:hueOff val="0"/>
+                <a:satOff val="0"/>
+                <a:lumOff val="0"/>
+                <a:alphaOff val="0"/>
+              </a:schemeClr>
+            </a:effectRef>
+            <a:fontRef idx="minor">
+              <a:schemeClr val="dk1">
+                <a:hueOff val="0"/>
+                <a:satOff val="0"/>
+                <a:lumOff val="0"/>
+                <a:alphaOff val="0"/>
+              </a:schemeClr>
+            </a:fontRef>
+          </p:style>
+          <p:txBody>
+            <a:bodyPr spcFirstLastPara="0" vert="horz" wrap="square" lIns="22376" tIns="22376" rIns="22376" bIns="22376" numCol="1" spcCol="1270" anchor="ctr" anchorCtr="0">
+              <a:noAutofit/>
+            </a:bodyPr>
+            <a:lstStyle/>
+            <a:p>
+              <a:pPr marL="0" lvl="0" indent="0" algn="ctr" defTabSz="400050">
+                <a:lnSpc>
+                  <a:spcPct val="90000"/>
+                </a:lnSpc>
+                <a:spcBef>
+                  <a:spcPct val="0"/>
+                </a:spcBef>
+                <a:spcAft>
+                  <a:spcPct val="35000"/>
+                </a:spcAft>
+                <a:buNone/>
+              </a:pPr>
+              <a:r>
+                <a:rPr lang="en-US" sz="1200" kern="1200" dirty="0"/>
+                <a:t>Establish </a:t>
+              </a:r>
+              <a:r>
+                <a:rPr lang="en-US" sz="1200" dirty="0"/>
+                <a:t>e</a:t>
+              </a:r>
+              <a:r>
+                <a:rPr lang="en-US" sz="1200" kern="1200" dirty="0"/>
+                <a:t>ngine familiarity</a:t>
+              </a:r>
+            </a:p>
+          </p:txBody>
+        </p:sp>
+        <p:sp>
+          <p:nvSpPr>
+            <p:cNvPr id="37" name="Arrow: Right 36">
+              <a:extLst>
+                <a:ext uri="{FF2B5EF4-FFF2-40B4-BE49-F238E27FC236}">
+                  <a16:creationId xmlns:a16="http://schemas.microsoft.com/office/drawing/2014/main" id="{9B1C1C52-F69F-4440-B1DE-3C0F549A48E0}"/>
+                </a:ext>
+              </a:extLst>
+            </p:cNvPr>
+            <p:cNvSpPr/>
+            <p:nvPr/>
+          </p:nvSpPr>
+          <p:spPr>
+            <a:xfrm rot="5400000">
+              <a:off x="1400936" y="2712741"/>
+              <a:ext cx="65404" cy="65404"/>
+            </a:xfrm>
+            <a:prstGeom prst="rightArrow">
+              <a:avLst>
+                <a:gd name="adj1" fmla="val 66700"/>
+                <a:gd name="adj2" fmla="val 50000"/>
+              </a:avLst>
+            </a:prstGeom>
+          </p:spPr>
+          <p:style>
+            <a:lnRef idx="0">
+              <a:schemeClr val="accent1">
+                <a:shade val="90000"/>
+                <a:hueOff val="72261"/>
+                <a:satOff val="-7547"/>
+                <a:lumOff val="5136"/>
+                <a:alphaOff val="0"/>
+              </a:schemeClr>
+            </a:lnRef>
+            <a:fillRef idx="1">
+              <a:schemeClr val="accent1">
+                <a:shade val="90000"/>
+                <a:hueOff val="72261"/>
+                <a:satOff val="-7547"/>
+                <a:lumOff val="5136"/>
+                <a:alphaOff val="0"/>
+              </a:schemeClr>
+            </a:fillRef>
+            <a:effectRef idx="0">
+              <a:schemeClr val="accent1">
+                <a:shade val="90000"/>
+                <a:hueOff val="72261"/>
+                <a:satOff val="-7547"/>
+                <a:lumOff val="5136"/>
+                <a:alphaOff val="0"/>
+              </a:schemeClr>
+            </a:effectRef>
+            <a:fontRef idx="minor">
+              <a:schemeClr val="lt1"/>
+            </a:fontRef>
+          </p:style>
+        </p:sp>
+        <p:sp>
+          <p:nvSpPr>
+            <p:cNvPr id="38" name="Freeform: Shape 37">
+              <a:extLst>
+                <a:ext uri="{FF2B5EF4-FFF2-40B4-BE49-F238E27FC236}">
+                  <a16:creationId xmlns:a16="http://schemas.microsoft.com/office/drawing/2014/main" id="{EEC74825-30ED-4616-8DC6-6A305EAAD661}"/>
+                </a:ext>
+              </a:extLst>
+            </p:cNvPr>
+            <p:cNvSpPr/>
+            <p:nvPr/>
+          </p:nvSpPr>
+          <p:spPr>
+            <a:xfrm>
+              <a:off x="686157" y="2810848"/>
+              <a:ext cx="1494962" cy="373740"/>
+            </a:xfrm>
+            <a:custGeom>
+              <a:avLst/>
+              <a:gdLst>
+                <a:gd name="connsiteX0" fmla="*/ 0 w 1494962"/>
+                <a:gd name="connsiteY0" fmla="*/ 37374 h 373740"/>
+                <a:gd name="connsiteX1" fmla="*/ 37374 w 1494962"/>
+                <a:gd name="connsiteY1" fmla="*/ 0 h 373740"/>
+                <a:gd name="connsiteX2" fmla="*/ 1457588 w 1494962"/>
+                <a:gd name="connsiteY2" fmla="*/ 0 h 373740"/>
+                <a:gd name="connsiteX3" fmla="*/ 1494962 w 1494962"/>
+                <a:gd name="connsiteY3" fmla="*/ 37374 h 373740"/>
+                <a:gd name="connsiteX4" fmla="*/ 1494962 w 1494962"/>
+                <a:gd name="connsiteY4" fmla="*/ 336366 h 373740"/>
+                <a:gd name="connsiteX5" fmla="*/ 1457588 w 1494962"/>
+                <a:gd name="connsiteY5" fmla="*/ 373740 h 373740"/>
+                <a:gd name="connsiteX6" fmla="*/ 37374 w 1494962"/>
+                <a:gd name="connsiteY6" fmla="*/ 373740 h 373740"/>
+                <a:gd name="connsiteX7" fmla="*/ 0 w 1494962"/>
+                <a:gd name="connsiteY7" fmla="*/ 336366 h 373740"/>
+                <a:gd name="connsiteX8" fmla="*/ 0 w 1494962"/>
+                <a:gd name="connsiteY8" fmla="*/ 37374 h 373740"/>
+              </a:gdLst>
+              <a:ahLst/>
+              <a:cxnLst>
+                <a:cxn ang="0">
+                  <a:pos x="connsiteX0" y="connsiteY0"/>
+                </a:cxn>
+                <a:cxn ang="0">
+                  <a:pos x="connsiteX1" y="connsiteY1"/>
+                </a:cxn>
+                <a:cxn ang="0">
+                  <a:pos x="connsiteX2" y="connsiteY2"/>
+                </a:cxn>
+                <a:cxn ang="0">
+                  <a:pos x="connsiteX3" y="connsiteY3"/>
+                </a:cxn>
+                <a:cxn ang="0">
+                  <a:pos x="connsiteX4" y="connsiteY4"/>
+                </a:cxn>
+                <a:cxn ang="0">
+                  <a:pos x="connsiteX5" y="connsiteY5"/>
+                </a:cxn>
+                <a:cxn ang="0">
+                  <a:pos x="connsiteX6" y="connsiteY6"/>
+                </a:cxn>
+                <a:cxn ang="0">
+                  <a:pos x="connsiteX7" y="connsiteY7"/>
+                </a:cxn>
+                <a:cxn ang="0">
+                  <a:pos x="connsiteX8" y="connsiteY8"/>
+                </a:cxn>
+              </a:cxnLst>
+              <a:rect l="l" t="t" r="r" b="b"/>
+              <a:pathLst>
+                <a:path w="1494962" h="373740">
+                  <a:moveTo>
+                    <a:pt x="0" y="37374"/>
+                  </a:moveTo>
+                  <a:cubicBezTo>
+                    <a:pt x="0" y="16733"/>
+                    <a:pt x="16733" y="0"/>
+                    <a:pt x="37374" y="0"/>
+                  </a:cubicBezTo>
+                  <a:lnTo>
+                    <a:pt x="1457588" y="0"/>
+                  </a:lnTo>
+                  <a:cubicBezTo>
+                    <a:pt x="1478229" y="0"/>
+                    <a:pt x="1494962" y="16733"/>
+                    <a:pt x="1494962" y="37374"/>
+                  </a:cubicBezTo>
+                  <a:lnTo>
+                    <a:pt x="1494962" y="336366"/>
+                  </a:lnTo>
+                  <a:cubicBezTo>
+                    <a:pt x="1494962" y="357007"/>
+                    <a:pt x="1478229" y="373740"/>
+                    <a:pt x="1457588" y="373740"/>
+                  </a:cubicBezTo>
+                  <a:lnTo>
+                    <a:pt x="37374" y="373740"/>
+                  </a:lnTo>
+                  <a:cubicBezTo>
+                    <a:pt x="16733" y="373740"/>
+                    <a:pt x="0" y="357007"/>
+                    <a:pt x="0" y="336366"/>
+                  </a:cubicBezTo>
+                  <a:lnTo>
+                    <a:pt x="0" y="37374"/>
+                  </a:lnTo>
+                  <a:close/>
+                </a:path>
+              </a:pathLst>
+            </a:custGeom>
+            <a:solidFill>
+              <a:schemeClr val="accent4">
+                <a:lumMod val="60000"/>
+                <a:lumOff val="40000"/>
+                <a:alpha val="90000"/>
+              </a:schemeClr>
+            </a:solidFill>
+          </p:spPr>
+          <p:style>
+            <a:lnRef idx="2">
+              <a:schemeClr val="accent1">
+                <a:alpha val="90000"/>
+                <a:tint val="40000"/>
+                <a:hueOff val="0"/>
+                <a:satOff val="0"/>
+                <a:lumOff val="0"/>
+                <a:alphaOff val="0"/>
+              </a:schemeClr>
+            </a:lnRef>
+            <a:fillRef idx="1">
+              <a:scrgbClr r="0" g="0" b="0"/>
+            </a:fillRef>
+            <a:effectRef idx="0">
+              <a:schemeClr val="accent1">
+                <a:alpha val="90000"/>
+                <a:tint val="40000"/>
+                <a:hueOff val="0"/>
+                <a:satOff val="0"/>
+                <a:lumOff val="0"/>
+                <a:alphaOff val="0"/>
+              </a:schemeClr>
+            </a:effectRef>
+            <a:fontRef idx="minor">
+              <a:schemeClr val="dk1">
+                <a:hueOff val="0"/>
+                <a:satOff val="0"/>
+                <a:lumOff val="0"/>
+                <a:alphaOff val="0"/>
+              </a:schemeClr>
+            </a:fontRef>
+          </p:style>
+          <p:txBody>
+            <a:bodyPr spcFirstLastPara="0" vert="horz" wrap="square" lIns="22376" tIns="22376" rIns="22376" bIns="22376" numCol="1" spcCol="1270" anchor="ctr" anchorCtr="0">
+              <a:noAutofit/>
+            </a:bodyPr>
+            <a:lstStyle/>
+            <a:p>
+              <a:pPr marL="0" lvl="0" indent="0" algn="ctr" defTabSz="400050">
+                <a:lnSpc>
+                  <a:spcPct val="90000"/>
+                </a:lnSpc>
+                <a:spcBef>
+                  <a:spcPct val="0"/>
+                </a:spcBef>
+                <a:spcAft>
+                  <a:spcPct val="35000"/>
+                </a:spcAft>
+                <a:buNone/>
+              </a:pPr>
+              <a:r>
+                <a:rPr lang="en-US" sz="1200" b="0" i="0" u="none" kern="1200" dirty="0"/>
+                <a:t>Create basic game template</a:t>
+              </a:r>
+              <a:endParaRPr lang="en-US" sz="1200" kern="1200" dirty="0"/>
+            </a:p>
+          </p:txBody>
+        </p:sp>
+        <p:sp>
+          <p:nvSpPr>
+            <p:cNvPr id="39" name="Freeform: Shape 38">
+              <a:extLst>
+                <a:ext uri="{FF2B5EF4-FFF2-40B4-BE49-F238E27FC236}">
+                  <a16:creationId xmlns:a16="http://schemas.microsoft.com/office/drawing/2014/main" id="{0C660FCE-9FC8-40B5-8A8E-D950FF698E7F}"/>
+                </a:ext>
+              </a:extLst>
+            </p:cNvPr>
+            <p:cNvSpPr/>
+            <p:nvPr/>
+          </p:nvSpPr>
+          <p:spPr>
+            <a:xfrm>
+              <a:off x="2390414" y="1801748"/>
+              <a:ext cx="1494962" cy="373740"/>
+            </a:xfrm>
+            <a:custGeom>
+              <a:avLst/>
+              <a:gdLst>
+                <a:gd name="connsiteX0" fmla="*/ 0 w 1494962"/>
+                <a:gd name="connsiteY0" fmla="*/ 37374 h 373740"/>
+                <a:gd name="connsiteX1" fmla="*/ 37374 w 1494962"/>
+                <a:gd name="connsiteY1" fmla="*/ 0 h 373740"/>
+                <a:gd name="connsiteX2" fmla="*/ 1457588 w 1494962"/>
+                <a:gd name="connsiteY2" fmla="*/ 0 h 373740"/>
+                <a:gd name="connsiteX3" fmla="*/ 1494962 w 1494962"/>
+                <a:gd name="connsiteY3" fmla="*/ 37374 h 373740"/>
+                <a:gd name="connsiteX4" fmla="*/ 1494962 w 1494962"/>
+                <a:gd name="connsiteY4" fmla="*/ 336366 h 373740"/>
+                <a:gd name="connsiteX5" fmla="*/ 1457588 w 1494962"/>
+                <a:gd name="connsiteY5" fmla="*/ 373740 h 373740"/>
+                <a:gd name="connsiteX6" fmla="*/ 37374 w 1494962"/>
+                <a:gd name="connsiteY6" fmla="*/ 373740 h 373740"/>
+                <a:gd name="connsiteX7" fmla="*/ 0 w 1494962"/>
+                <a:gd name="connsiteY7" fmla="*/ 336366 h 373740"/>
+                <a:gd name="connsiteX8" fmla="*/ 0 w 1494962"/>
+                <a:gd name="connsiteY8" fmla="*/ 37374 h 373740"/>
+              </a:gdLst>
+              <a:ahLst/>
+              <a:cxnLst>
+                <a:cxn ang="0">
+                  <a:pos x="connsiteX0" y="connsiteY0"/>
+                </a:cxn>
+                <a:cxn ang="0">
+                  <a:pos x="connsiteX1" y="connsiteY1"/>
+                </a:cxn>
+                <a:cxn ang="0">
+                  <a:pos x="connsiteX2" y="connsiteY2"/>
+                </a:cxn>
+                <a:cxn ang="0">
+                  <a:pos x="connsiteX3" y="connsiteY3"/>
+                </a:cxn>
+                <a:cxn ang="0">
+                  <a:pos x="connsiteX4" y="connsiteY4"/>
+                </a:cxn>
+                <a:cxn ang="0">
+                  <a:pos x="connsiteX5" y="connsiteY5"/>
+                </a:cxn>
+                <a:cxn ang="0">
+                  <a:pos x="connsiteX6" y="connsiteY6"/>
+                </a:cxn>
+                <a:cxn ang="0">
+                  <a:pos x="connsiteX7" y="connsiteY7"/>
+                </a:cxn>
+                <a:cxn ang="0">
+                  <a:pos x="connsiteX8" y="connsiteY8"/>
+                </a:cxn>
+              </a:cxnLst>
+              <a:rect l="l" t="t" r="r" b="b"/>
+              <a:pathLst>
+                <a:path w="1494962" h="373740">
+                  <a:moveTo>
+                    <a:pt x="0" y="37374"/>
+                  </a:moveTo>
+                  <a:cubicBezTo>
+                    <a:pt x="0" y="16733"/>
+                    <a:pt x="16733" y="0"/>
+                    <a:pt x="37374" y="0"/>
+                  </a:cubicBezTo>
+                  <a:lnTo>
+                    <a:pt x="1457588" y="0"/>
+                  </a:lnTo>
+                  <a:cubicBezTo>
+                    <a:pt x="1478229" y="0"/>
+                    <a:pt x="1494962" y="16733"/>
+                    <a:pt x="1494962" y="37374"/>
+                  </a:cubicBezTo>
+                  <a:lnTo>
+                    <a:pt x="1494962" y="336366"/>
+                  </a:lnTo>
+                  <a:cubicBezTo>
+                    <a:pt x="1494962" y="357007"/>
+                    <a:pt x="1478229" y="373740"/>
+                    <a:pt x="1457588" y="373740"/>
+                  </a:cubicBezTo>
+                  <a:lnTo>
+                    <a:pt x="37374" y="373740"/>
+                  </a:lnTo>
+                  <a:cubicBezTo>
+                    <a:pt x="16733" y="373740"/>
+                    <a:pt x="0" y="357007"/>
+                    <a:pt x="0" y="336366"/>
+                  </a:cubicBezTo>
+                  <a:lnTo>
+                    <a:pt x="0" y="37374"/>
+                  </a:lnTo>
+                  <a:close/>
+                </a:path>
+              </a:pathLst>
+            </a:custGeom>
+          </p:spPr>
+          <p:style>
+            <a:lnRef idx="2">
+              <a:schemeClr val="lt1">
+                <a:hueOff val="0"/>
+                <a:satOff val="0"/>
+                <a:lumOff val="0"/>
+                <a:alphaOff val="0"/>
+              </a:schemeClr>
+            </a:lnRef>
+            <a:fillRef idx="1">
+              <a:schemeClr val="accent1">
+                <a:alpha val="90000"/>
+                <a:hueOff val="0"/>
+                <a:satOff val="0"/>
+                <a:lumOff val="0"/>
+                <a:alphaOff val="-8000"/>
+              </a:schemeClr>
+            </a:fillRef>
+            <a:effectRef idx="0">
+              <a:schemeClr val="accent1">
+                <a:alpha val="90000"/>
+                <a:hueOff val="0"/>
+                <a:satOff val="0"/>
+                <a:lumOff val="0"/>
+                <a:alphaOff val="-8000"/>
+              </a:schemeClr>
+            </a:effectRef>
+            <a:fontRef idx="minor">
+              <a:schemeClr val="lt1"/>
+            </a:fontRef>
+          </p:style>
+          <p:txBody>
+            <a:bodyPr spcFirstLastPara="0" vert="horz" wrap="square" lIns="37616" tIns="37616" rIns="37616" bIns="37616" numCol="1" spcCol="1270" anchor="ctr" anchorCtr="0">
+              <a:noAutofit/>
+            </a:bodyPr>
+            <a:lstStyle/>
+            <a:p>
+              <a:pPr marL="0" lvl="0" indent="0" algn="ctr" defTabSz="933450">
+                <a:lnSpc>
+                  <a:spcPct val="90000"/>
+                </a:lnSpc>
+                <a:spcBef>
+                  <a:spcPct val="0"/>
+                </a:spcBef>
+                <a:spcAft>
+                  <a:spcPct val="35000"/>
+                </a:spcAft>
+                <a:buNone/>
+              </a:pPr>
+              <a:r>
+                <a:rPr lang="en-US" sz="2100" kern="1200" dirty="0"/>
+                <a:t>1 Oct</a:t>
+              </a:r>
+            </a:p>
+          </p:txBody>
+        </p:sp>
+        <p:sp>
+          <p:nvSpPr>
+            <p:cNvPr id="40" name="Arrow: Right 39">
+              <a:extLst>
+                <a:ext uri="{FF2B5EF4-FFF2-40B4-BE49-F238E27FC236}">
+                  <a16:creationId xmlns:a16="http://schemas.microsoft.com/office/drawing/2014/main" id="{5193B0E6-D79F-4261-8B4D-A34BAF9C2490}"/>
+                </a:ext>
+              </a:extLst>
+            </p:cNvPr>
+            <p:cNvSpPr/>
+            <p:nvPr/>
+          </p:nvSpPr>
+          <p:spPr>
+            <a:xfrm rot="5400000">
+              <a:off x="3105193" y="2208191"/>
+              <a:ext cx="65404" cy="65404"/>
+            </a:xfrm>
+            <a:prstGeom prst="rightArrow">
+              <a:avLst>
+                <a:gd name="adj1" fmla="val 66700"/>
+                <a:gd name="adj2" fmla="val 50000"/>
+              </a:avLst>
+            </a:prstGeom>
+          </p:spPr>
+          <p:style>
+            <a:lnRef idx="0">
+              <a:schemeClr val="accent1">
+                <a:shade val="90000"/>
+                <a:hueOff val="144522"/>
+                <a:satOff val="-15093"/>
+                <a:lumOff val="10272"/>
+                <a:alphaOff val="0"/>
+              </a:schemeClr>
+            </a:lnRef>
+            <a:fillRef idx="1">
+              <a:schemeClr val="accent1">
+                <a:shade val="90000"/>
+                <a:hueOff val="144522"/>
+                <a:satOff val="-15093"/>
+                <a:lumOff val="10272"/>
+                <a:alphaOff val="0"/>
+              </a:schemeClr>
+            </a:fillRef>
+            <a:effectRef idx="0">
+              <a:schemeClr val="accent1">
+                <a:shade val="90000"/>
+                <a:hueOff val="144522"/>
+                <a:satOff val="-15093"/>
+                <a:lumOff val="10272"/>
+                <a:alphaOff val="0"/>
+              </a:schemeClr>
+            </a:effectRef>
+            <a:fontRef idx="minor">
+              <a:schemeClr val="lt1"/>
+            </a:fontRef>
+          </p:style>
+        </p:sp>
+        <p:sp>
+          <p:nvSpPr>
+            <p:cNvPr id="41" name="Freeform: Shape 40">
+              <a:extLst>
+                <a:ext uri="{FF2B5EF4-FFF2-40B4-BE49-F238E27FC236}">
+                  <a16:creationId xmlns:a16="http://schemas.microsoft.com/office/drawing/2014/main" id="{D2427D8B-57C5-4A0E-962F-2E6D0F48D0D6}"/>
+                </a:ext>
+              </a:extLst>
+            </p:cNvPr>
+            <p:cNvSpPr/>
+            <p:nvPr/>
+          </p:nvSpPr>
+          <p:spPr>
+            <a:xfrm>
+              <a:off x="2390414" y="2306298"/>
+              <a:ext cx="1494962" cy="373740"/>
+            </a:xfrm>
+            <a:custGeom>
+              <a:avLst/>
+              <a:gdLst>
+                <a:gd name="connsiteX0" fmla="*/ 0 w 1494962"/>
+                <a:gd name="connsiteY0" fmla="*/ 37374 h 373740"/>
+                <a:gd name="connsiteX1" fmla="*/ 37374 w 1494962"/>
+                <a:gd name="connsiteY1" fmla="*/ 0 h 373740"/>
+                <a:gd name="connsiteX2" fmla="*/ 1457588 w 1494962"/>
+                <a:gd name="connsiteY2" fmla="*/ 0 h 373740"/>
+                <a:gd name="connsiteX3" fmla="*/ 1494962 w 1494962"/>
+                <a:gd name="connsiteY3" fmla="*/ 37374 h 373740"/>
+                <a:gd name="connsiteX4" fmla="*/ 1494962 w 1494962"/>
+                <a:gd name="connsiteY4" fmla="*/ 336366 h 373740"/>
+                <a:gd name="connsiteX5" fmla="*/ 1457588 w 1494962"/>
+                <a:gd name="connsiteY5" fmla="*/ 373740 h 373740"/>
+                <a:gd name="connsiteX6" fmla="*/ 37374 w 1494962"/>
+                <a:gd name="connsiteY6" fmla="*/ 373740 h 373740"/>
+                <a:gd name="connsiteX7" fmla="*/ 0 w 1494962"/>
+                <a:gd name="connsiteY7" fmla="*/ 336366 h 373740"/>
+                <a:gd name="connsiteX8" fmla="*/ 0 w 1494962"/>
+                <a:gd name="connsiteY8" fmla="*/ 37374 h 373740"/>
+              </a:gdLst>
+              <a:ahLst/>
+              <a:cxnLst>
+                <a:cxn ang="0">
+                  <a:pos x="connsiteX0" y="connsiteY0"/>
+                </a:cxn>
+                <a:cxn ang="0">
+                  <a:pos x="connsiteX1" y="connsiteY1"/>
+                </a:cxn>
+                <a:cxn ang="0">
+                  <a:pos x="connsiteX2" y="connsiteY2"/>
+                </a:cxn>
+                <a:cxn ang="0">
+                  <a:pos x="connsiteX3" y="connsiteY3"/>
+                </a:cxn>
+                <a:cxn ang="0">
+                  <a:pos x="connsiteX4" y="connsiteY4"/>
+                </a:cxn>
+                <a:cxn ang="0">
+                  <a:pos x="connsiteX5" y="connsiteY5"/>
+                </a:cxn>
+                <a:cxn ang="0">
+                  <a:pos x="connsiteX6" y="connsiteY6"/>
+                </a:cxn>
+                <a:cxn ang="0">
+                  <a:pos x="connsiteX7" y="connsiteY7"/>
+                </a:cxn>
+                <a:cxn ang="0">
+                  <a:pos x="connsiteX8" y="connsiteY8"/>
+                </a:cxn>
+              </a:cxnLst>
+              <a:rect l="l" t="t" r="r" b="b"/>
+              <a:pathLst>
+                <a:path w="1494962" h="373740">
+                  <a:moveTo>
+                    <a:pt x="0" y="37374"/>
+                  </a:moveTo>
+                  <a:cubicBezTo>
+                    <a:pt x="0" y="16733"/>
+                    <a:pt x="16733" y="0"/>
+                    <a:pt x="37374" y="0"/>
+                  </a:cubicBezTo>
+                  <a:lnTo>
+                    <a:pt x="1457588" y="0"/>
+                  </a:lnTo>
+                  <a:cubicBezTo>
+                    <a:pt x="1478229" y="0"/>
+                    <a:pt x="1494962" y="16733"/>
+                    <a:pt x="1494962" y="37374"/>
+                  </a:cubicBezTo>
+                  <a:lnTo>
+                    <a:pt x="1494962" y="336366"/>
+                  </a:lnTo>
+                  <a:cubicBezTo>
+                    <a:pt x="1494962" y="357007"/>
+                    <a:pt x="1478229" y="373740"/>
+                    <a:pt x="1457588" y="373740"/>
+                  </a:cubicBezTo>
+                  <a:lnTo>
+                    <a:pt x="37374" y="373740"/>
+                  </a:lnTo>
+                  <a:cubicBezTo>
+                    <a:pt x="16733" y="373740"/>
+                    <a:pt x="0" y="357007"/>
+                    <a:pt x="0" y="336366"/>
+                  </a:cubicBezTo>
+                  <a:lnTo>
+                    <a:pt x="0" y="37374"/>
+                  </a:lnTo>
+                  <a:close/>
+                </a:path>
+              </a:pathLst>
+            </a:custGeom>
+            <a:solidFill>
+              <a:schemeClr val="accent4">
+                <a:lumMod val="60000"/>
+                <a:lumOff val="40000"/>
+                <a:alpha val="90000"/>
+              </a:schemeClr>
+            </a:solidFill>
+          </p:spPr>
+          <p:style>
+            <a:lnRef idx="2">
+              <a:schemeClr val="accent1">
+                <a:alpha val="90000"/>
+                <a:tint val="40000"/>
+                <a:hueOff val="0"/>
+                <a:satOff val="0"/>
+                <a:lumOff val="0"/>
+                <a:alphaOff val="0"/>
+              </a:schemeClr>
+            </a:lnRef>
+            <a:fillRef idx="1">
+              <a:scrgbClr r="0" g="0" b="0"/>
+            </a:fillRef>
+            <a:effectRef idx="0">
+              <a:schemeClr val="accent1">
+                <a:alpha val="90000"/>
+                <a:tint val="40000"/>
+                <a:hueOff val="0"/>
+                <a:satOff val="0"/>
+                <a:lumOff val="0"/>
+                <a:alphaOff val="0"/>
+              </a:schemeClr>
+            </a:effectRef>
+            <a:fontRef idx="minor">
+              <a:schemeClr val="dk1">
+                <a:hueOff val="0"/>
+                <a:satOff val="0"/>
+                <a:lumOff val="0"/>
+                <a:alphaOff val="0"/>
+              </a:schemeClr>
+            </a:fontRef>
+          </p:style>
+          <p:txBody>
+            <a:bodyPr spcFirstLastPara="0" vert="horz" wrap="square" lIns="22376" tIns="22376" rIns="22376" bIns="22376" numCol="1" spcCol="1270" anchor="ctr" anchorCtr="0">
+              <a:noAutofit/>
+            </a:bodyPr>
+            <a:lstStyle/>
+            <a:p>
+              <a:pPr marL="0" lvl="0" indent="0" algn="ctr" defTabSz="400050">
+                <a:lnSpc>
+                  <a:spcPct val="90000"/>
+                </a:lnSpc>
+                <a:spcBef>
+                  <a:spcPct val="0"/>
+                </a:spcBef>
+                <a:spcAft>
+                  <a:spcPct val="35000"/>
+                </a:spcAft>
+                <a:buNone/>
+              </a:pPr>
+              <a:r>
+                <a:rPr lang="en-US" sz="1200" b="0" i="0" u="none" kern="1200" dirty="0"/>
+                <a:t>Nail down usable physics for testing</a:t>
+              </a:r>
+              <a:endParaRPr lang="en-US" sz="1200" kern="1200" dirty="0"/>
+            </a:p>
+          </p:txBody>
+        </p:sp>
+        <p:sp>
+          <p:nvSpPr>
+            <p:cNvPr id="42" name="Arrow: Right 41">
+              <a:extLst>
+                <a:ext uri="{FF2B5EF4-FFF2-40B4-BE49-F238E27FC236}">
+                  <a16:creationId xmlns:a16="http://schemas.microsoft.com/office/drawing/2014/main" id="{FDBF6E59-0E7F-4725-A7F0-6D669001C510}"/>
+                </a:ext>
+              </a:extLst>
+            </p:cNvPr>
+            <p:cNvSpPr/>
+            <p:nvPr/>
+          </p:nvSpPr>
+          <p:spPr>
+            <a:xfrm rot="5400000">
+              <a:off x="3105193" y="2712741"/>
+              <a:ext cx="65404" cy="65404"/>
+            </a:xfrm>
+            <a:prstGeom prst="rightArrow">
+              <a:avLst>
+                <a:gd name="adj1" fmla="val 66700"/>
+                <a:gd name="adj2" fmla="val 50000"/>
+              </a:avLst>
+            </a:prstGeom>
+          </p:spPr>
+          <p:style>
+            <a:lnRef idx="0">
+              <a:schemeClr val="accent1">
+                <a:shade val="90000"/>
+                <a:hueOff val="216783"/>
+                <a:satOff val="-22640"/>
+                <a:lumOff val="15407"/>
+                <a:alphaOff val="0"/>
+              </a:schemeClr>
+            </a:lnRef>
+            <a:fillRef idx="1">
+              <a:schemeClr val="accent1">
+                <a:shade val="90000"/>
+                <a:hueOff val="216783"/>
+                <a:satOff val="-22640"/>
+                <a:lumOff val="15407"/>
+                <a:alphaOff val="0"/>
+              </a:schemeClr>
+            </a:fillRef>
+            <a:effectRef idx="0">
+              <a:schemeClr val="accent1">
+                <a:shade val="90000"/>
+                <a:hueOff val="216783"/>
+                <a:satOff val="-22640"/>
+                <a:lumOff val="15407"/>
+                <a:alphaOff val="0"/>
+              </a:schemeClr>
+            </a:effectRef>
+            <a:fontRef idx="minor">
+              <a:schemeClr val="lt1"/>
+            </a:fontRef>
+          </p:style>
+        </p:sp>
+        <p:sp>
+          <p:nvSpPr>
+            <p:cNvPr id="43" name="Freeform: Shape 42">
+              <a:extLst>
+                <a:ext uri="{FF2B5EF4-FFF2-40B4-BE49-F238E27FC236}">
+                  <a16:creationId xmlns:a16="http://schemas.microsoft.com/office/drawing/2014/main" id="{69C2D6B0-3B70-4839-A4D5-32DE45F59323}"/>
+                </a:ext>
+              </a:extLst>
+            </p:cNvPr>
+            <p:cNvSpPr/>
+            <p:nvPr/>
+          </p:nvSpPr>
+          <p:spPr>
+            <a:xfrm>
+              <a:off x="2390414" y="2810848"/>
+              <a:ext cx="1494962" cy="373740"/>
+            </a:xfrm>
+            <a:custGeom>
+              <a:avLst/>
+              <a:gdLst>
+                <a:gd name="connsiteX0" fmla="*/ 0 w 1494962"/>
+                <a:gd name="connsiteY0" fmla="*/ 37374 h 373740"/>
+                <a:gd name="connsiteX1" fmla="*/ 37374 w 1494962"/>
+                <a:gd name="connsiteY1" fmla="*/ 0 h 373740"/>
+                <a:gd name="connsiteX2" fmla="*/ 1457588 w 1494962"/>
+                <a:gd name="connsiteY2" fmla="*/ 0 h 373740"/>
+                <a:gd name="connsiteX3" fmla="*/ 1494962 w 1494962"/>
+                <a:gd name="connsiteY3" fmla="*/ 37374 h 373740"/>
+                <a:gd name="connsiteX4" fmla="*/ 1494962 w 1494962"/>
+                <a:gd name="connsiteY4" fmla="*/ 336366 h 373740"/>
+                <a:gd name="connsiteX5" fmla="*/ 1457588 w 1494962"/>
+                <a:gd name="connsiteY5" fmla="*/ 373740 h 373740"/>
+                <a:gd name="connsiteX6" fmla="*/ 37374 w 1494962"/>
+                <a:gd name="connsiteY6" fmla="*/ 373740 h 373740"/>
+                <a:gd name="connsiteX7" fmla="*/ 0 w 1494962"/>
+                <a:gd name="connsiteY7" fmla="*/ 336366 h 373740"/>
+                <a:gd name="connsiteX8" fmla="*/ 0 w 1494962"/>
+                <a:gd name="connsiteY8" fmla="*/ 37374 h 373740"/>
+              </a:gdLst>
+              <a:ahLst/>
+              <a:cxnLst>
+                <a:cxn ang="0">
+                  <a:pos x="connsiteX0" y="connsiteY0"/>
+                </a:cxn>
+                <a:cxn ang="0">
+                  <a:pos x="connsiteX1" y="connsiteY1"/>
+                </a:cxn>
+                <a:cxn ang="0">
+                  <a:pos x="connsiteX2" y="connsiteY2"/>
+                </a:cxn>
+                <a:cxn ang="0">
+                  <a:pos x="connsiteX3" y="connsiteY3"/>
+                </a:cxn>
+                <a:cxn ang="0">
+                  <a:pos x="connsiteX4" y="connsiteY4"/>
+                </a:cxn>
+                <a:cxn ang="0">
+                  <a:pos x="connsiteX5" y="connsiteY5"/>
+                </a:cxn>
+                <a:cxn ang="0">
+                  <a:pos x="connsiteX6" y="connsiteY6"/>
+                </a:cxn>
+                <a:cxn ang="0">
+                  <a:pos x="connsiteX7" y="connsiteY7"/>
+                </a:cxn>
+                <a:cxn ang="0">
+                  <a:pos x="connsiteX8" y="connsiteY8"/>
+                </a:cxn>
+              </a:cxnLst>
+              <a:rect l="l" t="t" r="r" b="b"/>
+              <a:pathLst>
+                <a:path w="1494962" h="373740">
+                  <a:moveTo>
+                    <a:pt x="0" y="37374"/>
+                  </a:moveTo>
+                  <a:cubicBezTo>
+                    <a:pt x="0" y="16733"/>
+                    <a:pt x="16733" y="0"/>
+                    <a:pt x="37374" y="0"/>
+                  </a:cubicBezTo>
+                  <a:lnTo>
+                    <a:pt x="1457588" y="0"/>
+                  </a:lnTo>
+                  <a:cubicBezTo>
+                    <a:pt x="1478229" y="0"/>
+                    <a:pt x="1494962" y="16733"/>
+                    <a:pt x="1494962" y="37374"/>
+                  </a:cubicBezTo>
+                  <a:lnTo>
+                    <a:pt x="1494962" y="336366"/>
+                  </a:lnTo>
+                  <a:cubicBezTo>
+                    <a:pt x="1494962" y="357007"/>
+                    <a:pt x="1478229" y="373740"/>
+                    <a:pt x="1457588" y="373740"/>
+                  </a:cubicBezTo>
+                  <a:lnTo>
+                    <a:pt x="37374" y="373740"/>
+                  </a:lnTo>
+                  <a:cubicBezTo>
+                    <a:pt x="16733" y="373740"/>
+                    <a:pt x="0" y="357007"/>
+                    <a:pt x="0" y="336366"/>
+                  </a:cubicBezTo>
+                  <a:lnTo>
+                    <a:pt x="0" y="37374"/>
+                  </a:lnTo>
+                  <a:close/>
+                </a:path>
+              </a:pathLst>
+            </a:custGeom>
+            <a:solidFill>
+              <a:schemeClr val="accent4">
+                <a:lumMod val="60000"/>
+                <a:lumOff val="40000"/>
+                <a:alpha val="90000"/>
+              </a:schemeClr>
+            </a:solidFill>
+          </p:spPr>
+          <p:style>
+            <a:lnRef idx="2">
+              <a:schemeClr val="accent1">
+                <a:alpha val="90000"/>
+                <a:tint val="40000"/>
+                <a:hueOff val="0"/>
+                <a:satOff val="0"/>
+                <a:lumOff val="0"/>
+                <a:alphaOff val="0"/>
+              </a:schemeClr>
+            </a:lnRef>
+            <a:fillRef idx="1">
+              <a:scrgbClr r="0" g="0" b="0"/>
+            </a:fillRef>
+            <a:effectRef idx="0">
+              <a:schemeClr val="accent1">
+                <a:alpha val="90000"/>
+                <a:tint val="40000"/>
+                <a:hueOff val="0"/>
+                <a:satOff val="0"/>
+                <a:lumOff val="0"/>
+                <a:alphaOff val="0"/>
+              </a:schemeClr>
+            </a:effectRef>
+            <a:fontRef idx="minor">
+              <a:schemeClr val="dk1">
+                <a:hueOff val="0"/>
+                <a:satOff val="0"/>
+                <a:lumOff val="0"/>
+                <a:alphaOff val="0"/>
+              </a:schemeClr>
+            </a:fontRef>
+          </p:style>
+          <p:txBody>
+            <a:bodyPr spcFirstLastPara="0" vert="horz" wrap="square" lIns="22376" tIns="22376" rIns="22376" bIns="22376" numCol="1" spcCol="1270" anchor="ctr" anchorCtr="0">
+              <a:noAutofit/>
+            </a:bodyPr>
+            <a:lstStyle/>
+            <a:p>
+              <a:pPr marL="0" lvl="0" indent="0" algn="ctr" defTabSz="400050">
+                <a:lnSpc>
+                  <a:spcPct val="90000"/>
+                </a:lnSpc>
+                <a:spcBef>
+                  <a:spcPct val="0"/>
+                </a:spcBef>
+                <a:spcAft>
+                  <a:spcPct val="35000"/>
+                </a:spcAft>
+                <a:buNone/>
+              </a:pPr>
+              <a:r>
+                <a:rPr lang="en-US" sz="1200" b="0" i="0" u="none" kern="1200" dirty="0"/>
+                <a:t>Sketch out low poly maps for testing</a:t>
+              </a:r>
+              <a:endParaRPr lang="en-US" sz="1200" kern="1200" dirty="0"/>
+            </a:p>
+          </p:txBody>
+        </p:sp>
+        <p:sp>
+          <p:nvSpPr>
+            <p:cNvPr id="44" name="Freeform: Shape 43">
+              <a:extLst>
+                <a:ext uri="{FF2B5EF4-FFF2-40B4-BE49-F238E27FC236}">
+                  <a16:creationId xmlns:a16="http://schemas.microsoft.com/office/drawing/2014/main" id="{4CABF522-64CF-41AD-911B-5D937D57F3DC}"/>
+                </a:ext>
+              </a:extLst>
+            </p:cNvPr>
+            <p:cNvSpPr/>
+            <p:nvPr/>
+          </p:nvSpPr>
+          <p:spPr>
+            <a:xfrm>
+              <a:off x="4094671" y="1801748"/>
+              <a:ext cx="1494962" cy="373740"/>
+            </a:xfrm>
+            <a:custGeom>
+              <a:avLst/>
+              <a:gdLst>
+                <a:gd name="connsiteX0" fmla="*/ 0 w 1494962"/>
+                <a:gd name="connsiteY0" fmla="*/ 37374 h 373740"/>
+                <a:gd name="connsiteX1" fmla="*/ 37374 w 1494962"/>
+                <a:gd name="connsiteY1" fmla="*/ 0 h 373740"/>
+                <a:gd name="connsiteX2" fmla="*/ 1457588 w 1494962"/>
+                <a:gd name="connsiteY2" fmla="*/ 0 h 373740"/>
+                <a:gd name="connsiteX3" fmla="*/ 1494962 w 1494962"/>
+                <a:gd name="connsiteY3" fmla="*/ 37374 h 373740"/>
+                <a:gd name="connsiteX4" fmla="*/ 1494962 w 1494962"/>
+                <a:gd name="connsiteY4" fmla="*/ 336366 h 373740"/>
+                <a:gd name="connsiteX5" fmla="*/ 1457588 w 1494962"/>
+                <a:gd name="connsiteY5" fmla="*/ 373740 h 373740"/>
+                <a:gd name="connsiteX6" fmla="*/ 37374 w 1494962"/>
+                <a:gd name="connsiteY6" fmla="*/ 373740 h 373740"/>
+                <a:gd name="connsiteX7" fmla="*/ 0 w 1494962"/>
+                <a:gd name="connsiteY7" fmla="*/ 336366 h 373740"/>
+                <a:gd name="connsiteX8" fmla="*/ 0 w 1494962"/>
+                <a:gd name="connsiteY8" fmla="*/ 37374 h 373740"/>
+              </a:gdLst>
+              <a:ahLst/>
+              <a:cxnLst>
+                <a:cxn ang="0">
+                  <a:pos x="connsiteX0" y="connsiteY0"/>
+                </a:cxn>
+                <a:cxn ang="0">
+                  <a:pos x="connsiteX1" y="connsiteY1"/>
+                </a:cxn>
+                <a:cxn ang="0">
+                  <a:pos x="connsiteX2" y="connsiteY2"/>
+                </a:cxn>
+                <a:cxn ang="0">
+                  <a:pos x="connsiteX3" y="connsiteY3"/>
+                </a:cxn>
+                <a:cxn ang="0">
+                  <a:pos x="connsiteX4" y="connsiteY4"/>
+                </a:cxn>
+                <a:cxn ang="0">
+                  <a:pos x="connsiteX5" y="connsiteY5"/>
+                </a:cxn>
+                <a:cxn ang="0">
+                  <a:pos x="connsiteX6" y="connsiteY6"/>
+                </a:cxn>
+                <a:cxn ang="0">
+                  <a:pos x="connsiteX7" y="connsiteY7"/>
+                </a:cxn>
+                <a:cxn ang="0">
+                  <a:pos x="connsiteX8" y="connsiteY8"/>
+                </a:cxn>
+              </a:cxnLst>
+              <a:rect l="l" t="t" r="r" b="b"/>
+              <a:pathLst>
+                <a:path w="1494962" h="373740">
+                  <a:moveTo>
+                    <a:pt x="0" y="37374"/>
+                  </a:moveTo>
+                  <a:cubicBezTo>
+                    <a:pt x="0" y="16733"/>
+                    <a:pt x="16733" y="0"/>
+                    <a:pt x="37374" y="0"/>
+                  </a:cubicBezTo>
+                  <a:lnTo>
+                    <a:pt x="1457588" y="0"/>
+                  </a:lnTo>
+                  <a:cubicBezTo>
+                    <a:pt x="1478229" y="0"/>
+                    <a:pt x="1494962" y="16733"/>
+                    <a:pt x="1494962" y="37374"/>
+                  </a:cubicBezTo>
+                  <a:lnTo>
+                    <a:pt x="1494962" y="336366"/>
+                  </a:lnTo>
+                  <a:cubicBezTo>
+                    <a:pt x="1494962" y="357007"/>
+                    <a:pt x="1478229" y="373740"/>
+                    <a:pt x="1457588" y="373740"/>
+                  </a:cubicBezTo>
+                  <a:lnTo>
+                    <a:pt x="37374" y="373740"/>
+                  </a:lnTo>
+                  <a:cubicBezTo>
+                    <a:pt x="16733" y="373740"/>
+                    <a:pt x="0" y="357007"/>
+                    <a:pt x="0" y="336366"/>
+                  </a:cubicBezTo>
+                  <a:lnTo>
+                    <a:pt x="0" y="37374"/>
+                  </a:lnTo>
+                  <a:close/>
+                </a:path>
+              </a:pathLst>
+            </a:custGeom>
+          </p:spPr>
+          <p:style>
+            <a:lnRef idx="2">
+              <a:schemeClr val="lt1">
+                <a:hueOff val="0"/>
+                <a:satOff val="0"/>
+                <a:lumOff val="0"/>
+                <a:alphaOff val="0"/>
+              </a:schemeClr>
+            </a:lnRef>
+            <a:fillRef idx="1">
+              <a:schemeClr val="accent1">
+                <a:alpha val="90000"/>
+                <a:hueOff val="0"/>
+                <a:satOff val="0"/>
+                <a:lumOff val="0"/>
+                <a:alphaOff val="-16000"/>
+              </a:schemeClr>
+            </a:fillRef>
+            <a:effectRef idx="0">
+              <a:schemeClr val="accent1">
+                <a:alpha val="90000"/>
+                <a:hueOff val="0"/>
+                <a:satOff val="0"/>
+                <a:lumOff val="0"/>
+                <a:alphaOff val="-16000"/>
+              </a:schemeClr>
+            </a:effectRef>
+            <a:fontRef idx="minor">
+              <a:schemeClr val="lt1"/>
+            </a:fontRef>
+          </p:style>
+          <p:txBody>
+            <a:bodyPr spcFirstLastPara="0" vert="horz" wrap="square" lIns="37616" tIns="37616" rIns="37616" bIns="37616" numCol="1" spcCol="1270" anchor="ctr" anchorCtr="0">
+              <a:noAutofit/>
+            </a:bodyPr>
+            <a:lstStyle/>
+            <a:p>
+              <a:pPr marL="0" lvl="0" indent="0" algn="ctr" defTabSz="933450">
+                <a:lnSpc>
+                  <a:spcPct val="90000"/>
+                </a:lnSpc>
+                <a:spcBef>
+                  <a:spcPct val="0"/>
+                </a:spcBef>
+                <a:spcAft>
+                  <a:spcPct val="35000"/>
+                </a:spcAft>
+                <a:buNone/>
+              </a:pPr>
+              <a:r>
+                <a:rPr lang="en-US" sz="2100" kern="1200" dirty="0"/>
+                <a:t>2 Oct</a:t>
+              </a:r>
+            </a:p>
+          </p:txBody>
+        </p:sp>
+        <p:sp>
+          <p:nvSpPr>
+            <p:cNvPr id="45" name="Arrow: Right 44">
+              <a:extLst>
+                <a:ext uri="{FF2B5EF4-FFF2-40B4-BE49-F238E27FC236}">
+                  <a16:creationId xmlns:a16="http://schemas.microsoft.com/office/drawing/2014/main" id="{4C6B7FC5-AEB2-4600-91FD-EA3CFCCE7BF6}"/>
+                </a:ext>
+              </a:extLst>
+            </p:cNvPr>
+            <p:cNvSpPr/>
+            <p:nvPr/>
+          </p:nvSpPr>
+          <p:spPr>
+            <a:xfrm rot="5400000">
+              <a:off x="4809450" y="2208191"/>
+              <a:ext cx="65404" cy="65404"/>
+            </a:xfrm>
+            <a:prstGeom prst="rightArrow">
+              <a:avLst>
+                <a:gd name="adj1" fmla="val 66700"/>
+                <a:gd name="adj2" fmla="val 50000"/>
+              </a:avLst>
+            </a:prstGeom>
+          </p:spPr>
+          <p:style>
+            <a:lnRef idx="0">
+              <a:schemeClr val="accent1">
+                <a:shade val="90000"/>
+                <a:hueOff val="289044"/>
+                <a:satOff val="-30186"/>
+                <a:lumOff val="20543"/>
+                <a:alphaOff val="0"/>
+              </a:schemeClr>
+            </a:lnRef>
+            <a:fillRef idx="1">
+              <a:schemeClr val="accent1">
+                <a:shade val="90000"/>
+                <a:hueOff val="289044"/>
+                <a:satOff val="-30186"/>
+                <a:lumOff val="20543"/>
+                <a:alphaOff val="0"/>
+              </a:schemeClr>
+            </a:fillRef>
+            <a:effectRef idx="0">
+              <a:schemeClr val="accent1">
+                <a:shade val="90000"/>
+                <a:hueOff val="289044"/>
+                <a:satOff val="-30186"/>
+                <a:lumOff val="20543"/>
+                <a:alphaOff val="0"/>
+              </a:schemeClr>
+            </a:effectRef>
+            <a:fontRef idx="minor">
+              <a:schemeClr val="lt1"/>
+            </a:fontRef>
+          </p:style>
+        </p:sp>
+        <p:sp>
+          <p:nvSpPr>
+            <p:cNvPr id="46" name="Freeform: Shape 45">
+              <a:extLst>
+                <a:ext uri="{FF2B5EF4-FFF2-40B4-BE49-F238E27FC236}">
+                  <a16:creationId xmlns:a16="http://schemas.microsoft.com/office/drawing/2014/main" id="{3661A75B-3C72-4C2C-A6B0-4DEB9033B246}"/>
+                </a:ext>
+              </a:extLst>
+            </p:cNvPr>
+            <p:cNvSpPr/>
+            <p:nvPr/>
+          </p:nvSpPr>
+          <p:spPr>
+            <a:xfrm>
+              <a:off x="4094671" y="2306298"/>
+              <a:ext cx="1494962" cy="373740"/>
+            </a:xfrm>
+            <a:custGeom>
+              <a:avLst/>
+              <a:gdLst>
+                <a:gd name="connsiteX0" fmla="*/ 0 w 1494962"/>
+                <a:gd name="connsiteY0" fmla="*/ 37374 h 373740"/>
+                <a:gd name="connsiteX1" fmla="*/ 37374 w 1494962"/>
+                <a:gd name="connsiteY1" fmla="*/ 0 h 373740"/>
+                <a:gd name="connsiteX2" fmla="*/ 1457588 w 1494962"/>
+                <a:gd name="connsiteY2" fmla="*/ 0 h 373740"/>
+                <a:gd name="connsiteX3" fmla="*/ 1494962 w 1494962"/>
+                <a:gd name="connsiteY3" fmla="*/ 37374 h 373740"/>
+                <a:gd name="connsiteX4" fmla="*/ 1494962 w 1494962"/>
+                <a:gd name="connsiteY4" fmla="*/ 336366 h 373740"/>
+                <a:gd name="connsiteX5" fmla="*/ 1457588 w 1494962"/>
+                <a:gd name="connsiteY5" fmla="*/ 373740 h 373740"/>
+                <a:gd name="connsiteX6" fmla="*/ 37374 w 1494962"/>
+                <a:gd name="connsiteY6" fmla="*/ 373740 h 373740"/>
+                <a:gd name="connsiteX7" fmla="*/ 0 w 1494962"/>
+                <a:gd name="connsiteY7" fmla="*/ 336366 h 373740"/>
+                <a:gd name="connsiteX8" fmla="*/ 0 w 1494962"/>
+                <a:gd name="connsiteY8" fmla="*/ 37374 h 373740"/>
+              </a:gdLst>
+              <a:ahLst/>
+              <a:cxnLst>
+                <a:cxn ang="0">
+                  <a:pos x="connsiteX0" y="connsiteY0"/>
+                </a:cxn>
+                <a:cxn ang="0">
+                  <a:pos x="connsiteX1" y="connsiteY1"/>
+                </a:cxn>
+                <a:cxn ang="0">
+                  <a:pos x="connsiteX2" y="connsiteY2"/>
+                </a:cxn>
+                <a:cxn ang="0">
+                  <a:pos x="connsiteX3" y="connsiteY3"/>
+                </a:cxn>
+                <a:cxn ang="0">
+                  <a:pos x="connsiteX4" y="connsiteY4"/>
+                </a:cxn>
+                <a:cxn ang="0">
+                  <a:pos x="connsiteX5" y="connsiteY5"/>
+                </a:cxn>
+                <a:cxn ang="0">
+                  <a:pos x="connsiteX6" y="connsiteY6"/>
+                </a:cxn>
+                <a:cxn ang="0">
+                  <a:pos x="connsiteX7" y="connsiteY7"/>
+                </a:cxn>
+                <a:cxn ang="0">
+                  <a:pos x="connsiteX8" y="connsiteY8"/>
+                </a:cxn>
+              </a:cxnLst>
+              <a:rect l="l" t="t" r="r" b="b"/>
+              <a:pathLst>
+                <a:path w="1494962" h="373740">
+                  <a:moveTo>
+                    <a:pt x="0" y="37374"/>
+                  </a:moveTo>
+                  <a:cubicBezTo>
+                    <a:pt x="0" y="16733"/>
+                    <a:pt x="16733" y="0"/>
+                    <a:pt x="37374" y="0"/>
+                  </a:cubicBezTo>
+                  <a:lnTo>
+                    <a:pt x="1457588" y="0"/>
+                  </a:lnTo>
+                  <a:cubicBezTo>
+                    <a:pt x="1478229" y="0"/>
+                    <a:pt x="1494962" y="16733"/>
+                    <a:pt x="1494962" y="37374"/>
+                  </a:cubicBezTo>
+                  <a:lnTo>
+                    <a:pt x="1494962" y="336366"/>
+                  </a:lnTo>
+                  <a:cubicBezTo>
+                    <a:pt x="1494962" y="357007"/>
+                    <a:pt x="1478229" y="373740"/>
+                    <a:pt x="1457588" y="373740"/>
+                  </a:cubicBezTo>
+                  <a:lnTo>
+                    <a:pt x="37374" y="373740"/>
+                  </a:lnTo>
+                  <a:cubicBezTo>
+                    <a:pt x="16733" y="373740"/>
+                    <a:pt x="0" y="357007"/>
+                    <a:pt x="0" y="336366"/>
+                  </a:cubicBezTo>
+                  <a:lnTo>
+                    <a:pt x="0" y="37374"/>
+                  </a:lnTo>
+                  <a:close/>
+                </a:path>
+              </a:pathLst>
+            </a:custGeom>
+            <a:solidFill>
+              <a:schemeClr val="accent4">
+                <a:lumMod val="60000"/>
+                <a:lumOff val="40000"/>
+                <a:alpha val="90000"/>
+              </a:schemeClr>
+            </a:solidFill>
+          </p:spPr>
+          <p:style>
+            <a:lnRef idx="2">
+              <a:schemeClr val="accent1">
+                <a:alpha val="90000"/>
+                <a:tint val="40000"/>
+                <a:hueOff val="0"/>
+                <a:satOff val="0"/>
+                <a:lumOff val="0"/>
+                <a:alphaOff val="0"/>
+              </a:schemeClr>
+            </a:lnRef>
+            <a:fillRef idx="1">
+              <a:scrgbClr r="0" g="0" b="0"/>
+            </a:fillRef>
+            <a:effectRef idx="0">
+              <a:schemeClr val="accent1">
+                <a:alpha val="90000"/>
+                <a:tint val="40000"/>
+                <a:hueOff val="0"/>
+                <a:satOff val="0"/>
+                <a:lumOff val="0"/>
+                <a:alphaOff val="0"/>
+              </a:schemeClr>
+            </a:effectRef>
+            <a:fontRef idx="minor">
+              <a:schemeClr val="dk1">
+                <a:hueOff val="0"/>
+                <a:satOff val="0"/>
+                <a:lumOff val="0"/>
+                <a:alphaOff val="0"/>
+              </a:schemeClr>
+            </a:fontRef>
+          </p:style>
+          <p:txBody>
+            <a:bodyPr spcFirstLastPara="0" vert="horz" wrap="square" lIns="22376" tIns="22376" rIns="22376" bIns="22376" numCol="1" spcCol="1270" anchor="ctr" anchorCtr="0">
+              <a:noAutofit/>
+            </a:bodyPr>
+            <a:lstStyle/>
+            <a:p>
+              <a:pPr marL="0" lvl="0" indent="0" algn="ctr" defTabSz="400050">
+                <a:lnSpc>
+                  <a:spcPct val="90000"/>
+                </a:lnSpc>
+                <a:spcBef>
+                  <a:spcPct val="0"/>
+                </a:spcBef>
+                <a:spcAft>
+                  <a:spcPct val="35000"/>
+                </a:spcAft>
+                <a:buNone/>
+              </a:pPr>
+              <a:r>
+                <a:rPr lang="en-US" sz="1200" b="0" i="0" u="none" kern="1200" dirty="0"/>
+                <a:t>Search for open source assets</a:t>
+              </a:r>
+              <a:endParaRPr lang="en-US" sz="1200" kern="1200" dirty="0"/>
+            </a:p>
+          </p:txBody>
+        </p:sp>
+        <p:sp>
+          <p:nvSpPr>
+            <p:cNvPr id="47" name="Arrow: Right 46">
+              <a:extLst>
+                <a:ext uri="{FF2B5EF4-FFF2-40B4-BE49-F238E27FC236}">
+                  <a16:creationId xmlns:a16="http://schemas.microsoft.com/office/drawing/2014/main" id="{697D6279-A88A-480A-B73A-0EBB11576748}"/>
+                </a:ext>
+              </a:extLst>
+            </p:cNvPr>
+            <p:cNvSpPr/>
+            <p:nvPr/>
+          </p:nvSpPr>
+          <p:spPr>
+            <a:xfrm rot="5400000">
+              <a:off x="4809450" y="2712741"/>
+              <a:ext cx="65404" cy="65404"/>
+            </a:xfrm>
+            <a:prstGeom prst="rightArrow">
+              <a:avLst>
+                <a:gd name="adj1" fmla="val 66700"/>
+                <a:gd name="adj2" fmla="val 50000"/>
+              </a:avLst>
+            </a:prstGeom>
+          </p:spPr>
+          <p:style>
+            <a:lnRef idx="0">
+              <a:schemeClr val="accent1">
+                <a:shade val="90000"/>
+                <a:hueOff val="361305"/>
+                <a:satOff val="-37733"/>
+                <a:lumOff val="25679"/>
+                <a:alphaOff val="0"/>
+              </a:schemeClr>
+            </a:lnRef>
+            <a:fillRef idx="1">
+              <a:schemeClr val="accent1">
+                <a:shade val="90000"/>
+                <a:hueOff val="361305"/>
+                <a:satOff val="-37733"/>
+                <a:lumOff val="25679"/>
+                <a:alphaOff val="0"/>
+              </a:schemeClr>
+            </a:fillRef>
+            <a:effectRef idx="0">
+              <a:schemeClr val="accent1">
+                <a:shade val="90000"/>
+                <a:hueOff val="361305"/>
+                <a:satOff val="-37733"/>
+                <a:lumOff val="25679"/>
+                <a:alphaOff val="0"/>
+              </a:schemeClr>
+            </a:effectRef>
+            <a:fontRef idx="minor">
+              <a:schemeClr val="lt1"/>
+            </a:fontRef>
+          </p:style>
+        </p:sp>
+        <p:sp>
+          <p:nvSpPr>
+            <p:cNvPr id="48" name="Freeform: Shape 47">
+              <a:extLst>
+                <a:ext uri="{FF2B5EF4-FFF2-40B4-BE49-F238E27FC236}">
+                  <a16:creationId xmlns:a16="http://schemas.microsoft.com/office/drawing/2014/main" id="{D4B68E97-27C7-4BB1-9CC4-7C208D15C446}"/>
+                </a:ext>
+              </a:extLst>
+            </p:cNvPr>
+            <p:cNvSpPr/>
+            <p:nvPr/>
+          </p:nvSpPr>
+          <p:spPr>
+            <a:xfrm>
+              <a:off x="4094671" y="2810848"/>
+              <a:ext cx="1494962" cy="373740"/>
+            </a:xfrm>
+            <a:custGeom>
+              <a:avLst/>
+              <a:gdLst>
+                <a:gd name="connsiteX0" fmla="*/ 0 w 1494962"/>
+                <a:gd name="connsiteY0" fmla="*/ 37374 h 373740"/>
+                <a:gd name="connsiteX1" fmla="*/ 37374 w 1494962"/>
+                <a:gd name="connsiteY1" fmla="*/ 0 h 373740"/>
+                <a:gd name="connsiteX2" fmla="*/ 1457588 w 1494962"/>
+                <a:gd name="connsiteY2" fmla="*/ 0 h 373740"/>
+                <a:gd name="connsiteX3" fmla="*/ 1494962 w 1494962"/>
+                <a:gd name="connsiteY3" fmla="*/ 37374 h 373740"/>
+                <a:gd name="connsiteX4" fmla="*/ 1494962 w 1494962"/>
+                <a:gd name="connsiteY4" fmla="*/ 336366 h 373740"/>
+                <a:gd name="connsiteX5" fmla="*/ 1457588 w 1494962"/>
+                <a:gd name="connsiteY5" fmla="*/ 373740 h 373740"/>
+                <a:gd name="connsiteX6" fmla="*/ 37374 w 1494962"/>
+                <a:gd name="connsiteY6" fmla="*/ 373740 h 373740"/>
+                <a:gd name="connsiteX7" fmla="*/ 0 w 1494962"/>
+                <a:gd name="connsiteY7" fmla="*/ 336366 h 373740"/>
+                <a:gd name="connsiteX8" fmla="*/ 0 w 1494962"/>
+                <a:gd name="connsiteY8" fmla="*/ 37374 h 373740"/>
+              </a:gdLst>
+              <a:ahLst/>
+              <a:cxnLst>
+                <a:cxn ang="0">
+                  <a:pos x="connsiteX0" y="connsiteY0"/>
+                </a:cxn>
+                <a:cxn ang="0">
+                  <a:pos x="connsiteX1" y="connsiteY1"/>
+                </a:cxn>
+                <a:cxn ang="0">
+                  <a:pos x="connsiteX2" y="connsiteY2"/>
+                </a:cxn>
+                <a:cxn ang="0">
+                  <a:pos x="connsiteX3" y="connsiteY3"/>
+                </a:cxn>
+                <a:cxn ang="0">
+                  <a:pos x="connsiteX4" y="connsiteY4"/>
+                </a:cxn>
+                <a:cxn ang="0">
+                  <a:pos x="connsiteX5" y="connsiteY5"/>
+                </a:cxn>
+                <a:cxn ang="0">
+                  <a:pos x="connsiteX6" y="connsiteY6"/>
+                </a:cxn>
+                <a:cxn ang="0">
+                  <a:pos x="connsiteX7" y="connsiteY7"/>
+                </a:cxn>
+                <a:cxn ang="0">
+                  <a:pos x="connsiteX8" y="connsiteY8"/>
+                </a:cxn>
+              </a:cxnLst>
+              <a:rect l="l" t="t" r="r" b="b"/>
+              <a:pathLst>
+                <a:path w="1494962" h="373740">
+                  <a:moveTo>
+                    <a:pt x="0" y="37374"/>
+                  </a:moveTo>
+                  <a:cubicBezTo>
+                    <a:pt x="0" y="16733"/>
+                    <a:pt x="16733" y="0"/>
+                    <a:pt x="37374" y="0"/>
+                  </a:cubicBezTo>
+                  <a:lnTo>
+                    <a:pt x="1457588" y="0"/>
+                  </a:lnTo>
+                  <a:cubicBezTo>
+                    <a:pt x="1478229" y="0"/>
+                    <a:pt x="1494962" y="16733"/>
+                    <a:pt x="1494962" y="37374"/>
+                  </a:cubicBezTo>
+                  <a:lnTo>
+                    <a:pt x="1494962" y="336366"/>
+                  </a:lnTo>
+                  <a:cubicBezTo>
+                    <a:pt x="1494962" y="357007"/>
+                    <a:pt x="1478229" y="373740"/>
+                    <a:pt x="1457588" y="373740"/>
+                  </a:cubicBezTo>
+                  <a:lnTo>
+                    <a:pt x="37374" y="373740"/>
+                  </a:lnTo>
+                  <a:cubicBezTo>
+                    <a:pt x="16733" y="373740"/>
+                    <a:pt x="0" y="357007"/>
+                    <a:pt x="0" y="336366"/>
+                  </a:cubicBezTo>
+                  <a:lnTo>
+                    <a:pt x="0" y="37374"/>
+                  </a:lnTo>
+                  <a:close/>
+                </a:path>
+              </a:pathLst>
+            </a:custGeom>
+            <a:solidFill>
+              <a:schemeClr val="accent4">
+                <a:lumMod val="60000"/>
+                <a:lumOff val="40000"/>
+                <a:alpha val="90000"/>
+              </a:schemeClr>
+            </a:solidFill>
+          </p:spPr>
+          <p:style>
+            <a:lnRef idx="2">
+              <a:schemeClr val="accent1">
+                <a:alpha val="90000"/>
+                <a:tint val="40000"/>
+                <a:hueOff val="0"/>
+                <a:satOff val="0"/>
+                <a:lumOff val="0"/>
+                <a:alphaOff val="0"/>
+              </a:schemeClr>
+            </a:lnRef>
+            <a:fillRef idx="1">
+              <a:scrgbClr r="0" g="0" b="0"/>
+            </a:fillRef>
+            <a:effectRef idx="0">
+              <a:schemeClr val="accent1">
+                <a:alpha val="90000"/>
+                <a:tint val="40000"/>
+                <a:hueOff val="0"/>
+                <a:satOff val="0"/>
+                <a:lumOff val="0"/>
+                <a:alphaOff val="0"/>
+              </a:schemeClr>
+            </a:effectRef>
+            <a:fontRef idx="minor">
+              <a:schemeClr val="dk1">
+                <a:hueOff val="0"/>
+                <a:satOff val="0"/>
+                <a:lumOff val="0"/>
+                <a:alphaOff val="0"/>
+              </a:schemeClr>
+            </a:fontRef>
+          </p:style>
+          <p:txBody>
+            <a:bodyPr spcFirstLastPara="0" vert="horz" wrap="square" lIns="22376" tIns="22376" rIns="22376" bIns="22376" numCol="1" spcCol="1270" anchor="ctr" anchorCtr="0">
+              <a:noAutofit/>
+            </a:bodyPr>
+            <a:lstStyle/>
+            <a:p>
+              <a:pPr marL="0" lvl="0" indent="0" algn="ctr" defTabSz="400050">
+                <a:lnSpc>
+                  <a:spcPct val="90000"/>
+                </a:lnSpc>
+                <a:spcBef>
+                  <a:spcPct val="0"/>
+                </a:spcBef>
+                <a:spcAft>
+                  <a:spcPct val="35000"/>
+                </a:spcAft>
+                <a:buNone/>
+              </a:pPr>
+              <a:r>
+                <a:rPr lang="en-US" sz="1200" b="0" i="0" u="none" kern="1200" dirty="0"/>
+                <a:t>Implement basic game mechanics</a:t>
+              </a:r>
+              <a:endParaRPr lang="en-US" sz="1200" kern="1200" dirty="0"/>
             </a:p>
           </p:txBody>
         </p:sp>
@@ -8118,10 +11337,10 @@
                 <a:buNone/>
               </a:pPr>
               <a:r>
-                <a:rPr lang="en-US" sz="900" b="0" i="0" u="none" kern="1200" dirty="0"/>
+                <a:rPr lang="en-US" sz="1200" b="0" i="0" u="none" kern="1200" dirty="0"/>
                 <a:t>Implement basic UI</a:t>
               </a:r>
-              <a:endParaRPr lang="en-US" sz="900" kern="1200" dirty="0"/>
+              <a:endParaRPr lang="en-US" sz="1200" kern="1200" dirty="0"/>
             </a:p>
           </p:txBody>
         </p:sp>
@@ -8353,10 +11572,2721 @@
                 <a:buNone/>
               </a:pPr>
               <a:r>
-                <a:rPr lang="en-US" sz="900" b="0" i="0" u="none" kern="1200" dirty="0"/>
+                <a:rPr lang="en-US" sz="1200" b="0" i="0" u="none" kern="1200" dirty="0"/>
                 <a:t>Implement naive AI opponents</a:t>
               </a:r>
-              <a:endParaRPr lang="en-US" sz="900" kern="1200" dirty="0"/>
+              <a:endParaRPr lang="en-US" sz="1200" kern="1200" dirty="0"/>
+            </a:p>
+          </p:txBody>
+        </p:sp>
+      </p:grpSp>
+      <p:sp>
+        <p:nvSpPr>
+          <p:cNvPr id="4" name="Rectangle 3">
+            <a:extLst>
+              <a:ext uri="{FF2B5EF4-FFF2-40B4-BE49-F238E27FC236}">
+                <a16:creationId xmlns:a16="http://schemas.microsoft.com/office/drawing/2014/main" id="{34C2575F-205E-46C7-9C87-1A37855E192A}"/>
+              </a:ext>
+            </a:extLst>
+          </p:cNvPr>
+          <p:cNvSpPr/>
+          <p:nvPr/>
+        </p:nvSpPr>
+        <p:spPr>
+          <a:xfrm>
+            <a:off x="3885376" y="4856144"/>
+            <a:ext cx="5121915" cy="769441"/>
+          </a:xfrm>
+          <a:prstGeom prst="rect">
+            <a:avLst/>
+          </a:prstGeom>
+        </p:spPr>
+        <p:txBody>
+          <a:bodyPr wrap="none">
+            <a:spAutoFit/>
+          </a:bodyPr>
+          <a:lstStyle/>
+          <a:p>
+            <a:r>
+              <a:rPr lang="en-US" sz="4400" dirty="0"/>
+              <a:t>What we’re doing</a:t>
+            </a:r>
+          </a:p>
+        </p:txBody>
+      </p:sp>
+    </p:spTree>
+    <p:extLst>
+      <p:ext uri="{BB962C8B-B14F-4D97-AF65-F5344CB8AC3E}">
+        <p14:creationId xmlns:p14="http://schemas.microsoft.com/office/powerpoint/2010/main" val="899755573"/>
+      </p:ext>
+    </p:extLst>
+  </p:cSld>
+  <p:clrMapOvr>
+    <a:masterClrMapping/>
+  </p:clrMapOvr>
+  <mc:AlternateContent xmlns:mc="http://schemas.openxmlformats.org/markup-compatibility/2006">
+    <mc:Choice xmlns:p159="http://schemas.microsoft.com/office/powerpoint/2015/09/main" Requires="p159">
+      <p:transition xmlns:p14="http://schemas.microsoft.com/office/powerpoint/2010/main" spd="slow" p14:dur="2000">
+        <p159:morph option="byObject"/>
+      </p:transition>
+    </mc:Choice>
+    <mc:Fallback>
+      <p:transition spd="slow">
+        <p:fade/>
+      </p:transition>
+    </mc:Fallback>
+  </mc:AlternateContent>
+</p:sld>
+</file>
+
+<file path=ppt/slides/slide7.xml><?xml version="1.0" encoding="utf-8"?>
+<p:sld xmlns:a="http://schemas.openxmlformats.org/drawingml/2006/main" xmlns:r="http://schemas.openxmlformats.org/officeDocument/2006/relationships" xmlns:p="http://schemas.openxmlformats.org/presentationml/2006/main">
+  <p:cSld>
+    <p:spTree>
+      <p:nvGrpSpPr>
+        <p:cNvPr id="1" name=""/>
+        <p:cNvGrpSpPr/>
+        <p:nvPr/>
+      </p:nvGrpSpPr>
+      <p:grpSpPr>
+        <a:xfrm>
+          <a:off x="0" y="0"/>
+          <a:ext cx="0" cy="0"/>
+          <a:chOff x="0" y="0"/>
+          <a:chExt cx="0" cy="0"/>
+        </a:xfrm>
+      </p:grpSpPr>
+      <p:sp>
+        <p:nvSpPr>
+          <p:cNvPr id="2" name="Title 1">
+            <a:extLst>
+              <a:ext uri="{FF2B5EF4-FFF2-40B4-BE49-F238E27FC236}">
+                <a16:creationId xmlns:a16="http://schemas.microsoft.com/office/drawing/2014/main" id="{15BAC696-E427-4944-B34F-4C100D7A6A88}"/>
+              </a:ext>
+            </a:extLst>
+          </p:cNvPr>
+          <p:cNvSpPr>
+            <a:spLocks noGrp="1"/>
+          </p:cNvSpPr>
+          <p:nvPr>
+            <p:ph type="title"/>
+          </p:nvPr>
+        </p:nvSpPr>
+        <p:spPr>
+          <a:xfrm>
+            <a:off x="684212" y="4487332"/>
+            <a:ext cx="3201164" cy="1507067"/>
+          </a:xfrm>
+        </p:spPr>
+        <p:txBody>
+          <a:bodyPr/>
+          <a:lstStyle/>
+          <a:p>
+            <a:r>
+              <a:rPr lang="en-US" sz="4400" dirty="0"/>
+              <a:t>Timeline</a:t>
+            </a:r>
+            <a:endParaRPr lang="en-US" dirty="0"/>
+          </a:p>
+        </p:txBody>
+      </p:sp>
+      <p:grpSp>
+        <p:nvGrpSpPr>
+          <p:cNvPr id="64" name="Group 63">
+            <a:extLst>
+              <a:ext uri="{FF2B5EF4-FFF2-40B4-BE49-F238E27FC236}">
+                <a16:creationId xmlns:a16="http://schemas.microsoft.com/office/drawing/2014/main" id="{4704C14E-21A1-418A-983E-18DAFF3D085A}"/>
+              </a:ext>
+            </a:extLst>
+          </p:cNvPr>
+          <p:cNvGrpSpPr/>
+          <p:nvPr/>
+        </p:nvGrpSpPr>
+        <p:grpSpPr>
+          <a:xfrm>
+            <a:off x="686157" y="1801748"/>
+            <a:ext cx="4903476" cy="1382840"/>
+            <a:chOff x="686157" y="1801748"/>
+            <a:chExt cx="4903476" cy="1382840"/>
+          </a:xfrm>
+        </p:grpSpPr>
+        <p:sp>
+          <p:nvSpPr>
+            <p:cNvPr id="34" name="Freeform: Shape 33">
+              <a:extLst>
+                <a:ext uri="{FF2B5EF4-FFF2-40B4-BE49-F238E27FC236}">
+                  <a16:creationId xmlns:a16="http://schemas.microsoft.com/office/drawing/2014/main" id="{44C53BD5-7E07-484D-AE85-C8C48B239F6E}"/>
+                </a:ext>
+              </a:extLst>
+            </p:cNvPr>
+            <p:cNvSpPr/>
+            <p:nvPr/>
+          </p:nvSpPr>
+          <p:spPr>
+            <a:xfrm>
+              <a:off x="686157" y="1801748"/>
+              <a:ext cx="1494962" cy="373740"/>
+            </a:xfrm>
+            <a:custGeom>
+              <a:avLst/>
+              <a:gdLst>
+                <a:gd name="connsiteX0" fmla="*/ 0 w 1494962"/>
+                <a:gd name="connsiteY0" fmla="*/ 37374 h 373740"/>
+                <a:gd name="connsiteX1" fmla="*/ 37374 w 1494962"/>
+                <a:gd name="connsiteY1" fmla="*/ 0 h 373740"/>
+                <a:gd name="connsiteX2" fmla="*/ 1457588 w 1494962"/>
+                <a:gd name="connsiteY2" fmla="*/ 0 h 373740"/>
+                <a:gd name="connsiteX3" fmla="*/ 1494962 w 1494962"/>
+                <a:gd name="connsiteY3" fmla="*/ 37374 h 373740"/>
+                <a:gd name="connsiteX4" fmla="*/ 1494962 w 1494962"/>
+                <a:gd name="connsiteY4" fmla="*/ 336366 h 373740"/>
+                <a:gd name="connsiteX5" fmla="*/ 1457588 w 1494962"/>
+                <a:gd name="connsiteY5" fmla="*/ 373740 h 373740"/>
+                <a:gd name="connsiteX6" fmla="*/ 37374 w 1494962"/>
+                <a:gd name="connsiteY6" fmla="*/ 373740 h 373740"/>
+                <a:gd name="connsiteX7" fmla="*/ 0 w 1494962"/>
+                <a:gd name="connsiteY7" fmla="*/ 336366 h 373740"/>
+                <a:gd name="connsiteX8" fmla="*/ 0 w 1494962"/>
+                <a:gd name="connsiteY8" fmla="*/ 37374 h 373740"/>
+              </a:gdLst>
+              <a:ahLst/>
+              <a:cxnLst>
+                <a:cxn ang="0">
+                  <a:pos x="connsiteX0" y="connsiteY0"/>
+                </a:cxn>
+                <a:cxn ang="0">
+                  <a:pos x="connsiteX1" y="connsiteY1"/>
+                </a:cxn>
+                <a:cxn ang="0">
+                  <a:pos x="connsiteX2" y="connsiteY2"/>
+                </a:cxn>
+                <a:cxn ang="0">
+                  <a:pos x="connsiteX3" y="connsiteY3"/>
+                </a:cxn>
+                <a:cxn ang="0">
+                  <a:pos x="connsiteX4" y="connsiteY4"/>
+                </a:cxn>
+                <a:cxn ang="0">
+                  <a:pos x="connsiteX5" y="connsiteY5"/>
+                </a:cxn>
+                <a:cxn ang="0">
+                  <a:pos x="connsiteX6" y="connsiteY6"/>
+                </a:cxn>
+                <a:cxn ang="0">
+                  <a:pos x="connsiteX7" y="connsiteY7"/>
+                </a:cxn>
+                <a:cxn ang="0">
+                  <a:pos x="connsiteX8" y="connsiteY8"/>
+                </a:cxn>
+              </a:cxnLst>
+              <a:rect l="l" t="t" r="r" b="b"/>
+              <a:pathLst>
+                <a:path w="1494962" h="373740">
+                  <a:moveTo>
+                    <a:pt x="0" y="37374"/>
+                  </a:moveTo>
+                  <a:cubicBezTo>
+                    <a:pt x="0" y="16733"/>
+                    <a:pt x="16733" y="0"/>
+                    <a:pt x="37374" y="0"/>
+                  </a:cubicBezTo>
+                  <a:lnTo>
+                    <a:pt x="1457588" y="0"/>
+                  </a:lnTo>
+                  <a:cubicBezTo>
+                    <a:pt x="1478229" y="0"/>
+                    <a:pt x="1494962" y="16733"/>
+                    <a:pt x="1494962" y="37374"/>
+                  </a:cubicBezTo>
+                  <a:lnTo>
+                    <a:pt x="1494962" y="336366"/>
+                  </a:lnTo>
+                  <a:cubicBezTo>
+                    <a:pt x="1494962" y="357007"/>
+                    <a:pt x="1478229" y="373740"/>
+                    <a:pt x="1457588" y="373740"/>
+                  </a:cubicBezTo>
+                  <a:lnTo>
+                    <a:pt x="37374" y="373740"/>
+                  </a:lnTo>
+                  <a:cubicBezTo>
+                    <a:pt x="16733" y="373740"/>
+                    <a:pt x="0" y="357007"/>
+                    <a:pt x="0" y="336366"/>
+                  </a:cubicBezTo>
+                  <a:lnTo>
+                    <a:pt x="0" y="37374"/>
+                  </a:lnTo>
+                  <a:close/>
+                </a:path>
+              </a:pathLst>
+            </a:custGeom>
+          </p:spPr>
+          <p:style>
+            <a:lnRef idx="2">
+              <a:schemeClr val="lt1">
+                <a:hueOff val="0"/>
+                <a:satOff val="0"/>
+                <a:lumOff val="0"/>
+                <a:alphaOff val="0"/>
+              </a:schemeClr>
+            </a:lnRef>
+            <a:fillRef idx="1">
+              <a:schemeClr val="accent1">
+                <a:alpha val="90000"/>
+                <a:hueOff val="0"/>
+                <a:satOff val="0"/>
+                <a:lumOff val="0"/>
+                <a:alphaOff val="0"/>
+              </a:schemeClr>
+            </a:fillRef>
+            <a:effectRef idx="0">
+              <a:schemeClr val="accent1">
+                <a:alpha val="90000"/>
+                <a:hueOff val="0"/>
+                <a:satOff val="0"/>
+                <a:lumOff val="0"/>
+                <a:alphaOff val="0"/>
+              </a:schemeClr>
+            </a:effectRef>
+            <a:fontRef idx="minor">
+              <a:schemeClr val="lt1"/>
+            </a:fontRef>
+          </p:style>
+          <p:txBody>
+            <a:bodyPr spcFirstLastPara="0" vert="horz" wrap="square" lIns="37616" tIns="37616" rIns="37616" bIns="37616" numCol="1" spcCol="1270" anchor="ctr" anchorCtr="0">
+              <a:noAutofit/>
+            </a:bodyPr>
+            <a:lstStyle/>
+            <a:p>
+              <a:pPr marL="0" lvl="0" indent="0" algn="ctr" defTabSz="933450">
+                <a:lnSpc>
+                  <a:spcPct val="90000"/>
+                </a:lnSpc>
+                <a:spcBef>
+                  <a:spcPct val="0"/>
+                </a:spcBef>
+                <a:spcAft>
+                  <a:spcPct val="35000"/>
+                </a:spcAft>
+                <a:buNone/>
+              </a:pPr>
+              <a:r>
+                <a:rPr lang="en-US" sz="2100" kern="1200" dirty="0"/>
+                <a:t>2 Sep</a:t>
+              </a:r>
+            </a:p>
+          </p:txBody>
+        </p:sp>
+        <p:sp>
+          <p:nvSpPr>
+            <p:cNvPr id="35" name="Arrow: Right 34">
+              <a:extLst>
+                <a:ext uri="{FF2B5EF4-FFF2-40B4-BE49-F238E27FC236}">
+                  <a16:creationId xmlns:a16="http://schemas.microsoft.com/office/drawing/2014/main" id="{FDA8B83F-7B6D-48E4-9C3F-E231FD985226}"/>
+                </a:ext>
+              </a:extLst>
+            </p:cNvPr>
+            <p:cNvSpPr/>
+            <p:nvPr/>
+          </p:nvSpPr>
+          <p:spPr>
+            <a:xfrm rot="5400000">
+              <a:off x="1400936" y="2208191"/>
+              <a:ext cx="65404" cy="65404"/>
+            </a:xfrm>
+            <a:prstGeom prst="rightArrow">
+              <a:avLst>
+                <a:gd name="adj1" fmla="val 66700"/>
+                <a:gd name="adj2" fmla="val 50000"/>
+              </a:avLst>
+            </a:prstGeom>
+          </p:spPr>
+          <p:style>
+            <a:lnRef idx="0">
+              <a:schemeClr val="accent1">
+                <a:shade val="90000"/>
+                <a:hueOff val="0"/>
+                <a:satOff val="0"/>
+                <a:lumOff val="0"/>
+                <a:alphaOff val="0"/>
+              </a:schemeClr>
+            </a:lnRef>
+            <a:fillRef idx="1">
+              <a:schemeClr val="accent1">
+                <a:shade val="90000"/>
+                <a:hueOff val="0"/>
+                <a:satOff val="0"/>
+                <a:lumOff val="0"/>
+                <a:alphaOff val="0"/>
+              </a:schemeClr>
+            </a:fillRef>
+            <a:effectRef idx="0">
+              <a:schemeClr val="accent1">
+                <a:shade val="90000"/>
+                <a:hueOff val="0"/>
+                <a:satOff val="0"/>
+                <a:lumOff val="0"/>
+                <a:alphaOff val="0"/>
+              </a:schemeClr>
+            </a:effectRef>
+            <a:fontRef idx="minor">
+              <a:schemeClr val="lt1"/>
+            </a:fontRef>
+          </p:style>
+        </p:sp>
+        <p:sp>
+          <p:nvSpPr>
+            <p:cNvPr id="36" name="Freeform: Shape 35">
+              <a:extLst>
+                <a:ext uri="{FF2B5EF4-FFF2-40B4-BE49-F238E27FC236}">
+                  <a16:creationId xmlns:a16="http://schemas.microsoft.com/office/drawing/2014/main" id="{BDFDBD81-FB40-464A-B88D-FC851D1199F5}"/>
+                </a:ext>
+              </a:extLst>
+            </p:cNvPr>
+            <p:cNvSpPr/>
+            <p:nvPr/>
+          </p:nvSpPr>
+          <p:spPr>
+            <a:xfrm>
+              <a:off x="686157" y="2306298"/>
+              <a:ext cx="1494962" cy="373740"/>
+            </a:xfrm>
+            <a:custGeom>
+              <a:avLst/>
+              <a:gdLst>
+                <a:gd name="connsiteX0" fmla="*/ 0 w 1494962"/>
+                <a:gd name="connsiteY0" fmla="*/ 37374 h 373740"/>
+                <a:gd name="connsiteX1" fmla="*/ 37374 w 1494962"/>
+                <a:gd name="connsiteY1" fmla="*/ 0 h 373740"/>
+                <a:gd name="connsiteX2" fmla="*/ 1457588 w 1494962"/>
+                <a:gd name="connsiteY2" fmla="*/ 0 h 373740"/>
+                <a:gd name="connsiteX3" fmla="*/ 1494962 w 1494962"/>
+                <a:gd name="connsiteY3" fmla="*/ 37374 h 373740"/>
+                <a:gd name="connsiteX4" fmla="*/ 1494962 w 1494962"/>
+                <a:gd name="connsiteY4" fmla="*/ 336366 h 373740"/>
+                <a:gd name="connsiteX5" fmla="*/ 1457588 w 1494962"/>
+                <a:gd name="connsiteY5" fmla="*/ 373740 h 373740"/>
+                <a:gd name="connsiteX6" fmla="*/ 37374 w 1494962"/>
+                <a:gd name="connsiteY6" fmla="*/ 373740 h 373740"/>
+                <a:gd name="connsiteX7" fmla="*/ 0 w 1494962"/>
+                <a:gd name="connsiteY7" fmla="*/ 336366 h 373740"/>
+                <a:gd name="connsiteX8" fmla="*/ 0 w 1494962"/>
+                <a:gd name="connsiteY8" fmla="*/ 37374 h 373740"/>
+              </a:gdLst>
+              <a:ahLst/>
+              <a:cxnLst>
+                <a:cxn ang="0">
+                  <a:pos x="connsiteX0" y="connsiteY0"/>
+                </a:cxn>
+                <a:cxn ang="0">
+                  <a:pos x="connsiteX1" y="connsiteY1"/>
+                </a:cxn>
+                <a:cxn ang="0">
+                  <a:pos x="connsiteX2" y="connsiteY2"/>
+                </a:cxn>
+                <a:cxn ang="0">
+                  <a:pos x="connsiteX3" y="connsiteY3"/>
+                </a:cxn>
+                <a:cxn ang="0">
+                  <a:pos x="connsiteX4" y="connsiteY4"/>
+                </a:cxn>
+                <a:cxn ang="0">
+                  <a:pos x="connsiteX5" y="connsiteY5"/>
+                </a:cxn>
+                <a:cxn ang="0">
+                  <a:pos x="connsiteX6" y="connsiteY6"/>
+                </a:cxn>
+                <a:cxn ang="0">
+                  <a:pos x="connsiteX7" y="connsiteY7"/>
+                </a:cxn>
+                <a:cxn ang="0">
+                  <a:pos x="connsiteX8" y="connsiteY8"/>
+                </a:cxn>
+              </a:cxnLst>
+              <a:rect l="l" t="t" r="r" b="b"/>
+              <a:pathLst>
+                <a:path w="1494962" h="373740">
+                  <a:moveTo>
+                    <a:pt x="0" y="37374"/>
+                  </a:moveTo>
+                  <a:cubicBezTo>
+                    <a:pt x="0" y="16733"/>
+                    <a:pt x="16733" y="0"/>
+                    <a:pt x="37374" y="0"/>
+                  </a:cubicBezTo>
+                  <a:lnTo>
+                    <a:pt x="1457588" y="0"/>
+                  </a:lnTo>
+                  <a:cubicBezTo>
+                    <a:pt x="1478229" y="0"/>
+                    <a:pt x="1494962" y="16733"/>
+                    <a:pt x="1494962" y="37374"/>
+                  </a:cubicBezTo>
+                  <a:lnTo>
+                    <a:pt x="1494962" y="336366"/>
+                  </a:lnTo>
+                  <a:cubicBezTo>
+                    <a:pt x="1494962" y="357007"/>
+                    <a:pt x="1478229" y="373740"/>
+                    <a:pt x="1457588" y="373740"/>
+                  </a:cubicBezTo>
+                  <a:lnTo>
+                    <a:pt x="37374" y="373740"/>
+                  </a:lnTo>
+                  <a:cubicBezTo>
+                    <a:pt x="16733" y="373740"/>
+                    <a:pt x="0" y="357007"/>
+                    <a:pt x="0" y="336366"/>
+                  </a:cubicBezTo>
+                  <a:lnTo>
+                    <a:pt x="0" y="37374"/>
+                  </a:lnTo>
+                  <a:close/>
+                </a:path>
+              </a:pathLst>
+            </a:custGeom>
+            <a:solidFill>
+              <a:schemeClr val="accent4">
+                <a:lumMod val="60000"/>
+                <a:lumOff val="40000"/>
+                <a:alpha val="90000"/>
+              </a:schemeClr>
+            </a:solidFill>
+          </p:spPr>
+          <p:style>
+            <a:lnRef idx="2">
+              <a:schemeClr val="accent1">
+                <a:alpha val="90000"/>
+                <a:tint val="40000"/>
+                <a:hueOff val="0"/>
+                <a:satOff val="0"/>
+                <a:lumOff val="0"/>
+                <a:alphaOff val="0"/>
+              </a:schemeClr>
+            </a:lnRef>
+            <a:fillRef idx="1">
+              <a:scrgbClr r="0" g="0" b="0"/>
+            </a:fillRef>
+            <a:effectRef idx="0">
+              <a:schemeClr val="accent1">
+                <a:alpha val="90000"/>
+                <a:tint val="40000"/>
+                <a:hueOff val="0"/>
+                <a:satOff val="0"/>
+                <a:lumOff val="0"/>
+                <a:alphaOff val="0"/>
+              </a:schemeClr>
+            </a:effectRef>
+            <a:fontRef idx="minor">
+              <a:schemeClr val="dk1">
+                <a:hueOff val="0"/>
+                <a:satOff val="0"/>
+                <a:lumOff val="0"/>
+                <a:alphaOff val="0"/>
+              </a:schemeClr>
+            </a:fontRef>
+          </p:style>
+          <p:txBody>
+            <a:bodyPr spcFirstLastPara="0" vert="horz" wrap="square" lIns="22376" tIns="22376" rIns="22376" bIns="22376" numCol="1" spcCol="1270" anchor="ctr" anchorCtr="0">
+              <a:noAutofit/>
+            </a:bodyPr>
+            <a:lstStyle/>
+            <a:p>
+              <a:pPr marL="0" lvl="0" indent="0" algn="ctr" defTabSz="400050">
+                <a:lnSpc>
+                  <a:spcPct val="90000"/>
+                </a:lnSpc>
+                <a:spcBef>
+                  <a:spcPct val="0"/>
+                </a:spcBef>
+                <a:spcAft>
+                  <a:spcPct val="35000"/>
+                </a:spcAft>
+                <a:buNone/>
+              </a:pPr>
+              <a:r>
+                <a:rPr lang="en-US" sz="1200" kern="1200" dirty="0"/>
+                <a:t>Establish </a:t>
+              </a:r>
+              <a:r>
+                <a:rPr lang="en-US" sz="1200" dirty="0"/>
+                <a:t>e</a:t>
+              </a:r>
+              <a:r>
+                <a:rPr lang="en-US" sz="1200" kern="1200" dirty="0"/>
+                <a:t>ngine familiarity</a:t>
+              </a:r>
+            </a:p>
+          </p:txBody>
+        </p:sp>
+        <p:sp>
+          <p:nvSpPr>
+            <p:cNvPr id="37" name="Arrow: Right 36">
+              <a:extLst>
+                <a:ext uri="{FF2B5EF4-FFF2-40B4-BE49-F238E27FC236}">
+                  <a16:creationId xmlns:a16="http://schemas.microsoft.com/office/drawing/2014/main" id="{9B1C1C52-F69F-4440-B1DE-3C0F549A48E0}"/>
+                </a:ext>
+              </a:extLst>
+            </p:cNvPr>
+            <p:cNvSpPr/>
+            <p:nvPr/>
+          </p:nvSpPr>
+          <p:spPr>
+            <a:xfrm rot="5400000">
+              <a:off x="1400936" y="2712741"/>
+              <a:ext cx="65404" cy="65404"/>
+            </a:xfrm>
+            <a:prstGeom prst="rightArrow">
+              <a:avLst>
+                <a:gd name="adj1" fmla="val 66700"/>
+                <a:gd name="adj2" fmla="val 50000"/>
+              </a:avLst>
+            </a:prstGeom>
+          </p:spPr>
+          <p:style>
+            <a:lnRef idx="0">
+              <a:schemeClr val="accent1">
+                <a:shade val="90000"/>
+                <a:hueOff val="72261"/>
+                <a:satOff val="-7547"/>
+                <a:lumOff val="5136"/>
+                <a:alphaOff val="0"/>
+              </a:schemeClr>
+            </a:lnRef>
+            <a:fillRef idx="1">
+              <a:schemeClr val="accent1">
+                <a:shade val="90000"/>
+                <a:hueOff val="72261"/>
+                <a:satOff val="-7547"/>
+                <a:lumOff val="5136"/>
+                <a:alphaOff val="0"/>
+              </a:schemeClr>
+            </a:fillRef>
+            <a:effectRef idx="0">
+              <a:schemeClr val="accent1">
+                <a:shade val="90000"/>
+                <a:hueOff val="72261"/>
+                <a:satOff val="-7547"/>
+                <a:lumOff val="5136"/>
+                <a:alphaOff val="0"/>
+              </a:schemeClr>
+            </a:effectRef>
+            <a:fontRef idx="minor">
+              <a:schemeClr val="lt1"/>
+            </a:fontRef>
+          </p:style>
+        </p:sp>
+        <p:sp>
+          <p:nvSpPr>
+            <p:cNvPr id="38" name="Freeform: Shape 37">
+              <a:extLst>
+                <a:ext uri="{FF2B5EF4-FFF2-40B4-BE49-F238E27FC236}">
+                  <a16:creationId xmlns:a16="http://schemas.microsoft.com/office/drawing/2014/main" id="{EEC74825-30ED-4616-8DC6-6A305EAAD661}"/>
+                </a:ext>
+              </a:extLst>
+            </p:cNvPr>
+            <p:cNvSpPr/>
+            <p:nvPr/>
+          </p:nvSpPr>
+          <p:spPr>
+            <a:xfrm>
+              <a:off x="686157" y="2810848"/>
+              <a:ext cx="1494962" cy="373740"/>
+            </a:xfrm>
+            <a:custGeom>
+              <a:avLst/>
+              <a:gdLst>
+                <a:gd name="connsiteX0" fmla="*/ 0 w 1494962"/>
+                <a:gd name="connsiteY0" fmla="*/ 37374 h 373740"/>
+                <a:gd name="connsiteX1" fmla="*/ 37374 w 1494962"/>
+                <a:gd name="connsiteY1" fmla="*/ 0 h 373740"/>
+                <a:gd name="connsiteX2" fmla="*/ 1457588 w 1494962"/>
+                <a:gd name="connsiteY2" fmla="*/ 0 h 373740"/>
+                <a:gd name="connsiteX3" fmla="*/ 1494962 w 1494962"/>
+                <a:gd name="connsiteY3" fmla="*/ 37374 h 373740"/>
+                <a:gd name="connsiteX4" fmla="*/ 1494962 w 1494962"/>
+                <a:gd name="connsiteY4" fmla="*/ 336366 h 373740"/>
+                <a:gd name="connsiteX5" fmla="*/ 1457588 w 1494962"/>
+                <a:gd name="connsiteY5" fmla="*/ 373740 h 373740"/>
+                <a:gd name="connsiteX6" fmla="*/ 37374 w 1494962"/>
+                <a:gd name="connsiteY6" fmla="*/ 373740 h 373740"/>
+                <a:gd name="connsiteX7" fmla="*/ 0 w 1494962"/>
+                <a:gd name="connsiteY7" fmla="*/ 336366 h 373740"/>
+                <a:gd name="connsiteX8" fmla="*/ 0 w 1494962"/>
+                <a:gd name="connsiteY8" fmla="*/ 37374 h 373740"/>
+              </a:gdLst>
+              <a:ahLst/>
+              <a:cxnLst>
+                <a:cxn ang="0">
+                  <a:pos x="connsiteX0" y="connsiteY0"/>
+                </a:cxn>
+                <a:cxn ang="0">
+                  <a:pos x="connsiteX1" y="connsiteY1"/>
+                </a:cxn>
+                <a:cxn ang="0">
+                  <a:pos x="connsiteX2" y="connsiteY2"/>
+                </a:cxn>
+                <a:cxn ang="0">
+                  <a:pos x="connsiteX3" y="connsiteY3"/>
+                </a:cxn>
+                <a:cxn ang="0">
+                  <a:pos x="connsiteX4" y="connsiteY4"/>
+                </a:cxn>
+                <a:cxn ang="0">
+                  <a:pos x="connsiteX5" y="connsiteY5"/>
+                </a:cxn>
+                <a:cxn ang="0">
+                  <a:pos x="connsiteX6" y="connsiteY6"/>
+                </a:cxn>
+                <a:cxn ang="0">
+                  <a:pos x="connsiteX7" y="connsiteY7"/>
+                </a:cxn>
+                <a:cxn ang="0">
+                  <a:pos x="connsiteX8" y="connsiteY8"/>
+                </a:cxn>
+              </a:cxnLst>
+              <a:rect l="l" t="t" r="r" b="b"/>
+              <a:pathLst>
+                <a:path w="1494962" h="373740">
+                  <a:moveTo>
+                    <a:pt x="0" y="37374"/>
+                  </a:moveTo>
+                  <a:cubicBezTo>
+                    <a:pt x="0" y="16733"/>
+                    <a:pt x="16733" y="0"/>
+                    <a:pt x="37374" y="0"/>
+                  </a:cubicBezTo>
+                  <a:lnTo>
+                    <a:pt x="1457588" y="0"/>
+                  </a:lnTo>
+                  <a:cubicBezTo>
+                    <a:pt x="1478229" y="0"/>
+                    <a:pt x="1494962" y="16733"/>
+                    <a:pt x="1494962" y="37374"/>
+                  </a:cubicBezTo>
+                  <a:lnTo>
+                    <a:pt x="1494962" y="336366"/>
+                  </a:lnTo>
+                  <a:cubicBezTo>
+                    <a:pt x="1494962" y="357007"/>
+                    <a:pt x="1478229" y="373740"/>
+                    <a:pt x="1457588" y="373740"/>
+                  </a:cubicBezTo>
+                  <a:lnTo>
+                    <a:pt x="37374" y="373740"/>
+                  </a:lnTo>
+                  <a:cubicBezTo>
+                    <a:pt x="16733" y="373740"/>
+                    <a:pt x="0" y="357007"/>
+                    <a:pt x="0" y="336366"/>
+                  </a:cubicBezTo>
+                  <a:lnTo>
+                    <a:pt x="0" y="37374"/>
+                  </a:lnTo>
+                  <a:close/>
+                </a:path>
+              </a:pathLst>
+            </a:custGeom>
+            <a:solidFill>
+              <a:schemeClr val="accent4">
+                <a:lumMod val="60000"/>
+                <a:lumOff val="40000"/>
+                <a:alpha val="90000"/>
+              </a:schemeClr>
+            </a:solidFill>
+          </p:spPr>
+          <p:style>
+            <a:lnRef idx="2">
+              <a:schemeClr val="accent1">
+                <a:alpha val="90000"/>
+                <a:tint val="40000"/>
+                <a:hueOff val="0"/>
+                <a:satOff val="0"/>
+                <a:lumOff val="0"/>
+                <a:alphaOff val="0"/>
+              </a:schemeClr>
+            </a:lnRef>
+            <a:fillRef idx="1">
+              <a:scrgbClr r="0" g="0" b="0"/>
+            </a:fillRef>
+            <a:effectRef idx="0">
+              <a:schemeClr val="accent1">
+                <a:alpha val="90000"/>
+                <a:tint val="40000"/>
+                <a:hueOff val="0"/>
+                <a:satOff val="0"/>
+                <a:lumOff val="0"/>
+                <a:alphaOff val="0"/>
+              </a:schemeClr>
+            </a:effectRef>
+            <a:fontRef idx="minor">
+              <a:schemeClr val="dk1">
+                <a:hueOff val="0"/>
+                <a:satOff val="0"/>
+                <a:lumOff val="0"/>
+                <a:alphaOff val="0"/>
+              </a:schemeClr>
+            </a:fontRef>
+          </p:style>
+          <p:txBody>
+            <a:bodyPr spcFirstLastPara="0" vert="horz" wrap="square" lIns="22376" tIns="22376" rIns="22376" bIns="22376" numCol="1" spcCol="1270" anchor="ctr" anchorCtr="0">
+              <a:noAutofit/>
+            </a:bodyPr>
+            <a:lstStyle/>
+            <a:p>
+              <a:pPr marL="0" lvl="0" indent="0" algn="ctr" defTabSz="400050">
+                <a:lnSpc>
+                  <a:spcPct val="90000"/>
+                </a:lnSpc>
+                <a:spcBef>
+                  <a:spcPct val="0"/>
+                </a:spcBef>
+                <a:spcAft>
+                  <a:spcPct val="35000"/>
+                </a:spcAft>
+                <a:buNone/>
+              </a:pPr>
+              <a:r>
+                <a:rPr lang="en-US" sz="1200" b="0" i="0" u="none" kern="1200" dirty="0"/>
+                <a:t>Create basic game template</a:t>
+              </a:r>
+              <a:endParaRPr lang="en-US" sz="1200" kern="1200" dirty="0"/>
+            </a:p>
+          </p:txBody>
+        </p:sp>
+        <p:sp>
+          <p:nvSpPr>
+            <p:cNvPr id="39" name="Freeform: Shape 38">
+              <a:extLst>
+                <a:ext uri="{FF2B5EF4-FFF2-40B4-BE49-F238E27FC236}">
+                  <a16:creationId xmlns:a16="http://schemas.microsoft.com/office/drawing/2014/main" id="{0C660FCE-9FC8-40B5-8A8E-D950FF698E7F}"/>
+                </a:ext>
+              </a:extLst>
+            </p:cNvPr>
+            <p:cNvSpPr/>
+            <p:nvPr/>
+          </p:nvSpPr>
+          <p:spPr>
+            <a:xfrm>
+              <a:off x="2390414" y="1801748"/>
+              <a:ext cx="1494962" cy="373740"/>
+            </a:xfrm>
+            <a:custGeom>
+              <a:avLst/>
+              <a:gdLst>
+                <a:gd name="connsiteX0" fmla="*/ 0 w 1494962"/>
+                <a:gd name="connsiteY0" fmla="*/ 37374 h 373740"/>
+                <a:gd name="connsiteX1" fmla="*/ 37374 w 1494962"/>
+                <a:gd name="connsiteY1" fmla="*/ 0 h 373740"/>
+                <a:gd name="connsiteX2" fmla="*/ 1457588 w 1494962"/>
+                <a:gd name="connsiteY2" fmla="*/ 0 h 373740"/>
+                <a:gd name="connsiteX3" fmla="*/ 1494962 w 1494962"/>
+                <a:gd name="connsiteY3" fmla="*/ 37374 h 373740"/>
+                <a:gd name="connsiteX4" fmla="*/ 1494962 w 1494962"/>
+                <a:gd name="connsiteY4" fmla="*/ 336366 h 373740"/>
+                <a:gd name="connsiteX5" fmla="*/ 1457588 w 1494962"/>
+                <a:gd name="connsiteY5" fmla="*/ 373740 h 373740"/>
+                <a:gd name="connsiteX6" fmla="*/ 37374 w 1494962"/>
+                <a:gd name="connsiteY6" fmla="*/ 373740 h 373740"/>
+                <a:gd name="connsiteX7" fmla="*/ 0 w 1494962"/>
+                <a:gd name="connsiteY7" fmla="*/ 336366 h 373740"/>
+                <a:gd name="connsiteX8" fmla="*/ 0 w 1494962"/>
+                <a:gd name="connsiteY8" fmla="*/ 37374 h 373740"/>
+              </a:gdLst>
+              <a:ahLst/>
+              <a:cxnLst>
+                <a:cxn ang="0">
+                  <a:pos x="connsiteX0" y="connsiteY0"/>
+                </a:cxn>
+                <a:cxn ang="0">
+                  <a:pos x="connsiteX1" y="connsiteY1"/>
+                </a:cxn>
+                <a:cxn ang="0">
+                  <a:pos x="connsiteX2" y="connsiteY2"/>
+                </a:cxn>
+                <a:cxn ang="0">
+                  <a:pos x="connsiteX3" y="connsiteY3"/>
+                </a:cxn>
+                <a:cxn ang="0">
+                  <a:pos x="connsiteX4" y="connsiteY4"/>
+                </a:cxn>
+                <a:cxn ang="0">
+                  <a:pos x="connsiteX5" y="connsiteY5"/>
+                </a:cxn>
+                <a:cxn ang="0">
+                  <a:pos x="connsiteX6" y="connsiteY6"/>
+                </a:cxn>
+                <a:cxn ang="0">
+                  <a:pos x="connsiteX7" y="connsiteY7"/>
+                </a:cxn>
+                <a:cxn ang="0">
+                  <a:pos x="connsiteX8" y="connsiteY8"/>
+                </a:cxn>
+              </a:cxnLst>
+              <a:rect l="l" t="t" r="r" b="b"/>
+              <a:pathLst>
+                <a:path w="1494962" h="373740">
+                  <a:moveTo>
+                    <a:pt x="0" y="37374"/>
+                  </a:moveTo>
+                  <a:cubicBezTo>
+                    <a:pt x="0" y="16733"/>
+                    <a:pt x="16733" y="0"/>
+                    <a:pt x="37374" y="0"/>
+                  </a:cubicBezTo>
+                  <a:lnTo>
+                    <a:pt x="1457588" y="0"/>
+                  </a:lnTo>
+                  <a:cubicBezTo>
+                    <a:pt x="1478229" y="0"/>
+                    <a:pt x="1494962" y="16733"/>
+                    <a:pt x="1494962" y="37374"/>
+                  </a:cubicBezTo>
+                  <a:lnTo>
+                    <a:pt x="1494962" y="336366"/>
+                  </a:lnTo>
+                  <a:cubicBezTo>
+                    <a:pt x="1494962" y="357007"/>
+                    <a:pt x="1478229" y="373740"/>
+                    <a:pt x="1457588" y="373740"/>
+                  </a:cubicBezTo>
+                  <a:lnTo>
+                    <a:pt x="37374" y="373740"/>
+                  </a:lnTo>
+                  <a:cubicBezTo>
+                    <a:pt x="16733" y="373740"/>
+                    <a:pt x="0" y="357007"/>
+                    <a:pt x="0" y="336366"/>
+                  </a:cubicBezTo>
+                  <a:lnTo>
+                    <a:pt x="0" y="37374"/>
+                  </a:lnTo>
+                  <a:close/>
+                </a:path>
+              </a:pathLst>
+            </a:custGeom>
+          </p:spPr>
+          <p:style>
+            <a:lnRef idx="2">
+              <a:schemeClr val="lt1">
+                <a:hueOff val="0"/>
+                <a:satOff val="0"/>
+                <a:lumOff val="0"/>
+                <a:alphaOff val="0"/>
+              </a:schemeClr>
+            </a:lnRef>
+            <a:fillRef idx="1">
+              <a:schemeClr val="accent1">
+                <a:alpha val="90000"/>
+                <a:hueOff val="0"/>
+                <a:satOff val="0"/>
+                <a:lumOff val="0"/>
+                <a:alphaOff val="-8000"/>
+              </a:schemeClr>
+            </a:fillRef>
+            <a:effectRef idx="0">
+              <a:schemeClr val="accent1">
+                <a:alpha val="90000"/>
+                <a:hueOff val="0"/>
+                <a:satOff val="0"/>
+                <a:lumOff val="0"/>
+                <a:alphaOff val="-8000"/>
+              </a:schemeClr>
+            </a:effectRef>
+            <a:fontRef idx="minor">
+              <a:schemeClr val="lt1"/>
+            </a:fontRef>
+          </p:style>
+          <p:txBody>
+            <a:bodyPr spcFirstLastPara="0" vert="horz" wrap="square" lIns="37616" tIns="37616" rIns="37616" bIns="37616" numCol="1" spcCol="1270" anchor="ctr" anchorCtr="0">
+              <a:noAutofit/>
+            </a:bodyPr>
+            <a:lstStyle/>
+            <a:p>
+              <a:pPr marL="0" lvl="0" indent="0" algn="ctr" defTabSz="933450">
+                <a:lnSpc>
+                  <a:spcPct val="90000"/>
+                </a:lnSpc>
+                <a:spcBef>
+                  <a:spcPct val="0"/>
+                </a:spcBef>
+                <a:spcAft>
+                  <a:spcPct val="35000"/>
+                </a:spcAft>
+                <a:buNone/>
+              </a:pPr>
+              <a:r>
+                <a:rPr lang="en-US" sz="2100" kern="1200" dirty="0"/>
+                <a:t>1 Oct</a:t>
+              </a:r>
+            </a:p>
+          </p:txBody>
+        </p:sp>
+        <p:sp>
+          <p:nvSpPr>
+            <p:cNvPr id="40" name="Arrow: Right 39">
+              <a:extLst>
+                <a:ext uri="{FF2B5EF4-FFF2-40B4-BE49-F238E27FC236}">
+                  <a16:creationId xmlns:a16="http://schemas.microsoft.com/office/drawing/2014/main" id="{5193B0E6-D79F-4261-8B4D-A34BAF9C2490}"/>
+                </a:ext>
+              </a:extLst>
+            </p:cNvPr>
+            <p:cNvSpPr/>
+            <p:nvPr/>
+          </p:nvSpPr>
+          <p:spPr>
+            <a:xfrm rot="5400000">
+              <a:off x="3105193" y="2208191"/>
+              <a:ext cx="65404" cy="65404"/>
+            </a:xfrm>
+            <a:prstGeom prst="rightArrow">
+              <a:avLst>
+                <a:gd name="adj1" fmla="val 66700"/>
+                <a:gd name="adj2" fmla="val 50000"/>
+              </a:avLst>
+            </a:prstGeom>
+          </p:spPr>
+          <p:style>
+            <a:lnRef idx="0">
+              <a:schemeClr val="accent1">
+                <a:shade val="90000"/>
+                <a:hueOff val="144522"/>
+                <a:satOff val="-15093"/>
+                <a:lumOff val="10272"/>
+                <a:alphaOff val="0"/>
+              </a:schemeClr>
+            </a:lnRef>
+            <a:fillRef idx="1">
+              <a:schemeClr val="accent1">
+                <a:shade val="90000"/>
+                <a:hueOff val="144522"/>
+                <a:satOff val="-15093"/>
+                <a:lumOff val="10272"/>
+                <a:alphaOff val="0"/>
+              </a:schemeClr>
+            </a:fillRef>
+            <a:effectRef idx="0">
+              <a:schemeClr val="accent1">
+                <a:shade val="90000"/>
+                <a:hueOff val="144522"/>
+                <a:satOff val="-15093"/>
+                <a:lumOff val="10272"/>
+                <a:alphaOff val="0"/>
+              </a:schemeClr>
+            </a:effectRef>
+            <a:fontRef idx="minor">
+              <a:schemeClr val="lt1"/>
+            </a:fontRef>
+          </p:style>
+        </p:sp>
+        <p:sp>
+          <p:nvSpPr>
+            <p:cNvPr id="41" name="Freeform: Shape 40">
+              <a:extLst>
+                <a:ext uri="{FF2B5EF4-FFF2-40B4-BE49-F238E27FC236}">
+                  <a16:creationId xmlns:a16="http://schemas.microsoft.com/office/drawing/2014/main" id="{D2427D8B-57C5-4A0E-962F-2E6D0F48D0D6}"/>
+                </a:ext>
+              </a:extLst>
+            </p:cNvPr>
+            <p:cNvSpPr/>
+            <p:nvPr/>
+          </p:nvSpPr>
+          <p:spPr>
+            <a:xfrm>
+              <a:off x="2390414" y="2306298"/>
+              <a:ext cx="1494962" cy="373740"/>
+            </a:xfrm>
+            <a:custGeom>
+              <a:avLst/>
+              <a:gdLst>
+                <a:gd name="connsiteX0" fmla="*/ 0 w 1494962"/>
+                <a:gd name="connsiteY0" fmla="*/ 37374 h 373740"/>
+                <a:gd name="connsiteX1" fmla="*/ 37374 w 1494962"/>
+                <a:gd name="connsiteY1" fmla="*/ 0 h 373740"/>
+                <a:gd name="connsiteX2" fmla="*/ 1457588 w 1494962"/>
+                <a:gd name="connsiteY2" fmla="*/ 0 h 373740"/>
+                <a:gd name="connsiteX3" fmla="*/ 1494962 w 1494962"/>
+                <a:gd name="connsiteY3" fmla="*/ 37374 h 373740"/>
+                <a:gd name="connsiteX4" fmla="*/ 1494962 w 1494962"/>
+                <a:gd name="connsiteY4" fmla="*/ 336366 h 373740"/>
+                <a:gd name="connsiteX5" fmla="*/ 1457588 w 1494962"/>
+                <a:gd name="connsiteY5" fmla="*/ 373740 h 373740"/>
+                <a:gd name="connsiteX6" fmla="*/ 37374 w 1494962"/>
+                <a:gd name="connsiteY6" fmla="*/ 373740 h 373740"/>
+                <a:gd name="connsiteX7" fmla="*/ 0 w 1494962"/>
+                <a:gd name="connsiteY7" fmla="*/ 336366 h 373740"/>
+                <a:gd name="connsiteX8" fmla="*/ 0 w 1494962"/>
+                <a:gd name="connsiteY8" fmla="*/ 37374 h 373740"/>
+              </a:gdLst>
+              <a:ahLst/>
+              <a:cxnLst>
+                <a:cxn ang="0">
+                  <a:pos x="connsiteX0" y="connsiteY0"/>
+                </a:cxn>
+                <a:cxn ang="0">
+                  <a:pos x="connsiteX1" y="connsiteY1"/>
+                </a:cxn>
+                <a:cxn ang="0">
+                  <a:pos x="connsiteX2" y="connsiteY2"/>
+                </a:cxn>
+                <a:cxn ang="0">
+                  <a:pos x="connsiteX3" y="connsiteY3"/>
+                </a:cxn>
+                <a:cxn ang="0">
+                  <a:pos x="connsiteX4" y="connsiteY4"/>
+                </a:cxn>
+                <a:cxn ang="0">
+                  <a:pos x="connsiteX5" y="connsiteY5"/>
+                </a:cxn>
+                <a:cxn ang="0">
+                  <a:pos x="connsiteX6" y="connsiteY6"/>
+                </a:cxn>
+                <a:cxn ang="0">
+                  <a:pos x="connsiteX7" y="connsiteY7"/>
+                </a:cxn>
+                <a:cxn ang="0">
+                  <a:pos x="connsiteX8" y="connsiteY8"/>
+                </a:cxn>
+              </a:cxnLst>
+              <a:rect l="l" t="t" r="r" b="b"/>
+              <a:pathLst>
+                <a:path w="1494962" h="373740">
+                  <a:moveTo>
+                    <a:pt x="0" y="37374"/>
+                  </a:moveTo>
+                  <a:cubicBezTo>
+                    <a:pt x="0" y="16733"/>
+                    <a:pt x="16733" y="0"/>
+                    <a:pt x="37374" y="0"/>
+                  </a:cubicBezTo>
+                  <a:lnTo>
+                    <a:pt x="1457588" y="0"/>
+                  </a:lnTo>
+                  <a:cubicBezTo>
+                    <a:pt x="1478229" y="0"/>
+                    <a:pt x="1494962" y="16733"/>
+                    <a:pt x="1494962" y="37374"/>
+                  </a:cubicBezTo>
+                  <a:lnTo>
+                    <a:pt x="1494962" y="336366"/>
+                  </a:lnTo>
+                  <a:cubicBezTo>
+                    <a:pt x="1494962" y="357007"/>
+                    <a:pt x="1478229" y="373740"/>
+                    <a:pt x="1457588" y="373740"/>
+                  </a:cubicBezTo>
+                  <a:lnTo>
+                    <a:pt x="37374" y="373740"/>
+                  </a:lnTo>
+                  <a:cubicBezTo>
+                    <a:pt x="16733" y="373740"/>
+                    <a:pt x="0" y="357007"/>
+                    <a:pt x="0" y="336366"/>
+                  </a:cubicBezTo>
+                  <a:lnTo>
+                    <a:pt x="0" y="37374"/>
+                  </a:lnTo>
+                  <a:close/>
+                </a:path>
+              </a:pathLst>
+            </a:custGeom>
+            <a:solidFill>
+              <a:schemeClr val="accent4">
+                <a:lumMod val="60000"/>
+                <a:lumOff val="40000"/>
+                <a:alpha val="90000"/>
+              </a:schemeClr>
+            </a:solidFill>
+          </p:spPr>
+          <p:style>
+            <a:lnRef idx="2">
+              <a:schemeClr val="accent1">
+                <a:alpha val="90000"/>
+                <a:tint val="40000"/>
+                <a:hueOff val="0"/>
+                <a:satOff val="0"/>
+                <a:lumOff val="0"/>
+                <a:alphaOff val="0"/>
+              </a:schemeClr>
+            </a:lnRef>
+            <a:fillRef idx="1">
+              <a:scrgbClr r="0" g="0" b="0"/>
+            </a:fillRef>
+            <a:effectRef idx="0">
+              <a:schemeClr val="accent1">
+                <a:alpha val="90000"/>
+                <a:tint val="40000"/>
+                <a:hueOff val="0"/>
+                <a:satOff val="0"/>
+                <a:lumOff val="0"/>
+                <a:alphaOff val="0"/>
+              </a:schemeClr>
+            </a:effectRef>
+            <a:fontRef idx="minor">
+              <a:schemeClr val="dk1">
+                <a:hueOff val="0"/>
+                <a:satOff val="0"/>
+                <a:lumOff val="0"/>
+                <a:alphaOff val="0"/>
+              </a:schemeClr>
+            </a:fontRef>
+          </p:style>
+          <p:txBody>
+            <a:bodyPr spcFirstLastPara="0" vert="horz" wrap="square" lIns="22376" tIns="22376" rIns="22376" bIns="22376" numCol="1" spcCol="1270" anchor="ctr" anchorCtr="0">
+              <a:noAutofit/>
+            </a:bodyPr>
+            <a:lstStyle/>
+            <a:p>
+              <a:pPr marL="0" lvl="0" indent="0" algn="ctr" defTabSz="400050">
+                <a:lnSpc>
+                  <a:spcPct val="90000"/>
+                </a:lnSpc>
+                <a:spcBef>
+                  <a:spcPct val="0"/>
+                </a:spcBef>
+                <a:spcAft>
+                  <a:spcPct val="35000"/>
+                </a:spcAft>
+                <a:buNone/>
+              </a:pPr>
+              <a:r>
+                <a:rPr lang="en-US" sz="1200" b="0" i="0" u="none" kern="1200" dirty="0"/>
+                <a:t>Nail down usable physics for testing</a:t>
+              </a:r>
+              <a:endParaRPr lang="en-US" sz="1200" kern="1200" dirty="0"/>
+            </a:p>
+          </p:txBody>
+        </p:sp>
+        <p:sp>
+          <p:nvSpPr>
+            <p:cNvPr id="42" name="Arrow: Right 41">
+              <a:extLst>
+                <a:ext uri="{FF2B5EF4-FFF2-40B4-BE49-F238E27FC236}">
+                  <a16:creationId xmlns:a16="http://schemas.microsoft.com/office/drawing/2014/main" id="{FDBF6E59-0E7F-4725-A7F0-6D669001C510}"/>
+                </a:ext>
+              </a:extLst>
+            </p:cNvPr>
+            <p:cNvSpPr/>
+            <p:nvPr/>
+          </p:nvSpPr>
+          <p:spPr>
+            <a:xfrm rot="5400000">
+              <a:off x="3105193" y="2712741"/>
+              <a:ext cx="65404" cy="65404"/>
+            </a:xfrm>
+            <a:prstGeom prst="rightArrow">
+              <a:avLst>
+                <a:gd name="adj1" fmla="val 66700"/>
+                <a:gd name="adj2" fmla="val 50000"/>
+              </a:avLst>
+            </a:prstGeom>
+          </p:spPr>
+          <p:style>
+            <a:lnRef idx="0">
+              <a:schemeClr val="accent1">
+                <a:shade val="90000"/>
+                <a:hueOff val="216783"/>
+                <a:satOff val="-22640"/>
+                <a:lumOff val="15407"/>
+                <a:alphaOff val="0"/>
+              </a:schemeClr>
+            </a:lnRef>
+            <a:fillRef idx="1">
+              <a:schemeClr val="accent1">
+                <a:shade val="90000"/>
+                <a:hueOff val="216783"/>
+                <a:satOff val="-22640"/>
+                <a:lumOff val="15407"/>
+                <a:alphaOff val="0"/>
+              </a:schemeClr>
+            </a:fillRef>
+            <a:effectRef idx="0">
+              <a:schemeClr val="accent1">
+                <a:shade val="90000"/>
+                <a:hueOff val="216783"/>
+                <a:satOff val="-22640"/>
+                <a:lumOff val="15407"/>
+                <a:alphaOff val="0"/>
+              </a:schemeClr>
+            </a:effectRef>
+            <a:fontRef idx="minor">
+              <a:schemeClr val="lt1"/>
+            </a:fontRef>
+          </p:style>
+        </p:sp>
+        <p:sp>
+          <p:nvSpPr>
+            <p:cNvPr id="43" name="Freeform: Shape 42">
+              <a:extLst>
+                <a:ext uri="{FF2B5EF4-FFF2-40B4-BE49-F238E27FC236}">
+                  <a16:creationId xmlns:a16="http://schemas.microsoft.com/office/drawing/2014/main" id="{69C2D6B0-3B70-4839-A4D5-32DE45F59323}"/>
+                </a:ext>
+              </a:extLst>
+            </p:cNvPr>
+            <p:cNvSpPr/>
+            <p:nvPr/>
+          </p:nvSpPr>
+          <p:spPr>
+            <a:xfrm>
+              <a:off x="2390414" y="2810848"/>
+              <a:ext cx="1494962" cy="373740"/>
+            </a:xfrm>
+            <a:custGeom>
+              <a:avLst/>
+              <a:gdLst>
+                <a:gd name="connsiteX0" fmla="*/ 0 w 1494962"/>
+                <a:gd name="connsiteY0" fmla="*/ 37374 h 373740"/>
+                <a:gd name="connsiteX1" fmla="*/ 37374 w 1494962"/>
+                <a:gd name="connsiteY1" fmla="*/ 0 h 373740"/>
+                <a:gd name="connsiteX2" fmla="*/ 1457588 w 1494962"/>
+                <a:gd name="connsiteY2" fmla="*/ 0 h 373740"/>
+                <a:gd name="connsiteX3" fmla="*/ 1494962 w 1494962"/>
+                <a:gd name="connsiteY3" fmla="*/ 37374 h 373740"/>
+                <a:gd name="connsiteX4" fmla="*/ 1494962 w 1494962"/>
+                <a:gd name="connsiteY4" fmla="*/ 336366 h 373740"/>
+                <a:gd name="connsiteX5" fmla="*/ 1457588 w 1494962"/>
+                <a:gd name="connsiteY5" fmla="*/ 373740 h 373740"/>
+                <a:gd name="connsiteX6" fmla="*/ 37374 w 1494962"/>
+                <a:gd name="connsiteY6" fmla="*/ 373740 h 373740"/>
+                <a:gd name="connsiteX7" fmla="*/ 0 w 1494962"/>
+                <a:gd name="connsiteY7" fmla="*/ 336366 h 373740"/>
+                <a:gd name="connsiteX8" fmla="*/ 0 w 1494962"/>
+                <a:gd name="connsiteY8" fmla="*/ 37374 h 373740"/>
+              </a:gdLst>
+              <a:ahLst/>
+              <a:cxnLst>
+                <a:cxn ang="0">
+                  <a:pos x="connsiteX0" y="connsiteY0"/>
+                </a:cxn>
+                <a:cxn ang="0">
+                  <a:pos x="connsiteX1" y="connsiteY1"/>
+                </a:cxn>
+                <a:cxn ang="0">
+                  <a:pos x="connsiteX2" y="connsiteY2"/>
+                </a:cxn>
+                <a:cxn ang="0">
+                  <a:pos x="connsiteX3" y="connsiteY3"/>
+                </a:cxn>
+                <a:cxn ang="0">
+                  <a:pos x="connsiteX4" y="connsiteY4"/>
+                </a:cxn>
+                <a:cxn ang="0">
+                  <a:pos x="connsiteX5" y="connsiteY5"/>
+                </a:cxn>
+                <a:cxn ang="0">
+                  <a:pos x="connsiteX6" y="connsiteY6"/>
+                </a:cxn>
+                <a:cxn ang="0">
+                  <a:pos x="connsiteX7" y="connsiteY7"/>
+                </a:cxn>
+                <a:cxn ang="0">
+                  <a:pos x="connsiteX8" y="connsiteY8"/>
+                </a:cxn>
+              </a:cxnLst>
+              <a:rect l="l" t="t" r="r" b="b"/>
+              <a:pathLst>
+                <a:path w="1494962" h="373740">
+                  <a:moveTo>
+                    <a:pt x="0" y="37374"/>
+                  </a:moveTo>
+                  <a:cubicBezTo>
+                    <a:pt x="0" y="16733"/>
+                    <a:pt x="16733" y="0"/>
+                    <a:pt x="37374" y="0"/>
+                  </a:cubicBezTo>
+                  <a:lnTo>
+                    <a:pt x="1457588" y="0"/>
+                  </a:lnTo>
+                  <a:cubicBezTo>
+                    <a:pt x="1478229" y="0"/>
+                    <a:pt x="1494962" y="16733"/>
+                    <a:pt x="1494962" y="37374"/>
+                  </a:cubicBezTo>
+                  <a:lnTo>
+                    <a:pt x="1494962" y="336366"/>
+                  </a:lnTo>
+                  <a:cubicBezTo>
+                    <a:pt x="1494962" y="357007"/>
+                    <a:pt x="1478229" y="373740"/>
+                    <a:pt x="1457588" y="373740"/>
+                  </a:cubicBezTo>
+                  <a:lnTo>
+                    <a:pt x="37374" y="373740"/>
+                  </a:lnTo>
+                  <a:cubicBezTo>
+                    <a:pt x="16733" y="373740"/>
+                    <a:pt x="0" y="357007"/>
+                    <a:pt x="0" y="336366"/>
+                  </a:cubicBezTo>
+                  <a:lnTo>
+                    <a:pt x="0" y="37374"/>
+                  </a:lnTo>
+                  <a:close/>
+                </a:path>
+              </a:pathLst>
+            </a:custGeom>
+            <a:solidFill>
+              <a:schemeClr val="accent4">
+                <a:lumMod val="60000"/>
+                <a:lumOff val="40000"/>
+                <a:alpha val="90000"/>
+              </a:schemeClr>
+            </a:solidFill>
+          </p:spPr>
+          <p:style>
+            <a:lnRef idx="2">
+              <a:schemeClr val="accent1">
+                <a:alpha val="90000"/>
+                <a:tint val="40000"/>
+                <a:hueOff val="0"/>
+                <a:satOff val="0"/>
+                <a:lumOff val="0"/>
+                <a:alphaOff val="0"/>
+              </a:schemeClr>
+            </a:lnRef>
+            <a:fillRef idx="1">
+              <a:scrgbClr r="0" g="0" b="0"/>
+            </a:fillRef>
+            <a:effectRef idx="0">
+              <a:schemeClr val="accent1">
+                <a:alpha val="90000"/>
+                <a:tint val="40000"/>
+                <a:hueOff val="0"/>
+                <a:satOff val="0"/>
+                <a:lumOff val="0"/>
+                <a:alphaOff val="0"/>
+              </a:schemeClr>
+            </a:effectRef>
+            <a:fontRef idx="minor">
+              <a:schemeClr val="dk1">
+                <a:hueOff val="0"/>
+                <a:satOff val="0"/>
+                <a:lumOff val="0"/>
+                <a:alphaOff val="0"/>
+              </a:schemeClr>
+            </a:fontRef>
+          </p:style>
+          <p:txBody>
+            <a:bodyPr spcFirstLastPara="0" vert="horz" wrap="square" lIns="22376" tIns="22376" rIns="22376" bIns="22376" numCol="1" spcCol="1270" anchor="ctr" anchorCtr="0">
+              <a:noAutofit/>
+            </a:bodyPr>
+            <a:lstStyle/>
+            <a:p>
+              <a:pPr marL="0" lvl="0" indent="0" algn="ctr" defTabSz="400050">
+                <a:lnSpc>
+                  <a:spcPct val="90000"/>
+                </a:lnSpc>
+                <a:spcBef>
+                  <a:spcPct val="0"/>
+                </a:spcBef>
+                <a:spcAft>
+                  <a:spcPct val="35000"/>
+                </a:spcAft>
+                <a:buNone/>
+              </a:pPr>
+              <a:r>
+                <a:rPr lang="en-US" sz="1200" b="0" i="0" u="none" kern="1200" dirty="0"/>
+                <a:t>Sketch out low poly maps for testing</a:t>
+              </a:r>
+              <a:endParaRPr lang="en-US" sz="1200" kern="1200" dirty="0"/>
+            </a:p>
+          </p:txBody>
+        </p:sp>
+        <p:sp>
+          <p:nvSpPr>
+            <p:cNvPr id="44" name="Freeform: Shape 43">
+              <a:extLst>
+                <a:ext uri="{FF2B5EF4-FFF2-40B4-BE49-F238E27FC236}">
+                  <a16:creationId xmlns:a16="http://schemas.microsoft.com/office/drawing/2014/main" id="{4CABF522-64CF-41AD-911B-5D937D57F3DC}"/>
+                </a:ext>
+              </a:extLst>
+            </p:cNvPr>
+            <p:cNvSpPr/>
+            <p:nvPr/>
+          </p:nvSpPr>
+          <p:spPr>
+            <a:xfrm>
+              <a:off x="4094671" y="1801748"/>
+              <a:ext cx="1494962" cy="373740"/>
+            </a:xfrm>
+            <a:custGeom>
+              <a:avLst/>
+              <a:gdLst>
+                <a:gd name="connsiteX0" fmla="*/ 0 w 1494962"/>
+                <a:gd name="connsiteY0" fmla="*/ 37374 h 373740"/>
+                <a:gd name="connsiteX1" fmla="*/ 37374 w 1494962"/>
+                <a:gd name="connsiteY1" fmla="*/ 0 h 373740"/>
+                <a:gd name="connsiteX2" fmla="*/ 1457588 w 1494962"/>
+                <a:gd name="connsiteY2" fmla="*/ 0 h 373740"/>
+                <a:gd name="connsiteX3" fmla="*/ 1494962 w 1494962"/>
+                <a:gd name="connsiteY3" fmla="*/ 37374 h 373740"/>
+                <a:gd name="connsiteX4" fmla="*/ 1494962 w 1494962"/>
+                <a:gd name="connsiteY4" fmla="*/ 336366 h 373740"/>
+                <a:gd name="connsiteX5" fmla="*/ 1457588 w 1494962"/>
+                <a:gd name="connsiteY5" fmla="*/ 373740 h 373740"/>
+                <a:gd name="connsiteX6" fmla="*/ 37374 w 1494962"/>
+                <a:gd name="connsiteY6" fmla="*/ 373740 h 373740"/>
+                <a:gd name="connsiteX7" fmla="*/ 0 w 1494962"/>
+                <a:gd name="connsiteY7" fmla="*/ 336366 h 373740"/>
+                <a:gd name="connsiteX8" fmla="*/ 0 w 1494962"/>
+                <a:gd name="connsiteY8" fmla="*/ 37374 h 373740"/>
+              </a:gdLst>
+              <a:ahLst/>
+              <a:cxnLst>
+                <a:cxn ang="0">
+                  <a:pos x="connsiteX0" y="connsiteY0"/>
+                </a:cxn>
+                <a:cxn ang="0">
+                  <a:pos x="connsiteX1" y="connsiteY1"/>
+                </a:cxn>
+                <a:cxn ang="0">
+                  <a:pos x="connsiteX2" y="connsiteY2"/>
+                </a:cxn>
+                <a:cxn ang="0">
+                  <a:pos x="connsiteX3" y="connsiteY3"/>
+                </a:cxn>
+                <a:cxn ang="0">
+                  <a:pos x="connsiteX4" y="connsiteY4"/>
+                </a:cxn>
+                <a:cxn ang="0">
+                  <a:pos x="connsiteX5" y="connsiteY5"/>
+                </a:cxn>
+                <a:cxn ang="0">
+                  <a:pos x="connsiteX6" y="connsiteY6"/>
+                </a:cxn>
+                <a:cxn ang="0">
+                  <a:pos x="connsiteX7" y="connsiteY7"/>
+                </a:cxn>
+                <a:cxn ang="0">
+                  <a:pos x="connsiteX8" y="connsiteY8"/>
+                </a:cxn>
+              </a:cxnLst>
+              <a:rect l="l" t="t" r="r" b="b"/>
+              <a:pathLst>
+                <a:path w="1494962" h="373740">
+                  <a:moveTo>
+                    <a:pt x="0" y="37374"/>
+                  </a:moveTo>
+                  <a:cubicBezTo>
+                    <a:pt x="0" y="16733"/>
+                    <a:pt x="16733" y="0"/>
+                    <a:pt x="37374" y="0"/>
+                  </a:cubicBezTo>
+                  <a:lnTo>
+                    <a:pt x="1457588" y="0"/>
+                  </a:lnTo>
+                  <a:cubicBezTo>
+                    <a:pt x="1478229" y="0"/>
+                    <a:pt x="1494962" y="16733"/>
+                    <a:pt x="1494962" y="37374"/>
+                  </a:cubicBezTo>
+                  <a:lnTo>
+                    <a:pt x="1494962" y="336366"/>
+                  </a:lnTo>
+                  <a:cubicBezTo>
+                    <a:pt x="1494962" y="357007"/>
+                    <a:pt x="1478229" y="373740"/>
+                    <a:pt x="1457588" y="373740"/>
+                  </a:cubicBezTo>
+                  <a:lnTo>
+                    <a:pt x="37374" y="373740"/>
+                  </a:lnTo>
+                  <a:cubicBezTo>
+                    <a:pt x="16733" y="373740"/>
+                    <a:pt x="0" y="357007"/>
+                    <a:pt x="0" y="336366"/>
+                  </a:cubicBezTo>
+                  <a:lnTo>
+                    <a:pt x="0" y="37374"/>
+                  </a:lnTo>
+                  <a:close/>
+                </a:path>
+              </a:pathLst>
+            </a:custGeom>
+          </p:spPr>
+          <p:style>
+            <a:lnRef idx="2">
+              <a:schemeClr val="lt1">
+                <a:hueOff val="0"/>
+                <a:satOff val="0"/>
+                <a:lumOff val="0"/>
+                <a:alphaOff val="0"/>
+              </a:schemeClr>
+            </a:lnRef>
+            <a:fillRef idx="1">
+              <a:schemeClr val="accent1">
+                <a:alpha val="90000"/>
+                <a:hueOff val="0"/>
+                <a:satOff val="0"/>
+                <a:lumOff val="0"/>
+                <a:alphaOff val="-16000"/>
+              </a:schemeClr>
+            </a:fillRef>
+            <a:effectRef idx="0">
+              <a:schemeClr val="accent1">
+                <a:alpha val="90000"/>
+                <a:hueOff val="0"/>
+                <a:satOff val="0"/>
+                <a:lumOff val="0"/>
+                <a:alphaOff val="-16000"/>
+              </a:schemeClr>
+            </a:effectRef>
+            <a:fontRef idx="minor">
+              <a:schemeClr val="lt1"/>
+            </a:fontRef>
+          </p:style>
+          <p:txBody>
+            <a:bodyPr spcFirstLastPara="0" vert="horz" wrap="square" lIns="37616" tIns="37616" rIns="37616" bIns="37616" numCol="1" spcCol="1270" anchor="ctr" anchorCtr="0">
+              <a:noAutofit/>
+            </a:bodyPr>
+            <a:lstStyle/>
+            <a:p>
+              <a:pPr marL="0" lvl="0" indent="0" algn="ctr" defTabSz="933450">
+                <a:lnSpc>
+                  <a:spcPct val="90000"/>
+                </a:lnSpc>
+                <a:spcBef>
+                  <a:spcPct val="0"/>
+                </a:spcBef>
+                <a:spcAft>
+                  <a:spcPct val="35000"/>
+                </a:spcAft>
+                <a:buNone/>
+              </a:pPr>
+              <a:r>
+                <a:rPr lang="en-US" sz="2100" kern="1200" dirty="0"/>
+                <a:t>2 Oct</a:t>
+              </a:r>
+            </a:p>
+          </p:txBody>
+        </p:sp>
+        <p:sp>
+          <p:nvSpPr>
+            <p:cNvPr id="45" name="Arrow: Right 44">
+              <a:extLst>
+                <a:ext uri="{FF2B5EF4-FFF2-40B4-BE49-F238E27FC236}">
+                  <a16:creationId xmlns:a16="http://schemas.microsoft.com/office/drawing/2014/main" id="{4C6B7FC5-AEB2-4600-91FD-EA3CFCCE7BF6}"/>
+                </a:ext>
+              </a:extLst>
+            </p:cNvPr>
+            <p:cNvSpPr/>
+            <p:nvPr/>
+          </p:nvSpPr>
+          <p:spPr>
+            <a:xfrm rot="5400000">
+              <a:off x="4809450" y="2208191"/>
+              <a:ext cx="65404" cy="65404"/>
+            </a:xfrm>
+            <a:prstGeom prst="rightArrow">
+              <a:avLst>
+                <a:gd name="adj1" fmla="val 66700"/>
+                <a:gd name="adj2" fmla="val 50000"/>
+              </a:avLst>
+            </a:prstGeom>
+          </p:spPr>
+          <p:style>
+            <a:lnRef idx="0">
+              <a:schemeClr val="accent1">
+                <a:shade val="90000"/>
+                <a:hueOff val="289044"/>
+                <a:satOff val="-30186"/>
+                <a:lumOff val="20543"/>
+                <a:alphaOff val="0"/>
+              </a:schemeClr>
+            </a:lnRef>
+            <a:fillRef idx="1">
+              <a:schemeClr val="accent1">
+                <a:shade val="90000"/>
+                <a:hueOff val="289044"/>
+                <a:satOff val="-30186"/>
+                <a:lumOff val="20543"/>
+                <a:alphaOff val="0"/>
+              </a:schemeClr>
+            </a:fillRef>
+            <a:effectRef idx="0">
+              <a:schemeClr val="accent1">
+                <a:shade val="90000"/>
+                <a:hueOff val="289044"/>
+                <a:satOff val="-30186"/>
+                <a:lumOff val="20543"/>
+                <a:alphaOff val="0"/>
+              </a:schemeClr>
+            </a:effectRef>
+            <a:fontRef idx="minor">
+              <a:schemeClr val="lt1"/>
+            </a:fontRef>
+          </p:style>
+        </p:sp>
+        <p:sp>
+          <p:nvSpPr>
+            <p:cNvPr id="46" name="Freeform: Shape 45">
+              <a:extLst>
+                <a:ext uri="{FF2B5EF4-FFF2-40B4-BE49-F238E27FC236}">
+                  <a16:creationId xmlns:a16="http://schemas.microsoft.com/office/drawing/2014/main" id="{3661A75B-3C72-4C2C-A6B0-4DEB9033B246}"/>
+                </a:ext>
+              </a:extLst>
+            </p:cNvPr>
+            <p:cNvSpPr/>
+            <p:nvPr/>
+          </p:nvSpPr>
+          <p:spPr>
+            <a:xfrm>
+              <a:off x="4094671" y="2306298"/>
+              <a:ext cx="1494962" cy="373740"/>
+            </a:xfrm>
+            <a:custGeom>
+              <a:avLst/>
+              <a:gdLst>
+                <a:gd name="connsiteX0" fmla="*/ 0 w 1494962"/>
+                <a:gd name="connsiteY0" fmla="*/ 37374 h 373740"/>
+                <a:gd name="connsiteX1" fmla="*/ 37374 w 1494962"/>
+                <a:gd name="connsiteY1" fmla="*/ 0 h 373740"/>
+                <a:gd name="connsiteX2" fmla="*/ 1457588 w 1494962"/>
+                <a:gd name="connsiteY2" fmla="*/ 0 h 373740"/>
+                <a:gd name="connsiteX3" fmla="*/ 1494962 w 1494962"/>
+                <a:gd name="connsiteY3" fmla="*/ 37374 h 373740"/>
+                <a:gd name="connsiteX4" fmla="*/ 1494962 w 1494962"/>
+                <a:gd name="connsiteY4" fmla="*/ 336366 h 373740"/>
+                <a:gd name="connsiteX5" fmla="*/ 1457588 w 1494962"/>
+                <a:gd name="connsiteY5" fmla="*/ 373740 h 373740"/>
+                <a:gd name="connsiteX6" fmla="*/ 37374 w 1494962"/>
+                <a:gd name="connsiteY6" fmla="*/ 373740 h 373740"/>
+                <a:gd name="connsiteX7" fmla="*/ 0 w 1494962"/>
+                <a:gd name="connsiteY7" fmla="*/ 336366 h 373740"/>
+                <a:gd name="connsiteX8" fmla="*/ 0 w 1494962"/>
+                <a:gd name="connsiteY8" fmla="*/ 37374 h 373740"/>
+              </a:gdLst>
+              <a:ahLst/>
+              <a:cxnLst>
+                <a:cxn ang="0">
+                  <a:pos x="connsiteX0" y="connsiteY0"/>
+                </a:cxn>
+                <a:cxn ang="0">
+                  <a:pos x="connsiteX1" y="connsiteY1"/>
+                </a:cxn>
+                <a:cxn ang="0">
+                  <a:pos x="connsiteX2" y="connsiteY2"/>
+                </a:cxn>
+                <a:cxn ang="0">
+                  <a:pos x="connsiteX3" y="connsiteY3"/>
+                </a:cxn>
+                <a:cxn ang="0">
+                  <a:pos x="connsiteX4" y="connsiteY4"/>
+                </a:cxn>
+                <a:cxn ang="0">
+                  <a:pos x="connsiteX5" y="connsiteY5"/>
+                </a:cxn>
+                <a:cxn ang="0">
+                  <a:pos x="connsiteX6" y="connsiteY6"/>
+                </a:cxn>
+                <a:cxn ang="0">
+                  <a:pos x="connsiteX7" y="connsiteY7"/>
+                </a:cxn>
+                <a:cxn ang="0">
+                  <a:pos x="connsiteX8" y="connsiteY8"/>
+                </a:cxn>
+              </a:cxnLst>
+              <a:rect l="l" t="t" r="r" b="b"/>
+              <a:pathLst>
+                <a:path w="1494962" h="373740">
+                  <a:moveTo>
+                    <a:pt x="0" y="37374"/>
+                  </a:moveTo>
+                  <a:cubicBezTo>
+                    <a:pt x="0" y="16733"/>
+                    <a:pt x="16733" y="0"/>
+                    <a:pt x="37374" y="0"/>
+                  </a:cubicBezTo>
+                  <a:lnTo>
+                    <a:pt x="1457588" y="0"/>
+                  </a:lnTo>
+                  <a:cubicBezTo>
+                    <a:pt x="1478229" y="0"/>
+                    <a:pt x="1494962" y="16733"/>
+                    <a:pt x="1494962" y="37374"/>
+                  </a:cubicBezTo>
+                  <a:lnTo>
+                    <a:pt x="1494962" y="336366"/>
+                  </a:lnTo>
+                  <a:cubicBezTo>
+                    <a:pt x="1494962" y="357007"/>
+                    <a:pt x="1478229" y="373740"/>
+                    <a:pt x="1457588" y="373740"/>
+                  </a:cubicBezTo>
+                  <a:lnTo>
+                    <a:pt x="37374" y="373740"/>
+                  </a:lnTo>
+                  <a:cubicBezTo>
+                    <a:pt x="16733" y="373740"/>
+                    <a:pt x="0" y="357007"/>
+                    <a:pt x="0" y="336366"/>
+                  </a:cubicBezTo>
+                  <a:lnTo>
+                    <a:pt x="0" y="37374"/>
+                  </a:lnTo>
+                  <a:close/>
+                </a:path>
+              </a:pathLst>
+            </a:custGeom>
+            <a:solidFill>
+              <a:schemeClr val="accent4">
+                <a:lumMod val="60000"/>
+                <a:lumOff val="40000"/>
+                <a:alpha val="90000"/>
+              </a:schemeClr>
+            </a:solidFill>
+          </p:spPr>
+          <p:style>
+            <a:lnRef idx="2">
+              <a:schemeClr val="accent1">
+                <a:alpha val="90000"/>
+                <a:tint val="40000"/>
+                <a:hueOff val="0"/>
+                <a:satOff val="0"/>
+                <a:lumOff val="0"/>
+                <a:alphaOff val="0"/>
+              </a:schemeClr>
+            </a:lnRef>
+            <a:fillRef idx="1">
+              <a:scrgbClr r="0" g="0" b="0"/>
+            </a:fillRef>
+            <a:effectRef idx="0">
+              <a:schemeClr val="accent1">
+                <a:alpha val="90000"/>
+                <a:tint val="40000"/>
+                <a:hueOff val="0"/>
+                <a:satOff val="0"/>
+                <a:lumOff val="0"/>
+                <a:alphaOff val="0"/>
+              </a:schemeClr>
+            </a:effectRef>
+            <a:fontRef idx="minor">
+              <a:schemeClr val="dk1">
+                <a:hueOff val="0"/>
+                <a:satOff val="0"/>
+                <a:lumOff val="0"/>
+                <a:alphaOff val="0"/>
+              </a:schemeClr>
+            </a:fontRef>
+          </p:style>
+          <p:txBody>
+            <a:bodyPr spcFirstLastPara="0" vert="horz" wrap="square" lIns="22376" tIns="22376" rIns="22376" bIns="22376" numCol="1" spcCol="1270" anchor="ctr" anchorCtr="0">
+              <a:noAutofit/>
+            </a:bodyPr>
+            <a:lstStyle/>
+            <a:p>
+              <a:pPr marL="0" lvl="0" indent="0" algn="ctr" defTabSz="400050">
+                <a:lnSpc>
+                  <a:spcPct val="90000"/>
+                </a:lnSpc>
+                <a:spcBef>
+                  <a:spcPct val="0"/>
+                </a:spcBef>
+                <a:spcAft>
+                  <a:spcPct val="35000"/>
+                </a:spcAft>
+                <a:buNone/>
+              </a:pPr>
+              <a:r>
+                <a:rPr lang="en-US" sz="1200" b="0" i="0" u="none" kern="1200" dirty="0"/>
+                <a:t>Search for open source assets</a:t>
+              </a:r>
+              <a:endParaRPr lang="en-US" sz="1200" kern="1200" dirty="0"/>
+            </a:p>
+          </p:txBody>
+        </p:sp>
+        <p:sp>
+          <p:nvSpPr>
+            <p:cNvPr id="47" name="Arrow: Right 46">
+              <a:extLst>
+                <a:ext uri="{FF2B5EF4-FFF2-40B4-BE49-F238E27FC236}">
+                  <a16:creationId xmlns:a16="http://schemas.microsoft.com/office/drawing/2014/main" id="{697D6279-A88A-480A-B73A-0EBB11576748}"/>
+                </a:ext>
+              </a:extLst>
+            </p:cNvPr>
+            <p:cNvSpPr/>
+            <p:nvPr/>
+          </p:nvSpPr>
+          <p:spPr>
+            <a:xfrm rot="5400000">
+              <a:off x="4809450" y="2712741"/>
+              <a:ext cx="65404" cy="65404"/>
+            </a:xfrm>
+            <a:prstGeom prst="rightArrow">
+              <a:avLst>
+                <a:gd name="adj1" fmla="val 66700"/>
+                <a:gd name="adj2" fmla="val 50000"/>
+              </a:avLst>
+            </a:prstGeom>
+          </p:spPr>
+          <p:style>
+            <a:lnRef idx="0">
+              <a:schemeClr val="accent1">
+                <a:shade val="90000"/>
+                <a:hueOff val="361305"/>
+                <a:satOff val="-37733"/>
+                <a:lumOff val="25679"/>
+                <a:alphaOff val="0"/>
+              </a:schemeClr>
+            </a:lnRef>
+            <a:fillRef idx="1">
+              <a:schemeClr val="accent1">
+                <a:shade val="90000"/>
+                <a:hueOff val="361305"/>
+                <a:satOff val="-37733"/>
+                <a:lumOff val="25679"/>
+                <a:alphaOff val="0"/>
+              </a:schemeClr>
+            </a:fillRef>
+            <a:effectRef idx="0">
+              <a:schemeClr val="accent1">
+                <a:shade val="90000"/>
+                <a:hueOff val="361305"/>
+                <a:satOff val="-37733"/>
+                <a:lumOff val="25679"/>
+                <a:alphaOff val="0"/>
+              </a:schemeClr>
+            </a:effectRef>
+            <a:fontRef idx="minor">
+              <a:schemeClr val="lt1"/>
+            </a:fontRef>
+          </p:style>
+        </p:sp>
+        <p:sp>
+          <p:nvSpPr>
+            <p:cNvPr id="48" name="Freeform: Shape 47">
+              <a:extLst>
+                <a:ext uri="{FF2B5EF4-FFF2-40B4-BE49-F238E27FC236}">
+                  <a16:creationId xmlns:a16="http://schemas.microsoft.com/office/drawing/2014/main" id="{D4B68E97-27C7-4BB1-9CC4-7C208D15C446}"/>
+                </a:ext>
+              </a:extLst>
+            </p:cNvPr>
+            <p:cNvSpPr/>
+            <p:nvPr/>
+          </p:nvSpPr>
+          <p:spPr>
+            <a:xfrm>
+              <a:off x="4094671" y="2810848"/>
+              <a:ext cx="1494962" cy="373740"/>
+            </a:xfrm>
+            <a:custGeom>
+              <a:avLst/>
+              <a:gdLst>
+                <a:gd name="connsiteX0" fmla="*/ 0 w 1494962"/>
+                <a:gd name="connsiteY0" fmla="*/ 37374 h 373740"/>
+                <a:gd name="connsiteX1" fmla="*/ 37374 w 1494962"/>
+                <a:gd name="connsiteY1" fmla="*/ 0 h 373740"/>
+                <a:gd name="connsiteX2" fmla="*/ 1457588 w 1494962"/>
+                <a:gd name="connsiteY2" fmla="*/ 0 h 373740"/>
+                <a:gd name="connsiteX3" fmla="*/ 1494962 w 1494962"/>
+                <a:gd name="connsiteY3" fmla="*/ 37374 h 373740"/>
+                <a:gd name="connsiteX4" fmla="*/ 1494962 w 1494962"/>
+                <a:gd name="connsiteY4" fmla="*/ 336366 h 373740"/>
+                <a:gd name="connsiteX5" fmla="*/ 1457588 w 1494962"/>
+                <a:gd name="connsiteY5" fmla="*/ 373740 h 373740"/>
+                <a:gd name="connsiteX6" fmla="*/ 37374 w 1494962"/>
+                <a:gd name="connsiteY6" fmla="*/ 373740 h 373740"/>
+                <a:gd name="connsiteX7" fmla="*/ 0 w 1494962"/>
+                <a:gd name="connsiteY7" fmla="*/ 336366 h 373740"/>
+                <a:gd name="connsiteX8" fmla="*/ 0 w 1494962"/>
+                <a:gd name="connsiteY8" fmla="*/ 37374 h 373740"/>
+              </a:gdLst>
+              <a:ahLst/>
+              <a:cxnLst>
+                <a:cxn ang="0">
+                  <a:pos x="connsiteX0" y="connsiteY0"/>
+                </a:cxn>
+                <a:cxn ang="0">
+                  <a:pos x="connsiteX1" y="connsiteY1"/>
+                </a:cxn>
+                <a:cxn ang="0">
+                  <a:pos x="connsiteX2" y="connsiteY2"/>
+                </a:cxn>
+                <a:cxn ang="0">
+                  <a:pos x="connsiteX3" y="connsiteY3"/>
+                </a:cxn>
+                <a:cxn ang="0">
+                  <a:pos x="connsiteX4" y="connsiteY4"/>
+                </a:cxn>
+                <a:cxn ang="0">
+                  <a:pos x="connsiteX5" y="connsiteY5"/>
+                </a:cxn>
+                <a:cxn ang="0">
+                  <a:pos x="connsiteX6" y="connsiteY6"/>
+                </a:cxn>
+                <a:cxn ang="0">
+                  <a:pos x="connsiteX7" y="connsiteY7"/>
+                </a:cxn>
+                <a:cxn ang="0">
+                  <a:pos x="connsiteX8" y="connsiteY8"/>
+                </a:cxn>
+              </a:cxnLst>
+              <a:rect l="l" t="t" r="r" b="b"/>
+              <a:pathLst>
+                <a:path w="1494962" h="373740">
+                  <a:moveTo>
+                    <a:pt x="0" y="37374"/>
+                  </a:moveTo>
+                  <a:cubicBezTo>
+                    <a:pt x="0" y="16733"/>
+                    <a:pt x="16733" y="0"/>
+                    <a:pt x="37374" y="0"/>
+                  </a:cubicBezTo>
+                  <a:lnTo>
+                    <a:pt x="1457588" y="0"/>
+                  </a:lnTo>
+                  <a:cubicBezTo>
+                    <a:pt x="1478229" y="0"/>
+                    <a:pt x="1494962" y="16733"/>
+                    <a:pt x="1494962" y="37374"/>
+                  </a:cubicBezTo>
+                  <a:lnTo>
+                    <a:pt x="1494962" y="336366"/>
+                  </a:lnTo>
+                  <a:cubicBezTo>
+                    <a:pt x="1494962" y="357007"/>
+                    <a:pt x="1478229" y="373740"/>
+                    <a:pt x="1457588" y="373740"/>
+                  </a:cubicBezTo>
+                  <a:lnTo>
+                    <a:pt x="37374" y="373740"/>
+                  </a:lnTo>
+                  <a:cubicBezTo>
+                    <a:pt x="16733" y="373740"/>
+                    <a:pt x="0" y="357007"/>
+                    <a:pt x="0" y="336366"/>
+                  </a:cubicBezTo>
+                  <a:lnTo>
+                    <a:pt x="0" y="37374"/>
+                  </a:lnTo>
+                  <a:close/>
+                </a:path>
+              </a:pathLst>
+            </a:custGeom>
+            <a:solidFill>
+              <a:schemeClr val="accent4">
+                <a:lumMod val="60000"/>
+                <a:lumOff val="40000"/>
+                <a:alpha val="90000"/>
+              </a:schemeClr>
+            </a:solidFill>
+          </p:spPr>
+          <p:style>
+            <a:lnRef idx="2">
+              <a:schemeClr val="accent1">
+                <a:alpha val="90000"/>
+                <a:tint val="40000"/>
+                <a:hueOff val="0"/>
+                <a:satOff val="0"/>
+                <a:lumOff val="0"/>
+                <a:alphaOff val="0"/>
+              </a:schemeClr>
+            </a:lnRef>
+            <a:fillRef idx="1">
+              <a:scrgbClr r="0" g="0" b="0"/>
+            </a:fillRef>
+            <a:effectRef idx="0">
+              <a:schemeClr val="accent1">
+                <a:alpha val="90000"/>
+                <a:tint val="40000"/>
+                <a:hueOff val="0"/>
+                <a:satOff val="0"/>
+                <a:lumOff val="0"/>
+                <a:alphaOff val="0"/>
+              </a:schemeClr>
+            </a:effectRef>
+            <a:fontRef idx="minor">
+              <a:schemeClr val="dk1">
+                <a:hueOff val="0"/>
+                <a:satOff val="0"/>
+                <a:lumOff val="0"/>
+                <a:alphaOff val="0"/>
+              </a:schemeClr>
+            </a:fontRef>
+          </p:style>
+          <p:txBody>
+            <a:bodyPr spcFirstLastPara="0" vert="horz" wrap="square" lIns="22376" tIns="22376" rIns="22376" bIns="22376" numCol="1" spcCol="1270" anchor="ctr" anchorCtr="0">
+              <a:noAutofit/>
+            </a:bodyPr>
+            <a:lstStyle/>
+            <a:p>
+              <a:pPr marL="0" lvl="0" indent="0" algn="ctr" defTabSz="400050">
+                <a:lnSpc>
+                  <a:spcPct val="90000"/>
+                </a:lnSpc>
+                <a:spcBef>
+                  <a:spcPct val="0"/>
+                </a:spcBef>
+                <a:spcAft>
+                  <a:spcPct val="35000"/>
+                </a:spcAft>
+                <a:buNone/>
+              </a:pPr>
+              <a:r>
+                <a:rPr lang="en-US" sz="1200" b="0" i="0" u="none" kern="1200" dirty="0"/>
+                <a:t>Implement basic game mechanics</a:t>
+              </a:r>
+              <a:endParaRPr lang="en-US" sz="1200" kern="1200" dirty="0"/>
+            </a:p>
+          </p:txBody>
+        </p:sp>
+      </p:grpSp>
+      <p:grpSp>
+        <p:nvGrpSpPr>
+          <p:cNvPr id="65" name="Group 64">
+            <a:extLst>
+              <a:ext uri="{FF2B5EF4-FFF2-40B4-BE49-F238E27FC236}">
+                <a16:creationId xmlns:a16="http://schemas.microsoft.com/office/drawing/2014/main" id="{1CFD932A-EC64-48EE-84D5-356B5E7E6D8B}"/>
+              </a:ext>
+            </a:extLst>
+          </p:cNvPr>
+          <p:cNvGrpSpPr/>
+          <p:nvPr/>
+        </p:nvGrpSpPr>
+        <p:grpSpPr>
+          <a:xfrm>
+            <a:off x="5798928" y="1801748"/>
+            <a:ext cx="1494962" cy="1382840"/>
+            <a:chOff x="5798928" y="1801748"/>
+            <a:chExt cx="1494962" cy="1382840"/>
+          </a:xfrm>
+        </p:grpSpPr>
+        <p:sp>
+          <p:nvSpPr>
+            <p:cNvPr id="49" name="Freeform: Shape 48">
+              <a:extLst>
+                <a:ext uri="{FF2B5EF4-FFF2-40B4-BE49-F238E27FC236}">
+                  <a16:creationId xmlns:a16="http://schemas.microsoft.com/office/drawing/2014/main" id="{52E25D72-6F49-4AA7-A647-204F12FCF49C}"/>
+                </a:ext>
+              </a:extLst>
+            </p:cNvPr>
+            <p:cNvSpPr/>
+            <p:nvPr/>
+          </p:nvSpPr>
+          <p:spPr>
+            <a:xfrm>
+              <a:off x="5798928" y="1801748"/>
+              <a:ext cx="1494962" cy="373740"/>
+            </a:xfrm>
+            <a:custGeom>
+              <a:avLst/>
+              <a:gdLst>
+                <a:gd name="connsiteX0" fmla="*/ 0 w 1494962"/>
+                <a:gd name="connsiteY0" fmla="*/ 37374 h 373740"/>
+                <a:gd name="connsiteX1" fmla="*/ 37374 w 1494962"/>
+                <a:gd name="connsiteY1" fmla="*/ 0 h 373740"/>
+                <a:gd name="connsiteX2" fmla="*/ 1457588 w 1494962"/>
+                <a:gd name="connsiteY2" fmla="*/ 0 h 373740"/>
+                <a:gd name="connsiteX3" fmla="*/ 1494962 w 1494962"/>
+                <a:gd name="connsiteY3" fmla="*/ 37374 h 373740"/>
+                <a:gd name="connsiteX4" fmla="*/ 1494962 w 1494962"/>
+                <a:gd name="connsiteY4" fmla="*/ 336366 h 373740"/>
+                <a:gd name="connsiteX5" fmla="*/ 1457588 w 1494962"/>
+                <a:gd name="connsiteY5" fmla="*/ 373740 h 373740"/>
+                <a:gd name="connsiteX6" fmla="*/ 37374 w 1494962"/>
+                <a:gd name="connsiteY6" fmla="*/ 373740 h 373740"/>
+                <a:gd name="connsiteX7" fmla="*/ 0 w 1494962"/>
+                <a:gd name="connsiteY7" fmla="*/ 336366 h 373740"/>
+                <a:gd name="connsiteX8" fmla="*/ 0 w 1494962"/>
+                <a:gd name="connsiteY8" fmla="*/ 37374 h 373740"/>
+              </a:gdLst>
+              <a:ahLst/>
+              <a:cxnLst>
+                <a:cxn ang="0">
+                  <a:pos x="connsiteX0" y="connsiteY0"/>
+                </a:cxn>
+                <a:cxn ang="0">
+                  <a:pos x="connsiteX1" y="connsiteY1"/>
+                </a:cxn>
+                <a:cxn ang="0">
+                  <a:pos x="connsiteX2" y="connsiteY2"/>
+                </a:cxn>
+                <a:cxn ang="0">
+                  <a:pos x="connsiteX3" y="connsiteY3"/>
+                </a:cxn>
+                <a:cxn ang="0">
+                  <a:pos x="connsiteX4" y="connsiteY4"/>
+                </a:cxn>
+                <a:cxn ang="0">
+                  <a:pos x="connsiteX5" y="connsiteY5"/>
+                </a:cxn>
+                <a:cxn ang="0">
+                  <a:pos x="connsiteX6" y="connsiteY6"/>
+                </a:cxn>
+                <a:cxn ang="0">
+                  <a:pos x="connsiteX7" y="connsiteY7"/>
+                </a:cxn>
+                <a:cxn ang="0">
+                  <a:pos x="connsiteX8" y="connsiteY8"/>
+                </a:cxn>
+              </a:cxnLst>
+              <a:rect l="l" t="t" r="r" b="b"/>
+              <a:pathLst>
+                <a:path w="1494962" h="373740">
+                  <a:moveTo>
+                    <a:pt x="0" y="37374"/>
+                  </a:moveTo>
+                  <a:cubicBezTo>
+                    <a:pt x="0" y="16733"/>
+                    <a:pt x="16733" y="0"/>
+                    <a:pt x="37374" y="0"/>
+                  </a:cubicBezTo>
+                  <a:lnTo>
+                    <a:pt x="1457588" y="0"/>
+                  </a:lnTo>
+                  <a:cubicBezTo>
+                    <a:pt x="1478229" y="0"/>
+                    <a:pt x="1494962" y="16733"/>
+                    <a:pt x="1494962" y="37374"/>
+                  </a:cubicBezTo>
+                  <a:lnTo>
+                    <a:pt x="1494962" y="336366"/>
+                  </a:lnTo>
+                  <a:cubicBezTo>
+                    <a:pt x="1494962" y="357007"/>
+                    <a:pt x="1478229" y="373740"/>
+                    <a:pt x="1457588" y="373740"/>
+                  </a:cubicBezTo>
+                  <a:lnTo>
+                    <a:pt x="37374" y="373740"/>
+                  </a:lnTo>
+                  <a:cubicBezTo>
+                    <a:pt x="16733" y="373740"/>
+                    <a:pt x="0" y="357007"/>
+                    <a:pt x="0" y="336366"/>
+                  </a:cubicBezTo>
+                  <a:lnTo>
+                    <a:pt x="0" y="37374"/>
+                  </a:lnTo>
+                  <a:close/>
+                </a:path>
+              </a:pathLst>
+            </a:custGeom>
+          </p:spPr>
+          <p:style>
+            <a:lnRef idx="2">
+              <a:schemeClr val="lt1">
+                <a:hueOff val="0"/>
+                <a:satOff val="0"/>
+                <a:lumOff val="0"/>
+                <a:alphaOff val="0"/>
+              </a:schemeClr>
+            </a:lnRef>
+            <a:fillRef idx="1">
+              <a:schemeClr val="accent1">
+                <a:alpha val="90000"/>
+                <a:hueOff val="0"/>
+                <a:satOff val="0"/>
+                <a:lumOff val="0"/>
+                <a:alphaOff val="-24000"/>
+              </a:schemeClr>
+            </a:fillRef>
+            <a:effectRef idx="0">
+              <a:schemeClr val="accent1">
+                <a:alpha val="90000"/>
+                <a:hueOff val="0"/>
+                <a:satOff val="0"/>
+                <a:lumOff val="0"/>
+                <a:alphaOff val="-24000"/>
+              </a:schemeClr>
+            </a:effectRef>
+            <a:fontRef idx="minor">
+              <a:schemeClr val="lt1"/>
+            </a:fontRef>
+          </p:style>
+          <p:txBody>
+            <a:bodyPr spcFirstLastPara="0" vert="horz" wrap="square" lIns="37616" tIns="37616" rIns="37616" bIns="37616" numCol="1" spcCol="1270" anchor="ctr" anchorCtr="0">
+              <a:noAutofit/>
+            </a:bodyPr>
+            <a:lstStyle/>
+            <a:p>
+              <a:pPr marL="0" lvl="0" indent="0" algn="ctr" defTabSz="933450">
+                <a:lnSpc>
+                  <a:spcPct val="90000"/>
+                </a:lnSpc>
+                <a:spcBef>
+                  <a:spcPct val="0"/>
+                </a:spcBef>
+                <a:spcAft>
+                  <a:spcPct val="35000"/>
+                </a:spcAft>
+                <a:buNone/>
+              </a:pPr>
+              <a:r>
+                <a:rPr lang="en-US" sz="2100" kern="1200" dirty="0"/>
+                <a:t>1 Nov</a:t>
+              </a:r>
+            </a:p>
+          </p:txBody>
+        </p:sp>
+        <p:sp>
+          <p:nvSpPr>
+            <p:cNvPr id="50" name="Arrow: Right 49">
+              <a:extLst>
+                <a:ext uri="{FF2B5EF4-FFF2-40B4-BE49-F238E27FC236}">
+                  <a16:creationId xmlns:a16="http://schemas.microsoft.com/office/drawing/2014/main" id="{6E8F3ED5-787B-48CF-AE69-EA36EE613389}"/>
+                </a:ext>
+              </a:extLst>
+            </p:cNvPr>
+            <p:cNvSpPr/>
+            <p:nvPr/>
+          </p:nvSpPr>
+          <p:spPr>
+            <a:xfrm rot="5400000">
+              <a:off x="6513707" y="2208191"/>
+              <a:ext cx="65404" cy="65404"/>
+            </a:xfrm>
+            <a:prstGeom prst="rightArrow">
+              <a:avLst>
+                <a:gd name="adj1" fmla="val 66700"/>
+                <a:gd name="adj2" fmla="val 50000"/>
+              </a:avLst>
+            </a:prstGeom>
+          </p:spPr>
+          <p:style>
+            <a:lnRef idx="0">
+              <a:schemeClr val="accent1">
+                <a:shade val="90000"/>
+                <a:hueOff val="433566"/>
+                <a:satOff val="-45279"/>
+                <a:lumOff val="30815"/>
+                <a:alphaOff val="0"/>
+              </a:schemeClr>
+            </a:lnRef>
+            <a:fillRef idx="1">
+              <a:schemeClr val="accent1">
+                <a:shade val="90000"/>
+                <a:hueOff val="433566"/>
+                <a:satOff val="-45279"/>
+                <a:lumOff val="30815"/>
+                <a:alphaOff val="0"/>
+              </a:schemeClr>
+            </a:fillRef>
+            <a:effectRef idx="0">
+              <a:schemeClr val="accent1">
+                <a:shade val="90000"/>
+                <a:hueOff val="433566"/>
+                <a:satOff val="-45279"/>
+                <a:lumOff val="30815"/>
+                <a:alphaOff val="0"/>
+              </a:schemeClr>
+            </a:effectRef>
+            <a:fontRef idx="minor">
+              <a:schemeClr val="lt1"/>
+            </a:fontRef>
+          </p:style>
+        </p:sp>
+        <p:sp>
+          <p:nvSpPr>
+            <p:cNvPr id="51" name="Freeform: Shape 50">
+              <a:extLst>
+                <a:ext uri="{FF2B5EF4-FFF2-40B4-BE49-F238E27FC236}">
+                  <a16:creationId xmlns:a16="http://schemas.microsoft.com/office/drawing/2014/main" id="{A515956A-FEEE-4EAC-90F9-1E1A02D229E4}"/>
+                </a:ext>
+              </a:extLst>
+            </p:cNvPr>
+            <p:cNvSpPr/>
+            <p:nvPr/>
+          </p:nvSpPr>
+          <p:spPr>
+            <a:xfrm>
+              <a:off x="5798928" y="2306298"/>
+              <a:ext cx="1494962" cy="373740"/>
+            </a:xfrm>
+            <a:custGeom>
+              <a:avLst/>
+              <a:gdLst>
+                <a:gd name="connsiteX0" fmla="*/ 0 w 1494962"/>
+                <a:gd name="connsiteY0" fmla="*/ 37374 h 373740"/>
+                <a:gd name="connsiteX1" fmla="*/ 37374 w 1494962"/>
+                <a:gd name="connsiteY1" fmla="*/ 0 h 373740"/>
+                <a:gd name="connsiteX2" fmla="*/ 1457588 w 1494962"/>
+                <a:gd name="connsiteY2" fmla="*/ 0 h 373740"/>
+                <a:gd name="connsiteX3" fmla="*/ 1494962 w 1494962"/>
+                <a:gd name="connsiteY3" fmla="*/ 37374 h 373740"/>
+                <a:gd name="connsiteX4" fmla="*/ 1494962 w 1494962"/>
+                <a:gd name="connsiteY4" fmla="*/ 336366 h 373740"/>
+                <a:gd name="connsiteX5" fmla="*/ 1457588 w 1494962"/>
+                <a:gd name="connsiteY5" fmla="*/ 373740 h 373740"/>
+                <a:gd name="connsiteX6" fmla="*/ 37374 w 1494962"/>
+                <a:gd name="connsiteY6" fmla="*/ 373740 h 373740"/>
+                <a:gd name="connsiteX7" fmla="*/ 0 w 1494962"/>
+                <a:gd name="connsiteY7" fmla="*/ 336366 h 373740"/>
+                <a:gd name="connsiteX8" fmla="*/ 0 w 1494962"/>
+                <a:gd name="connsiteY8" fmla="*/ 37374 h 373740"/>
+              </a:gdLst>
+              <a:ahLst/>
+              <a:cxnLst>
+                <a:cxn ang="0">
+                  <a:pos x="connsiteX0" y="connsiteY0"/>
+                </a:cxn>
+                <a:cxn ang="0">
+                  <a:pos x="connsiteX1" y="connsiteY1"/>
+                </a:cxn>
+                <a:cxn ang="0">
+                  <a:pos x="connsiteX2" y="connsiteY2"/>
+                </a:cxn>
+                <a:cxn ang="0">
+                  <a:pos x="connsiteX3" y="connsiteY3"/>
+                </a:cxn>
+                <a:cxn ang="0">
+                  <a:pos x="connsiteX4" y="connsiteY4"/>
+                </a:cxn>
+                <a:cxn ang="0">
+                  <a:pos x="connsiteX5" y="connsiteY5"/>
+                </a:cxn>
+                <a:cxn ang="0">
+                  <a:pos x="connsiteX6" y="connsiteY6"/>
+                </a:cxn>
+                <a:cxn ang="0">
+                  <a:pos x="connsiteX7" y="connsiteY7"/>
+                </a:cxn>
+                <a:cxn ang="0">
+                  <a:pos x="connsiteX8" y="connsiteY8"/>
+                </a:cxn>
+              </a:cxnLst>
+              <a:rect l="l" t="t" r="r" b="b"/>
+              <a:pathLst>
+                <a:path w="1494962" h="373740">
+                  <a:moveTo>
+                    <a:pt x="0" y="37374"/>
+                  </a:moveTo>
+                  <a:cubicBezTo>
+                    <a:pt x="0" y="16733"/>
+                    <a:pt x="16733" y="0"/>
+                    <a:pt x="37374" y="0"/>
+                  </a:cubicBezTo>
+                  <a:lnTo>
+                    <a:pt x="1457588" y="0"/>
+                  </a:lnTo>
+                  <a:cubicBezTo>
+                    <a:pt x="1478229" y="0"/>
+                    <a:pt x="1494962" y="16733"/>
+                    <a:pt x="1494962" y="37374"/>
+                  </a:cubicBezTo>
+                  <a:lnTo>
+                    <a:pt x="1494962" y="336366"/>
+                  </a:lnTo>
+                  <a:cubicBezTo>
+                    <a:pt x="1494962" y="357007"/>
+                    <a:pt x="1478229" y="373740"/>
+                    <a:pt x="1457588" y="373740"/>
+                  </a:cubicBezTo>
+                  <a:lnTo>
+                    <a:pt x="37374" y="373740"/>
+                  </a:lnTo>
+                  <a:cubicBezTo>
+                    <a:pt x="16733" y="373740"/>
+                    <a:pt x="0" y="357007"/>
+                    <a:pt x="0" y="336366"/>
+                  </a:cubicBezTo>
+                  <a:lnTo>
+                    <a:pt x="0" y="37374"/>
+                  </a:lnTo>
+                  <a:close/>
+                </a:path>
+              </a:pathLst>
+            </a:custGeom>
+            <a:solidFill>
+              <a:schemeClr val="accent5">
+                <a:lumMod val="60000"/>
+                <a:lumOff val="40000"/>
+                <a:alpha val="90000"/>
+              </a:schemeClr>
+            </a:solidFill>
+          </p:spPr>
+          <p:style>
+            <a:lnRef idx="2">
+              <a:schemeClr val="accent1">
+                <a:alpha val="90000"/>
+                <a:tint val="40000"/>
+                <a:hueOff val="0"/>
+                <a:satOff val="0"/>
+                <a:lumOff val="0"/>
+                <a:alphaOff val="0"/>
+              </a:schemeClr>
+            </a:lnRef>
+            <a:fillRef idx="1">
+              <a:scrgbClr r="0" g="0" b="0"/>
+            </a:fillRef>
+            <a:effectRef idx="0">
+              <a:schemeClr val="accent1">
+                <a:alpha val="90000"/>
+                <a:tint val="40000"/>
+                <a:hueOff val="0"/>
+                <a:satOff val="0"/>
+                <a:lumOff val="0"/>
+                <a:alphaOff val="0"/>
+              </a:schemeClr>
+            </a:effectRef>
+            <a:fontRef idx="minor">
+              <a:schemeClr val="dk1">
+                <a:hueOff val="0"/>
+                <a:satOff val="0"/>
+                <a:lumOff val="0"/>
+                <a:alphaOff val="0"/>
+              </a:schemeClr>
+            </a:fontRef>
+          </p:style>
+          <p:txBody>
+            <a:bodyPr spcFirstLastPara="0" vert="horz" wrap="square" lIns="22376" tIns="22376" rIns="22376" bIns="22376" numCol="1" spcCol="1270" anchor="ctr" anchorCtr="0">
+              <a:noAutofit/>
+            </a:bodyPr>
+            <a:lstStyle/>
+            <a:p>
+              <a:pPr marL="0" lvl="0" indent="0" algn="ctr" defTabSz="400050">
+                <a:lnSpc>
+                  <a:spcPct val="90000"/>
+                </a:lnSpc>
+                <a:spcBef>
+                  <a:spcPct val="0"/>
+                </a:spcBef>
+                <a:spcAft>
+                  <a:spcPct val="35000"/>
+                </a:spcAft>
+                <a:buNone/>
+              </a:pPr>
+              <a:r>
+                <a:rPr lang="en-US" sz="1200" b="0" i="0" u="none" kern="1200" dirty="0"/>
+                <a:t>Implement basic UI</a:t>
+              </a:r>
+              <a:endParaRPr lang="en-US" sz="1200" kern="1200" dirty="0"/>
+            </a:p>
+          </p:txBody>
+        </p:sp>
+        <p:sp>
+          <p:nvSpPr>
+            <p:cNvPr id="52" name="Arrow: Right 51">
+              <a:extLst>
+                <a:ext uri="{FF2B5EF4-FFF2-40B4-BE49-F238E27FC236}">
+                  <a16:creationId xmlns:a16="http://schemas.microsoft.com/office/drawing/2014/main" id="{FF72762E-B140-4655-883B-D15CA9B3F1F9}"/>
+                </a:ext>
+              </a:extLst>
+            </p:cNvPr>
+            <p:cNvSpPr/>
+            <p:nvPr/>
+          </p:nvSpPr>
+          <p:spPr>
+            <a:xfrm rot="5400000">
+              <a:off x="6513707" y="2712741"/>
+              <a:ext cx="65404" cy="65404"/>
+            </a:xfrm>
+            <a:prstGeom prst="rightArrow">
+              <a:avLst>
+                <a:gd name="adj1" fmla="val 66700"/>
+                <a:gd name="adj2" fmla="val 50000"/>
+              </a:avLst>
+            </a:prstGeom>
+          </p:spPr>
+          <p:style>
+            <a:lnRef idx="0">
+              <a:schemeClr val="accent1">
+                <a:shade val="90000"/>
+                <a:hueOff val="505827"/>
+                <a:satOff val="-52826"/>
+                <a:lumOff val="35951"/>
+                <a:alphaOff val="0"/>
+              </a:schemeClr>
+            </a:lnRef>
+            <a:fillRef idx="1">
+              <a:schemeClr val="accent1">
+                <a:shade val="90000"/>
+                <a:hueOff val="505827"/>
+                <a:satOff val="-52826"/>
+                <a:lumOff val="35951"/>
+                <a:alphaOff val="0"/>
+              </a:schemeClr>
+            </a:fillRef>
+            <a:effectRef idx="0">
+              <a:schemeClr val="accent1">
+                <a:shade val="90000"/>
+                <a:hueOff val="505827"/>
+                <a:satOff val="-52826"/>
+                <a:lumOff val="35951"/>
+                <a:alphaOff val="0"/>
+              </a:schemeClr>
+            </a:effectRef>
+            <a:fontRef idx="minor">
+              <a:schemeClr val="lt1"/>
+            </a:fontRef>
+          </p:style>
+        </p:sp>
+        <p:sp>
+          <p:nvSpPr>
+            <p:cNvPr id="53" name="Freeform: Shape 52">
+              <a:extLst>
+                <a:ext uri="{FF2B5EF4-FFF2-40B4-BE49-F238E27FC236}">
+                  <a16:creationId xmlns:a16="http://schemas.microsoft.com/office/drawing/2014/main" id="{B14A9532-F31E-4E83-8919-A2F9F2BC4575}"/>
+                </a:ext>
+              </a:extLst>
+            </p:cNvPr>
+            <p:cNvSpPr/>
+            <p:nvPr/>
+          </p:nvSpPr>
+          <p:spPr>
+            <a:xfrm>
+              <a:off x="5798928" y="2810848"/>
+              <a:ext cx="1494962" cy="373740"/>
+            </a:xfrm>
+            <a:custGeom>
+              <a:avLst/>
+              <a:gdLst>
+                <a:gd name="connsiteX0" fmla="*/ 0 w 1494962"/>
+                <a:gd name="connsiteY0" fmla="*/ 37374 h 373740"/>
+                <a:gd name="connsiteX1" fmla="*/ 37374 w 1494962"/>
+                <a:gd name="connsiteY1" fmla="*/ 0 h 373740"/>
+                <a:gd name="connsiteX2" fmla="*/ 1457588 w 1494962"/>
+                <a:gd name="connsiteY2" fmla="*/ 0 h 373740"/>
+                <a:gd name="connsiteX3" fmla="*/ 1494962 w 1494962"/>
+                <a:gd name="connsiteY3" fmla="*/ 37374 h 373740"/>
+                <a:gd name="connsiteX4" fmla="*/ 1494962 w 1494962"/>
+                <a:gd name="connsiteY4" fmla="*/ 336366 h 373740"/>
+                <a:gd name="connsiteX5" fmla="*/ 1457588 w 1494962"/>
+                <a:gd name="connsiteY5" fmla="*/ 373740 h 373740"/>
+                <a:gd name="connsiteX6" fmla="*/ 37374 w 1494962"/>
+                <a:gd name="connsiteY6" fmla="*/ 373740 h 373740"/>
+                <a:gd name="connsiteX7" fmla="*/ 0 w 1494962"/>
+                <a:gd name="connsiteY7" fmla="*/ 336366 h 373740"/>
+                <a:gd name="connsiteX8" fmla="*/ 0 w 1494962"/>
+                <a:gd name="connsiteY8" fmla="*/ 37374 h 373740"/>
+              </a:gdLst>
+              <a:ahLst/>
+              <a:cxnLst>
+                <a:cxn ang="0">
+                  <a:pos x="connsiteX0" y="connsiteY0"/>
+                </a:cxn>
+                <a:cxn ang="0">
+                  <a:pos x="connsiteX1" y="connsiteY1"/>
+                </a:cxn>
+                <a:cxn ang="0">
+                  <a:pos x="connsiteX2" y="connsiteY2"/>
+                </a:cxn>
+                <a:cxn ang="0">
+                  <a:pos x="connsiteX3" y="connsiteY3"/>
+                </a:cxn>
+                <a:cxn ang="0">
+                  <a:pos x="connsiteX4" y="connsiteY4"/>
+                </a:cxn>
+                <a:cxn ang="0">
+                  <a:pos x="connsiteX5" y="connsiteY5"/>
+                </a:cxn>
+                <a:cxn ang="0">
+                  <a:pos x="connsiteX6" y="connsiteY6"/>
+                </a:cxn>
+                <a:cxn ang="0">
+                  <a:pos x="connsiteX7" y="connsiteY7"/>
+                </a:cxn>
+                <a:cxn ang="0">
+                  <a:pos x="connsiteX8" y="connsiteY8"/>
+                </a:cxn>
+              </a:cxnLst>
+              <a:rect l="l" t="t" r="r" b="b"/>
+              <a:pathLst>
+                <a:path w="1494962" h="373740">
+                  <a:moveTo>
+                    <a:pt x="0" y="37374"/>
+                  </a:moveTo>
+                  <a:cubicBezTo>
+                    <a:pt x="0" y="16733"/>
+                    <a:pt x="16733" y="0"/>
+                    <a:pt x="37374" y="0"/>
+                  </a:cubicBezTo>
+                  <a:lnTo>
+                    <a:pt x="1457588" y="0"/>
+                  </a:lnTo>
+                  <a:cubicBezTo>
+                    <a:pt x="1478229" y="0"/>
+                    <a:pt x="1494962" y="16733"/>
+                    <a:pt x="1494962" y="37374"/>
+                  </a:cubicBezTo>
+                  <a:lnTo>
+                    <a:pt x="1494962" y="336366"/>
+                  </a:lnTo>
+                  <a:cubicBezTo>
+                    <a:pt x="1494962" y="357007"/>
+                    <a:pt x="1478229" y="373740"/>
+                    <a:pt x="1457588" y="373740"/>
+                  </a:cubicBezTo>
+                  <a:lnTo>
+                    <a:pt x="37374" y="373740"/>
+                  </a:lnTo>
+                  <a:cubicBezTo>
+                    <a:pt x="16733" y="373740"/>
+                    <a:pt x="0" y="357007"/>
+                    <a:pt x="0" y="336366"/>
+                  </a:cubicBezTo>
+                  <a:lnTo>
+                    <a:pt x="0" y="37374"/>
+                  </a:lnTo>
+                  <a:close/>
+                </a:path>
+              </a:pathLst>
+            </a:custGeom>
+            <a:solidFill>
+              <a:schemeClr val="accent5">
+                <a:lumMod val="60000"/>
+                <a:lumOff val="40000"/>
+                <a:alpha val="90000"/>
+              </a:schemeClr>
+            </a:solidFill>
+          </p:spPr>
+          <p:style>
+            <a:lnRef idx="2">
+              <a:schemeClr val="accent1">
+                <a:alpha val="90000"/>
+                <a:tint val="40000"/>
+                <a:hueOff val="0"/>
+                <a:satOff val="0"/>
+                <a:lumOff val="0"/>
+                <a:alphaOff val="0"/>
+              </a:schemeClr>
+            </a:lnRef>
+            <a:fillRef idx="1">
+              <a:scrgbClr r="0" g="0" b="0"/>
+            </a:fillRef>
+            <a:effectRef idx="0">
+              <a:schemeClr val="accent1">
+                <a:alpha val="90000"/>
+                <a:tint val="40000"/>
+                <a:hueOff val="0"/>
+                <a:satOff val="0"/>
+                <a:lumOff val="0"/>
+                <a:alphaOff val="0"/>
+              </a:schemeClr>
+            </a:effectRef>
+            <a:fontRef idx="minor">
+              <a:schemeClr val="dk1">
+                <a:hueOff val="0"/>
+                <a:satOff val="0"/>
+                <a:lumOff val="0"/>
+                <a:alphaOff val="0"/>
+              </a:schemeClr>
+            </a:fontRef>
+          </p:style>
+          <p:txBody>
+            <a:bodyPr spcFirstLastPara="0" vert="horz" wrap="square" lIns="22376" tIns="22376" rIns="22376" bIns="22376" numCol="1" spcCol="1270" anchor="ctr" anchorCtr="0">
+              <a:noAutofit/>
+            </a:bodyPr>
+            <a:lstStyle/>
+            <a:p>
+              <a:pPr marL="0" lvl="0" indent="0" algn="ctr" defTabSz="400050">
+                <a:lnSpc>
+                  <a:spcPct val="90000"/>
+                </a:lnSpc>
+                <a:spcBef>
+                  <a:spcPct val="0"/>
+                </a:spcBef>
+                <a:spcAft>
+                  <a:spcPct val="35000"/>
+                </a:spcAft>
+                <a:buNone/>
+              </a:pPr>
+              <a:r>
+                <a:rPr lang="en-US" sz="1200" b="0" i="0" u="none" kern="1200" dirty="0"/>
+                <a:t>Implement naive AI opponents</a:t>
+              </a:r>
+              <a:endParaRPr lang="en-US" sz="1200" kern="1200" dirty="0"/>
             </a:p>
           </p:txBody>
         </p:sp>
@@ -8777,10 +14707,10 @@
                 <a:buNone/>
               </a:pPr>
               <a:r>
-                <a:rPr lang="en-US" sz="900" b="0" i="0" u="none" kern="1200" dirty="0"/>
+                <a:rPr lang="en-US" sz="1200" b="0" i="0" u="none" kern="1200" dirty="0"/>
                 <a:t>Implement classes</a:t>
               </a:r>
-              <a:endParaRPr lang="en-US" sz="900" kern="1200" dirty="0"/>
+              <a:endParaRPr lang="en-US" sz="1200" kern="1200" dirty="0"/>
             </a:p>
           </p:txBody>
         </p:sp>
@@ -9012,10 +14942,10 @@
                 <a:buNone/>
               </a:pPr>
               <a:r>
-                <a:rPr lang="en-US" sz="900" b="0" i="0" u="none" kern="1200" dirty="0"/>
+                <a:rPr lang="en-US" sz="1200" b="0" i="0" u="none" kern="1200" dirty="0"/>
                 <a:t>Design non-testing maps</a:t>
               </a:r>
-              <a:endParaRPr lang="en-US" sz="900" kern="1200" dirty="0"/>
+              <a:endParaRPr lang="en-US" sz="1200" kern="1200" dirty="0"/>
             </a:p>
           </p:txBody>
         </p:sp>
@@ -9415,10 +15345,10 @@
                 <a:buNone/>
               </a:pPr>
               <a:r>
-                <a:rPr lang="en-US" sz="900" b="0" i="0" u="none" kern="1200" dirty="0"/>
+                <a:rPr lang="en-US" sz="1200" b="0" i="0" u="none" kern="1200" dirty="0"/>
                 <a:t>Finalize UI + campaign</a:t>
               </a:r>
-              <a:endParaRPr lang="en-US" sz="900" kern="1200" dirty="0"/>
+              <a:endParaRPr lang="en-US" sz="1200" kern="1200" dirty="0"/>
             </a:p>
           </p:txBody>
         </p:sp>
@@ -9650,160 +15580,128 @@
                 <a:buNone/>
               </a:pPr>
               <a:r>
-                <a:rPr lang="en-US" sz="900" b="0" i="0" u="none" kern="1200" dirty="0"/>
+                <a:rPr lang="en-US" sz="1200" b="0" i="0" u="none" kern="1200" dirty="0"/>
                 <a:t>Polish gameplay</a:t>
               </a:r>
-              <a:endParaRPr lang="en-US" sz="900" kern="1200" dirty="0"/>
+              <a:endParaRPr lang="en-US" sz="1200" kern="1200" dirty="0"/>
             </a:p>
           </p:txBody>
         </p:sp>
       </p:grpSp>
+      <p:sp>
+        <p:nvSpPr>
+          <p:cNvPr id="4" name="Rectangle 3">
+            <a:extLst>
+              <a:ext uri="{FF2B5EF4-FFF2-40B4-BE49-F238E27FC236}">
+                <a16:creationId xmlns:a16="http://schemas.microsoft.com/office/drawing/2014/main" id="{34C2575F-205E-46C7-9C87-1A37855E192A}"/>
+              </a:ext>
+            </a:extLst>
+          </p:cNvPr>
+          <p:cNvSpPr/>
+          <p:nvPr/>
+        </p:nvSpPr>
+        <p:spPr>
+          <a:xfrm>
+            <a:off x="3885376" y="4856144"/>
+            <a:ext cx="4693914" cy="769441"/>
+          </a:xfrm>
+          <a:prstGeom prst="rect">
+            <a:avLst/>
+          </a:prstGeom>
+        </p:spPr>
+        <p:txBody>
+          <a:bodyPr wrap="none">
+            <a:spAutoFit/>
+          </a:bodyPr>
+          <a:lstStyle/>
+          <a:p>
+            <a:r>
+              <a:rPr lang="en-US" sz="4400" dirty="0"/>
+              <a:t>What’s left to do</a:t>
+            </a:r>
+          </a:p>
+        </p:txBody>
+      </p:sp>
     </p:spTree>
     <p:extLst>
       <p:ext uri="{BB962C8B-B14F-4D97-AF65-F5344CB8AC3E}">
-        <p14:creationId xmlns:p14="http://schemas.microsoft.com/office/powerpoint/2010/main" val="250778435"/>
+        <p14:creationId xmlns:p14="http://schemas.microsoft.com/office/powerpoint/2010/main" val="1613658117"/>
       </p:ext>
     </p:extLst>
   </p:cSld>
   <p:clrMapOvr>
     <a:masterClrMapping/>
   </p:clrMapOvr>
-  <p:timing>
-    <p:tnLst>
-      <p:par>
-        <p:cTn id="1" dur="indefinite" restart="never" nodeType="tmRoot">
-          <p:childTnLst>
-            <p:seq concurrent="1" nextAc="seek">
-              <p:cTn id="2" dur="indefinite" nodeType="mainSeq">
-                <p:childTnLst>
-                  <p:par>
-                    <p:cTn id="3" fill="hold">
-                      <p:stCondLst>
-                        <p:cond delay="indefinite"/>
-                      </p:stCondLst>
-                      <p:childTnLst>
-                        <p:par>
-                          <p:cTn id="4" fill="hold">
-                            <p:stCondLst>
-                              <p:cond delay="0"/>
-                            </p:stCondLst>
-                            <p:childTnLst>
-                              <p:par>
-                                <p:cTn id="5" presetID="10" presetClass="entr" presetSubtype="0" fill="hold" nodeType="clickEffect">
-                                  <p:stCondLst>
-                                    <p:cond delay="0"/>
-                                  </p:stCondLst>
-                                  <p:childTnLst>
-                                    <p:set>
-                                      <p:cBhvr>
-                                        <p:cTn id="6" dur="1" fill="hold">
-                                          <p:stCondLst>
-                                            <p:cond delay="0"/>
-                                          </p:stCondLst>
-                                        </p:cTn>
-                                        <p:tgtEl>
-                                          <p:spTgt spid="65"/>
-                                        </p:tgtEl>
-                                        <p:attrNameLst>
-                                          <p:attrName>style.visibility</p:attrName>
-                                        </p:attrNameLst>
-                                      </p:cBhvr>
-                                      <p:to>
-                                        <p:strVal val="visible"/>
-                                      </p:to>
-                                    </p:set>
-                                    <p:animEffect transition="in" filter="fade">
-                                      <p:cBhvr>
-                                        <p:cTn id="7" dur="500"/>
-                                        <p:tgtEl>
-                                          <p:spTgt spid="65"/>
-                                        </p:tgtEl>
-                                      </p:cBhvr>
-                                    </p:animEffect>
-                                  </p:childTnLst>
-                                </p:cTn>
-                              </p:par>
-                            </p:childTnLst>
-                          </p:cTn>
-                        </p:par>
-                      </p:childTnLst>
-                    </p:cTn>
-                  </p:par>
-                  <p:par>
-                    <p:cTn id="8" fill="hold">
-                      <p:stCondLst>
-                        <p:cond delay="indefinite"/>
-                      </p:stCondLst>
-                      <p:childTnLst>
-                        <p:par>
-                          <p:cTn id="9" fill="hold">
-                            <p:stCondLst>
-                              <p:cond delay="0"/>
-                            </p:stCondLst>
-                            <p:childTnLst>
-                              <p:par>
-                                <p:cTn id="10" presetID="10" presetClass="entr" presetSubtype="0" fill="hold" nodeType="clickEffect">
-                                  <p:stCondLst>
-                                    <p:cond delay="0"/>
-                                  </p:stCondLst>
-                                  <p:childTnLst>
-                                    <p:set>
-                                      <p:cBhvr>
-                                        <p:cTn id="11" dur="1" fill="hold">
-                                          <p:stCondLst>
-                                            <p:cond delay="0"/>
-                                          </p:stCondLst>
-                                        </p:cTn>
-                                        <p:tgtEl>
-                                          <p:spTgt spid="66"/>
-                                        </p:tgtEl>
-                                        <p:attrNameLst>
-                                          <p:attrName>style.visibility</p:attrName>
-                                        </p:attrNameLst>
-                                      </p:cBhvr>
-                                      <p:to>
-                                        <p:strVal val="visible"/>
-                                      </p:to>
-                                    </p:set>
-                                    <p:animEffect transition="in" filter="fade">
-                                      <p:cBhvr>
-                                        <p:cTn id="12" dur="500"/>
-                                        <p:tgtEl>
-                                          <p:spTgt spid="66"/>
-                                        </p:tgtEl>
-                                      </p:cBhvr>
-                                    </p:animEffect>
-                                  </p:childTnLst>
-                                </p:cTn>
-                              </p:par>
-                            </p:childTnLst>
-                          </p:cTn>
-                        </p:par>
-                      </p:childTnLst>
-                    </p:cTn>
-                  </p:par>
-                </p:childTnLst>
-              </p:cTn>
-              <p:prevCondLst>
-                <p:cond evt="onPrev" delay="0">
-                  <p:tgtEl>
-                    <p:sldTgt/>
-                  </p:tgtEl>
-                </p:cond>
-              </p:prevCondLst>
-              <p:nextCondLst>
-                <p:cond evt="onNext" delay="0">
-                  <p:tgtEl>
-                    <p:sldTgt/>
-                  </p:tgtEl>
-                </p:cond>
-              </p:nextCondLst>
-            </p:seq>
-          </p:childTnLst>
-        </p:cTn>
-      </p:par>
-    </p:tnLst>
-  </p:timing>
+  <mc:AlternateContent xmlns:mc="http://schemas.openxmlformats.org/markup-compatibility/2006">
+    <mc:Choice xmlns:p159="http://schemas.microsoft.com/office/powerpoint/2015/09/main" Requires="p159">
+      <p:transition xmlns:p14="http://schemas.microsoft.com/office/powerpoint/2010/main" spd="slow" p14:dur="2000">
+        <p159:morph option="byObject"/>
+      </p:transition>
+    </mc:Choice>
+    <mc:Fallback>
+      <p:transition spd="slow">
+        <p:fade/>
+      </p:transition>
+    </mc:Fallback>
+  </mc:AlternateContent>
+</p:sld>
+</file>
+
+<file path=ppt/slides/slide8.xml><?xml version="1.0" encoding="utf-8"?>
+<p:sld xmlns:a="http://schemas.openxmlformats.org/drawingml/2006/main" xmlns:r="http://schemas.openxmlformats.org/officeDocument/2006/relationships" xmlns:p="http://schemas.openxmlformats.org/presentationml/2006/main">
+  <p:cSld>
+    <p:spTree>
+      <p:nvGrpSpPr>
+        <p:cNvPr id="1" name=""/>
+        <p:cNvGrpSpPr/>
+        <p:nvPr/>
+      </p:nvGrpSpPr>
+      <p:grpSpPr>
+        <a:xfrm>
+          <a:off x="0" y="0"/>
+          <a:ext cx="0" cy="0"/>
+          <a:chOff x="0" y="0"/>
+          <a:chExt cx="0" cy="0"/>
+        </a:xfrm>
+      </p:grpSpPr>
+      <p:sp>
+        <p:nvSpPr>
+          <p:cNvPr id="4" name="Title 3">
+            <a:extLst>
+              <a:ext uri="{FF2B5EF4-FFF2-40B4-BE49-F238E27FC236}">
+                <a16:creationId xmlns:a16="http://schemas.microsoft.com/office/drawing/2014/main" id="{50F0DD64-42E8-4B3D-AD05-5E681F4DD86C}"/>
+              </a:ext>
+            </a:extLst>
+          </p:cNvPr>
+          <p:cNvSpPr>
+            <a:spLocks noGrp="1"/>
+          </p:cNvSpPr>
+          <p:nvPr>
+            <p:ph type="title"/>
+          </p:nvPr>
+        </p:nvSpPr>
+        <p:spPr/>
+        <p:txBody>
+          <a:bodyPr/>
+          <a:lstStyle/>
+          <a:p>
+            <a:r>
+              <a:rPr lang="en-US" dirty="0"/>
+              <a:t>Questions?</a:t>
+            </a:r>
+          </a:p>
+        </p:txBody>
+      </p:sp>
+    </p:spTree>
+    <p:extLst>
+      <p:ext uri="{BB962C8B-B14F-4D97-AF65-F5344CB8AC3E}">
+        <p14:creationId xmlns:p14="http://schemas.microsoft.com/office/powerpoint/2010/main" val="1026936097"/>
+      </p:ext>
+    </p:extLst>
+  </p:cSld>
+  <p:clrMapOvr>
+    <a:masterClrMapping/>
+  </p:clrMapOvr>
 </p:sld>
 </file>
 
@@ -10079,4 +15977,299 @@
     </a:ext>
   </a:extLst>
 </a:theme>
+</file>
+
+<file path=ppt/theme/theme2.xml><?xml version="1.0" encoding="utf-8"?>
+<a:theme xmlns:a="http://schemas.openxmlformats.org/drawingml/2006/main" name="Office Theme">
+  <a:themeElements>
+    <a:clrScheme name="Office">
+      <a:dk1>
+        <a:sysClr val="windowText" lastClr="000000"/>
+      </a:dk1>
+      <a:lt1>
+        <a:sysClr val="window" lastClr="FFFFFF"/>
+      </a:lt1>
+      <a:dk2>
+        <a:srgbClr val="44546A"/>
+      </a:dk2>
+      <a:lt2>
+        <a:srgbClr val="E7E6E6"/>
+      </a:lt2>
+      <a:accent1>
+        <a:srgbClr val="4472C4"/>
+      </a:accent1>
+      <a:accent2>
+        <a:srgbClr val="ED7D31"/>
+      </a:accent2>
+      <a:accent3>
+        <a:srgbClr val="A5A5A5"/>
+      </a:accent3>
+      <a:accent4>
+        <a:srgbClr val="FFC000"/>
+      </a:accent4>
+      <a:accent5>
+        <a:srgbClr val="5B9BD5"/>
+      </a:accent5>
+      <a:accent6>
+        <a:srgbClr val="70AD47"/>
+      </a:accent6>
+      <a:hlink>
+        <a:srgbClr val="0563C1"/>
+      </a:hlink>
+      <a:folHlink>
+        <a:srgbClr val="954F72"/>
+      </a:folHlink>
+    </a:clrScheme>
+    <a:fontScheme name="Office">
+      <a:majorFont>
+        <a:latin typeface="Calibri Light" panose="020F0302020204030204"/>
+        <a:ea typeface=""/>
+        <a:cs typeface=""/>
+        <a:font script="Jpan" typeface="游ゴシック Light"/>
+        <a:font script="Hang" typeface="맑은 고딕"/>
+        <a:font script="Hans" typeface="等线 Light"/>
+        <a:font script="Hant" typeface="新細明體"/>
+        <a:font script="Arab" typeface="Times New Roman"/>
+        <a:font script="Hebr" typeface="Times New Roman"/>
+        <a:font script="Thai" typeface="Angsana New"/>
+        <a:font script="Ethi" typeface="Nyala"/>
+        <a:font script="Beng" typeface="Vrinda"/>
+        <a:font script="Gujr" typeface="Shruti"/>
+        <a:font script="Khmr" typeface="MoolBoran"/>
+        <a:font script="Knda" typeface="Tunga"/>
+        <a:font script="Guru" typeface="Raavi"/>
+        <a:font script="Cans" typeface="Euphemia"/>
+        <a:font script="Cher" typeface="Plantagenet Cherokee"/>
+        <a:font script="Yiii" typeface="Microsoft Yi Baiti"/>
+        <a:font script="Tibt" typeface="Microsoft Himalaya"/>
+        <a:font script="Thaa" typeface="MV Boli"/>
+        <a:font script="Deva" typeface="Mangal"/>
+        <a:font script="Telu" typeface="Gautami"/>
+        <a:font script="Taml" typeface="Latha"/>
+        <a:font script="Syrc" typeface="Estrangelo Edessa"/>
+        <a:font script="Orya" typeface="Kalinga"/>
+        <a:font script="Mlym" typeface="Kartika"/>
+        <a:font script="Laoo" typeface="DokChampa"/>
+        <a:font script="Sinh" typeface="Iskoola Pota"/>
+        <a:font script="Mong" typeface="Mongolian Baiti"/>
+        <a:font script="Viet" typeface="Times New Roman"/>
+        <a:font script="Uigh" typeface="Microsoft Uighur"/>
+        <a:font script="Geor" typeface="Sylfaen"/>
+        <a:font script="Armn" typeface="Arial"/>
+        <a:font script="Bugi" typeface="Leelawadee UI"/>
+        <a:font script="Bopo" typeface="Microsoft JhengHei"/>
+        <a:font script="Java" typeface="Javanese Text"/>
+        <a:font script="Lisu" typeface="Segoe UI"/>
+        <a:font script="Mymr" typeface="Myanmar Text"/>
+        <a:font script="Nkoo" typeface="Ebrima"/>
+        <a:font script="Olck" typeface="Nirmala UI"/>
+        <a:font script="Osma" typeface="Ebrima"/>
+        <a:font script="Phag" typeface="Phagspa"/>
+        <a:font script="Syrn" typeface="Estrangelo Edessa"/>
+        <a:font script="Syrj" typeface="Estrangelo Edessa"/>
+        <a:font script="Syre" typeface="Estrangelo Edessa"/>
+        <a:font script="Sora" typeface="Nirmala UI"/>
+        <a:font script="Tale" typeface="Microsoft Tai Le"/>
+        <a:font script="Talu" typeface="Microsoft New Tai Lue"/>
+        <a:font script="Tfng" typeface="Ebrima"/>
+      </a:majorFont>
+      <a:minorFont>
+        <a:latin typeface="Calibri" panose="020F0502020204030204"/>
+        <a:ea typeface=""/>
+        <a:cs typeface=""/>
+        <a:font script="Jpan" typeface="游ゴシック"/>
+        <a:font script="Hang" typeface="맑은 고딕"/>
+        <a:font script="Hans" typeface="等线"/>
+        <a:font script="Hant" typeface="新細明體"/>
+        <a:font script="Arab" typeface="Arial"/>
+        <a:font script="Hebr" typeface="Arial"/>
+        <a:font script="Thai" typeface="Cordia New"/>
+        <a:font script="Ethi" typeface="Nyala"/>
+        <a:font script="Beng" typeface="Vrinda"/>
+        <a:font script="Gujr" typeface="Shruti"/>
+        <a:font script="Khmr" typeface="DaunPenh"/>
+        <a:font script="Knda" typeface="Tunga"/>
+        <a:font script="Guru" typeface="Raavi"/>
+        <a:font script="Cans" typeface="Euphemia"/>
+        <a:font script="Cher" typeface="Plantagenet Cherokee"/>
+        <a:font script="Yiii" typeface="Microsoft Yi Baiti"/>
+        <a:font script="Tibt" typeface="Microsoft Himalaya"/>
+        <a:font script="Thaa" typeface="MV Boli"/>
+        <a:font script="Deva" typeface="Mangal"/>
+        <a:font script="Telu" typeface="Gautami"/>
+        <a:font script="Taml" typeface="Latha"/>
+        <a:font script="Syrc" typeface="Estrangelo Edessa"/>
+        <a:font script="Orya" typeface="Kalinga"/>
+        <a:font script="Mlym" typeface="Kartika"/>
+        <a:font script="Laoo" typeface="DokChampa"/>
+        <a:font script="Sinh" typeface="Iskoola Pota"/>
+        <a:font script="Mong" typeface="Mongolian Baiti"/>
+        <a:font script="Viet" typeface="Arial"/>
+        <a:font script="Uigh" typeface="Microsoft Uighur"/>
+        <a:font script="Geor" typeface="Sylfaen"/>
+        <a:font script="Armn" typeface="Arial"/>
+        <a:font script="Bugi" typeface="Leelawadee UI"/>
+        <a:font script="Bopo" typeface="Microsoft JhengHei"/>
+        <a:font script="Java" typeface="Javanese Text"/>
+        <a:font script="Lisu" typeface="Segoe UI"/>
+        <a:font script="Mymr" typeface="Myanmar Text"/>
+        <a:font script="Nkoo" typeface="Ebrima"/>
+        <a:font script="Olck" typeface="Nirmala UI"/>
+        <a:font script="Osma" typeface="Ebrima"/>
+        <a:font script="Phag" typeface="Phagspa"/>
+        <a:font script="Syrn" typeface="Estrangelo Edessa"/>
+        <a:font script="Syrj" typeface="Estrangelo Edessa"/>
+        <a:font script="Syre" typeface="Estrangelo Edessa"/>
+        <a:font script="Sora" typeface="Nirmala UI"/>
+        <a:font script="Tale" typeface="Microsoft Tai Le"/>
+        <a:font script="Talu" typeface="Microsoft New Tai Lue"/>
+        <a:font script="Tfng" typeface="Ebrima"/>
+      </a:minorFont>
+    </a:fontScheme>
+    <a:fmtScheme name="Office">
+      <a:fillStyleLst>
+        <a:solidFill>
+          <a:schemeClr val="phClr"/>
+        </a:solidFill>
+        <a:gradFill rotWithShape="1">
+          <a:gsLst>
+            <a:gs pos="0">
+              <a:schemeClr val="phClr">
+                <a:lumMod val="110000"/>
+                <a:satMod val="105000"/>
+                <a:tint val="67000"/>
+              </a:schemeClr>
+            </a:gs>
+            <a:gs pos="50000">
+              <a:schemeClr val="phClr">
+                <a:lumMod val="105000"/>
+                <a:satMod val="103000"/>
+                <a:tint val="73000"/>
+              </a:schemeClr>
+            </a:gs>
+            <a:gs pos="100000">
+              <a:schemeClr val="phClr">
+                <a:lumMod val="105000"/>
+                <a:satMod val="109000"/>
+                <a:tint val="81000"/>
+              </a:schemeClr>
+            </a:gs>
+          </a:gsLst>
+          <a:lin ang="5400000" scaled="0"/>
+        </a:gradFill>
+        <a:gradFill rotWithShape="1">
+          <a:gsLst>
+            <a:gs pos="0">
+              <a:schemeClr val="phClr">
+                <a:satMod val="103000"/>
+                <a:lumMod val="102000"/>
+                <a:tint val="94000"/>
+              </a:schemeClr>
+            </a:gs>
+            <a:gs pos="50000">
+              <a:schemeClr val="phClr">
+                <a:satMod val="110000"/>
+                <a:lumMod val="100000"/>
+                <a:shade val="100000"/>
+              </a:schemeClr>
+            </a:gs>
+            <a:gs pos="100000">
+              <a:schemeClr val="phClr">
+                <a:lumMod val="99000"/>
+                <a:satMod val="120000"/>
+                <a:shade val="78000"/>
+              </a:schemeClr>
+            </a:gs>
+          </a:gsLst>
+          <a:lin ang="5400000" scaled="0"/>
+        </a:gradFill>
+      </a:fillStyleLst>
+      <a:lnStyleLst>
+        <a:ln w="6350" cap="flat" cmpd="sng" algn="ctr">
+          <a:solidFill>
+            <a:schemeClr val="phClr"/>
+          </a:solidFill>
+          <a:prstDash val="solid"/>
+          <a:miter lim="800000"/>
+        </a:ln>
+        <a:ln w="12700" cap="flat" cmpd="sng" algn="ctr">
+          <a:solidFill>
+            <a:schemeClr val="phClr"/>
+          </a:solidFill>
+          <a:prstDash val="solid"/>
+          <a:miter lim="800000"/>
+        </a:ln>
+        <a:ln w="19050" cap="flat" cmpd="sng" algn="ctr">
+          <a:solidFill>
+            <a:schemeClr val="phClr"/>
+          </a:solidFill>
+          <a:prstDash val="solid"/>
+          <a:miter lim="800000"/>
+        </a:ln>
+      </a:lnStyleLst>
+      <a:effectStyleLst>
+        <a:effectStyle>
+          <a:effectLst/>
+        </a:effectStyle>
+        <a:effectStyle>
+          <a:effectLst/>
+        </a:effectStyle>
+        <a:effectStyle>
+          <a:effectLst>
+            <a:outerShdw blurRad="57150" dist="19050" dir="5400000" algn="ctr" rotWithShape="0">
+              <a:srgbClr val="000000">
+                <a:alpha val="63000"/>
+              </a:srgbClr>
+            </a:outerShdw>
+          </a:effectLst>
+        </a:effectStyle>
+      </a:effectStyleLst>
+      <a:bgFillStyleLst>
+        <a:solidFill>
+          <a:schemeClr val="phClr"/>
+        </a:solidFill>
+        <a:solidFill>
+          <a:schemeClr val="phClr">
+            <a:tint val="95000"/>
+            <a:satMod val="170000"/>
+          </a:schemeClr>
+        </a:solidFill>
+        <a:gradFill rotWithShape="1">
+          <a:gsLst>
+            <a:gs pos="0">
+              <a:schemeClr val="phClr">
+                <a:tint val="93000"/>
+                <a:satMod val="150000"/>
+                <a:shade val="98000"/>
+                <a:lumMod val="102000"/>
+              </a:schemeClr>
+            </a:gs>
+            <a:gs pos="50000">
+              <a:schemeClr val="phClr">
+                <a:tint val="98000"/>
+                <a:satMod val="130000"/>
+                <a:shade val="90000"/>
+                <a:lumMod val="103000"/>
+              </a:schemeClr>
+            </a:gs>
+            <a:gs pos="100000">
+              <a:schemeClr val="phClr">
+                <a:shade val="63000"/>
+                <a:satMod val="120000"/>
+              </a:schemeClr>
+            </a:gs>
+          </a:gsLst>
+          <a:lin ang="5400000" scaled="0"/>
+        </a:gradFill>
+      </a:bgFillStyleLst>
+    </a:fmtScheme>
+  </a:themeElements>
+  <a:objectDefaults/>
+  <a:extraClrSchemeLst/>
+  <a:extLst>
+    <a:ext uri="{05A4C25C-085E-4340-85A3-A5531E510DB2}">
+      <thm15:themeFamily xmlns:thm15="http://schemas.microsoft.com/office/thememl/2012/main" name="Office Theme" id="{62F939B6-93AF-4DB8-9C6B-D6C7DFDC589F}" vid="{4A3C46E8-61CC-4603-A589-7422A47A8E4A}"/>
+    </a:ext>
+  </a:extLst>
+</a:theme>
 </file>
--- a/Midterm Presentation.pptx
+++ b/Midterm Presentation.pptx
@@ -11,8 +11,8 @@
     <p:sldId id="257" r:id="rId2"/>
     <p:sldId id="261" r:id="rId3"/>
     <p:sldId id="258" r:id="rId4"/>
-    <p:sldId id="262" r:id="rId5"/>
-    <p:sldId id="259" r:id="rId6"/>
+    <p:sldId id="259" r:id="rId5"/>
+    <p:sldId id="262" r:id="rId6"/>
     <p:sldId id="263" r:id="rId7"/>
     <p:sldId id="264" r:id="rId8"/>
     <p:sldId id="260" r:id="rId9"/>
@@ -122,8 +122,8 @@
             <p14:sldId id="257"/>
             <p14:sldId id="261"/>
             <p14:sldId id="258"/>
+            <p14:sldId id="259"/>
             <p14:sldId id="262"/>
-            <p14:sldId id="259"/>
             <p14:sldId id="263"/>
             <p14:sldId id="264"/>
             <p14:sldId id="260"/>
@@ -220,7 +220,7 @@
           <a:p>
             <a:fld id="{1D2D40E1-7C75-4435-8144-527545F291AA}" type="datetimeFigureOut">
               <a:rPr lang="en-US" smtClean="0"/>
-              <a:t>11/5/2018</a:t>
+              <a:t>11/8/2018</a:t>
             </a:fld>
             <a:endParaRPr lang="en-US"/>
           </a:p>
@@ -816,7 +816,7 @@
           <a:p>
             <a:fld id="{21959F96-BA19-40BE-9147-67669C98F192}" type="slidenum">
               <a:rPr lang="en-US" smtClean="0"/>
-              <a:t>5</a:t>
+              <a:t>4</a:t>
             </a:fld>
             <a:endParaRPr lang="en-US"/>
           </a:p>
@@ -1284,7 +1284,7 @@
           <a:p>
             <a:fld id="{C4FE5F31-8592-42D5-A4A7-735376C81CF5}" type="datetimeFigureOut">
               <a:rPr lang="en-US" smtClean="0"/>
-              <a:t>11/5/2018</a:t>
+              <a:t>11/8/2018</a:t>
             </a:fld>
             <a:endParaRPr lang="en-US"/>
           </a:p>
@@ -1720,7 +1720,7 @@
           <a:p>
             <a:fld id="{C4FE5F31-8592-42D5-A4A7-735376C81CF5}" type="datetimeFigureOut">
               <a:rPr lang="en-US" smtClean="0"/>
-              <a:t>11/5/2018</a:t>
+              <a:t>11/8/2018</a:t>
             </a:fld>
             <a:endParaRPr lang="en-US"/>
           </a:p>
@@ -1970,7 +1970,7 @@
           <a:p>
             <a:fld id="{C4FE5F31-8592-42D5-A4A7-735376C81CF5}" type="datetimeFigureOut">
               <a:rPr lang="en-US" smtClean="0"/>
-              <a:t>11/5/2018</a:t>
+              <a:t>11/8/2018</a:t>
             </a:fld>
             <a:endParaRPr lang="en-US"/>
           </a:p>
@@ -2278,7 +2278,7 @@
           <a:p>
             <a:fld id="{C4FE5F31-8592-42D5-A4A7-735376C81CF5}" type="datetimeFigureOut">
               <a:rPr lang="en-US" smtClean="0"/>
-              <a:t>11/5/2018</a:t>
+              <a:t>11/8/2018</a:t>
             </a:fld>
             <a:endParaRPr lang="en-US"/>
           </a:p>
@@ -2596,7 +2596,7 @@
           <a:p>
             <a:fld id="{C4FE5F31-8592-42D5-A4A7-735376C81CF5}" type="datetimeFigureOut">
               <a:rPr lang="en-US" smtClean="0"/>
-              <a:t>11/5/2018</a:t>
+              <a:t>11/8/2018</a:t>
             </a:fld>
             <a:endParaRPr lang="en-US"/>
           </a:p>
@@ -2898,7 +2898,7 @@
           <a:p>
             <a:fld id="{C4FE5F31-8592-42D5-A4A7-735376C81CF5}" type="datetimeFigureOut">
               <a:rPr lang="en-US" smtClean="0"/>
-              <a:t>11/5/2018</a:t>
+              <a:t>11/8/2018</a:t>
             </a:fld>
             <a:endParaRPr lang="en-US"/>
           </a:p>
@@ -3265,7 +3265,7 @@
           <a:p>
             <a:fld id="{C4FE5F31-8592-42D5-A4A7-735376C81CF5}" type="datetimeFigureOut">
               <a:rPr lang="en-US" smtClean="0"/>
-              <a:t>11/5/2018</a:t>
+              <a:t>11/8/2018</a:t>
             </a:fld>
             <a:endParaRPr lang="en-US"/>
           </a:p>
@@ -3439,7 +3439,7 @@
           <a:p>
             <a:fld id="{C4FE5F31-8592-42D5-A4A7-735376C81CF5}" type="datetimeFigureOut">
               <a:rPr lang="en-US" smtClean="0"/>
-              <a:t>11/5/2018</a:t>
+              <a:t>11/8/2018</a:t>
             </a:fld>
             <a:endParaRPr lang="en-US"/>
           </a:p>
@@ -3619,7 +3619,7 @@
           <a:p>
             <a:fld id="{C4FE5F31-8592-42D5-A4A7-735376C81CF5}" type="datetimeFigureOut">
               <a:rPr lang="en-US" smtClean="0"/>
-              <a:t>11/5/2018</a:t>
+              <a:t>11/8/2018</a:t>
             </a:fld>
             <a:endParaRPr lang="en-US"/>
           </a:p>
@@ -3789,7 +3789,7 @@
           <a:p>
             <a:fld id="{C4FE5F31-8592-42D5-A4A7-735376C81CF5}" type="datetimeFigureOut">
               <a:rPr lang="en-US" smtClean="0"/>
-              <a:t>11/5/2018</a:t>
+              <a:t>11/8/2018</a:t>
             </a:fld>
             <a:endParaRPr lang="en-US"/>
           </a:p>
@@ -4039,7 +4039,7 @@
           <a:p>
             <a:fld id="{C4FE5F31-8592-42D5-A4A7-735376C81CF5}" type="datetimeFigureOut">
               <a:rPr lang="en-US" smtClean="0"/>
-              <a:t>11/5/2018</a:t>
+              <a:t>11/8/2018</a:t>
             </a:fld>
             <a:endParaRPr lang="en-US"/>
           </a:p>
@@ -4275,7 +4275,7 @@
           <a:p>
             <a:fld id="{C4FE5F31-8592-42D5-A4A7-735376C81CF5}" type="datetimeFigureOut">
               <a:rPr lang="en-US" smtClean="0"/>
-              <a:t>11/5/2018</a:t>
+              <a:t>11/8/2018</a:t>
             </a:fld>
             <a:endParaRPr lang="en-US"/>
           </a:p>
@@ -4657,7 +4657,7 @@
           <a:p>
             <a:fld id="{C4FE5F31-8592-42D5-A4A7-735376C81CF5}" type="datetimeFigureOut">
               <a:rPr lang="en-US" smtClean="0"/>
-              <a:t>11/5/2018</a:t>
+              <a:t>11/8/2018</a:t>
             </a:fld>
             <a:endParaRPr lang="en-US"/>
           </a:p>
@@ -4775,7 +4775,7 @@
           <a:p>
             <a:fld id="{C4FE5F31-8592-42D5-A4A7-735376C81CF5}" type="datetimeFigureOut">
               <a:rPr lang="en-US" smtClean="0"/>
-              <a:t>11/5/2018</a:t>
+              <a:t>11/8/2018</a:t>
             </a:fld>
             <a:endParaRPr lang="en-US"/>
           </a:p>
@@ -4870,7 +4870,7 @@
           <a:p>
             <a:fld id="{C4FE5F31-8592-42D5-A4A7-735376C81CF5}" type="datetimeFigureOut">
               <a:rPr lang="en-US" smtClean="0"/>
-              <a:t>11/5/2018</a:t>
+              <a:t>11/8/2018</a:t>
             </a:fld>
             <a:endParaRPr lang="en-US"/>
           </a:p>
@@ -5125,7 +5125,7 @@
           <a:p>
             <a:fld id="{C4FE5F31-8592-42D5-A4A7-735376C81CF5}" type="datetimeFigureOut">
               <a:rPr lang="en-US" smtClean="0"/>
-              <a:t>11/5/2018</a:t>
+              <a:t>11/8/2018</a:t>
             </a:fld>
             <a:endParaRPr lang="en-US"/>
           </a:p>
@@ -5408,7 +5408,7 @@
           <a:p>
             <a:fld id="{C4FE5F31-8592-42D5-A4A7-735376C81CF5}" type="datetimeFigureOut">
               <a:rPr lang="en-US" smtClean="0"/>
-              <a:t>11/5/2018</a:t>
+              <a:t>11/8/2018</a:t>
             </a:fld>
             <a:endParaRPr lang="en-US"/>
           </a:p>
@@ -5814,7 +5814,7 @@
           <a:p>
             <a:fld id="{C4FE5F31-8592-42D5-A4A7-735376C81CF5}" type="datetimeFigureOut">
               <a:rPr lang="en-US" smtClean="0"/>
-              <a:t>11/5/2018</a:t>
+              <a:t>11/8/2018</a:t>
             </a:fld>
             <a:endParaRPr lang="en-US"/>
           </a:p>
@@ -6354,7 +6354,7 @@
           <p:cNvPr id="4" name="Title 3">
             <a:extLst>
               <a:ext uri="{FF2B5EF4-FFF2-40B4-BE49-F238E27FC236}">
-                <a16:creationId xmlns:a16="http://schemas.microsoft.com/office/drawing/2014/main" id="{BC1D564B-1870-4EFC-A1AF-BE47594B15F8}"/>
+                <a16:creationId xmlns:a16="http://schemas.microsoft.com/office/drawing/2014/main" xmlns="" id="{BC1D564B-1870-4EFC-A1AF-BE47594B15F8}"/>
               </a:ext>
             </a:extLst>
           </p:cNvPr>
@@ -6382,7 +6382,7 @@
           <p:cNvPr id="5" name="Subtitle 4">
             <a:extLst>
               <a:ext uri="{FF2B5EF4-FFF2-40B4-BE49-F238E27FC236}">
-                <a16:creationId xmlns:a16="http://schemas.microsoft.com/office/drawing/2014/main" id="{5AF370E5-7A3C-42D7-9C69-DD4DA95D6340}"/>
+                <a16:creationId xmlns:a16="http://schemas.microsoft.com/office/drawing/2014/main" xmlns="" id="{5AF370E5-7A3C-42D7-9C69-DD4DA95D6340}"/>
               </a:ext>
             </a:extLst>
           </p:cNvPr>
@@ -6410,7 +6410,7 @@
           <p:cNvPr id="6" name="Title 3">
             <a:extLst>
               <a:ext uri="{FF2B5EF4-FFF2-40B4-BE49-F238E27FC236}">
-                <a16:creationId xmlns:a16="http://schemas.microsoft.com/office/drawing/2014/main" id="{2E55C3D8-0239-4BA0-831D-A15485752A80}"/>
+                <a16:creationId xmlns:a16="http://schemas.microsoft.com/office/drawing/2014/main" xmlns="" id="{2E55C3D8-0239-4BA0-831D-A15485752A80}"/>
               </a:ext>
             </a:extLst>
           </p:cNvPr>
@@ -6638,7 +6638,7 @@
           <p:cNvPr id="2" name="Title 1">
             <a:extLst>
               <a:ext uri="{FF2B5EF4-FFF2-40B4-BE49-F238E27FC236}">
-                <a16:creationId xmlns:a16="http://schemas.microsoft.com/office/drawing/2014/main" id="{3DE0B584-EC5A-4B37-9082-E3900764815C}"/>
+                <a16:creationId xmlns:a16="http://schemas.microsoft.com/office/drawing/2014/main" xmlns="" id="{3DE0B584-EC5A-4B37-9082-E3900764815C}"/>
               </a:ext>
             </a:extLst>
           </p:cNvPr>
@@ -6668,7 +6668,7 @@
           <p:cNvPr id="3" name="Content Placeholder 2">
             <a:extLst>
               <a:ext uri="{FF2B5EF4-FFF2-40B4-BE49-F238E27FC236}">
-                <a16:creationId xmlns:a16="http://schemas.microsoft.com/office/drawing/2014/main" id="{5BDE2B2A-C53F-45D7-B68E-3C466D791074}"/>
+                <a16:creationId xmlns:a16="http://schemas.microsoft.com/office/drawing/2014/main" xmlns="" id="{5BDE2B2A-C53F-45D7-B68E-3C466D791074}"/>
               </a:ext>
             </a:extLst>
           </p:cNvPr>
@@ -6765,7 +6765,7 @@
           <p:cNvPr id="2" name="Title 1">
             <a:extLst>
               <a:ext uri="{FF2B5EF4-FFF2-40B4-BE49-F238E27FC236}">
-                <a16:creationId xmlns:a16="http://schemas.microsoft.com/office/drawing/2014/main" id="{33DC9F01-32B9-40CB-8100-DC1ECDC2DA7C}"/>
+                <a16:creationId xmlns:a16="http://schemas.microsoft.com/office/drawing/2014/main" xmlns="" id="{33DC9F01-32B9-40CB-8100-DC1ECDC2DA7C}"/>
               </a:ext>
             </a:extLst>
           </p:cNvPr>
@@ -6795,7 +6795,7 @@
           <p:cNvPr id="3" name="Content Placeholder 2">
             <a:extLst>
               <a:ext uri="{FF2B5EF4-FFF2-40B4-BE49-F238E27FC236}">
-                <a16:creationId xmlns:a16="http://schemas.microsoft.com/office/drawing/2014/main" id="{83440EFF-130E-46E8-BE5E-A39DC9910F60}"/>
+                <a16:creationId xmlns:a16="http://schemas.microsoft.com/office/drawing/2014/main" xmlns="" id="{83440EFF-130E-46E8-BE5E-A39DC9910F60}"/>
               </a:ext>
             </a:extLst>
           </p:cNvPr>
@@ -6847,70 +6847,10 @@
       </p:grpSpPr>
       <p:sp>
         <p:nvSpPr>
-          <p:cNvPr id="4" name="Title 3">
-            <a:extLst>
-              <a:ext uri="{FF2B5EF4-FFF2-40B4-BE49-F238E27FC236}">
-                <a16:creationId xmlns:a16="http://schemas.microsoft.com/office/drawing/2014/main" id="{B1E335D2-9597-4FC0-8ACA-9F196F2B7CD0}"/>
-              </a:ext>
-            </a:extLst>
-          </p:cNvPr>
-          <p:cNvSpPr>
-            <a:spLocks noGrp="1"/>
-          </p:cNvSpPr>
-          <p:nvPr>
-            <p:ph type="title"/>
-          </p:nvPr>
-        </p:nvSpPr>
-        <p:spPr/>
-        <p:txBody>
-          <a:bodyPr>
-            <a:normAutofit/>
-          </a:bodyPr>
-          <a:lstStyle/>
-          <a:p>
-            <a:r>
-              <a:rPr lang="en-US" sz="4400" dirty="0"/>
-              <a:t>Demo</a:t>
-            </a:r>
-          </a:p>
-        </p:txBody>
-      </p:sp>
-    </p:spTree>
-    <p:extLst>
-      <p:ext uri="{BB962C8B-B14F-4D97-AF65-F5344CB8AC3E}">
-        <p14:creationId xmlns:p14="http://schemas.microsoft.com/office/powerpoint/2010/main" val="1331305148"/>
-      </p:ext>
-    </p:extLst>
-  </p:cSld>
-  <p:clrMapOvr>
-    <a:masterClrMapping/>
-  </p:clrMapOvr>
-</p:sld>
-</file>
-
-<file path=ppt/slides/slide5.xml><?xml version="1.0" encoding="utf-8"?>
-<p:sld xmlns:a="http://schemas.openxmlformats.org/drawingml/2006/main" xmlns:r="http://schemas.openxmlformats.org/officeDocument/2006/relationships" xmlns:p="http://schemas.openxmlformats.org/presentationml/2006/main">
-  <p:cSld>
-    <p:spTree>
-      <p:nvGrpSpPr>
-        <p:cNvPr id="1" name=""/>
-        <p:cNvGrpSpPr/>
-        <p:nvPr/>
-      </p:nvGrpSpPr>
-      <p:grpSpPr>
-        <a:xfrm>
-          <a:off x="0" y="0"/>
-          <a:ext cx="0" cy="0"/>
-          <a:chOff x="0" y="0"/>
-          <a:chExt cx="0" cy="0"/>
-        </a:xfrm>
-      </p:grpSpPr>
-      <p:sp>
-        <p:nvSpPr>
           <p:cNvPr id="2" name="Title 1">
             <a:extLst>
               <a:ext uri="{FF2B5EF4-FFF2-40B4-BE49-F238E27FC236}">
-                <a16:creationId xmlns:a16="http://schemas.microsoft.com/office/drawing/2014/main" id="{15BAC696-E427-4944-B34F-4C100D7A6A88}"/>
+                <a16:creationId xmlns:a16="http://schemas.microsoft.com/office/drawing/2014/main" xmlns="" id="{15BAC696-E427-4944-B34F-4C100D7A6A88}"/>
               </a:ext>
             </a:extLst>
           </p:cNvPr>
@@ -6944,7 +6884,7 @@
           <p:cNvPr id="64" name="Group 63">
             <a:extLst>
               <a:ext uri="{FF2B5EF4-FFF2-40B4-BE49-F238E27FC236}">
-                <a16:creationId xmlns:a16="http://schemas.microsoft.com/office/drawing/2014/main" id="{4704C14E-21A1-418A-983E-18DAFF3D085A}"/>
+                <a16:creationId xmlns:a16="http://schemas.microsoft.com/office/drawing/2014/main" xmlns="" id="{4704C14E-21A1-418A-983E-18DAFF3D085A}"/>
               </a:ext>
             </a:extLst>
           </p:cNvPr>
@@ -6964,7 +6904,7 @@
             <p:cNvPr id="34" name="Freeform: Shape 33">
               <a:extLst>
                 <a:ext uri="{FF2B5EF4-FFF2-40B4-BE49-F238E27FC236}">
-                  <a16:creationId xmlns:a16="http://schemas.microsoft.com/office/drawing/2014/main" id="{44C53BD5-7E07-484D-AE85-C8C48B239F6E}"/>
+                  <a16:creationId xmlns:a16="http://schemas.microsoft.com/office/drawing/2014/main" xmlns="" id="{44C53BD5-7E07-484D-AE85-C8C48B239F6E}"/>
                 </a:ext>
               </a:extLst>
             </p:cNvPr>
@@ -7132,7 +7072,7 @@
             <p:cNvPr id="35" name="Arrow: Right 34">
               <a:extLst>
                 <a:ext uri="{FF2B5EF4-FFF2-40B4-BE49-F238E27FC236}">
-                  <a16:creationId xmlns:a16="http://schemas.microsoft.com/office/drawing/2014/main" id="{FDA8B83F-7B6D-48E4-9C3F-E231FD985226}"/>
+                  <a16:creationId xmlns:a16="http://schemas.microsoft.com/office/drawing/2014/main" xmlns="" id="{FDA8B83F-7B6D-48E4-9C3F-E231FD985226}"/>
                 </a:ext>
               </a:extLst>
             </p:cNvPr>
@@ -7189,7 +7129,7 @@
             <p:cNvPr id="36" name="Freeform: Shape 35">
               <a:extLst>
                 <a:ext uri="{FF2B5EF4-FFF2-40B4-BE49-F238E27FC236}">
-                  <a16:creationId xmlns:a16="http://schemas.microsoft.com/office/drawing/2014/main" id="{BDFDBD81-FB40-464A-B88D-FC851D1199F5}"/>
+                  <a16:creationId xmlns:a16="http://schemas.microsoft.com/office/drawing/2014/main" xmlns="" id="{BDFDBD81-FB40-464A-B88D-FC851D1199F5}"/>
                 </a:ext>
               </a:extLst>
             </p:cNvPr>
@@ -7374,7 +7314,7 @@
             <p:cNvPr id="37" name="Arrow: Right 36">
               <a:extLst>
                 <a:ext uri="{FF2B5EF4-FFF2-40B4-BE49-F238E27FC236}">
-                  <a16:creationId xmlns:a16="http://schemas.microsoft.com/office/drawing/2014/main" id="{9B1C1C52-F69F-4440-B1DE-3C0F549A48E0}"/>
+                  <a16:creationId xmlns:a16="http://schemas.microsoft.com/office/drawing/2014/main" xmlns="" id="{9B1C1C52-F69F-4440-B1DE-3C0F549A48E0}"/>
                 </a:ext>
               </a:extLst>
             </p:cNvPr>
@@ -7431,7 +7371,7 @@
             <p:cNvPr id="38" name="Freeform: Shape 37">
               <a:extLst>
                 <a:ext uri="{FF2B5EF4-FFF2-40B4-BE49-F238E27FC236}">
-                  <a16:creationId xmlns:a16="http://schemas.microsoft.com/office/drawing/2014/main" id="{EEC74825-30ED-4616-8DC6-6A305EAAD661}"/>
+                  <a16:creationId xmlns:a16="http://schemas.microsoft.com/office/drawing/2014/main" xmlns="" id="{EEC74825-30ED-4616-8DC6-6A305EAAD661}"/>
                 </a:ext>
               </a:extLst>
             </p:cNvPr>
@@ -7609,7 +7549,7 @@
             <p:cNvPr id="39" name="Freeform: Shape 38">
               <a:extLst>
                 <a:ext uri="{FF2B5EF4-FFF2-40B4-BE49-F238E27FC236}">
-                  <a16:creationId xmlns:a16="http://schemas.microsoft.com/office/drawing/2014/main" id="{0C660FCE-9FC8-40B5-8A8E-D950FF698E7F}"/>
+                  <a16:creationId xmlns:a16="http://schemas.microsoft.com/office/drawing/2014/main" xmlns="" id="{0C660FCE-9FC8-40B5-8A8E-D950FF698E7F}"/>
                 </a:ext>
               </a:extLst>
             </p:cNvPr>
@@ -7777,7 +7717,7 @@
             <p:cNvPr id="40" name="Arrow: Right 39">
               <a:extLst>
                 <a:ext uri="{FF2B5EF4-FFF2-40B4-BE49-F238E27FC236}">
-                  <a16:creationId xmlns:a16="http://schemas.microsoft.com/office/drawing/2014/main" id="{5193B0E6-D79F-4261-8B4D-A34BAF9C2490}"/>
+                  <a16:creationId xmlns:a16="http://schemas.microsoft.com/office/drawing/2014/main" xmlns="" id="{5193B0E6-D79F-4261-8B4D-A34BAF9C2490}"/>
                 </a:ext>
               </a:extLst>
             </p:cNvPr>
@@ -7834,7 +7774,7 @@
             <p:cNvPr id="41" name="Freeform: Shape 40">
               <a:extLst>
                 <a:ext uri="{FF2B5EF4-FFF2-40B4-BE49-F238E27FC236}">
-                  <a16:creationId xmlns:a16="http://schemas.microsoft.com/office/drawing/2014/main" id="{D2427D8B-57C5-4A0E-962F-2E6D0F48D0D6}"/>
+                  <a16:creationId xmlns:a16="http://schemas.microsoft.com/office/drawing/2014/main" xmlns="" id="{D2427D8B-57C5-4A0E-962F-2E6D0F48D0D6}"/>
                 </a:ext>
               </a:extLst>
             </p:cNvPr>
@@ -8012,7 +7952,7 @@
             <p:cNvPr id="42" name="Arrow: Right 41">
               <a:extLst>
                 <a:ext uri="{FF2B5EF4-FFF2-40B4-BE49-F238E27FC236}">
-                  <a16:creationId xmlns:a16="http://schemas.microsoft.com/office/drawing/2014/main" id="{FDBF6E59-0E7F-4725-A7F0-6D669001C510}"/>
+                  <a16:creationId xmlns:a16="http://schemas.microsoft.com/office/drawing/2014/main" xmlns="" id="{FDBF6E59-0E7F-4725-A7F0-6D669001C510}"/>
                 </a:ext>
               </a:extLst>
             </p:cNvPr>
@@ -8069,7 +8009,7 @@
             <p:cNvPr id="43" name="Freeform: Shape 42">
               <a:extLst>
                 <a:ext uri="{FF2B5EF4-FFF2-40B4-BE49-F238E27FC236}">
-                  <a16:creationId xmlns:a16="http://schemas.microsoft.com/office/drawing/2014/main" id="{69C2D6B0-3B70-4839-A4D5-32DE45F59323}"/>
+                  <a16:creationId xmlns:a16="http://schemas.microsoft.com/office/drawing/2014/main" xmlns="" id="{69C2D6B0-3B70-4839-A4D5-32DE45F59323}"/>
                 </a:ext>
               </a:extLst>
             </p:cNvPr>
@@ -8247,7 +8187,7 @@
             <p:cNvPr id="44" name="Freeform: Shape 43">
               <a:extLst>
                 <a:ext uri="{FF2B5EF4-FFF2-40B4-BE49-F238E27FC236}">
-                  <a16:creationId xmlns:a16="http://schemas.microsoft.com/office/drawing/2014/main" id="{4CABF522-64CF-41AD-911B-5D937D57F3DC}"/>
+                  <a16:creationId xmlns:a16="http://schemas.microsoft.com/office/drawing/2014/main" xmlns="" id="{4CABF522-64CF-41AD-911B-5D937D57F3DC}"/>
                 </a:ext>
               </a:extLst>
             </p:cNvPr>
@@ -8415,7 +8355,7 @@
             <p:cNvPr id="45" name="Arrow: Right 44">
               <a:extLst>
                 <a:ext uri="{FF2B5EF4-FFF2-40B4-BE49-F238E27FC236}">
-                  <a16:creationId xmlns:a16="http://schemas.microsoft.com/office/drawing/2014/main" id="{4C6B7FC5-AEB2-4600-91FD-EA3CFCCE7BF6}"/>
+                  <a16:creationId xmlns:a16="http://schemas.microsoft.com/office/drawing/2014/main" xmlns="" id="{4C6B7FC5-AEB2-4600-91FD-EA3CFCCE7BF6}"/>
                 </a:ext>
               </a:extLst>
             </p:cNvPr>
@@ -8472,7 +8412,7 @@
             <p:cNvPr id="46" name="Freeform: Shape 45">
               <a:extLst>
                 <a:ext uri="{FF2B5EF4-FFF2-40B4-BE49-F238E27FC236}">
-                  <a16:creationId xmlns:a16="http://schemas.microsoft.com/office/drawing/2014/main" id="{3661A75B-3C72-4C2C-A6B0-4DEB9033B246}"/>
+                  <a16:creationId xmlns:a16="http://schemas.microsoft.com/office/drawing/2014/main" xmlns="" id="{3661A75B-3C72-4C2C-A6B0-4DEB9033B246}"/>
                 </a:ext>
               </a:extLst>
             </p:cNvPr>
@@ -8650,7 +8590,7 @@
             <p:cNvPr id="47" name="Arrow: Right 46">
               <a:extLst>
                 <a:ext uri="{FF2B5EF4-FFF2-40B4-BE49-F238E27FC236}">
-                  <a16:creationId xmlns:a16="http://schemas.microsoft.com/office/drawing/2014/main" id="{697D6279-A88A-480A-B73A-0EBB11576748}"/>
+                  <a16:creationId xmlns:a16="http://schemas.microsoft.com/office/drawing/2014/main" xmlns="" id="{697D6279-A88A-480A-B73A-0EBB11576748}"/>
                 </a:ext>
               </a:extLst>
             </p:cNvPr>
@@ -8707,7 +8647,7 @@
             <p:cNvPr id="48" name="Freeform: Shape 47">
               <a:extLst>
                 <a:ext uri="{FF2B5EF4-FFF2-40B4-BE49-F238E27FC236}">
-                  <a16:creationId xmlns:a16="http://schemas.microsoft.com/office/drawing/2014/main" id="{D4B68E97-27C7-4BB1-9CC4-7C208D15C446}"/>
+                  <a16:creationId xmlns:a16="http://schemas.microsoft.com/office/drawing/2014/main" xmlns="" id="{D4B68E97-27C7-4BB1-9CC4-7C208D15C446}"/>
                 </a:ext>
               </a:extLst>
             </p:cNvPr>
@@ -8886,7 +8826,7 @@
           <p:cNvPr id="4" name="Rectangle 3">
             <a:extLst>
               <a:ext uri="{FF2B5EF4-FFF2-40B4-BE49-F238E27FC236}">
-                <a16:creationId xmlns:a16="http://schemas.microsoft.com/office/drawing/2014/main" id="{34C2575F-205E-46C7-9C87-1A37855E192A}"/>
+                <a16:creationId xmlns:a16="http://schemas.microsoft.com/office/drawing/2014/main" xmlns="" id="{34C2575F-205E-46C7-9C87-1A37855E192A}"/>
               </a:ext>
             </a:extLst>
           </p:cNvPr>
@@ -8919,6 +8859,66 @@
     <p:extLst>
       <p:ext uri="{BB962C8B-B14F-4D97-AF65-F5344CB8AC3E}">
         <p14:creationId xmlns:p14="http://schemas.microsoft.com/office/powerpoint/2010/main" val="250778435"/>
+      </p:ext>
+    </p:extLst>
+  </p:cSld>
+  <p:clrMapOvr>
+    <a:masterClrMapping/>
+  </p:clrMapOvr>
+</p:sld>
+</file>
+
+<file path=ppt/slides/slide5.xml><?xml version="1.0" encoding="utf-8"?>
+<p:sld xmlns:a="http://schemas.openxmlformats.org/drawingml/2006/main" xmlns:r="http://schemas.openxmlformats.org/officeDocument/2006/relationships" xmlns:p="http://schemas.openxmlformats.org/presentationml/2006/main">
+  <p:cSld>
+    <p:spTree>
+      <p:nvGrpSpPr>
+        <p:cNvPr id="1" name=""/>
+        <p:cNvGrpSpPr/>
+        <p:nvPr/>
+      </p:nvGrpSpPr>
+      <p:grpSpPr>
+        <a:xfrm>
+          <a:off x="0" y="0"/>
+          <a:ext cx="0" cy="0"/>
+          <a:chOff x="0" y="0"/>
+          <a:chExt cx="0" cy="0"/>
+        </a:xfrm>
+      </p:grpSpPr>
+      <p:sp>
+        <p:nvSpPr>
+          <p:cNvPr id="4" name="Title 3">
+            <a:extLst>
+              <a:ext uri="{FF2B5EF4-FFF2-40B4-BE49-F238E27FC236}">
+                <a16:creationId xmlns:a16="http://schemas.microsoft.com/office/drawing/2014/main" xmlns="" id="{B1E335D2-9597-4FC0-8ACA-9F196F2B7CD0}"/>
+              </a:ext>
+            </a:extLst>
+          </p:cNvPr>
+          <p:cNvSpPr>
+            <a:spLocks noGrp="1"/>
+          </p:cNvSpPr>
+          <p:nvPr>
+            <p:ph type="title"/>
+          </p:nvPr>
+        </p:nvSpPr>
+        <p:spPr/>
+        <p:txBody>
+          <a:bodyPr>
+            <a:normAutofit/>
+          </a:bodyPr>
+          <a:lstStyle/>
+          <a:p>
+            <a:r>
+              <a:rPr lang="en-US" sz="4400" dirty="0"/>
+              <a:t>Demo</a:t>
+            </a:r>
+          </a:p>
+        </p:txBody>
+      </p:sp>
+    </p:spTree>
+    <p:extLst>
+      <p:ext uri="{BB962C8B-B14F-4D97-AF65-F5344CB8AC3E}">
+        <p14:creationId xmlns:p14="http://schemas.microsoft.com/office/powerpoint/2010/main" val="1331305148"/>
       </p:ext>
     </p:extLst>
   </p:cSld>
@@ -8950,7 +8950,7 @@
           <p:cNvPr id="2" name="Title 1">
             <a:extLst>
               <a:ext uri="{FF2B5EF4-FFF2-40B4-BE49-F238E27FC236}">
-                <a16:creationId xmlns:a16="http://schemas.microsoft.com/office/drawing/2014/main" id="{15BAC696-E427-4944-B34F-4C100D7A6A88}"/>
+                <a16:creationId xmlns:a16="http://schemas.microsoft.com/office/drawing/2014/main" xmlns="" id="{15BAC696-E427-4944-B34F-4C100D7A6A88}"/>
               </a:ext>
             </a:extLst>
           </p:cNvPr>
@@ -8984,7 +8984,7 @@
           <p:cNvPr id="64" name="Group 63">
             <a:extLst>
               <a:ext uri="{FF2B5EF4-FFF2-40B4-BE49-F238E27FC236}">
-                <a16:creationId xmlns:a16="http://schemas.microsoft.com/office/drawing/2014/main" id="{4704C14E-21A1-418A-983E-18DAFF3D085A}"/>
+                <a16:creationId xmlns:a16="http://schemas.microsoft.com/office/drawing/2014/main" xmlns="" id="{4704C14E-21A1-418A-983E-18DAFF3D085A}"/>
               </a:ext>
             </a:extLst>
           </p:cNvPr>
@@ -9004,7 +9004,7 @@
             <p:cNvPr id="34" name="Freeform: Shape 33">
               <a:extLst>
                 <a:ext uri="{FF2B5EF4-FFF2-40B4-BE49-F238E27FC236}">
-                  <a16:creationId xmlns:a16="http://schemas.microsoft.com/office/drawing/2014/main" id="{44C53BD5-7E07-484D-AE85-C8C48B239F6E}"/>
+                  <a16:creationId xmlns:a16="http://schemas.microsoft.com/office/drawing/2014/main" xmlns="" id="{44C53BD5-7E07-484D-AE85-C8C48B239F6E}"/>
                 </a:ext>
               </a:extLst>
             </p:cNvPr>
@@ -9172,7 +9172,7 @@
             <p:cNvPr id="35" name="Arrow: Right 34">
               <a:extLst>
                 <a:ext uri="{FF2B5EF4-FFF2-40B4-BE49-F238E27FC236}">
-                  <a16:creationId xmlns:a16="http://schemas.microsoft.com/office/drawing/2014/main" id="{FDA8B83F-7B6D-48E4-9C3F-E231FD985226}"/>
+                  <a16:creationId xmlns:a16="http://schemas.microsoft.com/office/drawing/2014/main" xmlns="" id="{FDA8B83F-7B6D-48E4-9C3F-E231FD985226}"/>
                 </a:ext>
               </a:extLst>
             </p:cNvPr>
@@ -9229,7 +9229,7 @@
             <p:cNvPr id="36" name="Freeform: Shape 35">
               <a:extLst>
                 <a:ext uri="{FF2B5EF4-FFF2-40B4-BE49-F238E27FC236}">
-                  <a16:creationId xmlns:a16="http://schemas.microsoft.com/office/drawing/2014/main" id="{BDFDBD81-FB40-464A-B88D-FC851D1199F5}"/>
+                  <a16:creationId xmlns:a16="http://schemas.microsoft.com/office/drawing/2014/main" xmlns="" id="{BDFDBD81-FB40-464A-B88D-FC851D1199F5}"/>
                 </a:ext>
               </a:extLst>
             </p:cNvPr>
@@ -9414,7 +9414,7 @@
             <p:cNvPr id="37" name="Arrow: Right 36">
               <a:extLst>
                 <a:ext uri="{FF2B5EF4-FFF2-40B4-BE49-F238E27FC236}">
-                  <a16:creationId xmlns:a16="http://schemas.microsoft.com/office/drawing/2014/main" id="{9B1C1C52-F69F-4440-B1DE-3C0F549A48E0}"/>
+                  <a16:creationId xmlns:a16="http://schemas.microsoft.com/office/drawing/2014/main" xmlns="" id="{9B1C1C52-F69F-4440-B1DE-3C0F549A48E0}"/>
                 </a:ext>
               </a:extLst>
             </p:cNvPr>
@@ -9471,7 +9471,7 @@
             <p:cNvPr id="38" name="Freeform: Shape 37">
               <a:extLst>
                 <a:ext uri="{FF2B5EF4-FFF2-40B4-BE49-F238E27FC236}">
-                  <a16:creationId xmlns:a16="http://schemas.microsoft.com/office/drawing/2014/main" id="{EEC74825-30ED-4616-8DC6-6A305EAAD661}"/>
+                  <a16:creationId xmlns:a16="http://schemas.microsoft.com/office/drawing/2014/main" xmlns="" id="{EEC74825-30ED-4616-8DC6-6A305EAAD661}"/>
                 </a:ext>
               </a:extLst>
             </p:cNvPr>
@@ -9649,7 +9649,7 @@
             <p:cNvPr id="39" name="Freeform: Shape 38">
               <a:extLst>
                 <a:ext uri="{FF2B5EF4-FFF2-40B4-BE49-F238E27FC236}">
-                  <a16:creationId xmlns:a16="http://schemas.microsoft.com/office/drawing/2014/main" id="{0C660FCE-9FC8-40B5-8A8E-D950FF698E7F}"/>
+                  <a16:creationId xmlns:a16="http://schemas.microsoft.com/office/drawing/2014/main" xmlns="" id="{0C660FCE-9FC8-40B5-8A8E-D950FF698E7F}"/>
                 </a:ext>
               </a:extLst>
             </p:cNvPr>
@@ -9817,7 +9817,7 @@
             <p:cNvPr id="40" name="Arrow: Right 39">
               <a:extLst>
                 <a:ext uri="{FF2B5EF4-FFF2-40B4-BE49-F238E27FC236}">
-                  <a16:creationId xmlns:a16="http://schemas.microsoft.com/office/drawing/2014/main" id="{5193B0E6-D79F-4261-8B4D-A34BAF9C2490}"/>
+                  <a16:creationId xmlns:a16="http://schemas.microsoft.com/office/drawing/2014/main" xmlns="" id="{5193B0E6-D79F-4261-8B4D-A34BAF9C2490}"/>
                 </a:ext>
               </a:extLst>
             </p:cNvPr>
@@ -9874,7 +9874,7 @@
             <p:cNvPr id="41" name="Freeform: Shape 40">
               <a:extLst>
                 <a:ext uri="{FF2B5EF4-FFF2-40B4-BE49-F238E27FC236}">
-                  <a16:creationId xmlns:a16="http://schemas.microsoft.com/office/drawing/2014/main" id="{D2427D8B-57C5-4A0E-962F-2E6D0F48D0D6}"/>
+                  <a16:creationId xmlns:a16="http://schemas.microsoft.com/office/drawing/2014/main" xmlns="" id="{D2427D8B-57C5-4A0E-962F-2E6D0F48D0D6}"/>
                 </a:ext>
               </a:extLst>
             </p:cNvPr>
@@ -10052,7 +10052,7 @@
             <p:cNvPr id="42" name="Arrow: Right 41">
               <a:extLst>
                 <a:ext uri="{FF2B5EF4-FFF2-40B4-BE49-F238E27FC236}">
-                  <a16:creationId xmlns:a16="http://schemas.microsoft.com/office/drawing/2014/main" id="{FDBF6E59-0E7F-4725-A7F0-6D669001C510}"/>
+                  <a16:creationId xmlns:a16="http://schemas.microsoft.com/office/drawing/2014/main" xmlns="" id="{FDBF6E59-0E7F-4725-A7F0-6D669001C510}"/>
                 </a:ext>
               </a:extLst>
             </p:cNvPr>
@@ -10109,7 +10109,7 @@
             <p:cNvPr id="43" name="Freeform: Shape 42">
               <a:extLst>
                 <a:ext uri="{FF2B5EF4-FFF2-40B4-BE49-F238E27FC236}">
-                  <a16:creationId xmlns:a16="http://schemas.microsoft.com/office/drawing/2014/main" id="{69C2D6B0-3B70-4839-A4D5-32DE45F59323}"/>
+                  <a16:creationId xmlns:a16="http://schemas.microsoft.com/office/drawing/2014/main" xmlns="" id="{69C2D6B0-3B70-4839-A4D5-32DE45F59323}"/>
                 </a:ext>
               </a:extLst>
             </p:cNvPr>
@@ -10287,7 +10287,7 @@
             <p:cNvPr id="44" name="Freeform: Shape 43">
               <a:extLst>
                 <a:ext uri="{FF2B5EF4-FFF2-40B4-BE49-F238E27FC236}">
-                  <a16:creationId xmlns:a16="http://schemas.microsoft.com/office/drawing/2014/main" id="{4CABF522-64CF-41AD-911B-5D937D57F3DC}"/>
+                  <a16:creationId xmlns:a16="http://schemas.microsoft.com/office/drawing/2014/main" xmlns="" id="{4CABF522-64CF-41AD-911B-5D937D57F3DC}"/>
                 </a:ext>
               </a:extLst>
             </p:cNvPr>
@@ -10455,7 +10455,7 @@
             <p:cNvPr id="45" name="Arrow: Right 44">
               <a:extLst>
                 <a:ext uri="{FF2B5EF4-FFF2-40B4-BE49-F238E27FC236}">
-                  <a16:creationId xmlns:a16="http://schemas.microsoft.com/office/drawing/2014/main" id="{4C6B7FC5-AEB2-4600-91FD-EA3CFCCE7BF6}"/>
+                  <a16:creationId xmlns:a16="http://schemas.microsoft.com/office/drawing/2014/main" xmlns="" id="{4C6B7FC5-AEB2-4600-91FD-EA3CFCCE7BF6}"/>
                 </a:ext>
               </a:extLst>
             </p:cNvPr>
@@ -10512,7 +10512,7 @@
             <p:cNvPr id="46" name="Freeform: Shape 45">
               <a:extLst>
                 <a:ext uri="{FF2B5EF4-FFF2-40B4-BE49-F238E27FC236}">
-                  <a16:creationId xmlns:a16="http://schemas.microsoft.com/office/drawing/2014/main" id="{3661A75B-3C72-4C2C-A6B0-4DEB9033B246}"/>
+                  <a16:creationId xmlns:a16="http://schemas.microsoft.com/office/drawing/2014/main" xmlns="" id="{3661A75B-3C72-4C2C-A6B0-4DEB9033B246}"/>
                 </a:ext>
               </a:extLst>
             </p:cNvPr>
@@ -10690,7 +10690,7 @@
             <p:cNvPr id="47" name="Arrow: Right 46">
               <a:extLst>
                 <a:ext uri="{FF2B5EF4-FFF2-40B4-BE49-F238E27FC236}">
-                  <a16:creationId xmlns:a16="http://schemas.microsoft.com/office/drawing/2014/main" id="{697D6279-A88A-480A-B73A-0EBB11576748}"/>
+                  <a16:creationId xmlns:a16="http://schemas.microsoft.com/office/drawing/2014/main" xmlns="" id="{697D6279-A88A-480A-B73A-0EBB11576748}"/>
                 </a:ext>
               </a:extLst>
             </p:cNvPr>
@@ -10747,7 +10747,7 @@
             <p:cNvPr id="48" name="Freeform: Shape 47">
               <a:extLst>
                 <a:ext uri="{FF2B5EF4-FFF2-40B4-BE49-F238E27FC236}">
-                  <a16:creationId xmlns:a16="http://schemas.microsoft.com/office/drawing/2014/main" id="{D4B68E97-27C7-4BB1-9CC4-7C208D15C446}"/>
+                  <a16:creationId xmlns:a16="http://schemas.microsoft.com/office/drawing/2014/main" xmlns="" id="{D4B68E97-27C7-4BB1-9CC4-7C208D15C446}"/>
                 </a:ext>
               </a:extLst>
             </p:cNvPr>
@@ -10926,7 +10926,7 @@
           <p:cNvPr id="65" name="Group 64">
             <a:extLst>
               <a:ext uri="{FF2B5EF4-FFF2-40B4-BE49-F238E27FC236}">
-                <a16:creationId xmlns:a16="http://schemas.microsoft.com/office/drawing/2014/main" id="{1CFD932A-EC64-48EE-84D5-356B5E7E6D8B}"/>
+                <a16:creationId xmlns:a16="http://schemas.microsoft.com/office/drawing/2014/main" xmlns="" id="{1CFD932A-EC64-48EE-84D5-356B5E7E6D8B}"/>
               </a:ext>
             </a:extLst>
           </p:cNvPr>
@@ -10946,7 +10946,7 @@
             <p:cNvPr id="49" name="Freeform: Shape 48">
               <a:extLst>
                 <a:ext uri="{FF2B5EF4-FFF2-40B4-BE49-F238E27FC236}">
-                  <a16:creationId xmlns:a16="http://schemas.microsoft.com/office/drawing/2014/main" id="{52E25D72-6F49-4AA7-A647-204F12FCF49C}"/>
+                  <a16:creationId xmlns:a16="http://schemas.microsoft.com/office/drawing/2014/main" xmlns="" id="{52E25D72-6F49-4AA7-A647-204F12FCF49C}"/>
                 </a:ext>
               </a:extLst>
             </p:cNvPr>
@@ -11114,7 +11114,7 @@
             <p:cNvPr id="50" name="Arrow: Right 49">
               <a:extLst>
                 <a:ext uri="{FF2B5EF4-FFF2-40B4-BE49-F238E27FC236}">
-                  <a16:creationId xmlns:a16="http://schemas.microsoft.com/office/drawing/2014/main" id="{6E8F3ED5-787B-48CF-AE69-EA36EE613389}"/>
+                  <a16:creationId xmlns:a16="http://schemas.microsoft.com/office/drawing/2014/main" xmlns="" id="{6E8F3ED5-787B-48CF-AE69-EA36EE613389}"/>
                 </a:ext>
               </a:extLst>
             </p:cNvPr>
@@ -11171,7 +11171,7 @@
             <p:cNvPr id="51" name="Freeform: Shape 50">
               <a:extLst>
                 <a:ext uri="{FF2B5EF4-FFF2-40B4-BE49-F238E27FC236}">
-                  <a16:creationId xmlns:a16="http://schemas.microsoft.com/office/drawing/2014/main" id="{A515956A-FEEE-4EAC-90F9-1E1A02D229E4}"/>
+                  <a16:creationId xmlns:a16="http://schemas.microsoft.com/office/drawing/2014/main" xmlns="" id="{A515956A-FEEE-4EAC-90F9-1E1A02D229E4}"/>
                 </a:ext>
               </a:extLst>
             </p:cNvPr>
@@ -11349,7 +11349,7 @@
             <p:cNvPr id="52" name="Arrow: Right 51">
               <a:extLst>
                 <a:ext uri="{FF2B5EF4-FFF2-40B4-BE49-F238E27FC236}">
-                  <a16:creationId xmlns:a16="http://schemas.microsoft.com/office/drawing/2014/main" id="{FF72762E-B140-4655-883B-D15CA9B3F1F9}"/>
+                  <a16:creationId xmlns:a16="http://schemas.microsoft.com/office/drawing/2014/main" xmlns="" id="{FF72762E-B140-4655-883B-D15CA9B3F1F9}"/>
                 </a:ext>
               </a:extLst>
             </p:cNvPr>
@@ -11406,7 +11406,7 @@
             <p:cNvPr id="53" name="Freeform: Shape 52">
               <a:extLst>
                 <a:ext uri="{FF2B5EF4-FFF2-40B4-BE49-F238E27FC236}">
-                  <a16:creationId xmlns:a16="http://schemas.microsoft.com/office/drawing/2014/main" id="{B14A9532-F31E-4E83-8919-A2F9F2BC4575}"/>
+                  <a16:creationId xmlns:a16="http://schemas.microsoft.com/office/drawing/2014/main" xmlns="" id="{B14A9532-F31E-4E83-8919-A2F9F2BC4575}"/>
                 </a:ext>
               </a:extLst>
             </p:cNvPr>
@@ -11585,7 +11585,7 @@
           <p:cNvPr id="4" name="Rectangle 3">
             <a:extLst>
               <a:ext uri="{FF2B5EF4-FFF2-40B4-BE49-F238E27FC236}">
-                <a16:creationId xmlns:a16="http://schemas.microsoft.com/office/drawing/2014/main" id="{34C2575F-205E-46C7-9C87-1A37855E192A}"/>
+                <a16:creationId xmlns:a16="http://schemas.microsoft.com/office/drawing/2014/main" xmlns="" id="{34C2575F-205E-46C7-9C87-1A37855E192A}"/>
               </a:ext>
             </a:extLst>
           </p:cNvPr>
@@ -11625,7 +11625,7 @@
     <a:masterClrMapping/>
   </p:clrMapOvr>
   <mc:AlternateContent xmlns:mc="http://schemas.openxmlformats.org/markup-compatibility/2006">
-    <mc:Choice xmlns:p159="http://schemas.microsoft.com/office/powerpoint/2015/09/main" Requires="p159">
+    <mc:Choice xmlns:p159="http://schemas.microsoft.com/office/powerpoint/2015/09/main" xmlns="" Requires="p159">
       <p:transition xmlns:p14="http://schemas.microsoft.com/office/powerpoint/2010/main" spd="slow" p14:dur="2000">
         <p159:morph option="byObject"/>
       </p:transition>
@@ -11661,7 +11661,7 @@
           <p:cNvPr id="2" name="Title 1">
             <a:extLst>
               <a:ext uri="{FF2B5EF4-FFF2-40B4-BE49-F238E27FC236}">
-                <a16:creationId xmlns:a16="http://schemas.microsoft.com/office/drawing/2014/main" id="{15BAC696-E427-4944-B34F-4C100D7A6A88}"/>
+                <a16:creationId xmlns:a16="http://schemas.microsoft.com/office/drawing/2014/main" xmlns="" id="{15BAC696-E427-4944-B34F-4C100D7A6A88}"/>
               </a:ext>
             </a:extLst>
           </p:cNvPr>
@@ -11695,7 +11695,7 @@
           <p:cNvPr id="64" name="Group 63">
             <a:extLst>
               <a:ext uri="{FF2B5EF4-FFF2-40B4-BE49-F238E27FC236}">
-                <a16:creationId xmlns:a16="http://schemas.microsoft.com/office/drawing/2014/main" id="{4704C14E-21A1-418A-983E-18DAFF3D085A}"/>
+                <a16:creationId xmlns:a16="http://schemas.microsoft.com/office/drawing/2014/main" xmlns="" id="{4704C14E-21A1-418A-983E-18DAFF3D085A}"/>
               </a:ext>
             </a:extLst>
           </p:cNvPr>
@@ -11715,7 +11715,7 @@
             <p:cNvPr id="34" name="Freeform: Shape 33">
               <a:extLst>
                 <a:ext uri="{FF2B5EF4-FFF2-40B4-BE49-F238E27FC236}">
-                  <a16:creationId xmlns:a16="http://schemas.microsoft.com/office/drawing/2014/main" id="{44C53BD5-7E07-484D-AE85-C8C48B239F6E}"/>
+                  <a16:creationId xmlns:a16="http://schemas.microsoft.com/office/drawing/2014/main" xmlns="" id="{44C53BD5-7E07-484D-AE85-C8C48B239F6E}"/>
                 </a:ext>
               </a:extLst>
             </p:cNvPr>
@@ -11883,7 +11883,7 @@
             <p:cNvPr id="35" name="Arrow: Right 34">
               <a:extLst>
                 <a:ext uri="{FF2B5EF4-FFF2-40B4-BE49-F238E27FC236}">
-                  <a16:creationId xmlns:a16="http://schemas.microsoft.com/office/drawing/2014/main" id="{FDA8B83F-7B6D-48E4-9C3F-E231FD985226}"/>
+                  <a16:creationId xmlns:a16="http://schemas.microsoft.com/office/drawing/2014/main" xmlns="" id="{FDA8B83F-7B6D-48E4-9C3F-E231FD985226}"/>
                 </a:ext>
               </a:extLst>
             </p:cNvPr>
@@ -11940,7 +11940,7 @@
             <p:cNvPr id="36" name="Freeform: Shape 35">
               <a:extLst>
                 <a:ext uri="{FF2B5EF4-FFF2-40B4-BE49-F238E27FC236}">
-                  <a16:creationId xmlns:a16="http://schemas.microsoft.com/office/drawing/2014/main" id="{BDFDBD81-FB40-464A-B88D-FC851D1199F5}"/>
+                  <a16:creationId xmlns:a16="http://schemas.microsoft.com/office/drawing/2014/main" xmlns="" id="{BDFDBD81-FB40-464A-B88D-FC851D1199F5}"/>
                 </a:ext>
               </a:extLst>
             </p:cNvPr>
@@ -12125,7 +12125,7 @@
             <p:cNvPr id="37" name="Arrow: Right 36">
               <a:extLst>
                 <a:ext uri="{FF2B5EF4-FFF2-40B4-BE49-F238E27FC236}">
-                  <a16:creationId xmlns:a16="http://schemas.microsoft.com/office/drawing/2014/main" id="{9B1C1C52-F69F-4440-B1DE-3C0F549A48E0}"/>
+                  <a16:creationId xmlns:a16="http://schemas.microsoft.com/office/drawing/2014/main" xmlns="" id="{9B1C1C52-F69F-4440-B1DE-3C0F549A48E0}"/>
                 </a:ext>
               </a:extLst>
             </p:cNvPr>
@@ -12182,7 +12182,7 @@
             <p:cNvPr id="38" name="Freeform: Shape 37">
               <a:extLst>
                 <a:ext uri="{FF2B5EF4-FFF2-40B4-BE49-F238E27FC236}">
-                  <a16:creationId xmlns:a16="http://schemas.microsoft.com/office/drawing/2014/main" id="{EEC74825-30ED-4616-8DC6-6A305EAAD661}"/>
+                  <a16:creationId xmlns:a16="http://schemas.microsoft.com/office/drawing/2014/main" xmlns="" id="{EEC74825-30ED-4616-8DC6-6A305EAAD661}"/>
                 </a:ext>
               </a:extLst>
             </p:cNvPr>
@@ -12360,7 +12360,7 @@
             <p:cNvPr id="39" name="Freeform: Shape 38">
               <a:extLst>
                 <a:ext uri="{FF2B5EF4-FFF2-40B4-BE49-F238E27FC236}">
-                  <a16:creationId xmlns:a16="http://schemas.microsoft.com/office/drawing/2014/main" id="{0C660FCE-9FC8-40B5-8A8E-D950FF698E7F}"/>
+                  <a16:creationId xmlns:a16="http://schemas.microsoft.com/office/drawing/2014/main" xmlns="" id="{0C660FCE-9FC8-40B5-8A8E-D950FF698E7F}"/>
                 </a:ext>
               </a:extLst>
             </p:cNvPr>
@@ -12528,7 +12528,7 @@
             <p:cNvPr id="40" name="Arrow: Right 39">
               <a:extLst>
                 <a:ext uri="{FF2B5EF4-FFF2-40B4-BE49-F238E27FC236}">
-                  <a16:creationId xmlns:a16="http://schemas.microsoft.com/office/drawing/2014/main" id="{5193B0E6-D79F-4261-8B4D-A34BAF9C2490}"/>
+                  <a16:creationId xmlns:a16="http://schemas.microsoft.com/office/drawing/2014/main" xmlns="" id="{5193B0E6-D79F-4261-8B4D-A34BAF9C2490}"/>
                 </a:ext>
               </a:extLst>
             </p:cNvPr>
@@ -12585,7 +12585,7 @@
             <p:cNvPr id="41" name="Freeform: Shape 40">
               <a:extLst>
                 <a:ext uri="{FF2B5EF4-FFF2-40B4-BE49-F238E27FC236}">
-                  <a16:creationId xmlns:a16="http://schemas.microsoft.com/office/drawing/2014/main" id="{D2427D8B-57C5-4A0E-962F-2E6D0F48D0D6}"/>
+                  <a16:creationId xmlns:a16="http://schemas.microsoft.com/office/drawing/2014/main" xmlns="" id="{D2427D8B-57C5-4A0E-962F-2E6D0F48D0D6}"/>
                 </a:ext>
               </a:extLst>
             </p:cNvPr>
@@ -12763,7 +12763,7 @@
             <p:cNvPr id="42" name="Arrow: Right 41">
               <a:extLst>
                 <a:ext uri="{FF2B5EF4-FFF2-40B4-BE49-F238E27FC236}">
-                  <a16:creationId xmlns:a16="http://schemas.microsoft.com/office/drawing/2014/main" id="{FDBF6E59-0E7F-4725-A7F0-6D669001C510}"/>
+                  <a16:creationId xmlns:a16="http://schemas.microsoft.com/office/drawing/2014/main" xmlns="" id="{FDBF6E59-0E7F-4725-A7F0-6D669001C510}"/>
                 </a:ext>
               </a:extLst>
             </p:cNvPr>
@@ -12820,7 +12820,7 @@
             <p:cNvPr id="43" name="Freeform: Shape 42">
               <a:extLst>
                 <a:ext uri="{FF2B5EF4-FFF2-40B4-BE49-F238E27FC236}">
-                  <a16:creationId xmlns:a16="http://schemas.microsoft.com/office/drawing/2014/main" id="{69C2D6B0-3B70-4839-A4D5-32DE45F59323}"/>
+                  <a16:creationId xmlns:a16="http://schemas.microsoft.com/office/drawing/2014/main" xmlns="" id="{69C2D6B0-3B70-4839-A4D5-32DE45F59323}"/>
                 </a:ext>
               </a:extLst>
             </p:cNvPr>
@@ -12998,7 +12998,7 @@
             <p:cNvPr id="44" name="Freeform: Shape 43">
               <a:extLst>
                 <a:ext uri="{FF2B5EF4-FFF2-40B4-BE49-F238E27FC236}">
-                  <a16:creationId xmlns:a16="http://schemas.microsoft.com/office/drawing/2014/main" id="{4CABF522-64CF-41AD-911B-5D937D57F3DC}"/>
+                  <a16:creationId xmlns:a16="http://schemas.microsoft.com/office/drawing/2014/main" xmlns="" id="{4CABF522-64CF-41AD-911B-5D937D57F3DC}"/>
                 </a:ext>
               </a:extLst>
             </p:cNvPr>
@@ -13166,7 +13166,7 @@
             <p:cNvPr id="45" name="Arrow: Right 44">
               <a:extLst>
                 <a:ext uri="{FF2B5EF4-FFF2-40B4-BE49-F238E27FC236}">
-                  <a16:creationId xmlns:a16="http://schemas.microsoft.com/office/drawing/2014/main" id="{4C6B7FC5-AEB2-4600-91FD-EA3CFCCE7BF6}"/>
+                  <a16:creationId xmlns:a16="http://schemas.microsoft.com/office/drawing/2014/main" xmlns="" id="{4C6B7FC5-AEB2-4600-91FD-EA3CFCCE7BF6}"/>
                 </a:ext>
               </a:extLst>
             </p:cNvPr>
@@ -13223,7 +13223,7 @@
             <p:cNvPr id="46" name="Freeform: Shape 45">
               <a:extLst>
                 <a:ext uri="{FF2B5EF4-FFF2-40B4-BE49-F238E27FC236}">
-                  <a16:creationId xmlns:a16="http://schemas.microsoft.com/office/drawing/2014/main" id="{3661A75B-3C72-4C2C-A6B0-4DEB9033B246}"/>
+                  <a16:creationId xmlns:a16="http://schemas.microsoft.com/office/drawing/2014/main" xmlns="" id="{3661A75B-3C72-4C2C-A6B0-4DEB9033B246}"/>
                 </a:ext>
               </a:extLst>
             </p:cNvPr>
@@ -13401,7 +13401,7 @@
             <p:cNvPr id="47" name="Arrow: Right 46">
               <a:extLst>
                 <a:ext uri="{FF2B5EF4-FFF2-40B4-BE49-F238E27FC236}">
-                  <a16:creationId xmlns:a16="http://schemas.microsoft.com/office/drawing/2014/main" id="{697D6279-A88A-480A-B73A-0EBB11576748}"/>
+                  <a16:creationId xmlns:a16="http://schemas.microsoft.com/office/drawing/2014/main" xmlns="" id="{697D6279-A88A-480A-B73A-0EBB11576748}"/>
                 </a:ext>
               </a:extLst>
             </p:cNvPr>
@@ -13458,7 +13458,7 @@
             <p:cNvPr id="48" name="Freeform: Shape 47">
               <a:extLst>
                 <a:ext uri="{FF2B5EF4-FFF2-40B4-BE49-F238E27FC236}">
-                  <a16:creationId xmlns:a16="http://schemas.microsoft.com/office/drawing/2014/main" id="{D4B68E97-27C7-4BB1-9CC4-7C208D15C446}"/>
+                  <a16:creationId xmlns:a16="http://schemas.microsoft.com/office/drawing/2014/main" xmlns="" id="{D4B68E97-27C7-4BB1-9CC4-7C208D15C446}"/>
                 </a:ext>
               </a:extLst>
             </p:cNvPr>
@@ -13637,7 +13637,7 @@
           <p:cNvPr id="65" name="Group 64">
             <a:extLst>
               <a:ext uri="{FF2B5EF4-FFF2-40B4-BE49-F238E27FC236}">
-                <a16:creationId xmlns:a16="http://schemas.microsoft.com/office/drawing/2014/main" id="{1CFD932A-EC64-48EE-84D5-356B5E7E6D8B}"/>
+                <a16:creationId xmlns:a16="http://schemas.microsoft.com/office/drawing/2014/main" xmlns="" id="{1CFD932A-EC64-48EE-84D5-356B5E7E6D8B}"/>
               </a:ext>
             </a:extLst>
           </p:cNvPr>
@@ -13657,7 +13657,7 @@
             <p:cNvPr id="49" name="Freeform: Shape 48">
               <a:extLst>
                 <a:ext uri="{FF2B5EF4-FFF2-40B4-BE49-F238E27FC236}">
-                  <a16:creationId xmlns:a16="http://schemas.microsoft.com/office/drawing/2014/main" id="{52E25D72-6F49-4AA7-A647-204F12FCF49C}"/>
+                  <a16:creationId xmlns:a16="http://schemas.microsoft.com/office/drawing/2014/main" xmlns="" id="{52E25D72-6F49-4AA7-A647-204F12FCF49C}"/>
                 </a:ext>
               </a:extLst>
             </p:cNvPr>
@@ -13825,7 +13825,7 @@
             <p:cNvPr id="50" name="Arrow: Right 49">
               <a:extLst>
                 <a:ext uri="{FF2B5EF4-FFF2-40B4-BE49-F238E27FC236}">
-                  <a16:creationId xmlns:a16="http://schemas.microsoft.com/office/drawing/2014/main" id="{6E8F3ED5-787B-48CF-AE69-EA36EE613389}"/>
+                  <a16:creationId xmlns:a16="http://schemas.microsoft.com/office/drawing/2014/main" xmlns="" id="{6E8F3ED5-787B-48CF-AE69-EA36EE613389}"/>
                 </a:ext>
               </a:extLst>
             </p:cNvPr>
@@ -13882,7 +13882,7 @@
             <p:cNvPr id="51" name="Freeform: Shape 50">
               <a:extLst>
                 <a:ext uri="{FF2B5EF4-FFF2-40B4-BE49-F238E27FC236}">
-                  <a16:creationId xmlns:a16="http://schemas.microsoft.com/office/drawing/2014/main" id="{A515956A-FEEE-4EAC-90F9-1E1A02D229E4}"/>
+                  <a16:creationId xmlns:a16="http://schemas.microsoft.com/office/drawing/2014/main" xmlns="" id="{A515956A-FEEE-4EAC-90F9-1E1A02D229E4}"/>
                 </a:ext>
               </a:extLst>
             </p:cNvPr>
@@ -14060,7 +14060,7 @@
             <p:cNvPr id="52" name="Arrow: Right 51">
               <a:extLst>
                 <a:ext uri="{FF2B5EF4-FFF2-40B4-BE49-F238E27FC236}">
-                  <a16:creationId xmlns:a16="http://schemas.microsoft.com/office/drawing/2014/main" id="{FF72762E-B140-4655-883B-D15CA9B3F1F9}"/>
+                  <a16:creationId xmlns:a16="http://schemas.microsoft.com/office/drawing/2014/main" xmlns="" id="{FF72762E-B140-4655-883B-D15CA9B3F1F9}"/>
                 </a:ext>
               </a:extLst>
             </p:cNvPr>
@@ -14117,7 +14117,7 @@
             <p:cNvPr id="53" name="Freeform: Shape 52">
               <a:extLst>
                 <a:ext uri="{FF2B5EF4-FFF2-40B4-BE49-F238E27FC236}">
-                  <a16:creationId xmlns:a16="http://schemas.microsoft.com/office/drawing/2014/main" id="{B14A9532-F31E-4E83-8919-A2F9F2BC4575}"/>
+                  <a16:creationId xmlns:a16="http://schemas.microsoft.com/office/drawing/2014/main" xmlns="" id="{B14A9532-F31E-4E83-8919-A2F9F2BC4575}"/>
                 </a:ext>
               </a:extLst>
             </p:cNvPr>
@@ -14296,7 +14296,7 @@
           <p:cNvPr id="66" name="Group 65">
             <a:extLst>
               <a:ext uri="{FF2B5EF4-FFF2-40B4-BE49-F238E27FC236}">
-                <a16:creationId xmlns:a16="http://schemas.microsoft.com/office/drawing/2014/main" id="{7BB1CCC3-FB85-480B-8CA2-83103916CD0C}"/>
+                <a16:creationId xmlns:a16="http://schemas.microsoft.com/office/drawing/2014/main" xmlns="" id="{7BB1CCC3-FB85-480B-8CA2-83103916CD0C}"/>
               </a:ext>
             </a:extLst>
           </p:cNvPr>
@@ -14316,7 +14316,7 @@
             <p:cNvPr id="54" name="Freeform: Shape 53">
               <a:extLst>
                 <a:ext uri="{FF2B5EF4-FFF2-40B4-BE49-F238E27FC236}">
-                  <a16:creationId xmlns:a16="http://schemas.microsoft.com/office/drawing/2014/main" id="{67E6153B-58A7-478E-B012-02DA8C81A7BA}"/>
+                  <a16:creationId xmlns:a16="http://schemas.microsoft.com/office/drawing/2014/main" xmlns="" id="{67E6153B-58A7-478E-B012-02DA8C81A7BA}"/>
                 </a:ext>
               </a:extLst>
             </p:cNvPr>
@@ -14484,7 +14484,7 @@
             <p:cNvPr id="55" name="Arrow: Right 54">
               <a:extLst>
                 <a:ext uri="{FF2B5EF4-FFF2-40B4-BE49-F238E27FC236}">
-                  <a16:creationId xmlns:a16="http://schemas.microsoft.com/office/drawing/2014/main" id="{DE6B8371-20D6-4E41-B0FB-36FBC28FACAC}"/>
+                  <a16:creationId xmlns:a16="http://schemas.microsoft.com/office/drawing/2014/main" xmlns="" id="{DE6B8371-20D6-4E41-B0FB-36FBC28FACAC}"/>
                 </a:ext>
               </a:extLst>
             </p:cNvPr>
@@ -14541,7 +14541,7 @@
             <p:cNvPr id="56" name="Freeform: Shape 55">
               <a:extLst>
                 <a:ext uri="{FF2B5EF4-FFF2-40B4-BE49-F238E27FC236}">
-                  <a16:creationId xmlns:a16="http://schemas.microsoft.com/office/drawing/2014/main" id="{6DBB1B57-5FA1-4726-A0FA-FCE6AF696D5F}"/>
+                  <a16:creationId xmlns:a16="http://schemas.microsoft.com/office/drawing/2014/main" xmlns="" id="{6DBB1B57-5FA1-4726-A0FA-FCE6AF696D5F}"/>
                 </a:ext>
               </a:extLst>
             </p:cNvPr>
@@ -14719,7 +14719,7 @@
             <p:cNvPr id="57" name="Arrow: Right 56">
               <a:extLst>
                 <a:ext uri="{FF2B5EF4-FFF2-40B4-BE49-F238E27FC236}">
-                  <a16:creationId xmlns:a16="http://schemas.microsoft.com/office/drawing/2014/main" id="{D644B312-70CB-474C-90E1-C5F4D3E10C6D}"/>
+                  <a16:creationId xmlns:a16="http://schemas.microsoft.com/office/drawing/2014/main" xmlns="" id="{D644B312-70CB-474C-90E1-C5F4D3E10C6D}"/>
                 </a:ext>
               </a:extLst>
             </p:cNvPr>
@@ -14776,7 +14776,7 @@
             <p:cNvPr id="58" name="Freeform: Shape 57">
               <a:extLst>
                 <a:ext uri="{FF2B5EF4-FFF2-40B4-BE49-F238E27FC236}">
-                  <a16:creationId xmlns:a16="http://schemas.microsoft.com/office/drawing/2014/main" id="{CC1C7CCA-D833-4AE1-8A22-57D0A2826F5B}"/>
+                  <a16:creationId xmlns:a16="http://schemas.microsoft.com/office/drawing/2014/main" xmlns="" id="{CC1C7CCA-D833-4AE1-8A22-57D0A2826F5B}"/>
                 </a:ext>
               </a:extLst>
             </p:cNvPr>
@@ -14954,7 +14954,7 @@
             <p:cNvPr id="59" name="Freeform: Shape 58">
               <a:extLst>
                 <a:ext uri="{FF2B5EF4-FFF2-40B4-BE49-F238E27FC236}">
-                  <a16:creationId xmlns:a16="http://schemas.microsoft.com/office/drawing/2014/main" id="{79FFCFFE-950B-4E16-9F2F-DF4F56698853}"/>
+                  <a16:creationId xmlns:a16="http://schemas.microsoft.com/office/drawing/2014/main" xmlns="" id="{79FFCFFE-950B-4E16-9F2F-DF4F56698853}"/>
                 </a:ext>
               </a:extLst>
             </p:cNvPr>
@@ -15122,7 +15122,7 @@
             <p:cNvPr id="60" name="Arrow: Right 59">
               <a:extLst>
                 <a:ext uri="{FF2B5EF4-FFF2-40B4-BE49-F238E27FC236}">
-                  <a16:creationId xmlns:a16="http://schemas.microsoft.com/office/drawing/2014/main" id="{1AD81804-2714-4369-A33C-5EDF8FA73A4F}"/>
+                  <a16:creationId xmlns:a16="http://schemas.microsoft.com/office/drawing/2014/main" xmlns="" id="{1AD81804-2714-4369-A33C-5EDF8FA73A4F}"/>
                 </a:ext>
               </a:extLst>
             </p:cNvPr>
@@ -15179,7 +15179,7 @@
             <p:cNvPr id="61" name="Freeform: Shape 60">
               <a:extLst>
                 <a:ext uri="{FF2B5EF4-FFF2-40B4-BE49-F238E27FC236}">
-                  <a16:creationId xmlns:a16="http://schemas.microsoft.com/office/drawing/2014/main" id="{611714F9-CF72-4D47-BBA7-BE095333661B}"/>
+                  <a16:creationId xmlns:a16="http://schemas.microsoft.com/office/drawing/2014/main" xmlns="" id="{611714F9-CF72-4D47-BBA7-BE095333661B}"/>
                 </a:ext>
               </a:extLst>
             </p:cNvPr>
@@ -15357,7 +15357,7 @@
             <p:cNvPr id="62" name="Arrow: Right 61">
               <a:extLst>
                 <a:ext uri="{FF2B5EF4-FFF2-40B4-BE49-F238E27FC236}">
-                  <a16:creationId xmlns:a16="http://schemas.microsoft.com/office/drawing/2014/main" id="{8547DB7D-4B74-473F-B73F-57EB1E9C81F4}"/>
+                  <a16:creationId xmlns:a16="http://schemas.microsoft.com/office/drawing/2014/main" xmlns="" id="{8547DB7D-4B74-473F-B73F-57EB1E9C81F4}"/>
                 </a:ext>
               </a:extLst>
             </p:cNvPr>
@@ -15414,7 +15414,7 @@
             <p:cNvPr id="63" name="Freeform: Shape 62">
               <a:extLst>
                 <a:ext uri="{FF2B5EF4-FFF2-40B4-BE49-F238E27FC236}">
-                  <a16:creationId xmlns:a16="http://schemas.microsoft.com/office/drawing/2014/main" id="{476D6EA8-6A8F-42E0-A5D6-BA0CF15DC815}"/>
+                  <a16:creationId xmlns:a16="http://schemas.microsoft.com/office/drawing/2014/main" xmlns="" id="{476D6EA8-6A8F-42E0-A5D6-BA0CF15DC815}"/>
                 </a:ext>
               </a:extLst>
             </p:cNvPr>
@@ -15593,7 +15593,7 @@
           <p:cNvPr id="4" name="Rectangle 3">
             <a:extLst>
               <a:ext uri="{FF2B5EF4-FFF2-40B4-BE49-F238E27FC236}">
-                <a16:creationId xmlns:a16="http://schemas.microsoft.com/office/drawing/2014/main" id="{34C2575F-205E-46C7-9C87-1A37855E192A}"/>
+                <a16:creationId xmlns:a16="http://schemas.microsoft.com/office/drawing/2014/main" xmlns="" id="{34C2575F-205E-46C7-9C87-1A37855E192A}"/>
               </a:ext>
             </a:extLst>
           </p:cNvPr>
@@ -15633,7 +15633,7 @@
     <a:masterClrMapping/>
   </p:clrMapOvr>
   <mc:AlternateContent xmlns:mc="http://schemas.openxmlformats.org/markup-compatibility/2006">
-    <mc:Choice xmlns:p159="http://schemas.microsoft.com/office/powerpoint/2015/09/main" Requires="p159">
+    <mc:Choice xmlns:p159="http://schemas.microsoft.com/office/powerpoint/2015/09/main" xmlns="" Requires="p159">
       <p:transition xmlns:p14="http://schemas.microsoft.com/office/powerpoint/2010/main" spd="slow" p14:dur="2000">
         <p159:morph option="byObject"/>
       </p:transition>
@@ -15669,7 +15669,7 @@
           <p:cNvPr id="4" name="Title 3">
             <a:extLst>
               <a:ext uri="{FF2B5EF4-FFF2-40B4-BE49-F238E27FC236}">
-                <a16:creationId xmlns:a16="http://schemas.microsoft.com/office/drawing/2014/main" id="{50F0DD64-42E8-4B3D-AD05-5E681F4DD86C}"/>
+                <a16:creationId xmlns:a16="http://schemas.microsoft.com/office/drawing/2014/main" xmlns="" id="{50F0DD64-42E8-4B3D-AD05-5E681F4DD86C}"/>
               </a:ext>
             </a:extLst>
           </p:cNvPr>

--- a/Midterm Presentation.pptx
+++ b/Midterm Presentation.pptx
@@ -220,7 +220,7 @@
           <a:p>
             <a:fld id="{1D2D40E1-7C75-4435-8144-527545F291AA}" type="datetimeFigureOut">
               <a:rPr lang="en-US" smtClean="0"/>
-              <a:t>11/8/2018</a:t>
+              <a:t>11/9/2018</a:t>
             </a:fld>
             <a:endParaRPr lang="en-US"/>
           </a:p>
@@ -1284,7 +1284,7 @@
           <a:p>
             <a:fld id="{C4FE5F31-8592-42D5-A4A7-735376C81CF5}" type="datetimeFigureOut">
               <a:rPr lang="en-US" smtClean="0"/>
-              <a:t>11/8/2018</a:t>
+              <a:t>11/9/2018</a:t>
             </a:fld>
             <a:endParaRPr lang="en-US"/>
           </a:p>
@@ -1720,7 +1720,7 @@
           <a:p>
             <a:fld id="{C4FE5F31-8592-42D5-A4A7-735376C81CF5}" type="datetimeFigureOut">
               <a:rPr lang="en-US" smtClean="0"/>
-              <a:t>11/8/2018</a:t>
+              <a:t>11/9/2018</a:t>
             </a:fld>
             <a:endParaRPr lang="en-US"/>
           </a:p>
@@ -1970,7 +1970,7 @@
           <a:p>
             <a:fld id="{C4FE5F31-8592-42D5-A4A7-735376C81CF5}" type="datetimeFigureOut">
               <a:rPr lang="en-US" smtClean="0"/>
-              <a:t>11/8/2018</a:t>
+              <a:t>11/9/2018</a:t>
             </a:fld>
             <a:endParaRPr lang="en-US"/>
           </a:p>
@@ -2278,7 +2278,7 @@
           <a:p>
             <a:fld id="{C4FE5F31-8592-42D5-A4A7-735376C81CF5}" type="datetimeFigureOut">
               <a:rPr lang="en-US" smtClean="0"/>
-              <a:t>11/8/2018</a:t>
+              <a:t>11/9/2018</a:t>
             </a:fld>
             <a:endParaRPr lang="en-US"/>
           </a:p>
@@ -2596,7 +2596,7 @@
           <a:p>
             <a:fld id="{C4FE5F31-8592-42D5-A4A7-735376C81CF5}" type="datetimeFigureOut">
               <a:rPr lang="en-US" smtClean="0"/>
-              <a:t>11/8/2018</a:t>
+              <a:t>11/9/2018</a:t>
             </a:fld>
             <a:endParaRPr lang="en-US"/>
           </a:p>
@@ -2898,7 +2898,7 @@
           <a:p>
             <a:fld id="{C4FE5F31-8592-42D5-A4A7-735376C81CF5}" type="datetimeFigureOut">
               <a:rPr lang="en-US" smtClean="0"/>
-              <a:t>11/8/2018</a:t>
+              <a:t>11/9/2018</a:t>
             </a:fld>
             <a:endParaRPr lang="en-US"/>
           </a:p>
@@ -3265,7 +3265,7 @@
           <a:p>
             <a:fld id="{C4FE5F31-8592-42D5-A4A7-735376C81CF5}" type="datetimeFigureOut">
               <a:rPr lang="en-US" smtClean="0"/>
-              <a:t>11/8/2018</a:t>
+              <a:t>11/9/2018</a:t>
             </a:fld>
             <a:endParaRPr lang="en-US"/>
           </a:p>
@@ -3439,7 +3439,7 @@
           <a:p>
             <a:fld id="{C4FE5F31-8592-42D5-A4A7-735376C81CF5}" type="datetimeFigureOut">
               <a:rPr lang="en-US" smtClean="0"/>
-              <a:t>11/8/2018</a:t>
+              <a:t>11/9/2018</a:t>
             </a:fld>
             <a:endParaRPr lang="en-US"/>
           </a:p>
@@ -3619,7 +3619,7 @@
           <a:p>
             <a:fld id="{C4FE5F31-8592-42D5-A4A7-735376C81CF5}" type="datetimeFigureOut">
               <a:rPr lang="en-US" smtClean="0"/>
-              <a:t>11/8/2018</a:t>
+              <a:t>11/9/2018</a:t>
             </a:fld>
             <a:endParaRPr lang="en-US"/>
           </a:p>
@@ -3789,7 +3789,7 @@
           <a:p>
             <a:fld id="{C4FE5F31-8592-42D5-A4A7-735376C81CF5}" type="datetimeFigureOut">
               <a:rPr lang="en-US" smtClean="0"/>
-              <a:t>11/8/2018</a:t>
+              <a:t>11/9/2018</a:t>
             </a:fld>
             <a:endParaRPr lang="en-US"/>
           </a:p>
@@ -4039,7 +4039,7 @@
           <a:p>
             <a:fld id="{C4FE5F31-8592-42D5-A4A7-735376C81CF5}" type="datetimeFigureOut">
               <a:rPr lang="en-US" smtClean="0"/>
-              <a:t>11/8/2018</a:t>
+              <a:t>11/9/2018</a:t>
             </a:fld>
             <a:endParaRPr lang="en-US"/>
           </a:p>
@@ -4275,7 +4275,7 @@
           <a:p>
             <a:fld id="{C4FE5F31-8592-42D5-A4A7-735376C81CF5}" type="datetimeFigureOut">
               <a:rPr lang="en-US" smtClean="0"/>
-              <a:t>11/8/2018</a:t>
+              <a:t>11/9/2018</a:t>
             </a:fld>
             <a:endParaRPr lang="en-US"/>
           </a:p>
@@ -4657,7 +4657,7 @@
           <a:p>
             <a:fld id="{C4FE5F31-8592-42D5-A4A7-735376C81CF5}" type="datetimeFigureOut">
               <a:rPr lang="en-US" smtClean="0"/>
-              <a:t>11/8/2018</a:t>
+              <a:t>11/9/2018</a:t>
             </a:fld>
             <a:endParaRPr lang="en-US"/>
           </a:p>
@@ -4775,7 +4775,7 @@
           <a:p>
             <a:fld id="{C4FE5F31-8592-42D5-A4A7-735376C81CF5}" type="datetimeFigureOut">
               <a:rPr lang="en-US" smtClean="0"/>
-              <a:t>11/8/2018</a:t>
+              <a:t>11/9/2018</a:t>
             </a:fld>
             <a:endParaRPr lang="en-US"/>
           </a:p>
@@ -4870,7 +4870,7 @@
           <a:p>
             <a:fld id="{C4FE5F31-8592-42D5-A4A7-735376C81CF5}" type="datetimeFigureOut">
               <a:rPr lang="en-US" smtClean="0"/>
-              <a:t>11/8/2018</a:t>
+              <a:t>11/9/2018</a:t>
             </a:fld>
             <a:endParaRPr lang="en-US"/>
           </a:p>
@@ -5125,7 +5125,7 @@
           <a:p>
             <a:fld id="{C4FE5F31-8592-42D5-A4A7-735376C81CF5}" type="datetimeFigureOut">
               <a:rPr lang="en-US" smtClean="0"/>
-              <a:t>11/8/2018</a:t>
+              <a:t>11/9/2018</a:t>
             </a:fld>
             <a:endParaRPr lang="en-US"/>
           </a:p>
@@ -5408,7 +5408,7 @@
           <a:p>
             <a:fld id="{C4FE5F31-8592-42D5-A4A7-735376C81CF5}" type="datetimeFigureOut">
               <a:rPr lang="en-US" smtClean="0"/>
-              <a:t>11/8/2018</a:t>
+              <a:t>11/9/2018</a:t>
             </a:fld>
             <a:endParaRPr lang="en-US"/>
           </a:p>
@@ -5814,7 +5814,7 @@
           <a:p>
             <a:fld id="{C4FE5F31-8592-42D5-A4A7-735376C81CF5}" type="datetimeFigureOut">
               <a:rPr lang="en-US" smtClean="0"/>
-              <a:t>11/8/2018</a:t>
+              <a:t>11/9/2018</a:t>
             </a:fld>
             <a:endParaRPr lang="en-US"/>
           </a:p>
@@ -6354,7 +6354,7 @@
           <p:cNvPr id="4" name="Title 3">
             <a:extLst>
               <a:ext uri="{FF2B5EF4-FFF2-40B4-BE49-F238E27FC236}">
-                <a16:creationId xmlns:a16="http://schemas.microsoft.com/office/drawing/2014/main" xmlns="" id="{BC1D564B-1870-4EFC-A1AF-BE47594B15F8}"/>
+                <a16:creationId xmlns:a16="http://schemas.microsoft.com/office/drawing/2014/main" id="{BC1D564B-1870-4EFC-A1AF-BE47594B15F8}"/>
               </a:ext>
             </a:extLst>
           </p:cNvPr>
@@ -6382,7 +6382,7 @@
           <p:cNvPr id="5" name="Subtitle 4">
             <a:extLst>
               <a:ext uri="{FF2B5EF4-FFF2-40B4-BE49-F238E27FC236}">
-                <a16:creationId xmlns:a16="http://schemas.microsoft.com/office/drawing/2014/main" xmlns="" id="{5AF370E5-7A3C-42D7-9C69-DD4DA95D6340}"/>
+                <a16:creationId xmlns:a16="http://schemas.microsoft.com/office/drawing/2014/main" id="{5AF370E5-7A3C-42D7-9C69-DD4DA95D6340}"/>
               </a:ext>
             </a:extLst>
           </p:cNvPr>
@@ -6410,7 +6410,7 @@
           <p:cNvPr id="6" name="Title 3">
             <a:extLst>
               <a:ext uri="{FF2B5EF4-FFF2-40B4-BE49-F238E27FC236}">
-                <a16:creationId xmlns:a16="http://schemas.microsoft.com/office/drawing/2014/main" xmlns="" id="{2E55C3D8-0239-4BA0-831D-A15485752A80}"/>
+                <a16:creationId xmlns:a16="http://schemas.microsoft.com/office/drawing/2014/main" id="{2E55C3D8-0239-4BA0-831D-A15485752A80}"/>
               </a:ext>
             </a:extLst>
           </p:cNvPr>
@@ -6638,7 +6638,7 @@
           <p:cNvPr id="2" name="Title 1">
             <a:extLst>
               <a:ext uri="{FF2B5EF4-FFF2-40B4-BE49-F238E27FC236}">
-                <a16:creationId xmlns:a16="http://schemas.microsoft.com/office/drawing/2014/main" xmlns="" id="{3DE0B584-EC5A-4B37-9082-E3900764815C}"/>
+                <a16:creationId xmlns:a16="http://schemas.microsoft.com/office/drawing/2014/main" id="{3DE0B584-EC5A-4B37-9082-E3900764815C}"/>
               </a:ext>
             </a:extLst>
           </p:cNvPr>
@@ -6668,7 +6668,7 @@
           <p:cNvPr id="3" name="Content Placeholder 2">
             <a:extLst>
               <a:ext uri="{FF2B5EF4-FFF2-40B4-BE49-F238E27FC236}">
-                <a16:creationId xmlns:a16="http://schemas.microsoft.com/office/drawing/2014/main" xmlns="" id="{5BDE2B2A-C53F-45D7-B68E-3C466D791074}"/>
+                <a16:creationId xmlns:a16="http://schemas.microsoft.com/office/drawing/2014/main" id="{5BDE2B2A-C53F-45D7-B68E-3C466D791074}"/>
               </a:ext>
             </a:extLst>
           </p:cNvPr>
@@ -6765,7 +6765,7 @@
           <p:cNvPr id="2" name="Title 1">
             <a:extLst>
               <a:ext uri="{FF2B5EF4-FFF2-40B4-BE49-F238E27FC236}">
-                <a16:creationId xmlns:a16="http://schemas.microsoft.com/office/drawing/2014/main" xmlns="" id="{33DC9F01-32B9-40CB-8100-DC1ECDC2DA7C}"/>
+                <a16:creationId xmlns:a16="http://schemas.microsoft.com/office/drawing/2014/main" id="{33DC9F01-32B9-40CB-8100-DC1ECDC2DA7C}"/>
               </a:ext>
             </a:extLst>
           </p:cNvPr>
@@ -6795,7 +6795,7 @@
           <p:cNvPr id="3" name="Content Placeholder 2">
             <a:extLst>
               <a:ext uri="{FF2B5EF4-FFF2-40B4-BE49-F238E27FC236}">
-                <a16:creationId xmlns:a16="http://schemas.microsoft.com/office/drawing/2014/main" xmlns="" id="{83440EFF-130E-46E8-BE5E-A39DC9910F60}"/>
+                <a16:creationId xmlns:a16="http://schemas.microsoft.com/office/drawing/2014/main" id="{83440EFF-130E-46E8-BE5E-A39DC9910F60}"/>
               </a:ext>
             </a:extLst>
           </p:cNvPr>
@@ -6808,10 +6808,48 @@
         </p:nvSpPr>
         <p:spPr/>
         <p:txBody>
-          <a:bodyPr/>
+          <a:bodyPr>
+            <a:normAutofit/>
+          </a:bodyPr>
           <a:lstStyle/>
           <a:p>
-            <a:endParaRPr lang="en-US" dirty="0"/>
+            <a:r>
+              <a:rPr lang="en-US" sz="2800" dirty="0"/>
+              <a:t>Top-down tactical robot fighting game</a:t>
+            </a:r>
+          </a:p>
+          <a:p>
+            <a:r>
+              <a:rPr lang="en-US" sz="2800" dirty="0"/>
+              <a:t>Similar games</a:t>
+            </a:r>
+          </a:p>
+          <a:p>
+            <a:pPr lvl="1"/>
+            <a:r>
+              <a:rPr lang="en-US" sz="2400" dirty="0"/>
+              <a:t>Door Kickers</a:t>
+            </a:r>
+          </a:p>
+          <a:p>
+            <a:pPr lvl="1"/>
+            <a:r>
+              <a:rPr lang="en-US" sz="2400" dirty="0"/>
+              <a:t>Breach &amp; Clear</a:t>
+            </a:r>
+          </a:p>
+          <a:p>
+            <a:pPr lvl="1"/>
+            <a:r>
+              <a:rPr lang="en-US" sz="2400" dirty="0"/>
+              <a:t>Frozen Synapse</a:t>
+            </a:r>
+          </a:p>
+          <a:p>
+            <a:r>
+              <a:rPr lang="en-US" sz="2800" dirty="0"/>
+              <a:t>Cyberpunk themed</a:t>
+            </a:r>
           </a:p>
         </p:txBody>
       </p:sp>
@@ -6850,7 +6888,7 @@
           <p:cNvPr id="2" name="Title 1">
             <a:extLst>
               <a:ext uri="{FF2B5EF4-FFF2-40B4-BE49-F238E27FC236}">
-                <a16:creationId xmlns:a16="http://schemas.microsoft.com/office/drawing/2014/main" xmlns="" id="{15BAC696-E427-4944-B34F-4C100D7A6A88}"/>
+                <a16:creationId xmlns:a16="http://schemas.microsoft.com/office/drawing/2014/main" id="{15BAC696-E427-4944-B34F-4C100D7A6A88}"/>
               </a:ext>
             </a:extLst>
           </p:cNvPr>
@@ -6884,7 +6922,7 @@
           <p:cNvPr id="64" name="Group 63">
             <a:extLst>
               <a:ext uri="{FF2B5EF4-FFF2-40B4-BE49-F238E27FC236}">
-                <a16:creationId xmlns:a16="http://schemas.microsoft.com/office/drawing/2014/main" xmlns="" id="{4704C14E-21A1-418A-983E-18DAFF3D085A}"/>
+                <a16:creationId xmlns:a16="http://schemas.microsoft.com/office/drawing/2014/main" id="{4704C14E-21A1-418A-983E-18DAFF3D085A}"/>
               </a:ext>
             </a:extLst>
           </p:cNvPr>
@@ -6904,7 +6942,7 @@
             <p:cNvPr id="34" name="Freeform: Shape 33">
               <a:extLst>
                 <a:ext uri="{FF2B5EF4-FFF2-40B4-BE49-F238E27FC236}">
-                  <a16:creationId xmlns:a16="http://schemas.microsoft.com/office/drawing/2014/main" xmlns="" id="{44C53BD5-7E07-484D-AE85-C8C48B239F6E}"/>
+                  <a16:creationId xmlns:a16="http://schemas.microsoft.com/office/drawing/2014/main" id="{44C53BD5-7E07-484D-AE85-C8C48B239F6E}"/>
                 </a:ext>
               </a:extLst>
             </p:cNvPr>
@@ -7072,7 +7110,7 @@
             <p:cNvPr id="35" name="Arrow: Right 34">
               <a:extLst>
                 <a:ext uri="{FF2B5EF4-FFF2-40B4-BE49-F238E27FC236}">
-                  <a16:creationId xmlns:a16="http://schemas.microsoft.com/office/drawing/2014/main" xmlns="" id="{FDA8B83F-7B6D-48E4-9C3F-E231FD985226}"/>
+                  <a16:creationId xmlns:a16="http://schemas.microsoft.com/office/drawing/2014/main" id="{FDA8B83F-7B6D-48E4-9C3F-E231FD985226}"/>
                 </a:ext>
               </a:extLst>
             </p:cNvPr>
@@ -7129,7 +7167,7 @@
             <p:cNvPr id="36" name="Freeform: Shape 35">
               <a:extLst>
                 <a:ext uri="{FF2B5EF4-FFF2-40B4-BE49-F238E27FC236}">
-                  <a16:creationId xmlns:a16="http://schemas.microsoft.com/office/drawing/2014/main" xmlns="" id="{BDFDBD81-FB40-464A-B88D-FC851D1199F5}"/>
+                  <a16:creationId xmlns:a16="http://schemas.microsoft.com/office/drawing/2014/main" id="{BDFDBD81-FB40-464A-B88D-FC851D1199F5}"/>
                 </a:ext>
               </a:extLst>
             </p:cNvPr>
@@ -7314,7 +7352,7 @@
             <p:cNvPr id="37" name="Arrow: Right 36">
               <a:extLst>
                 <a:ext uri="{FF2B5EF4-FFF2-40B4-BE49-F238E27FC236}">
-                  <a16:creationId xmlns:a16="http://schemas.microsoft.com/office/drawing/2014/main" xmlns="" id="{9B1C1C52-F69F-4440-B1DE-3C0F549A48E0}"/>
+                  <a16:creationId xmlns:a16="http://schemas.microsoft.com/office/drawing/2014/main" id="{9B1C1C52-F69F-4440-B1DE-3C0F549A48E0}"/>
                 </a:ext>
               </a:extLst>
             </p:cNvPr>
@@ -7371,7 +7409,7 @@
             <p:cNvPr id="38" name="Freeform: Shape 37">
               <a:extLst>
                 <a:ext uri="{FF2B5EF4-FFF2-40B4-BE49-F238E27FC236}">
-                  <a16:creationId xmlns:a16="http://schemas.microsoft.com/office/drawing/2014/main" xmlns="" id="{EEC74825-30ED-4616-8DC6-6A305EAAD661}"/>
+                  <a16:creationId xmlns:a16="http://schemas.microsoft.com/office/drawing/2014/main" id="{EEC74825-30ED-4616-8DC6-6A305EAAD661}"/>
                 </a:ext>
               </a:extLst>
             </p:cNvPr>
@@ -7549,7 +7587,7 @@
             <p:cNvPr id="39" name="Freeform: Shape 38">
               <a:extLst>
                 <a:ext uri="{FF2B5EF4-FFF2-40B4-BE49-F238E27FC236}">
-                  <a16:creationId xmlns:a16="http://schemas.microsoft.com/office/drawing/2014/main" xmlns="" id="{0C660FCE-9FC8-40B5-8A8E-D950FF698E7F}"/>
+                  <a16:creationId xmlns:a16="http://schemas.microsoft.com/office/drawing/2014/main" id="{0C660FCE-9FC8-40B5-8A8E-D950FF698E7F}"/>
                 </a:ext>
               </a:extLst>
             </p:cNvPr>
@@ -7717,7 +7755,7 @@
             <p:cNvPr id="40" name="Arrow: Right 39">
               <a:extLst>
                 <a:ext uri="{FF2B5EF4-FFF2-40B4-BE49-F238E27FC236}">
-                  <a16:creationId xmlns:a16="http://schemas.microsoft.com/office/drawing/2014/main" xmlns="" id="{5193B0E6-D79F-4261-8B4D-A34BAF9C2490}"/>
+                  <a16:creationId xmlns:a16="http://schemas.microsoft.com/office/drawing/2014/main" id="{5193B0E6-D79F-4261-8B4D-A34BAF9C2490}"/>
                 </a:ext>
               </a:extLst>
             </p:cNvPr>
@@ -7774,7 +7812,7 @@
             <p:cNvPr id="41" name="Freeform: Shape 40">
               <a:extLst>
                 <a:ext uri="{FF2B5EF4-FFF2-40B4-BE49-F238E27FC236}">
-                  <a16:creationId xmlns:a16="http://schemas.microsoft.com/office/drawing/2014/main" xmlns="" id="{D2427D8B-57C5-4A0E-962F-2E6D0F48D0D6}"/>
+                  <a16:creationId xmlns:a16="http://schemas.microsoft.com/office/drawing/2014/main" id="{D2427D8B-57C5-4A0E-962F-2E6D0F48D0D6}"/>
                 </a:ext>
               </a:extLst>
             </p:cNvPr>
@@ -7952,7 +7990,7 @@
             <p:cNvPr id="42" name="Arrow: Right 41">
               <a:extLst>
                 <a:ext uri="{FF2B5EF4-FFF2-40B4-BE49-F238E27FC236}">
-                  <a16:creationId xmlns:a16="http://schemas.microsoft.com/office/drawing/2014/main" xmlns="" id="{FDBF6E59-0E7F-4725-A7F0-6D669001C510}"/>
+                  <a16:creationId xmlns:a16="http://schemas.microsoft.com/office/drawing/2014/main" id="{FDBF6E59-0E7F-4725-A7F0-6D669001C510}"/>
                 </a:ext>
               </a:extLst>
             </p:cNvPr>
@@ -8009,7 +8047,7 @@
             <p:cNvPr id="43" name="Freeform: Shape 42">
               <a:extLst>
                 <a:ext uri="{FF2B5EF4-FFF2-40B4-BE49-F238E27FC236}">
-                  <a16:creationId xmlns:a16="http://schemas.microsoft.com/office/drawing/2014/main" xmlns="" id="{69C2D6B0-3B70-4839-A4D5-32DE45F59323}"/>
+                  <a16:creationId xmlns:a16="http://schemas.microsoft.com/office/drawing/2014/main" id="{69C2D6B0-3B70-4839-A4D5-32DE45F59323}"/>
                 </a:ext>
               </a:extLst>
             </p:cNvPr>
@@ -8187,7 +8225,7 @@
             <p:cNvPr id="44" name="Freeform: Shape 43">
               <a:extLst>
                 <a:ext uri="{FF2B5EF4-FFF2-40B4-BE49-F238E27FC236}">
-                  <a16:creationId xmlns:a16="http://schemas.microsoft.com/office/drawing/2014/main" xmlns="" id="{4CABF522-64CF-41AD-911B-5D937D57F3DC}"/>
+                  <a16:creationId xmlns:a16="http://schemas.microsoft.com/office/drawing/2014/main" id="{4CABF522-64CF-41AD-911B-5D937D57F3DC}"/>
                 </a:ext>
               </a:extLst>
             </p:cNvPr>
@@ -8355,7 +8393,7 @@
             <p:cNvPr id="45" name="Arrow: Right 44">
               <a:extLst>
                 <a:ext uri="{FF2B5EF4-FFF2-40B4-BE49-F238E27FC236}">
-                  <a16:creationId xmlns:a16="http://schemas.microsoft.com/office/drawing/2014/main" xmlns="" id="{4C6B7FC5-AEB2-4600-91FD-EA3CFCCE7BF6}"/>
+                  <a16:creationId xmlns:a16="http://schemas.microsoft.com/office/drawing/2014/main" id="{4C6B7FC5-AEB2-4600-91FD-EA3CFCCE7BF6}"/>
                 </a:ext>
               </a:extLst>
             </p:cNvPr>
@@ -8412,7 +8450,7 @@
             <p:cNvPr id="46" name="Freeform: Shape 45">
               <a:extLst>
                 <a:ext uri="{FF2B5EF4-FFF2-40B4-BE49-F238E27FC236}">
-                  <a16:creationId xmlns:a16="http://schemas.microsoft.com/office/drawing/2014/main" xmlns="" id="{3661A75B-3C72-4C2C-A6B0-4DEB9033B246}"/>
+                  <a16:creationId xmlns:a16="http://schemas.microsoft.com/office/drawing/2014/main" id="{3661A75B-3C72-4C2C-A6B0-4DEB9033B246}"/>
                 </a:ext>
               </a:extLst>
             </p:cNvPr>
@@ -8590,7 +8628,7 @@
             <p:cNvPr id="47" name="Arrow: Right 46">
               <a:extLst>
                 <a:ext uri="{FF2B5EF4-FFF2-40B4-BE49-F238E27FC236}">
-                  <a16:creationId xmlns:a16="http://schemas.microsoft.com/office/drawing/2014/main" xmlns="" id="{697D6279-A88A-480A-B73A-0EBB11576748}"/>
+                  <a16:creationId xmlns:a16="http://schemas.microsoft.com/office/drawing/2014/main" id="{697D6279-A88A-480A-B73A-0EBB11576748}"/>
                 </a:ext>
               </a:extLst>
             </p:cNvPr>
@@ -8647,7 +8685,7 @@
             <p:cNvPr id="48" name="Freeform: Shape 47">
               <a:extLst>
                 <a:ext uri="{FF2B5EF4-FFF2-40B4-BE49-F238E27FC236}">
-                  <a16:creationId xmlns:a16="http://schemas.microsoft.com/office/drawing/2014/main" xmlns="" id="{D4B68E97-27C7-4BB1-9CC4-7C208D15C446}"/>
+                  <a16:creationId xmlns:a16="http://schemas.microsoft.com/office/drawing/2014/main" id="{D4B68E97-27C7-4BB1-9CC4-7C208D15C446}"/>
                 </a:ext>
               </a:extLst>
             </p:cNvPr>
@@ -8826,7 +8864,7 @@
           <p:cNvPr id="4" name="Rectangle 3">
             <a:extLst>
               <a:ext uri="{FF2B5EF4-FFF2-40B4-BE49-F238E27FC236}">
-                <a16:creationId xmlns:a16="http://schemas.microsoft.com/office/drawing/2014/main" xmlns="" id="{34C2575F-205E-46C7-9C87-1A37855E192A}"/>
+                <a16:creationId xmlns:a16="http://schemas.microsoft.com/office/drawing/2014/main" id="{34C2575F-205E-46C7-9C87-1A37855E192A}"/>
               </a:ext>
             </a:extLst>
           </p:cNvPr>
@@ -8890,7 +8928,7 @@
           <p:cNvPr id="4" name="Title 3">
             <a:extLst>
               <a:ext uri="{FF2B5EF4-FFF2-40B4-BE49-F238E27FC236}">
-                <a16:creationId xmlns:a16="http://schemas.microsoft.com/office/drawing/2014/main" xmlns="" id="{B1E335D2-9597-4FC0-8ACA-9F196F2B7CD0}"/>
+                <a16:creationId xmlns:a16="http://schemas.microsoft.com/office/drawing/2014/main" id="{B1E335D2-9597-4FC0-8ACA-9F196F2B7CD0}"/>
               </a:ext>
             </a:extLst>
           </p:cNvPr>
@@ -8950,7 +8988,7 @@
           <p:cNvPr id="2" name="Title 1">
             <a:extLst>
               <a:ext uri="{FF2B5EF4-FFF2-40B4-BE49-F238E27FC236}">
-                <a16:creationId xmlns:a16="http://schemas.microsoft.com/office/drawing/2014/main" xmlns="" id="{15BAC696-E427-4944-B34F-4C100D7A6A88}"/>
+                <a16:creationId xmlns:a16="http://schemas.microsoft.com/office/drawing/2014/main" id="{15BAC696-E427-4944-B34F-4C100D7A6A88}"/>
               </a:ext>
             </a:extLst>
           </p:cNvPr>
@@ -8984,7 +9022,7 @@
           <p:cNvPr id="64" name="Group 63">
             <a:extLst>
               <a:ext uri="{FF2B5EF4-FFF2-40B4-BE49-F238E27FC236}">
-                <a16:creationId xmlns:a16="http://schemas.microsoft.com/office/drawing/2014/main" xmlns="" id="{4704C14E-21A1-418A-983E-18DAFF3D085A}"/>
+                <a16:creationId xmlns:a16="http://schemas.microsoft.com/office/drawing/2014/main" id="{4704C14E-21A1-418A-983E-18DAFF3D085A}"/>
               </a:ext>
             </a:extLst>
           </p:cNvPr>
@@ -9004,7 +9042,7 @@
             <p:cNvPr id="34" name="Freeform: Shape 33">
               <a:extLst>
                 <a:ext uri="{FF2B5EF4-FFF2-40B4-BE49-F238E27FC236}">
-                  <a16:creationId xmlns:a16="http://schemas.microsoft.com/office/drawing/2014/main" xmlns="" id="{44C53BD5-7E07-484D-AE85-C8C48B239F6E}"/>
+                  <a16:creationId xmlns:a16="http://schemas.microsoft.com/office/drawing/2014/main" id="{44C53BD5-7E07-484D-AE85-C8C48B239F6E}"/>
                 </a:ext>
               </a:extLst>
             </p:cNvPr>
@@ -9172,7 +9210,7 @@
             <p:cNvPr id="35" name="Arrow: Right 34">
               <a:extLst>
                 <a:ext uri="{FF2B5EF4-FFF2-40B4-BE49-F238E27FC236}">
-                  <a16:creationId xmlns:a16="http://schemas.microsoft.com/office/drawing/2014/main" xmlns="" id="{FDA8B83F-7B6D-48E4-9C3F-E231FD985226}"/>
+                  <a16:creationId xmlns:a16="http://schemas.microsoft.com/office/drawing/2014/main" id="{FDA8B83F-7B6D-48E4-9C3F-E231FD985226}"/>
                 </a:ext>
               </a:extLst>
             </p:cNvPr>
@@ -9229,7 +9267,7 @@
             <p:cNvPr id="36" name="Freeform: Shape 35">
               <a:extLst>
                 <a:ext uri="{FF2B5EF4-FFF2-40B4-BE49-F238E27FC236}">
-                  <a16:creationId xmlns:a16="http://schemas.microsoft.com/office/drawing/2014/main" xmlns="" id="{BDFDBD81-FB40-464A-B88D-FC851D1199F5}"/>
+                  <a16:creationId xmlns:a16="http://schemas.microsoft.com/office/drawing/2014/main" id="{BDFDBD81-FB40-464A-B88D-FC851D1199F5}"/>
                 </a:ext>
               </a:extLst>
             </p:cNvPr>
@@ -9414,7 +9452,7 @@
             <p:cNvPr id="37" name="Arrow: Right 36">
               <a:extLst>
                 <a:ext uri="{FF2B5EF4-FFF2-40B4-BE49-F238E27FC236}">
-                  <a16:creationId xmlns:a16="http://schemas.microsoft.com/office/drawing/2014/main" xmlns="" id="{9B1C1C52-F69F-4440-B1DE-3C0F549A48E0}"/>
+                  <a16:creationId xmlns:a16="http://schemas.microsoft.com/office/drawing/2014/main" id="{9B1C1C52-F69F-4440-B1DE-3C0F549A48E0}"/>
                 </a:ext>
               </a:extLst>
             </p:cNvPr>
@@ -9471,7 +9509,7 @@
             <p:cNvPr id="38" name="Freeform: Shape 37">
               <a:extLst>
                 <a:ext uri="{FF2B5EF4-FFF2-40B4-BE49-F238E27FC236}">
-                  <a16:creationId xmlns:a16="http://schemas.microsoft.com/office/drawing/2014/main" xmlns="" id="{EEC74825-30ED-4616-8DC6-6A305EAAD661}"/>
+                  <a16:creationId xmlns:a16="http://schemas.microsoft.com/office/drawing/2014/main" id="{EEC74825-30ED-4616-8DC6-6A305EAAD661}"/>
                 </a:ext>
               </a:extLst>
             </p:cNvPr>
@@ -9649,7 +9687,7 @@
             <p:cNvPr id="39" name="Freeform: Shape 38">
               <a:extLst>
                 <a:ext uri="{FF2B5EF4-FFF2-40B4-BE49-F238E27FC236}">
-                  <a16:creationId xmlns:a16="http://schemas.microsoft.com/office/drawing/2014/main" xmlns="" id="{0C660FCE-9FC8-40B5-8A8E-D950FF698E7F}"/>
+                  <a16:creationId xmlns:a16="http://schemas.microsoft.com/office/drawing/2014/main" id="{0C660FCE-9FC8-40B5-8A8E-D950FF698E7F}"/>
                 </a:ext>
               </a:extLst>
             </p:cNvPr>
@@ -9817,7 +9855,7 @@
             <p:cNvPr id="40" name="Arrow: Right 39">
               <a:extLst>
                 <a:ext uri="{FF2B5EF4-FFF2-40B4-BE49-F238E27FC236}">
-                  <a16:creationId xmlns:a16="http://schemas.microsoft.com/office/drawing/2014/main" xmlns="" id="{5193B0E6-D79F-4261-8B4D-A34BAF9C2490}"/>
+                  <a16:creationId xmlns:a16="http://schemas.microsoft.com/office/drawing/2014/main" id="{5193B0E6-D79F-4261-8B4D-A34BAF9C2490}"/>
                 </a:ext>
               </a:extLst>
             </p:cNvPr>
@@ -9874,7 +9912,7 @@
             <p:cNvPr id="41" name="Freeform: Shape 40">
               <a:extLst>
                 <a:ext uri="{FF2B5EF4-FFF2-40B4-BE49-F238E27FC236}">
-                  <a16:creationId xmlns:a16="http://schemas.microsoft.com/office/drawing/2014/main" xmlns="" id="{D2427D8B-57C5-4A0E-962F-2E6D0F48D0D6}"/>
+                  <a16:creationId xmlns:a16="http://schemas.microsoft.com/office/drawing/2014/main" id="{D2427D8B-57C5-4A0E-962F-2E6D0F48D0D6}"/>
                 </a:ext>
               </a:extLst>
             </p:cNvPr>
@@ -10052,7 +10090,7 @@
             <p:cNvPr id="42" name="Arrow: Right 41">
               <a:extLst>
                 <a:ext uri="{FF2B5EF4-FFF2-40B4-BE49-F238E27FC236}">
-                  <a16:creationId xmlns:a16="http://schemas.microsoft.com/office/drawing/2014/main" xmlns="" id="{FDBF6E59-0E7F-4725-A7F0-6D669001C510}"/>
+                  <a16:creationId xmlns:a16="http://schemas.microsoft.com/office/drawing/2014/main" id="{FDBF6E59-0E7F-4725-A7F0-6D669001C510}"/>
                 </a:ext>
               </a:extLst>
             </p:cNvPr>
@@ -10109,7 +10147,7 @@
             <p:cNvPr id="43" name="Freeform: Shape 42">
               <a:extLst>
                 <a:ext uri="{FF2B5EF4-FFF2-40B4-BE49-F238E27FC236}">
-                  <a16:creationId xmlns:a16="http://schemas.microsoft.com/office/drawing/2014/main" xmlns="" id="{69C2D6B0-3B70-4839-A4D5-32DE45F59323}"/>
+                  <a16:creationId xmlns:a16="http://schemas.microsoft.com/office/drawing/2014/main" id="{69C2D6B0-3B70-4839-A4D5-32DE45F59323}"/>
                 </a:ext>
               </a:extLst>
             </p:cNvPr>
@@ -10287,7 +10325,7 @@
             <p:cNvPr id="44" name="Freeform: Shape 43">
               <a:extLst>
                 <a:ext uri="{FF2B5EF4-FFF2-40B4-BE49-F238E27FC236}">
-                  <a16:creationId xmlns:a16="http://schemas.microsoft.com/office/drawing/2014/main" xmlns="" id="{4CABF522-64CF-41AD-911B-5D937D57F3DC}"/>
+                  <a16:creationId xmlns:a16="http://schemas.microsoft.com/office/drawing/2014/main" id="{4CABF522-64CF-41AD-911B-5D937D57F3DC}"/>
                 </a:ext>
               </a:extLst>
             </p:cNvPr>
@@ -10455,7 +10493,7 @@
             <p:cNvPr id="45" name="Arrow: Right 44">
               <a:extLst>
                 <a:ext uri="{FF2B5EF4-FFF2-40B4-BE49-F238E27FC236}">
-                  <a16:creationId xmlns:a16="http://schemas.microsoft.com/office/drawing/2014/main" xmlns="" id="{4C6B7FC5-AEB2-4600-91FD-EA3CFCCE7BF6}"/>
+                  <a16:creationId xmlns:a16="http://schemas.microsoft.com/office/drawing/2014/main" id="{4C6B7FC5-AEB2-4600-91FD-EA3CFCCE7BF6}"/>
                 </a:ext>
               </a:extLst>
             </p:cNvPr>
@@ -10512,7 +10550,7 @@
             <p:cNvPr id="46" name="Freeform: Shape 45">
               <a:extLst>
                 <a:ext uri="{FF2B5EF4-FFF2-40B4-BE49-F238E27FC236}">
-                  <a16:creationId xmlns:a16="http://schemas.microsoft.com/office/drawing/2014/main" xmlns="" id="{3661A75B-3C72-4C2C-A6B0-4DEB9033B246}"/>
+                  <a16:creationId xmlns:a16="http://schemas.microsoft.com/office/drawing/2014/main" id="{3661A75B-3C72-4C2C-A6B0-4DEB9033B246}"/>
                 </a:ext>
               </a:extLst>
             </p:cNvPr>
@@ -10690,7 +10728,7 @@
             <p:cNvPr id="47" name="Arrow: Right 46">
               <a:extLst>
                 <a:ext uri="{FF2B5EF4-FFF2-40B4-BE49-F238E27FC236}">
-                  <a16:creationId xmlns:a16="http://schemas.microsoft.com/office/drawing/2014/main" xmlns="" id="{697D6279-A88A-480A-B73A-0EBB11576748}"/>
+                  <a16:creationId xmlns:a16="http://schemas.microsoft.com/office/drawing/2014/main" id="{697D6279-A88A-480A-B73A-0EBB11576748}"/>
                 </a:ext>
               </a:extLst>
             </p:cNvPr>
@@ -10747,7 +10785,7 @@
             <p:cNvPr id="48" name="Freeform: Shape 47">
               <a:extLst>
                 <a:ext uri="{FF2B5EF4-FFF2-40B4-BE49-F238E27FC236}">
-                  <a16:creationId xmlns:a16="http://schemas.microsoft.com/office/drawing/2014/main" xmlns="" id="{D4B68E97-27C7-4BB1-9CC4-7C208D15C446}"/>
+                  <a16:creationId xmlns:a16="http://schemas.microsoft.com/office/drawing/2014/main" id="{D4B68E97-27C7-4BB1-9CC4-7C208D15C446}"/>
                 </a:ext>
               </a:extLst>
             </p:cNvPr>
@@ -10926,7 +10964,7 @@
           <p:cNvPr id="65" name="Group 64">
             <a:extLst>
               <a:ext uri="{FF2B5EF4-FFF2-40B4-BE49-F238E27FC236}">
-                <a16:creationId xmlns:a16="http://schemas.microsoft.com/office/drawing/2014/main" xmlns="" id="{1CFD932A-EC64-48EE-84D5-356B5E7E6D8B}"/>
+                <a16:creationId xmlns:a16="http://schemas.microsoft.com/office/drawing/2014/main" id="{1CFD932A-EC64-48EE-84D5-356B5E7E6D8B}"/>
               </a:ext>
             </a:extLst>
           </p:cNvPr>
@@ -10946,7 +10984,7 @@
             <p:cNvPr id="49" name="Freeform: Shape 48">
               <a:extLst>
                 <a:ext uri="{FF2B5EF4-FFF2-40B4-BE49-F238E27FC236}">
-                  <a16:creationId xmlns:a16="http://schemas.microsoft.com/office/drawing/2014/main" xmlns="" id="{52E25D72-6F49-4AA7-A647-204F12FCF49C}"/>
+                  <a16:creationId xmlns:a16="http://schemas.microsoft.com/office/drawing/2014/main" id="{52E25D72-6F49-4AA7-A647-204F12FCF49C}"/>
                 </a:ext>
               </a:extLst>
             </p:cNvPr>
@@ -11114,7 +11152,7 @@
             <p:cNvPr id="50" name="Arrow: Right 49">
               <a:extLst>
                 <a:ext uri="{FF2B5EF4-FFF2-40B4-BE49-F238E27FC236}">
-                  <a16:creationId xmlns:a16="http://schemas.microsoft.com/office/drawing/2014/main" xmlns="" id="{6E8F3ED5-787B-48CF-AE69-EA36EE613389}"/>
+                  <a16:creationId xmlns:a16="http://schemas.microsoft.com/office/drawing/2014/main" id="{6E8F3ED5-787B-48CF-AE69-EA36EE613389}"/>
                 </a:ext>
               </a:extLst>
             </p:cNvPr>
@@ -11171,7 +11209,7 @@
             <p:cNvPr id="51" name="Freeform: Shape 50">
               <a:extLst>
                 <a:ext uri="{FF2B5EF4-FFF2-40B4-BE49-F238E27FC236}">
-                  <a16:creationId xmlns:a16="http://schemas.microsoft.com/office/drawing/2014/main" xmlns="" id="{A515956A-FEEE-4EAC-90F9-1E1A02D229E4}"/>
+                  <a16:creationId xmlns:a16="http://schemas.microsoft.com/office/drawing/2014/main" id="{A515956A-FEEE-4EAC-90F9-1E1A02D229E4}"/>
                 </a:ext>
               </a:extLst>
             </p:cNvPr>
@@ -11349,7 +11387,7 @@
             <p:cNvPr id="52" name="Arrow: Right 51">
               <a:extLst>
                 <a:ext uri="{FF2B5EF4-FFF2-40B4-BE49-F238E27FC236}">
-                  <a16:creationId xmlns:a16="http://schemas.microsoft.com/office/drawing/2014/main" xmlns="" id="{FF72762E-B140-4655-883B-D15CA9B3F1F9}"/>
+                  <a16:creationId xmlns:a16="http://schemas.microsoft.com/office/drawing/2014/main" id="{FF72762E-B140-4655-883B-D15CA9B3F1F9}"/>
                 </a:ext>
               </a:extLst>
             </p:cNvPr>
@@ -11406,7 +11444,7 @@
             <p:cNvPr id="53" name="Freeform: Shape 52">
               <a:extLst>
                 <a:ext uri="{FF2B5EF4-FFF2-40B4-BE49-F238E27FC236}">
-                  <a16:creationId xmlns:a16="http://schemas.microsoft.com/office/drawing/2014/main" xmlns="" id="{B14A9532-F31E-4E83-8919-A2F9F2BC4575}"/>
+                  <a16:creationId xmlns:a16="http://schemas.microsoft.com/office/drawing/2014/main" id="{B14A9532-F31E-4E83-8919-A2F9F2BC4575}"/>
                 </a:ext>
               </a:extLst>
             </p:cNvPr>
@@ -11585,7 +11623,7 @@
           <p:cNvPr id="4" name="Rectangle 3">
             <a:extLst>
               <a:ext uri="{FF2B5EF4-FFF2-40B4-BE49-F238E27FC236}">
-                <a16:creationId xmlns:a16="http://schemas.microsoft.com/office/drawing/2014/main" xmlns="" id="{34C2575F-205E-46C7-9C87-1A37855E192A}"/>
+                <a16:creationId xmlns:a16="http://schemas.microsoft.com/office/drawing/2014/main" id="{34C2575F-205E-46C7-9C87-1A37855E192A}"/>
               </a:ext>
             </a:extLst>
           </p:cNvPr>
@@ -11624,18 +11662,6 @@
   <p:clrMapOvr>
     <a:masterClrMapping/>
   </p:clrMapOvr>
-  <mc:AlternateContent xmlns:mc="http://schemas.openxmlformats.org/markup-compatibility/2006">
-    <mc:Choice xmlns:p159="http://schemas.microsoft.com/office/powerpoint/2015/09/main" xmlns="" Requires="p159">
-      <p:transition xmlns:p14="http://schemas.microsoft.com/office/powerpoint/2010/main" spd="slow" p14:dur="2000">
-        <p159:morph option="byObject"/>
-      </p:transition>
-    </mc:Choice>
-    <mc:Fallback>
-      <p:transition spd="slow">
-        <p:fade/>
-      </p:transition>
-    </mc:Fallback>
-  </mc:AlternateContent>
 </p:sld>
 </file>
 
@@ -11661,7 +11687,7 @@
           <p:cNvPr id="2" name="Title 1">
             <a:extLst>
               <a:ext uri="{FF2B5EF4-FFF2-40B4-BE49-F238E27FC236}">
-                <a16:creationId xmlns:a16="http://schemas.microsoft.com/office/drawing/2014/main" xmlns="" id="{15BAC696-E427-4944-B34F-4C100D7A6A88}"/>
+                <a16:creationId xmlns:a16="http://schemas.microsoft.com/office/drawing/2014/main" id="{15BAC696-E427-4944-B34F-4C100D7A6A88}"/>
               </a:ext>
             </a:extLst>
           </p:cNvPr>
@@ -11695,7 +11721,7 @@
           <p:cNvPr id="64" name="Group 63">
             <a:extLst>
               <a:ext uri="{FF2B5EF4-FFF2-40B4-BE49-F238E27FC236}">
-                <a16:creationId xmlns:a16="http://schemas.microsoft.com/office/drawing/2014/main" xmlns="" id="{4704C14E-21A1-418A-983E-18DAFF3D085A}"/>
+                <a16:creationId xmlns:a16="http://schemas.microsoft.com/office/drawing/2014/main" id="{4704C14E-21A1-418A-983E-18DAFF3D085A}"/>
               </a:ext>
             </a:extLst>
           </p:cNvPr>
@@ -11715,7 +11741,7 @@
             <p:cNvPr id="34" name="Freeform: Shape 33">
               <a:extLst>
                 <a:ext uri="{FF2B5EF4-FFF2-40B4-BE49-F238E27FC236}">
-                  <a16:creationId xmlns:a16="http://schemas.microsoft.com/office/drawing/2014/main" xmlns="" id="{44C53BD5-7E07-484D-AE85-C8C48B239F6E}"/>
+                  <a16:creationId xmlns:a16="http://schemas.microsoft.com/office/drawing/2014/main" id="{44C53BD5-7E07-484D-AE85-C8C48B239F6E}"/>
                 </a:ext>
               </a:extLst>
             </p:cNvPr>
@@ -11883,7 +11909,7 @@
             <p:cNvPr id="35" name="Arrow: Right 34">
               <a:extLst>
                 <a:ext uri="{FF2B5EF4-FFF2-40B4-BE49-F238E27FC236}">
-                  <a16:creationId xmlns:a16="http://schemas.microsoft.com/office/drawing/2014/main" xmlns="" id="{FDA8B83F-7B6D-48E4-9C3F-E231FD985226}"/>
+                  <a16:creationId xmlns:a16="http://schemas.microsoft.com/office/drawing/2014/main" id="{FDA8B83F-7B6D-48E4-9C3F-E231FD985226}"/>
                 </a:ext>
               </a:extLst>
             </p:cNvPr>
@@ -11940,7 +11966,7 @@
             <p:cNvPr id="36" name="Freeform: Shape 35">
               <a:extLst>
                 <a:ext uri="{FF2B5EF4-FFF2-40B4-BE49-F238E27FC236}">
-                  <a16:creationId xmlns:a16="http://schemas.microsoft.com/office/drawing/2014/main" xmlns="" id="{BDFDBD81-FB40-464A-B88D-FC851D1199F5}"/>
+                  <a16:creationId xmlns:a16="http://schemas.microsoft.com/office/drawing/2014/main" id="{BDFDBD81-FB40-464A-B88D-FC851D1199F5}"/>
                 </a:ext>
               </a:extLst>
             </p:cNvPr>
@@ -12125,7 +12151,7 @@
             <p:cNvPr id="37" name="Arrow: Right 36">
               <a:extLst>
                 <a:ext uri="{FF2B5EF4-FFF2-40B4-BE49-F238E27FC236}">
-                  <a16:creationId xmlns:a16="http://schemas.microsoft.com/office/drawing/2014/main" xmlns="" id="{9B1C1C52-F69F-4440-B1DE-3C0F549A48E0}"/>
+                  <a16:creationId xmlns:a16="http://schemas.microsoft.com/office/drawing/2014/main" id="{9B1C1C52-F69F-4440-B1DE-3C0F549A48E0}"/>
                 </a:ext>
               </a:extLst>
             </p:cNvPr>
@@ -12182,7 +12208,7 @@
             <p:cNvPr id="38" name="Freeform: Shape 37">
               <a:extLst>
                 <a:ext uri="{FF2B5EF4-FFF2-40B4-BE49-F238E27FC236}">
-                  <a16:creationId xmlns:a16="http://schemas.microsoft.com/office/drawing/2014/main" xmlns="" id="{EEC74825-30ED-4616-8DC6-6A305EAAD661}"/>
+                  <a16:creationId xmlns:a16="http://schemas.microsoft.com/office/drawing/2014/main" id="{EEC74825-30ED-4616-8DC6-6A305EAAD661}"/>
                 </a:ext>
               </a:extLst>
             </p:cNvPr>
@@ -12360,7 +12386,7 @@
             <p:cNvPr id="39" name="Freeform: Shape 38">
               <a:extLst>
                 <a:ext uri="{FF2B5EF4-FFF2-40B4-BE49-F238E27FC236}">
-                  <a16:creationId xmlns:a16="http://schemas.microsoft.com/office/drawing/2014/main" xmlns="" id="{0C660FCE-9FC8-40B5-8A8E-D950FF698E7F}"/>
+                  <a16:creationId xmlns:a16="http://schemas.microsoft.com/office/drawing/2014/main" id="{0C660FCE-9FC8-40B5-8A8E-D950FF698E7F}"/>
                 </a:ext>
               </a:extLst>
             </p:cNvPr>
@@ -12528,7 +12554,7 @@
             <p:cNvPr id="40" name="Arrow: Right 39">
               <a:extLst>
                 <a:ext uri="{FF2B5EF4-FFF2-40B4-BE49-F238E27FC236}">
-                  <a16:creationId xmlns:a16="http://schemas.microsoft.com/office/drawing/2014/main" xmlns="" id="{5193B0E6-D79F-4261-8B4D-A34BAF9C2490}"/>
+                  <a16:creationId xmlns:a16="http://schemas.microsoft.com/office/drawing/2014/main" id="{5193B0E6-D79F-4261-8B4D-A34BAF9C2490}"/>
                 </a:ext>
               </a:extLst>
             </p:cNvPr>
@@ -12585,7 +12611,7 @@
             <p:cNvPr id="41" name="Freeform: Shape 40">
               <a:extLst>
                 <a:ext uri="{FF2B5EF4-FFF2-40B4-BE49-F238E27FC236}">
-                  <a16:creationId xmlns:a16="http://schemas.microsoft.com/office/drawing/2014/main" xmlns="" id="{D2427D8B-57C5-4A0E-962F-2E6D0F48D0D6}"/>
+                  <a16:creationId xmlns:a16="http://schemas.microsoft.com/office/drawing/2014/main" id="{D2427D8B-57C5-4A0E-962F-2E6D0F48D0D6}"/>
                 </a:ext>
               </a:extLst>
             </p:cNvPr>
@@ -12763,7 +12789,7 @@
             <p:cNvPr id="42" name="Arrow: Right 41">
               <a:extLst>
                 <a:ext uri="{FF2B5EF4-FFF2-40B4-BE49-F238E27FC236}">
-                  <a16:creationId xmlns:a16="http://schemas.microsoft.com/office/drawing/2014/main" xmlns="" id="{FDBF6E59-0E7F-4725-A7F0-6D669001C510}"/>
+                  <a16:creationId xmlns:a16="http://schemas.microsoft.com/office/drawing/2014/main" id="{FDBF6E59-0E7F-4725-A7F0-6D669001C510}"/>
                 </a:ext>
               </a:extLst>
             </p:cNvPr>
@@ -12820,7 +12846,7 @@
             <p:cNvPr id="43" name="Freeform: Shape 42">
               <a:extLst>
                 <a:ext uri="{FF2B5EF4-FFF2-40B4-BE49-F238E27FC236}">
-                  <a16:creationId xmlns:a16="http://schemas.microsoft.com/office/drawing/2014/main" xmlns="" id="{69C2D6B0-3B70-4839-A4D5-32DE45F59323}"/>
+                  <a16:creationId xmlns:a16="http://schemas.microsoft.com/office/drawing/2014/main" id="{69C2D6B0-3B70-4839-A4D5-32DE45F59323}"/>
                 </a:ext>
               </a:extLst>
             </p:cNvPr>
@@ -12998,7 +13024,7 @@
             <p:cNvPr id="44" name="Freeform: Shape 43">
               <a:extLst>
                 <a:ext uri="{FF2B5EF4-FFF2-40B4-BE49-F238E27FC236}">
-                  <a16:creationId xmlns:a16="http://schemas.microsoft.com/office/drawing/2014/main" xmlns="" id="{4CABF522-64CF-41AD-911B-5D937D57F3DC}"/>
+                  <a16:creationId xmlns:a16="http://schemas.microsoft.com/office/drawing/2014/main" id="{4CABF522-64CF-41AD-911B-5D937D57F3DC}"/>
                 </a:ext>
               </a:extLst>
             </p:cNvPr>
@@ -13166,7 +13192,7 @@
             <p:cNvPr id="45" name="Arrow: Right 44">
               <a:extLst>
                 <a:ext uri="{FF2B5EF4-FFF2-40B4-BE49-F238E27FC236}">
-                  <a16:creationId xmlns:a16="http://schemas.microsoft.com/office/drawing/2014/main" xmlns="" id="{4C6B7FC5-AEB2-4600-91FD-EA3CFCCE7BF6}"/>
+                  <a16:creationId xmlns:a16="http://schemas.microsoft.com/office/drawing/2014/main" id="{4C6B7FC5-AEB2-4600-91FD-EA3CFCCE7BF6}"/>
                 </a:ext>
               </a:extLst>
             </p:cNvPr>
@@ -13223,7 +13249,7 @@
             <p:cNvPr id="46" name="Freeform: Shape 45">
               <a:extLst>
                 <a:ext uri="{FF2B5EF4-FFF2-40B4-BE49-F238E27FC236}">
-                  <a16:creationId xmlns:a16="http://schemas.microsoft.com/office/drawing/2014/main" xmlns="" id="{3661A75B-3C72-4C2C-A6B0-4DEB9033B246}"/>
+                  <a16:creationId xmlns:a16="http://schemas.microsoft.com/office/drawing/2014/main" id="{3661A75B-3C72-4C2C-A6B0-4DEB9033B246}"/>
                 </a:ext>
               </a:extLst>
             </p:cNvPr>
@@ -13401,7 +13427,7 @@
             <p:cNvPr id="47" name="Arrow: Right 46">
               <a:extLst>
                 <a:ext uri="{FF2B5EF4-FFF2-40B4-BE49-F238E27FC236}">
-                  <a16:creationId xmlns:a16="http://schemas.microsoft.com/office/drawing/2014/main" xmlns="" id="{697D6279-A88A-480A-B73A-0EBB11576748}"/>
+                  <a16:creationId xmlns:a16="http://schemas.microsoft.com/office/drawing/2014/main" id="{697D6279-A88A-480A-B73A-0EBB11576748}"/>
                 </a:ext>
               </a:extLst>
             </p:cNvPr>
@@ -13458,7 +13484,7 @@
             <p:cNvPr id="48" name="Freeform: Shape 47">
               <a:extLst>
                 <a:ext uri="{FF2B5EF4-FFF2-40B4-BE49-F238E27FC236}">
-                  <a16:creationId xmlns:a16="http://schemas.microsoft.com/office/drawing/2014/main" xmlns="" id="{D4B68E97-27C7-4BB1-9CC4-7C208D15C446}"/>
+                  <a16:creationId xmlns:a16="http://schemas.microsoft.com/office/drawing/2014/main" id="{D4B68E97-27C7-4BB1-9CC4-7C208D15C446}"/>
                 </a:ext>
               </a:extLst>
             </p:cNvPr>
@@ -13637,7 +13663,7 @@
           <p:cNvPr id="65" name="Group 64">
             <a:extLst>
               <a:ext uri="{FF2B5EF4-FFF2-40B4-BE49-F238E27FC236}">
-                <a16:creationId xmlns:a16="http://schemas.microsoft.com/office/drawing/2014/main" xmlns="" id="{1CFD932A-EC64-48EE-84D5-356B5E7E6D8B}"/>
+                <a16:creationId xmlns:a16="http://schemas.microsoft.com/office/drawing/2014/main" id="{1CFD932A-EC64-48EE-84D5-356B5E7E6D8B}"/>
               </a:ext>
             </a:extLst>
           </p:cNvPr>
@@ -13657,7 +13683,7 @@
             <p:cNvPr id="49" name="Freeform: Shape 48">
               <a:extLst>
                 <a:ext uri="{FF2B5EF4-FFF2-40B4-BE49-F238E27FC236}">
-                  <a16:creationId xmlns:a16="http://schemas.microsoft.com/office/drawing/2014/main" xmlns="" id="{52E25D72-6F49-4AA7-A647-204F12FCF49C}"/>
+                  <a16:creationId xmlns:a16="http://schemas.microsoft.com/office/drawing/2014/main" id="{52E25D72-6F49-4AA7-A647-204F12FCF49C}"/>
                 </a:ext>
               </a:extLst>
             </p:cNvPr>
@@ -13825,7 +13851,7 @@
             <p:cNvPr id="50" name="Arrow: Right 49">
               <a:extLst>
                 <a:ext uri="{FF2B5EF4-FFF2-40B4-BE49-F238E27FC236}">
-                  <a16:creationId xmlns:a16="http://schemas.microsoft.com/office/drawing/2014/main" xmlns="" id="{6E8F3ED5-787B-48CF-AE69-EA36EE613389}"/>
+                  <a16:creationId xmlns:a16="http://schemas.microsoft.com/office/drawing/2014/main" id="{6E8F3ED5-787B-48CF-AE69-EA36EE613389}"/>
                 </a:ext>
               </a:extLst>
             </p:cNvPr>
@@ -13882,7 +13908,7 @@
             <p:cNvPr id="51" name="Freeform: Shape 50">
               <a:extLst>
                 <a:ext uri="{FF2B5EF4-FFF2-40B4-BE49-F238E27FC236}">
-                  <a16:creationId xmlns:a16="http://schemas.microsoft.com/office/drawing/2014/main" xmlns="" id="{A515956A-FEEE-4EAC-90F9-1E1A02D229E4}"/>
+                  <a16:creationId xmlns:a16="http://schemas.microsoft.com/office/drawing/2014/main" id="{A515956A-FEEE-4EAC-90F9-1E1A02D229E4}"/>
                 </a:ext>
               </a:extLst>
             </p:cNvPr>
@@ -14060,7 +14086,7 @@
             <p:cNvPr id="52" name="Arrow: Right 51">
               <a:extLst>
                 <a:ext uri="{FF2B5EF4-FFF2-40B4-BE49-F238E27FC236}">
-                  <a16:creationId xmlns:a16="http://schemas.microsoft.com/office/drawing/2014/main" xmlns="" id="{FF72762E-B140-4655-883B-D15CA9B3F1F9}"/>
+                  <a16:creationId xmlns:a16="http://schemas.microsoft.com/office/drawing/2014/main" id="{FF72762E-B140-4655-883B-D15CA9B3F1F9}"/>
                 </a:ext>
               </a:extLst>
             </p:cNvPr>
@@ -14117,7 +14143,7 @@
             <p:cNvPr id="53" name="Freeform: Shape 52">
               <a:extLst>
                 <a:ext uri="{FF2B5EF4-FFF2-40B4-BE49-F238E27FC236}">
-                  <a16:creationId xmlns:a16="http://schemas.microsoft.com/office/drawing/2014/main" xmlns="" id="{B14A9532-F31E-4E83-8919-A2F9F2BC4575}"/>
+                  <a16:creationId xmlns:a16="http://schemas.microsoft.com/office/drawing/2014/main" id="{B14A9532-F31E-4E83-8919-A2F9F2BC4575}"/>
                 </a:ext>
               </a:extLst>
             </p:cNvPr>
@@ -14296,7 +14322,7 @@
           <p:cNvPr id="66" name="Group 65">
             <a:extLst>
               <a:ext uri="{FF2B5EF4-FFF2-40B4-BE49-F238E27FC236}">
-                <a16:creationId xmlns:a16="http://schemas.microsoft.com/office/drawing/2014/main" xmlns="" id="{7BB1CCC3-FB85-480B-8CA2-83103916CD0C}"/>
+                <a16:creationId xmlns:a16="http://schemas.microsoft.com/office/drawing/2014/main" id="{7BB1CCC3-FB85-480B-8CA2-83103916CD0C}"/>
               </a:ext>
             </a:extLst>
           </p:cNvPr>
@@ -14316,7 +14342,7 @@
             <p:cNvPr id="54" name="Freeform: Shape 53">
               <a:extLst>
                 <a:ext uri="{FF2B5EF4-FFF2-40B4-BE49-F238E27FC236}">
-                  <a16:creationId xmlns:a16="http://schemas.microsoft.com/office/drawing/2014/main" xmlns="" id="{67E6153B-58A7-478E-B012-02DA8C81A7BA}"/>
+                  <a16:creationId xmlns:a16="http://schemas.microsoft.com/office/drawing/2014/main" id="{67E6153B-58A7-478E-B012-02DA8C81A7BA}"/>
                 </a:ext>
               </a:extLst>
             </p:cNvPr>
@@ -14484,7 +14510,7 @@
             <p:cNvPr id="55" name="Arrow: Right 54">
               <a:extLst>
                 <a:ext uri="{FF2B5EF4-FFF2-40B4-BE49-F238E27FC236}">
-                  <a16:creationId xmlns:a16="http://schemas.microsoft.com/office/drawing/2014/main" xmlns="" id="{DE6B8371-20D6-4E41-B0FB-36FBC28FACAC}"/>
+                  <a16:creationId xmlns:a16="http://schemas.microsoft.com/office/drawing/2014/main" id="{DE6B8371-20D6-4E41-B0FB-36FBC28FACAC}"/>
                 </a:ext>
               </a:extLst>
             </p:cNvPr>
@@ -14541,7 +14567,7 @@
             <p:cNvPr id="56" name="Freeform: Shape 55">
               <a:extLst>
                 <a:ext uri="{FF2B5EF4-FFF2-40B4-BE49-F238E27FC236}">
-                  <a16:creationId xmlns:a16="http://schemas.microsoft.com/office/drawing/2014/main" xmlns="" id="{6DBB1B57-5FA1-4726-A0FA-FCE6AF696D5F}"/>
+                  <a16:creationId xmlns:a16="http://schemas.microsoft.com/office/drawing/2014/main" id="{6DBB1B57-5FA1-4726-A0FA-FCE6AF696D5F}"/>
                 </a:ext>
               </a:extLst>
             </p:cNvPr>
@@ -14719,7 +14745,7 @@
             <p:cNvPr id="57" name="Arrow: Right 56">
               <a:extLst>
                 <a:ext uri="{FF2B5EF4-FFF2-40B4-BE49-F238E27FC236}">
-                  <a16:creationId xmlns:a16="http://schemas.microsoft.com/office/drawing/2014/main" xmlns="" id="{D644B312-70CB-474C-90E1-C5F4D3E10C6D}"/>
+                  <a16:creationId xmlns:a16="http://schemas.microsoft.com/office/drawing/2014/main" id="{D644B312-70CB-474C-90E1-C5F4D3E10C6D}"/>
                 </a:ext>
               </a:extLst>
             </p:cNvPr>
@@ -14776,7 +14802,7 @@
             <p:cNvPr id="58" name="Freeform: Shape 57">
               <a:extLst>
                 <a:ext uri="{FF2B5EF4-FFF2-40B4-BE49-F238E27FC236}">
-                  <a16:creationId xmlns:a16="http://schemas.microsoft.com/office/drawing/2014/main" xmlns="" id="{CC1C7CCA-D833-4AE1-8A22-57D0A2826F5B}"/>
+                  <a16:creationId xmlns:a16="http://schemas.microsoft.com/office/drawing/2014/main" id="{CC1C7CCA-D833-4AE1-8A22-57D0A2826F5B}"/>
                 </a:ext>
               </a:extLst>
             </p:cNvPr>
@@ -14954,7 +14980,7 @@
             <p:cNvPr id="59" name="Freeform: Shape 58">
               <a:extLst>
                 <a:ext uri="{FF2B5EF4-FFF2-40B4-BE49-F238E27FC236}">
-                  <a16:creationId xmlns:a16="http://schemas.microsoft.com/office/drawing/2014/main" xmlns="" id="{79FFCFFE-950B-4E16-9F2F-DF4F56698853}"/>
+                  <a16:creationId xmlns:a16="http://schemas.microsoft.com/office/drawing/2014/main" id="{79FFCFFE-950B-4E16-9F2F-DF4F56698853}"/>
                 </a:ext>
               </a:extLst>
             </p:cNvPr>
@@ -15122,7 +15148,7 @@
             <p:cNvPr id="60" name="Arrow: Right 59">
               <a:extLst>
                 <a:ext uri="{FF2B5EF4-FFF2-40B4-BE49-F238E27FC236}">
-                  <a16:creationId xmlns:a16="http://schemas.microsoft.com/office/drawing/2014/main" xmlns="" id="{1AD81804-2714-4369-A33C-5EDF8FA73A4F}"/>
+                  <a16:creationId xmlns:a16="http://schemas.microsoft.com/office/drawing/2014/main" id="{1AD81804-2714-4369-A33C-5EDF8FA73A4F}"/>
                 </a:ext>
               </a:extLst>
             </p:cNvPr>
@@ -15179,7 +15205,7 @@
             <p:cNvPr id="61" name="Freeform: Shape 60">
               <a:extLst>
                 <a:ext uri="{FF2B5EF4-FFF2-40B4-BE49-F238E27FC236}">
-                  <a16:creationId xmlns:a16="http://schemas.microsoft.com/office/drawing/2014/main" xmlns="" id="{611714F9-CF72-4D47-BBA7-BE095333661B}"/>
+                  <a16:creationId xmlns:a16="http://schemas.microsoft.com/office/drawing/2014/main" id="{611714F9-CF72-4D47-BBA7-BE095333661B}"/>
                 </a:ext>
               </a:extLst>
             </p:cNvPr>
@@ -15357,7 +15383,7 @@
             <p:cNvPr id="62" name="Arrow: Right 61">
               <a:extLst>
                 <a:ext uri="{FF2B5EF4-FFF2-40B4-BE49-F238E27FC236}">
-                  <a16:creationId xmlns:a16="http://schemas.microsoft.com/office/drawing/2014/main" xmlns="" id="{8547DB7D-4B74-473F-B73F-57EB1E9C81F4}"/>
+                  <a16:creationId xmlns:a16="http://schemas.microsoft.com/office/drawing/2014/main" id="{8547DB7D-4B74-473F-B73F-57EB1E9C81F4}"/>
                 </a:ext>
               </a:extLst>
             </p:cNvPr>
@@ -15414,7 +15440,7 @@
             <p:cNvPr id="63" name="Freeform: Shape 62">
               <a:extLst>
                 <a:ext uri="{FF2B5EF4-FFF2-40B4-BE49-F238E27FC236}">
-                  <a16:creationId xmlns:a16="http://schemas.microsoft.com/office/drawing/2014/main" xmlns="" id="{476D6EA8-6A8F-42E0-A5D6-BA0CF15DC815}"/>
+                  <a16:creationId xmlns:a16="http://schemas.microsoft.com/office/drawing/2014/main" id="{476D6EA8-6A8F-42E0-A5D6-BA0CF15DC815}"/>
                 </a:ext>
               </a:extLst>
             </p:cNvPr>
@@ -15593,7 +15619,7 @@
           <p:cNvPr id="4" name="Rectangle 3">
             <a:extLst>
               <a:ext uri="{FF2B5EF4-FFF2-40B4-BE49-F238E27FC236}">
-                <a16:creationId xmlns:a16="http://schemas.microsoft.com/office/drawing/2014/main" xmlns="" id="{34C2575F-205E-46C7-9C87-1A37855E192A}"/>
+                <a16:creationId xmlns:a16="http://schemas.microsoft.com/office/drawing/2014/main" id="{34C2575F-205E-46C7-9C87-1A37855E192A}"/>
               </a:ext>
             </a:extLst>
           </p:cNvPr>
@@ -15633,8 +15659,8 @@
     <a:masterClrMapping/>
   </p:clrMapOvr>
   <mc:AlternateContent xmlns:mc="http://schemas.openxmlformats.org/markup-compatibility/2006">
-    <mc:Choice xmlns:p159="http://schemas.microsoft.com/office/powerpoint/2015/09/main" xmlns="" Requires="p159">
-      <p:transition xmlns:p14="http://schemas.microsoft.com/office/powerpoint/2010/main" spd="slow" p14:dur="2000">
+    <mc:Choice xmlns:p159="http://schemas.microsoft.com/office/powerpoint/2015/09/main" Requires="p159">
+      <p:transition spd="slow">
         <p159:morph option="byObject"/>
       </p:transition>
     </mc:Choice>
@@ -15669,7 +15695,7 @@
           <p:cNvPr id="4" name="Title 3">
             <a:extLst>
               <a:ext uri="{FF2B5EF4-FFF2-40B4-BE49-F238E27FC236}">
-                <a16:creationId xmlns:a16="http://schemas.microsoft.com/office/drawing/2014/main" xmlns="" id="{50F0DD64-42E8-4B3D-AD05-5E681F4DD86C}"/>
+                <a16:creationId xmlns:a16="http://schemas.microsoft.com/office/drawing/2014/main" id="{50F0DD64-42E8-4B3D-AD05-5E681F4DD86C}"/>
               </a:ext>
             </a:extLst>
           </p:cNvPr>
